--- a/assets/lectures/cshl/2019/mini/RNASeq_MiniLecture_02_03_SAM_BAM_BED.pptx
+++ b/assets/lectures/cshl/2019/mini/RNASeq_MiniLecture_02_03_SAM_BAM_BED.pptx
@@ -212,7 +212,7 @@
           <a:p>
             <a:fld id="{3F074802-55CA-9B40-9191-B744CF71FA91}" type="datetimeFigureOut">
               <a:rPr lang="en-US" smtClean="0"/>
-              <a:t>11/5/19</a:t>
+              <a:t>11/9/19</a:t>
             </a:fld>
             <a:endParaRPr lang="en-US"/>
           </a:p>
@@ -904,14 +904,14 @@
           </a:ln>
           <a:extLst>
             <a:ext uri="{909E8E84-426E-40dd-AFC4-6F175D3DCCD1}">
-              <a14:hiddenFill xmlns="" xmlns:a14="http://schemas.microsoft.com/office/drawing/2010/main">
+              <a14:hiddenFill xmlns:a14="http://schemas.microsoft.com/office/drawing/2010/main" xmlns="">
                 <a:solidFill>
                   <a:srgbClr val="FFFFFF"/>
                 </a:solidFill>
               </a14:hiddenFill>
             </a:ext>
             <a:ext uri="{91240B29-F687-4f45-9708-019B960494DF}">
-              <a14:hiddenLine xmlns="" xmlns:a14="http://schemas.microsoft.com/office/drawing/2010/main" w="9525">
+              <a14:hiddenLine xmlns:a14="http://schemas.microsoft.com/office/drawing/2010/main" xmlns="" w="9525">
                 <a:solidFill>
                   <a:srgbClr val="000000"/>
                 </a:solidFill>
@@ -5084,14 +5084,14 @@
           </a:ln>
           <a:extLst>
             <a:ext uri="{909E8E84-426E-40dd-AFC4-6F175D3DCCD1}">
-              <a14:hiddenFill xmlns="" xmlns:a14="http://schemas.microsoft.com/office/drawing/2010/main">
+              <a14:hiddenFill xmlns:a14="http://schemas.microsoft.com/office/drawing/2010/main" xmlns="">
                 <a:solidFill>
                   <a:srgbClr val="FFFFFF"/>
                 </a:solidFill>
               </a14:hiddenFill>
             </a:ext>
             <a:ext uri="{91240B29-F687-4f45-9708-019B960494DF}">
-              <a14:hiddenLine xmlns="" xmlns:a14="http://schemas.microsoft.com/office/drawing/2010/main" w="9525">
+              <a14:hiddenLine xmlns:a14="http://schemas.microsoft.com/office/drawing/2010/main" xmlns="" w="9525">
                 <a:solidFill>
                   <a:srgbClr val="000000"/>
                 </a:solidFill>
@@ -6944,14 +6944,14 @@
           </a:ln>
           <a:extLst>
             <a:ext uri="{909E8E84-426E-40dd-AFC4-6F175D3DCCD1}">
-              <a14:hiddenFill xmlns="" xmlns:a14="http://schemas.microsoft.com/office/drawing/2010/main">
+              <a14:hiddenFill xmlns:a14="http://schemas.microsoft.com/office/drawing/2010/main" xmlns="">
                 <a:solidFill>
                   <a:srgbClr val="FFFFFF"/>
                 </a:solidFill>
               </a14:hiddenFill>
             </a:ext>
             <a:ext uri="{91240B29-F687-4f45-9708-019B960494DF}">
-              <a14:hiddenLine xmlns="" xmlns:a14="http://schemas.microsoft.com/office/drawing/2010/main" w="9525">
+              <a14:hiddenLine xmlns:a14="http://schemas.microsoft.com/office/drawing/2010/main" xmlns="" w="9525">
                 <a:solidFill>
                   <a:srgbClr val="000000"/>
                 </a:solidFill>
@@ -7948,14 +7948,14 @@
           </a:ln>
           <a:extLst>
             <a:ext uri="{909E8E84-426E-40dd-AFC4-6F175D3DCCD1}">
-              <a14:hiddenFill xmlns="" xmlns:a14="http://schemas.microsoft.com/office/drawing/2010/main">
+              <a14:hiddenFill xmlns:a14="http://schemas.microsoft.com/office/drawing/2010/main" xmlns="">
                 <a:solidFill>
                   <a:srgbClr val="FFFFFF"/>
                 </a:solidFill>
               </a14:hiddenFill>
             </a:ext>
             <a:ext uri="{91240B29-F687-4f45-9708-019B960494DF}">
-              <a14:hiddenLine xmlns="" xmlns:a14="http://schemas.microsoft.com/office/drawing/2010/main" w="9525">
+              <a14:hiddenLine xmlns:a14="http://schemas.microsoft.com/office/drawing/2010/main" xmlns="" w="9525">
                 <a:solidFill>
                   <a:srgbClr val="000000"/>
                 </a:solidFill>
@@ -8658,14 +8658,14 @@
           </a:ln>
           <a:extLst>
             <a:ext uri="{909E8E84-426E-40dd-AFC4-6F175D3DCCD1}">
-              <a14:hiddenFill xmlns="" xmlns:a14="http://schemas.microsoft.com/office/drawing/2010/main">
+              <a14:hiddenFill xmlns:a14="http://schemas.microsoft.com/office/drawing/2010/main" xmlns="">
                 <a:solidFill>
                   <a:srgbClr val="FFFFFF"/>
                 </a:solidFill>
               </a14:hiddenFill>
             </a:ext>
             <a:ext uri="{91240B29-F687-4f45-9708-019B960494DF}">
-              <a14:hiddenLine xmlns="" xmlns:a14="http://schemas.microsoft.com/office/drawing/2010/main" w="9525">
+              <a14:hiddenLine xmlns:a14="http://schemas.microsoft.com/office/drawing/2010/main" xmlns="" w="9525">
                 <a:solidFill>
                   <a:srgbClr val="000000"/>
                 </a:solidFill>
@@ -8763,7 +8763,17 @@
                 <a:latin typeface="Calibri" charset="0"/>
                 <a:cs typeface="Segoe UI" charset="0"/>
               </a:rPr>
-              <a:t>RNA-Seq Module 3</a:t>
+              <a:t>RNA-Seq </a:t>
+            </a:r>
+            <a:r>
+              <a:rPr lang="en-US" sz="3200">
+                <a:solidFill>
+                  <a:schemeClr val="bg1"/>
+                </a:solidFill>
+                <a:latin typeface="Calibri" charset="0"/>
+                <a:cs typeface="Segoe UI" charset="0"/>
+              </a:rPr>
+              <a:t>Module 2</a:t>
             </a:r>
             <a:br>
               <a:rPr lang="en-US" sz="3200" dirty="0">
@@ -13691,14 +13701,14 @@
           </a:ln>
           <a:extLst>
             <a:ext uri="{909E8E84-426E-40dd-AFC4-6F175D3DCCD1}">
-              <a14:hiddenFill xmlns="" xmlns:a14="http://schemas.microsoft.com/office/drawing/2010/main">
+              <a14:hiddenFill xmlns:a14="http://schemas.microsoft.com/office/drawing/2010/main" xmlns="">
                 <a:solidFill>
                   <a:srgbClr val="FFFFFF"/>
                 </a:solidFill>
               </a14:hiddenFill>
             </a:ext>
             <a:ext uri="{91240B29-F687-4f45-9708-019B960494DF}">
-              <a14:hiddenLine xmlns="" xmlns:a14="http://schemas.microsoft.com/office/drawing/2010/main" w="9525">
+              <a14:hiddenLine xmlns:a14="http://schemas.microsoft.com/office/drawing/2010/main" xmlns="" w="9525">
                 <a:solidFill>
                   <a:srgbClr val="000000"/>
                 </a:solidFill>
@@ -13732,14 +13742,14 @@
           </a:ln>
           <a:extLst>
             <a:ext uri="{909E8E84-426E-40dd-AFC4-6F175D3DCCD1}">
-              <a14:hiddenFill xmlns="" xmlns:a14="http://schemas.microsoft.com/office/drawing/2010/main">
+              <a14:hiddenFill xmlns:a14="http://schemas.microsoft.com/office/drawing/2010/main" xmlns="">
                 <a:solidFill>
                   <a:srgbClr val="FFFFFF"/>
                 </a:solidFill>
               </a14:hiddenFill>
             </a:ext>
             <a:ext uri="{91240B29-F687-4f45-9708-019B960494DF}">
-              <a14:hiddenLine xmlns="" xmlns:a14="http://schemas.microsoft.com/office/drawing/2010/main" w="9525">
+              <a14:hiddenLine xmlns:a14="http://schemas.microsoft.com/office/drawing/2010/main" xmlns="" w="9525">
                 <a:solidFill>
                   <a:srgbClr val="000000"/>
                 </a:solidFill>
@@ -13893,14 +13903,14 @@
           </a:ln>
           <a:extLst>
             <a:ext uri="{909E8E84-426E-40dd-AFC4-6F175D3DCCD1}">
-              <a14:hiddenFill xmlns="" xmlns:a14="http://schemas.microsoft.com/office/drawing/2010/main">
+              <a14:hiddenFill xmlns:a14="http://schemas.microsoft.com/office/drawing/2010/main" xmlns="">
                 <a:solidFill>
                   <a:srgbClr val="FFFFFF"/>
                 </a:solidFill>
               </a14:hiddenFill>
             </a:ext>
             <a:ext uri="{91240B29-F687-4f45-9708-019B960494DF}">
-              <a14:hiddenLine xmlns="" xmlns:a14="http://schemas.microsoft.com/office/drawing/2010/main" w="9525">
+              <a14:hiddenLine xmlns:a14="http://schemas.microsoft.com/office/drawing/2010/main" xmlns="" w="9525">
                 <a:solidFill>
                   <a:srgbClr val="000000"/>
                 </a:solidFill>
@@ -15272,14 +15282,14 @@
           </a:ln>
           <a:extLst>
             <a:ext uri="{909E8E84-426E-40dd-AFC4-6F175D3DCCD1}">
-              <a14:hiddenFill xmlns="" xmlns:a14="http://schemas.microsoft.com/office/drawing/2010/main">
+              <a14:hiddenFill xmlns:a14="http://schemas.microsoft.com/office/drawing/2010/main" xmlns="">
                 <a:solidFill>
                   <a:srgbClr val="FFFFFF"/>
                 </a:solidFill>
               </a14:hiddenFill>
             </a:ext>
             <a:ext uri="{91240B29-F687-4f45-9708-019B960494DF}">
-              <a14:hiddenLine xmlns="" xmlns:a14="http://schemas.microsoft.com/office/drawing/2010/main" w="9525">
+              <a14:hiddenLine xmlns:a14="http://schemas.microsoft.com/office/drawing/2010/main" xmlns="" w="9525">
                 <a:solidFill>
                   <a:srgbClr val="000000"/>
                 </a:solidFill>
@@ -15567,14 +15577,14 @@
           </a:ln>
           <a:extLst>
             <a:ext uri="{909E8E84-426E-40dd-AFC4-6F175D3DCCD1}">
-              <a14:hiddenFill xmlns="" xmlns:a14="http://schemas.microsoft.com/office/drawing/2010/main">
+              <a14:hiddenFill xmlns:a14="http://schemas.microsoft.com/office/drawing/2010/main" xmlns="">
                 <a:solidFill>
                   <a:srgbClr val="FFFFFF"/>
                 </a:solidFill>
               </a14:hiddenFill>
             </a:ext>
             <a:ext uri="{91240B29-F687-4f45-9708-019B960494DF}">
-              <a14:hiddenLine xmlns="" xmlns:a14="http://schemas.microsoft.com/office/drawing/2010/main" w="9525">
+              <a14:hiddenLine xmlns:a14="http://schemas.microsoft.com/office/drawing/2010/main" xmlns="" w="9525">
                 <a:solidFill>
                   <a:srgbClr val="000000"/>
                 </a:solidFill>
@@ -15940,14 +15950,14 @@
           </a:ln>
           <a:extLst>
             <a:ext uri="{909E8E84-426E-40dd-AFC4-6F175D3DCCD1}">
-              <a14:hiddenFill xmlns="" xmlns:a14="http://schemas.microsoft.com/office/drawing/2010/main">
+              <a14:hiddenFill xmlns:a14="http://schemas.microsoft.com/office/drawing/2010/main" xmlns="">
                 <a:solidFill>
                   <a:srgbClr val="FFFFFF"/>
                 </a:solidFill>
               </a14:hiddenFill>
             </a:ext>
             <a:ext uri="{91240B29-F687-4f45-9708-019B960494DF}">
-              <a14:hiddenLine xmlns="" xmlns:a14="http://schemas.microsoft.com/office/drawing/2010/main" w="9525">
+              <a14:hiddenLine xmlns:a14="http://schemas.microsoft.com/office/drawing/2010/main" xmlns="" w="9525">
                 <a:solidFill>
                   <a:srgbClr val="000000"/>
                 </a:solidFill>

--- a/assets/lectures/cshl/2019/mini/RNASeq_MiniLecture_02_03_SAM_BAM_BED.pptx
+++ b/assets/lectures/cshl/2019/mini/RNASeq_MiniLecture_02_03_SAM_BAM_BED.pptx
@@ -2,28 +2,27 @@
 <file path=ppt/presentation.xml><?xml version="1.0" encoding="utf-8"?>
 <p:presentation xmlns:a="http://schemas.openxmlformats.org/drawingml/2006/main" xmlns:r="http://schemas.openxmlformats.org/officeDocument/2006/relationships" xmlns:p="http://schemas.openxmlformats.org/presentationml/2006/main" saveSubsetFonts="1" autoCompressPictures="0">
   <p:sldMasterIdLst>
-    <p:sldMasterId id="2147483660" r:id="rId1"/>
-    <p:sldMasterId id="2147483674" r:id="rId2"/>
+    <p:sldMasterId id="2147483674" r:id="rId1"/>
   </p:sldMasterIdLst>
   <p:notesMasterIdLst>
-    <p:notesMasterId r:id="rId18"/>
+    <p:notesMasterId r:id="rId17"/>
   </p:notesMasterIdLst>
   <p:sldIdLst>
-    <p:sldId id="515" r:id="rId3"/>
-    <p:sldId id="528" r:id="rId4"/>
-    <p:sldId id="529" r:id="rId5"/>
-    <p:sldId id="530" r:id="rId6"/>
-    <p:sldId id="531" r:id="rId7"/>
-    <p:sldId id="532" r:id="rId8"/>
-    <p:sldId id="533" r:id="rId9"/>
-    <p:sldId id="538" r:id="rId10"/>
-    <p:sldId id="534" r:id="rId11"/>
-    <p:sldId id="535" r:id="rId12"/>
-    <p:sldId id="269" r:id="rId13"/>
-    <p:sldId id="310" r:id="rId14"/>
-    <p:sldId id="539" r:id="rId15"/>
-    <p:sldId id="309" r:id="rId16"/>
-    <p:sldId id="536" r:id="rId17"/>
+    <p:sldId id="515" r:id="rId2"/>
+    <p:sldId id="528" r:id="rId3"/>
+    <p:sldId id="529" r:id="rId4"/>
+    <p:sldId id="530" r:id="rId5"/>
+    <p:sldId id="531" r:id="rId6"/>
+    <p:sldId id="532" r:id="rId7"/>
+    <p:sldId id="533" r:id="rId8"/>
+    <p:sldId id="538" r:id="rId9"/>
+    <p:sldId id="534" r:id="rId10"/>
+    <p:sldId id="535" r:id="rId11"/>
+    <p:sldId id="269" r:id="rId12"/>
+    <p:sldId id="310" r:id="rId13"/>
+    <p:sldId id="539" r:id="rId14"/>
+    <p:sldId id="309" r:id="rId15"/>
+    <p:sldId id="536" r:id="rId16"/>
   </p:sldIdLst>
   <p:sldSz cx="12192000" cy="6858000"/>
   <p:notesSz cx="6858000" cy="9144000"/>
@@ -863,70 +862,10 @@
           </a:p>
         </p:txBody>
       </p:sp>
-      <p:pic>
-        <p:nvPicPr>
-          <p:cNvPr id="8" name="Picture 7" descr="bioinformatics.ca-logo-white-text.png">
-            <a:extLst>
-              <a:ext uri="{FF2B5EF4-FFF2-40B4-BE49-F238E27FC236}">
-                <a16:creationId xmlns:a16="http://schemas.microsoft.com/office/drawing/2014/main" id="{9874B523-0CD5-BC4D-B685-3BCCBF624BF4}"/>
-              </a:ext>
-            </a:extLst>
-          </p:cNvPr>
-          <p:cNvPicPr>
-            <a:picLocks noChangeAspect="1"/>
-          </p:cNvPicPr>
-          <p:nvPr userDrawn="1"/>
-        </p:nvPicPr>
-        <p:blipFill>
-          <a:blip r:embed="rId2">
-            <a:extLst>
-              <a:ext uri="{28A0092B-C50C-407E-A947-70E740481C1C}">
-                <a14:useLocalDpi xmlns:a14="http://schemas.microsoft.com/office/drawing/2010/main" val="0"/>
-              </a:ext>
-            </a:extLst>
-          </a:blip>
-          <a:srcRect/>
-          <a:stretch>
-            <a:fillRect/>
-          </a:stretch>
-        </p:blipFill>
-        <p:spPr bwMode="auto">
-          <a:xfrm>
-            <a:off x="76200" y="1656599"/>
-            <a:ext cx="1729740" cy="727826"/>
-          </a:xfrm>
-          <a:prstGeom prst="rect">
-            <a:avLst/>
-          </a:prstGeom>
-          <a:noFill/>
-          <a:ln>
-            <a:noFill/>
-          </a:ln>
-          <a:extLst>
-            <a:ext uri="{909E8E84-426E-40dd-AFC4-6F175D3DCCD1}">
-              <a14:hiddenFill xmlns:a14="http://schemas.microsoft.com/office/drawing/2010/main" xmlns="">
-                <a:solidFill>
-                  <a:srgbClr val="FFFFFF"/>
-                </a:solidFill>
-              </a14:hiddenFill>
-            </a:ext>
-            <a:ext uri="{91240B29-F687-4f45-9708-019B960494DF}">
-              <a14:hiddenLine xmlns:a14="http://schemas.microsoft.com/office/drawing/2010/main" xmlns="" w="9525">
-                <a:solidFill>
-                  <a:srgbClr val="000000"/>
-                </a:solidFill>
-                <a:miter lim="800000"/>
-                <a:headEnd/>
-                <a:tailEnd/>
-              </a14:hiddenLine>
-            </a:ext>
-          </a:extLst>
-        </p:spPr>
-      </p:pic>
     </p:spTree>
     <p:extLst>
       <p:ext uri="{BB962C8B-B14F-4D97-AF65-F5344CB8AC3E}">
-        <p14:creationId xmlns:p14="http://schemas.microsoft.com/office/powerpoint/2010/main" val="3470655683"/>
+        <p14:creationId xmlns:p14="http://schemas.microsoft.com/office/powerpoint/2010/main" val="3555413609"/>
       </p:ext>
     </p:extLst>
   </p:cSld>
@@ -1070,7 +1009,7 @@
     </p:spTree>
     <p:extLst>
       <p:ext uri="{BB962C8B-B14F-4D97-AF65-F5344CB8AC3E}">
-        <p14:creationId xmlns:p14="http://schemas.microsoft.com/office/powerpoint/2010/main" val="2906292785"/>
+        <p14:creationId xmlns:p14="http://schemas.microsoft.com/office/powerpoint/2010/main" val="1447081613"/>
       </p:ext>
     </p:extLst>
   </p:cSld>
@@ -1224,7 +1163,7 @@
     </p:spTree>
     <p:extLst>
       <p:ext uri="{BB962C8B-B14F-4D97-AF65-F5344CB8AC3E}">
-        <p14:creationId xmlns:p14="http://schemas.microsoft.com/office/powerpoint/2010/main" val="1892248120"/>
+        <p14:creationId xmlns:p14="http://schemas.microsoft.com/office/powerpoint/2010/main" val="2660450314"/>
       </p:ext>
     </p:extLst>
   </p:cSld>
@@ -1235,6 +1174,606 @@
 </file>
 
 <file path=ppt/slideLayouts/slideLayout12.xml><?xml version="1.0" encoding="utf-8"?>
+<p:sldLayout xmlns:a="http://schemas.openxmlformats.org/drawingml/2006/main" xmlns:r="http://schemas.openxmlformats.org/officeDocument/2006/relationships" xmlns:p="http://schemas.openxmlformats.org/presentationml/2006/main" userDrawn="1">
+  <p:cSld name="Content">
+    <p:spTree>
+      <p:nvGrpSpPr>
+        <p:cNvPr id="1" name=""/>
+        <p:cNvGrpSpPr/>
+        <p:nvPr/>
+      </p:nvGrpSpPr>
+      <p:grpSpPr>
+        <a:xfrm>
+          <a:off x="0" y="0"/>
+          <a:ext cx="0" cy="0"/>
+          <a:chOff x="0" y="0"/>
+          <a:chExt cx="0" cy="0"/>
+        </a:xfrm>
+      </p:grpSpPr>
+      <p:sp>
+        <p:nvSpPr>
+          <p:cNvPr id="4" name="Rectangle 3"/>
+          <p:cNvSpPr/>
+          <p:nvPr userDrawn="1"/>
+        </p:nvSpPr>
+        <p:spPr>
+          <a:xfrm>
+            <a:off x="0" y="6400800"/>
+            <a:ext cx="12192000" cy="457200"/>
+          </a:xfrm>
+          <a:prstGeom prst="rect">
+            <a:avLst/>
+          </a:prstGeom>
+          <a:solidFill>
+            <a:srgbClr val="CA0000"/>
+          </a:solidFill>
+          <a:ln>
+            <a:noFill/>
+          </a:ln>
+        </p:spPr>
+        <p:style>
+          <a:lnRef idx="2">
+            <a:schemeClr val="accent1">
+              <a:shade val="50000"/>
+            </a:schemeClr>
+          </a:lnRef>
+          <a:fillRef idx="1">
+            <a:schemeClr val="accent1"/>
+          </a:fillRef>
+          <a:effectRef idx="0">
+            <a:schemeClr val="accent1"/>
+          </a:effectRef>
+          <a:fontRef idx="minor">
+            <a:schemeClr val="lt1"/>
+          </a:fontRef>
+        </p:style>
+        <p:txBody>
+          <a:bodyPr anchor="ctr"/>
+          <a:lstStyle/>
+          <a:p>
+            <a:pPr algn="ctr">
+              <a:defRPr/>
+            </a:pPr>
+            <a:endParaRPr lang="en-US" sz="1800">
+              <a:solidFill>
+                <a:srgbClr val="FFFFFF"/>
+              </a:solidFill>
+              <a:latin typeface="Segoe UI" charset="0"/>
+              <a:ea typeface="ＭＳ Ｐゴシック" charset="0"/>
+              <a:cs typeface="ＭＳ Ｐゴシック" charset="0"/>
+            </a:endParaRPr>
+          </a:p>
+        </p:txBody>
+      </p:sp>
+      <p:sp>
+        <p:nvSpPr>
+          <p:cNvPr id="5" name="TextBox 4"/>
+          <p:cNvSpPr txBox="1"/>
+          <p:nvPr userDrawn="1"/>
+        </p:nvSpPr>
+        <p:spPr>
+          <a:xfrm>
+            <a:off x="101600" y="6429375"/>
+            <a:ext cx="8940800" cy="400050"/>
+          </a:xfrm>
+          <a:prstGeom prst="rect">
+            <a:avLst/>
+          </a:prstGeom>
+          <a:noFill/>
+        </p:spPr>
+        <p:txBody>
+          <a:bodyPr>
+            <a:spAutoFit/>
+          </a:bodyPr>
+          <a:lstStyle>
+            <a:lvl1pPr eaLnBrk="0" hangingPunct="0">
+              <a:defRPr sz="2400">
+                <a:solidFill>
+                  <a:schemeClr val="tx1"/>
+                </a:solidFill>
+                <a:latin typeface="Arial" charset="0"/>
+                <a:ea typeface="ＭＳ Ｐゴシック" charset="0"/>
+                <a:cs typeface="ＭＳ Ｐゴシック" charset="0"/>
+              </a:defRPr>
+            </a:lvl1pPr>
+            <a:lvl2pPr marL="37931725" indent="-37474525" eaLnBrk="0" hangingPunct="0">
+              <a:defRPr sz="2400">
+                <a:solidFill>
+                  <a:schemeClr val="tx1"/>
+                </a:solidFill>
+                <a:latin typeface="Arial" charset="0"/>
+                <a:ea typeface="ＭＳ Ｐゴシック" charset="0"/>
+              </a:defRPr>
+            </a:lvl2pPr>
+            <a:lvl3pPr eaLnBrk="0" hangingPunct="0">
+              <a:defRPr sz="2400">
+                <a:solidFill>
+                  <a:schemeClr val="tx1"/>
+                </a:solidFill>
+                <a:latin typeface="Arial" charset="0"/>
+                <a:ea typeface="ＭＳ Ｐゴシック" charset="0"/>
+              </a:defRPr>
+            </a:lvl3pPr>
+            <a:lvl4pPr eaLnBrk="0" hangingPunct="0">
+              <a:defRPr sz="2400">
+                <a:solidFill>
+                  <a:schemeClr val="tx1"/>
+                </a:solidFill>
+                <a:latin typeface="Arial" charset="0"/>
+                <a:ea typeface="ＭＳ Ｐゴシック" charset="0"/>
+              </a:defRPr>
+            </a:lvl4pPr>
+            <a:lvl5pPr eaLnBrk="0" hangingPunct="0">
+              <a:defRPr sz="2400">
+                <a:solidFill>
+                  <a:schemeClr val="tx1"/>
+                </a:solidFill>
+                <a:latin typeface="Arial" charset="0"/>
+                <a:ea typeface="ＭＳ Ｐゴシック" charset="0"/>
+              </a:defRPr>
+            </a:lvl5pPr>
+            <a:lvl6pPr marL="457200" eaLnBrk="0" fontAlgn="base" hangingPunct="0">
+              <a:spcBef>
+                <a:spcPct val="0"/>
+              </a:spcBef>
+              <a:spcAft>
+                <a:spcPct val="0"/>
+              </a:spcAft>
+              <a:defRPr sz="2400">
+                <a:solidFill>
+                  <a:schemeClr val="tx1"/>
+                </a:solidFill>
+                <a:latin typeface="Arial" charset="0"/>
+                <a:ea typeface="ＭＳ Ｐゴシック" charset="0"/>
+              </a:defRPr>
+            </a:lvl6pPr>
+            <a:lvl7pPr marL="914400" eaLnBrk="0" fontAlgn="base" hangingPunct="0">
+              <a:spcBef>
+                <a:spcPct val="0"/>
+              </a:spcBef>
+              <a:spcAft>
+                <a:spcPct val="0"/>
+              </a:spcAft>
+              <a:defRPr sz="2400">
+                <a:solidFill>
+                  <a:schemeClr val="tx1"/>
+                </a:solidFill>
+                <a:latin typeface="Arial" charset="0"/>
+                <a:ea typeface="ＭＳ Ｐゴシック" charset="0"/>
+              </a:defRPr>
+            </a:lvl7pPr>
+            <a:lvl8pPr marL="1371600" eaLnBrk="0" fontAlgn="base" hangingPunct="0">
+              <a:spcBef>
+                <a:spcPct val="0"/>
+              </a:spcBef>
+              <a:spcAft>
+                <a:spcPct val="0"/>
+              </a:spcAft>
+              <a:defRPr sz="2400">
+                <a:solidFill>
+                  <a:schemeClr val="tx1"/>
+                </a:solidFill>
+                <a:latin typeface="Arial" charset="0"/>
+                <a:ea typeface="ＭＳ Ｐゴシック" charset="0"/>
+              </a:defRPr>
+            </a:lvl8pPr>
+            <a:lvl9pPr marL="1828800" eaLnBrk="0" fontAlgn="base" hangingPunct="0">
+              <a:spcBef>
+                <a:spcPct val="0"/>
+              </a:spcBef>
+              <a:spcAft>
+                <a:spcPct val="0"/>
+              </a:spcAft>
+              <a:defRPr sz="2400">
+                <a:solidFill>
+                  <a:schemeClr val="tx1"/>
+                </a:solidFill>
+                <a:latin typeface="Arial" charset="0"/>
+                <a:ea typeface="ＭＳ Ｐゴシック" charset="0"/>
+              </a:defRPr>
+            </a:lvl9pPr>
+          </a:lstStyle>
+          <a:p>
+            <a:pPr eaLnBrk="1" hangingPunct="1">
+              <a:defRPr/>
+            </a:pPr>
+            <a:r>
+              <a:rPr lang="en-US" sz="2000" b="1">
+                <a:solidFill>
+                  <a:schemeClr val="bg1"/>
+                </a:solidFill>
+                <a:latin typeface="Calibri" charset="0"/>
+                <a:cs typeface="Calibri" charset="0"/>
+              </a:rPr>
+              <a:t>RNA sequencing and analysis</a:t>
+            </a:r>
+          </a:p>
+        </p:txBody>
+      </p:sp>
+      <p:sp>
+        <p:nvSpPr>
+          <p:cNvPr id="6" name="TextBox 5"/>
+          <p:cNvSpPr txBox="1"/>
+          <p:nvPr userDrawn="1"/>
+        </p:nvSpPr>
+        <p:spPr>
+          <a:xfrm>
+            <a:off x="8229600" y="6477000"/>
+            <a:ext cx="3860800" cy="338138"/>
+          </a:xfrm>
+          <a:prstGeom prst="rect">
+            <a:avLst/>
+          </a:prstGeom>
+          <a:noFill/>
+        </p:spPr>
+        <p:txBody>
+          <a:bodyPr>
+            <a:spAutoFit/>
+          </a:bodyPr>
+          <a:lstStyle>
+            <a:lvl1pPr eaLnBrk="0" hangingPunct="0">
+              <a:defRPr sz="2400">
+                <a:solidFill>
+                  <a:schemeClr val="tx1"/>
+                </a:solidFill>
+                <a:latin typeface="Arial" charset="0"/>
+                <a:ea typeface="ＭＳ Ｐゴシック" charset="0"/>
+                <a:cs typeface="ＭＳ Ｐゴシック" charset="0"/>
+              </a:defRPr>
+            </a:lvl1pPr>
+            <a:lvl2pPr marL="37931725" indent="-37474525" eaLnBrk="0" hangingPunct="0">
+              <a:defRPr sz="2400">
+                <a:solidFill>
+                  <a:schemeClr val="tx1"/>
+                </a:solidFill>
+                <a:latin typeface="Arial" charset="0"/>
+                <a:ea typeface="ＭＳ Ｐゴシック" charset="0"/>
+              </a:defRPr>
+            </a:lvl2pPr>
+            <a:lvl3pPr eaLnBrk="0" hangingPunct="0">
+              <a:defRPr sz="2400">
+                <a:solidFill>
+                  <a:schemeClr val="tx1"/>
+                </a:solidFill>
+                <a:latin typeface="Arial" charset="0"/>
+                <a:ea typeface="ＭＳ Ｐゴシック" charset="0"/>
+              </a:defRPr>
+            </a:lvl3pPr>
+            <a:lvl4pPr eaLnBrk="0" hangingPunct="0">
+              <a:defRPr sz="2400">
+                <a:solidFill>
+                  <a:schemeClr val="tx1"/>
+                </a:solidFill>
+                <a:latin typeface="Arial" charset="0"/>
+                <a:ea typeface="ＭＳ Ｐゴシック" charset="0"/>
+              </a:defRPr>
+            </a:lvl4pPr>
+            <a:lvl5pPr eaLnBrk="0" hangingPunct="0">
+              <a:defRPr sz="2400">
+                <a:solidFill>
+                  <a:schemeClr val="tx1"/>
+                </a:solidFill>
+                <a:latin typeface="Arial" charset="0"/>
+                <a:ea typeface="ＭＳ Ｐゴシック" charset="0"/>
+              </a:defRPr>
+            </a:lvl5pPr>
+            <a:lvl6pPr marL="457200" eaLnBrk="0" fontAlgn="base" hangingPunct="0">
+              <a:spcBef>
+                <a:spcPct val="0"/>
+              </a:spcBef>
+              <a:spcAft>
+                <a:spcPct val="0"/>
+              </a:spcAft>
+              <a:defRPr sz="2400">
+                <a:solidFill>
+                  <a:schemeClr val="tx1"/>
+                </a:solidFill>
+                <a:latin typeface="Arial" charset="0"/>
+                <a:ea typeface="ＭＳ Ｐゴシック" charset="0"/>
+              </a:defRPr>
+            </a:lvl6pPr>
+            <a:lvl7pPr marL="914400" eaLnBrk="0" fontAlgn="base" hangingPunct="0">
+              <a:spcBef>
+                <a:spcPct val="0"/>
+              </a:spcBef>
+              <a:spcAft>
+                <a:spcPct val="0"/>
+              </a:spcAft>
+              <a:defRPr sz="2400">
+                <a:solidFill>
+                  <a:schemeClr val="tx1"/>
+                </a:solidFill>
+                <a:latin typeface="Arial" charset="0"/>
+                <a:ea typeface="ＭＳ Ｐゴシック" charset="0"/>
+              </a:defRPr>
+            </a:lvl7pPr>
+            <a:lvl8pPr marL="1371600" eaLnBrk="0" fontAlgn="base" hangingPunct="0">
+              <a:spcBef>
+                <a:spcPct val="0"/>
+              </a:spcBef>
+              <a:spcAft>
+                <a:spcPct val="0"/>
+              </a:spcAft>
+              <a:defRPr sz="2400">
+                <a:solidFill>
+                  <a:schemeClr val="tx1"/>
+                </a:solidFill>
+                <a:latin typeface="Arial" charset="0"/>
+                <a:ea typeface="ＭＳ Ｐゴシック" charset="0"/>
+              </a:defRPr>
+            </a:lvl8pPr>
+            <a:lvl9pPr marL="1828800" eaLnBrk="0" fontAlgn="base" hangingPunct="0">
+              <a:spcBef>
+                <a:spcPct val="0"/>
+              </a:spcBef>
+              <a:spcAft>
+                <a:spcPct val="0"/>
+              </a:spcAft>
+              <a:defRPr sz="2400">
+                <a:solidFill>
+                  <a:schemeClr val="tx1"/>
+                </a:solidFill>
+                <a:latin typeface="Arial" charset="0"/>
+                <a:ea typeface="ＭＳ Ｐゴシック" charset="0"/>
+              </a:defRPr>
+            </a:lvl9pPr>
+          </a:lstStyle>
+          <a:p>
+            <a:pPr algn="r" eaLnBrk="1" hangingPunct="1">
+              <a:defRPr/>
+            </a:pPr>
+            <a:r>
+              <a:rPr lang="en-US" sz="1600" b="1">
+                <a:cs typeface="Arial" charset="0"/>
+              </a:rPr>
+              <a:t>http://meetings.cshl.edu/</a:t>
+            </a:r>
+            <a:endParaRPr lang="en-US" sz="1600">
+              <a:cs typeface="Arial" charset="0"/>
+            </a:endParaRPr>
+          </a:p>
+        </p:txBody>
+      </p:sp>
+      <p:sp>
+        <p:nvSpPr>
+          <p:cNvPr id="3" name="Content Placeholder 2"/>
+          <p:cNvSpPr>
+            <a:spLocks noGrp="1"/>
+          </p:cNvSpPr>
+          <p:nvPr>
+            <p:ph idx="1"/>
+          </p:nvPr>
+        </p:nvSpPr>
+        <p:spPr>
+          <a:xfrm>
+            <a:off x="203200" y="152400"/>
+            <a:ext cx="11785600" cy="6172200"/>
+          </a:xfrm>
+        </p:spPr>
+        <p:txBody>
+          <a:bodyPr/>
+          <a:lstStyle>
+            <a:lvl1pPr>
+              <a:defRPr sz="2800">
+                <a:latin typeface="Calibri"/>
+                <a:cs typeface="Calibri"/>
+              </a:defRPr>
+            </a:lvl1pPr>
+            <a:lvl2pPr>
+              <a:defRPr sz="2400">
+                <a:latin typeface="Calibri"/>
+                <a:cs typeface="Calibri"/>
+              </a:defRPr>
+            </a:lvl2pPr>
+            <a:lvl3pPr>
+              <a:defRPr sz="2000">
+                <a:latin typeface="Calibri"/>
+                <a:cs typeface="Calibri"/>
+              </a:defRPr>
+            </a:lvl3pPr>
+            <a:lvl4pPr>
+              <a:defRPr sz="1800">
+                <a:latin typeface="Calibri"/>
+                <a:cs typeface="Calibri"/>
+              </a:defRPr>
+            </a:lvl4pPr>
+            <a:lvl5pPr>
+              <a:defRPr sz="1800">
+                <a:latin typeface="Calibri"/>
+                <a:cs typeface="Calibri"/>
+              </a:defRPr>
+            </a:lvl5pPr>
+          </a:lstStyle>
+          <a:p>
+            <a:pPr lvl="0"/>
+            <a:r>
+              <a:rPr lang="en-US" dirty="0"/>
+              <a:t>Click to edit Master text styles</a:t>
+            </a:r>
+          </a:p>
+          <a:p>
+            <a:pPr lvl="1"/>
+            <a:r>
+              <a:rPr lang="en-US" dirty="0"/>
+              <a:t>Second level</a:t>
+            </a:r>
+          </a:p>
+          <a:p>
+            <a:pPr lvl="2"/>
+            <a:r>
+              <a:rPr lang="en-US" dirty="0"/>
+              <a:t>Third level</a:t>
+            </a:r>
+          </a:p>
+          <a:p>
+            <a:pPr lvl="3"/>
+            <a:r>
+              <a:rPr lang="en-US" dirty="0"/>
+              <a:t>Fourth level</a:t>
+            </a:r>
+          </a:p>
+          <a:p>
+            <a:pPr lvl="4"/>
+            <a:r>
+              <a:rPr lang="en-US" dirty="0"/>
+              <a:t>Fifth level</a:t>
+            </a:r>
+          </a:p>
+        </p:txBody>
+      </p:sp>
+    </p:spTree>
+    <p:extLst>
+      <p:ext uri="{BB962C8B-B14F-4D97-AF65-F5344CB8AC3E}">
+        <p14:creationId xmlns:p14="http://schemas.microsoft.com/office/powerpoint/2010/main" val="548013221"/>
+      </p:ext>
+    </p:extLst>
+  </p:cSld>
+  <p:clrMapOvr>
+    <a:masterClrMapping/>
+  </p:clrMapOvr>
+</p:sldLayout>
+</file>
+
+<file path=ppt/slideLayouts/slideLayout13.xml><?xml version="1.0" encoding="utf-8"?>
+<p:sldLayout xmlns:a="http://schemas.openxmlformats.org/drawingml/2006/main" xmlns:r="http://schemas.openxmlformats.org/officeDocument/2006/relationships" xmlns:p="http://schemas.openxmlformats.org/presentationml/2006/main" userDrawn="1">
+  <p:cSld name="Title">
+    <p:spTree>
+      <p:nvGrpSpPr>
+        <p:cNvPr id="1" name=""/>
+        <p:cNvGrpSpPr/>
+        <p:nvPr/>
+      </p:nvGrpSpPr>
+      <p:grpSpPr>
+        <a:xfrm>
+          <a:off x="0" y="0"/>
+          <a:ext cx="0" cy="0"/>
+          <a:chOff x="0" y="0"/>
+          <a:chExt cx="0" cy="0"/>
+        </a:xfrm>
+      </p:grpSpPr>
+      <p:sp>
+        <p:nvSpPr>
+          <p:cNvPr id="2" name="Rectangle 1"/>
+          <p:cNvSpPr/>
+          <p:nvPr userDrawn="1"/>
+        </p:nvSpPr>
+        <p:spPr>
+          <a:xfrm>
+            <a:off x="0" y="0"/>
+            <a:ext cx="12192000" cy="2514600"/>
+          </a:xfrm>
+          <a:prstGeom prst="rect">
+            <a:avLst/>
+          </a:prstGeom>
+          <a:solidFill>
+            <a:schemeClr val="tx1"/>
+          </a:solidFill>
+          <a:ln>
+            <a:noFill/>
+          </a:ln>
+        </p:spPr>
+        <p:style>
+          <a:lnRef idx="2">
+            <a:schemeClr val="accent1">
+              <a:shade val="50000"/>
+            </a:schemeClr>
+          </a:lnRef>
+          <a:fillRef idx="1">
+            <a:schemeClr val="accent1"/>
+          </a:fillRef>
+          <a:effectRef idx="0">
+            <a:schemeClr val="accent1"/>
+          </a:effectRef>
+          <a:fontRef idx="minor">
+            <a:schemeClr val="lt1"/>
+          </a:fontRef>
+        </p:style>
+        <p:txBody>
+          <a:bodyPr anchor="ctr"/>
+          <a:lstStyle/>
+          <a:p>
+            <a:pPr algn="ctr">
+              <a:defRPr/>
+            </a:pPr>
+            <a:endParaRPr lang="en-US" sz="1350">
+              <a:solidFill>
+                <a:srgbClr val="FFFFFF"/>
+              </a:solidFill>
+              <a:latin typeface="Segoe UI" charset="0"/>
+              <a:ea typeface="ＭＳ Ｐゴシック" charset="0"/>
+              <a:cs typeface="ＭＳ Ｐゴシック" charset="0"/>
+            </a:endParaRPr>
+          </a:p>
+        </p:txBody>
+      </p:sp>
+      <p:pic>
+        <p:nvPicPr>
+          <p:cNvPr id="3" name="Picture 7" descr="cshl_logo_alternate rgb.png"/>
+          <p:cNvPicPr>
+            <a:picLocks noChangeAspect="1"/>
+          </p:cNvPicPr>
+          <p:nvPr userDrawn="1"/>
+        </p:nvPicPr>
+        <p:blipFill>
+          <a:blip r:embed="rId2">
+            <a:extLst>
+              <a:ext uri="{28A0092B-C50C-407E-A947-70E740481C1C}">
+                <a14:useLocalDpi xmlns:a14="http://schemas.microsoft.com/office/drawing/2010/main" val="0"/>
+              </a:ext>
+            </a:extLst>
+          </a:blip>
+          <a:srcRect/>
+          <a:stretch>
+            <a:fillRect/>
+          </a:stretch>
+        </p:blipFill>
+        <p:spPr bwMode="auto">
+          <a:xfrm>
+            <a:off x="400052" y="381000"/>
+            <a:ext cx="4679949" cy="1676400"/>
+          </a:xfrm>
+          <a:prstGeom prst="rect">
+            <a:avLst/>
+          </a:prstGeom>
+          <a:noFill/>
+          <a:ln>
+            <a:noFill/>
+          </a:ln>
+          <a:extLst>
+            <a:ext uri="{909E8E84-426E-40dd-AFC4-6F175D3DCCD1}">
+              <a14:hiddenFill xmlns="" xmlns:a14="http://schemas.microsoft.com/office/drawing/2010/main">
+                <a:solidFill>
+                  <a:srgbClr val="FFFFFF"/>
+                </a:solidFill>
+              </a14:hiddenFill>
+            </a:ext>
+            <a:ext uri="{91240B29-F687-4f45-9708-019B960494DF}">
+              <a14:hiddenLine xmlns="" xmlns:a14="http://schemas.microsoft.com/office/drawing/2010/main" w="9525">
+                <a:solidFill>
+                  <a:srgbClr val="000000"/>
+                </a:solidFill>
+                <a:miter lim="800000"/>
+                <a:headEnd/>
+                <a:tailEnd/>
+              </a14:hiddenLine>
+            </a:ext>
+          </a:extLst>
+        </p:spPr>
+      </p:pic>
+    </p:spTree>
+    <p:extLst>
+      <p:ext uri="{BB962C8B-B14F-4D97-AF65-F5344CB8AC3E}">
+        <p14:creationId xmlns:p14="http://schemas.microsoft.com/office/powerpoint/2010/main" val="38316738"/>
+      </p:ext>
+    </p:extLst>
+  </p:cSld>
+  <p:clrMapOvr>
+    <a:masterClrMapping/>
+  </p:clrMapOvr>
+</p:sldLayout>
+</file>
+
+<file path=ppt/slideLayouts/slideLayout14.xml><?xml version="1.0" encoding="utf-8"?>
 <p:sldLayout xmlns:a="http://schemas.openxmlformats.org/drawingml/2006/main" xmlns:r="http://schemas.openxmlformats.org/officeDocument/2006/relationships" xmlns:p="http://schemas.openxmlformats.org/presentationml/2006/main" userDrawn="1">
   <p:cSld name="Title and 2 Columns Content">
     <p:spTree>
@@ -1816,9 +2355,9 @@
 </p:sldLayout>
 </file>
 
-<file path=ppt/slideLayouts/slideLayout13.xml><?xml version="1.0" encoding="utf-8"?>
+<file path=ppt/slideLayouts/slideLayout15.xml><?xml version="1.0" encoding="utf-8"?>
 <p:sldLayout xmlns:a="http://schemas.openxmlformats.org/drawingml/2006/main" xmlns:r="http://schemas.openxmlformats.org/officeDocument/2006/relationships" xmlns:p="http://schemas.openxmlformats.org/presentationml/2006/main" userDrawn="1">
-  <p:cSld name="Content">
+  <p:cSld name="1_Content">
     <p:spTree>
       <p:nvGrpSpPr>
         <p:cNvPr id="1" name=""/>
@@ -2277,233 +2816,7 @@
 </p:sldLayout>
 </file>
 
-<file path=ppt/slideLayouts/slideLayout14.xml><?xml version="1.0" encoding="utf-8"?>
-<p:sldLayout xmlns:a="http://schemas.openxmlformats.org/drawingml/2006/main" xmlns:r="http://schemas.openxmlformats.org/officeDocument/2006/relationships" xmlns:p="http://schemas.openxmlformats.org/presentationml/2006/main" type="title" preserve="1">
-  <p:cSld name="Title Slide">
-    <p:spTree>
-      <p:nvGrpSpPr>
-        <p:cNvPr id="1" name=""/>
-        <p:cNvGrpSpPr/>
-        <p:nvPr/>
-      </p:nvGrpSpPr>
-      <p:grpSpPr>
-        <a:xfrm>
-          <a:off x="0" y="0"/>
-          <a:ext cx="0" cy="0"/>
-          <a:chOff x="0" y="0"/>
-          <a:chExt cx="0" cy="0"/>
-        </a:xfrm>
-      </p:grpSpPr>
-      <p:sp>
-        <p:nvSpPr>
-          <p:cNvPr id="2" name="Title 1">
-            <a:extLst>
-              <a:ext uri="{FF2B5EF4-FFF2-40B4-BE49-F238E27FC236}">
-                <a16:creationId xmlns:a16="http://schemas.microsoft.com/office/drawing/2014/main" id="{86545848-7DFC-6C40-B1F8-16CDFB28A4BC}"/>
-              </a:ext>
-            </a:extLst>
-          </p:cNvPr>
-          <p:cNvSpPr>
-            <a:spLocks noGrp="1"/>
-          </p:cNvSpPr>
-          <p:nvPr>
-            <p:ph type="ctrTitle"/>
-          </p:nvPr>
-        </p:nvSpPr>
-        <p:spPr>
-          <a:xfrm>
-            <a:off x="1524000" y="1122363"/>
-            <a:ext cx="9144000" cy="2387600"/>
-          </a:xfrm>
-        </p:spPr>
-        <p:txBody>
-          <a:bodyPr anchor="b"/>
-          <a:lstStyle>
-            <a:lvl1pPr algn="ctr">
-              <a:defRPr sz="6000"/>
-            </a:lvl1pPr>
-          </a:lstStyle>
-          <a:p>
-            <a:r>
-              <a:rPr lang="en-US"/>
-              <a:t>Click to edit Master title style</a:t>
-            </a:r>
-          </a:p>
-        </p:txBody>
-      </p:sp>
-      <p:sp>
-        <p:nvSpPr>
-          <p:cNvPr id="3" name="Subtitle 2">
-            <a:extLst>
-              <a:ext uri="{FF2B5EF4-FFF2-40B4-BE49-F238E27FC236}">
-                <a16:creationId xmlns:a16="http://schemas.microsoft.com/office/drawing/2014/main" id="{D80C4B80-37CE-B14F-B889-FE8A6C8F2E7D}"/>
-              </a:ext>
-            </a:extLst>
-          </p:cNvPr>
-          <p:cNvSpPr>
-            <a:spLocks noGrp="1"/>
-          </p:cNvSpPr>
-          <p:nvPr>
-            <p:ph type="subTitle" idx="1"/>
-          </p:nvPr>
-        </p:nvSpPr>
-        <p:spPr>
-          <a:xfrm>
-            <a:off x="1524000" y="3602038"/>
-            <a:ext cx="9144000" cy="1655762"/>
-          </a:xfrm>
-        </p:spPr>
-        <p:txBody>
-          <a:bodyPr/>
-          <a:lstStyle>
-            <a:lvl1pPr marL="0" indent="0" algn="ctr">
-              <a:buNone/>
-              <a:defRPr sz="2400"/>
-            </a:lvl1pPr>
-            <a:lvl2pPr marL="457200" indent="0" algn="ctr">
-              <a:buNone/>
-              <a:defRPr sz="2000"/>
-            </a:lvl2pPr>
-            <a:lvl3pPr marL="914400" indent="0" algn="ctr">
-              <a:buNone/>
-              <a:defRPr sz="1800"/>
-            </a:lvl3pPr>
-            <a:lvl4pPr marL="1371600" indent="0" algn="ctr">
-              <a:buNone/>
-              <a:defRPr sz="1600"/>
-            </a:lvl4pPr>
-            <a:lvl5pPr marL="1828800" indent="0" algn="ctr">
-              <a:buNone/>
-              <a:defRPr sz="1600"/>
-            </a:lvl5pPr>
-            <a:lvl6pPr marL="2286000" indent="0" algn="ctr">
-              <a:buNone/>
-              <a:defRPr sz="1600"/>
-            </a:lvl6pPr>
-            <a:lvl7pPr marL="2743200" indent="0" algn="ctr">
-              <a:buNone/>
-              <a:defRPr sz="1600"/>
-            </a:lvl7pPr>
-            <a:lvl8pPr marL="3200400" indent="0" algn="ctr">
-              <a:buNone/>
-              <a:defRPr sz="1600"/>
-            </a:lvl8pPr>
-            <a:lvl9pPr marL="3657600" indent="0" algn="ctr">
-              <a:buNone/>
-              <a:defRPr sz="1600"/>
-            </a:lvl9pPr>
-          </a:lstStyle>
-          <a:p>
-            <a:r>
-              <a:rPr lang="en-US"/>
-              <a:t>Click to edit Master subtitle style</a:t>
-            </a:r>
-          </a:p>
-        </p:txBody>
-      </p:sp>
-      <p:sp>
-        <p:nvSpPr>
-          <p:cNvPr id="6" name="Slide Number Placeholder 5">
-            <a:extLst>
-              <a:ext uri="{FF2B5EF4-FFF2-40B4-BE49-F238E27FC236}">
-                <a16:creationId xmlns:a16="http://schemas.microsoft.com/office/drawing/2014/main" id="{D7256FAD-87EC-594B-B262-2B748B57FD14}"/>
-              </a:ext>
-            </a:extLst>
-          </p:cNvPr>
-          <p:cNvSpPr>
-            <a:spLocks noGrp="1"/>
-          </p:cNvSpPr>
-          <p:nvPr>
-            <p:ph type="sldNum" sz="quarter" idx="12"/>
-          </p:nvPr>
-        </p:nvSpPr>
-        <p:spPr/>
-        <p:txBody>
-          <a:bodyPr/>
-          <a:lstStyle/>
-          <a:p>
-            <a:fld id="{0B973F48-4628-F846-BA33-DDE653D83577}" type="slidenum">
-              <a:rPr lang="en-US" smtClean="0"/>
-              <a:t>‹#›</a:t>
-            </a:fld>
-            <a:endParaRPr lang="en-US"/>
-          </a:p>
-        </p:txBody>
-      </p:sp>
-      <p:sp>
-        <p:nvSpPr>
-          <p:cNvPr id="7" name="Rectangle 6">
-            <a:extLst>
-              <a:ext uri="{FF2B5EF4-FFF2-40B4-BE49-F238E27FC236}">
-                <a16:creationId xmlns:a16="http://schemas.microsoft.com/office/drawing/2014/main" id="{715D8FD2-7081-5447-BFEF-BD64EF32B157}"/>
-              </a:ext>
-            </a:extLst>
-          </p:cNvPr>
-          <p:cNvSpPr/>
-          <p:nvPr userDrawn="1"/>
-        </p:nvSpPr>
-        <p:spPr>
-          <a:xfrm>
-            <a:off x="0" y="0"/>
-            <a:ext cx="12192000" cy="2514600"/>
-          </a:xfrm>
-          <a:prstGeom prst="rect">
-            <a:avLst/>
-          </a:prstGeom>
-          <a:solidFill>
-            <a:schemeClr val="tx1"/>
-          </a:solidFill>
-          <a:ln>
-            <a:noFill/>
-          </a:ln>
-        </p:spPr>
-        <p:style>
-          <a:lnRef idx="2">
-            <a:schemeClr val="accent1">
-              <a:shade val="50000"/>
-            </a:schemeClr>
-          </a:lnRef>
-          <a:fillRef idx="1">
-            <a:schemeClr val="accent1"/>
-          </a:fillRef>
-          <a:effectRef idx="0">
-            <a:schemeClr val="accent1"/>
-          </a:effectRef>
-          <a:fontRef idx="minor">
-            <a:schemeClr val="lt1"/>
-          </a:fontRef>
-        </p:style>
-        <p:txBody>
-          <a:bodyPr anchor="ctr"/>
-          <a:lstStyle/>
-          <a:p>
-            <a:pPr algn="ctr" fontAlgn="auto">
-              <a:spcBef>
-                <a:spcPts val="0"/>
-              </a:spcBef>
-              <a:spcAft>
-                <a:spcPts val="0"/>
-              </a:spcAft>
-              <a:defRPr/>
-            </a:pPr>
-            <a:endParaRPr lang="en-US" sz="1800" dirty="0"/>
-          </a:p>
-        </p:txBody>
-      </p:sp>
-    </p:spTree>
-    <p:extLst>
-      <p:ext uri="{BB962C8B-B14F-4D97-AF65-F5344CB8AC3E}">
-        <p14:creationId xmlns:p14="http://schemas.microsoft.com/office/powerpoint/2010/main" val="3555413609"/>
-      </p:ext>
-    </p:extLst>
-  </p:cSld>
-  <p:clrMapOvr>
-    <a:masterClrMapping/>
-  </p:clrMapOvr>
-</p:sldLayout>
-</file>
-
-<file path=ppt/slideLayouts/slideLayout15.xml><?xml version="1.0" encoding="utf-8"?>
+<file path=ppt/slideLayouts/slideLayout2.xml><?xml version="1.0" encoding="utf-8"?>
 <p:sldLayout xmlns:a="http://schemas.openxmlformats.org/drawingml/2006/main" xmlns:r="http://schemas.openxmlformats.org/officeDocument/2006/relationships" xmlns:p="http://schemas.openxmlformats.org/presentationml/2006/main" type="obj" preserve="1">
   <p:cSld name="Title and Content">
     <p:spTree>
@@ -2647,7 +2960,7 @@
 </p:sldLayout>
 </file>
 
-<file path=ppt/slideLayouts/slideLayout16.xml><?xml version="1.0" encoding="utf-8"?>
+<file path=ppt/slideLayouts/slideLayout3.xml><?xml version="1.0" encoding="utf-8"?>
 <p:sldLayout xmlns:a="http://schemas.openxmlformats.org/drawingml/2006/main" xmlns:r="http://schemas.openxmlformats.org/officeDocument/2006/relationships" xmlns:p="http://schemas.openxmlformats.org/presentationml/2006/main" type="secHead" preserve="1">
   <p:cSld name="Section Header">
     <p:spTree>
@@ -2868,7 +3181,7 @@
 </p:sldLayout>
 </file>
 
-<file path=ppt/slideLayouts/slideLayout17.xml><?xml version="1.0" encoding="utf-8"?>
+<file path=ppt/slideLayouts/slideLayout4.xml><?xml version="1.0" encoding="utf-8"?>
 <p:sldLayout xmlns:a="http://schemas.openxmlformats.org/drawingml/2006/main" xmlns:r="http://schemas.openxmlformats.org/officeDocument/2006/relationships" xmlns:p="http://schemas.openxmlformats.org/presentationml/2006/main" type="twoObj" preserve="1">
   <p:cSld name="Two Content">
     <p:spTree>
@@ -3079,7 +3392,7 @@
 </p:sldLayout>
 </file>
 
-<file path=ppt/slideLayouts/slideLayout18.xml><?xml version="1.0" encoding="utf-8"?>
+<file path=ppt/slideLayouts/slideLayout5.xml><?xml version="1.0" encoding="utf-8"?>
 <p:sldLayout xmlns:a="http://schemas.openxmlformats.org/drawingml/2006/main" xmlns:r="http://schemas.openxmlformats.org/officeDocument/2006/relationships" xmlns:p="http://schemas.openxmlformats.org/presentationml/2006/main" type="twoTxTwoObj" preserve="1">
   <p:cSld name="Comparison">
     <p:spTree>
@@ -3437,7 +3750,7 @@
 </p:sldLayout>
 </file>
 
-<file path=ppt/slideLayouts/slideLayout19.xml><?xml version="1.0" encoding="utf-8"?>
+<file path=ppt/slideLayouts/slideLayout6.xml><?xml version="1.0" encoding="utf-8"?>
 <p:sldLayout xmlns:a="http://schemas.openxmlformats.org/drawingml/2006/main" xmlns:r="http://schemas.openxmlformats.org/officeDocument/2006/relationships" xmlns:p="http://schemas.openxmlformats.org/presentationml/2006/main" type="titleOnly" preserve="1">
   <p:cSld name="Title Only">
     <p:spTree>
@@ -3524,151 +3837,7 @@
 </p:sldLayout>
 </file>
 
-<file path=ppt/slideLayouts/slideLayout2.xml><?xml version="1.0" encoding="utf-8"?>
-<p:sldLayout xmlns:a="http://schemas.openxmlformats.org/drawingml/2006/main" xmlns:r="http://schemas.openxmlformats.org/officeDocument/2006/relationships" xmlns:p="http://schemas.openxmlformats.org/presentationml/2006/main" type="obj" preserve="1">
-  <p:cSld name="Title and Content">
-    <p:spTree>
-      <p:nvGrpSpPr>
-        <p:cNvPr id="1" name=""/>
-        <p:cNvGrpSpPr/>
-        <p:nvPr/>
-      </p:nvGrpSpPr>
-      <p:grpSpPr>
-        <a:xfrm>
-          <a:off x="0" y="0"/>
-          <a:ext cx="0" cy="0"/>
-          <a:chOff x="0" y="0"/>
-          <a:chExt cx="0" cy="0"/>
-        </a:xfrm>
-      </p:grpSpPr>
-      <p:sp>
-        <p:nvSpPr>
-          <p:cNvPr id="2" name="Title 1">
-            <a:extLst>
-              <a:ext uri="{FF2B5EF4-FFF2-40B4-BE49-F238E27FC236}">
-                <a16:creationId xmlns:a16="http://schemas.microsoft.com/office/drawing/2014/main" id="{26204983-FF57-3A4F-A50C-F9933F0EF3B0}"/>
-              </a:ext>
-            </a:extLst>
-          </p:cNvPr>
-          <p:cNvSpPr>
-            <a:spLocks noGrp="1"/>
-          </p:cNvSpPr>
-          <p:nvPr>
-            <p:ph type="title"/>
-          </p:nvPr>
-        </p:nvSpPr>
-        <p:spPr/>
-        <p:txBody>
-          <a:bodyPr/>
-          <a:lstStyle/>
-          <a:p>
-            <a:r>
-              <a:rPr lang="en-US"/>
-              <a:t>Click to edit Master title style</a:t>
-            </a:r>
-          </a:p>
-        </p:txBody>
-      </p:sp>
-      <p:sp>
-        <p:nvSpPr>
-          <p:cNvPr id="3" name="Content Placeholder 2">
-            <a:extLst>
-              <a:ext uri="{FF2B5EF4-FFF2-40B4-BE49-F238E27FC236}">
-                <a16:creationId xmlns:a16="http://schemas.microsoft.com/office/drawing/2014/main" id="{E8B265CB-057E-5147-B720-C8DDCC860D47}"/>
-              </a:ext>
-            </a:extLst>
-          </p:cNvPr>
-          <p:cNvSpPr>
-            <a:spLocks noGrp="1"/>
-          </p:cNvSpPr>
-          <p:nvPr>
-            <p:ph idx="1"/>
-          </p:nvPr>
-        </p:nvSpPr>
-        <p:spPr/>
-        <p:txBody>
-          <a:bodyPr/>
-          <a:lstStyle/>
-          <a:p>
-            <a:pPr lvl="0"/>
-            <a:r>
-              <a:rPr lang="en-US"/>
-              <a:t>Edit Master text styles</a:t>
-            </a:r>
-          </a:p>
-          <a:p>
-            <a:pPr lvl="1"/>
-            <a:r>
-              <a:rPr lang="en-US"/>
-              <a:t>Second level</a:t>
-            </a:r>
-          </a:p>
-          <a:p>
-            <a:pPr lvl="2"/>
-            <a:r>
-              <a:rPr lang="en-US"/>
-              <a:t>Third level</a:t>
-            </a:r>
-          </a:p>
-          <a:p>
-            <a:pPr lvl="3"/>
-            <a:r>
-              <a:rPr lang="en-US"/>
-              <a:t>Fourth level</a:t>
-            </a:r>
-          </a:p>
-          <a:p>
-            <a:pPr lvl="4"/>
-            <a:r>
-              <a:rPr lang="en-US"/>
-              <a:t>Fifth level</a:t>
-            </a:r>
-          </a:p>
-        </p:txBody>
-      </p:sp>
-      <p:sp>
-        <p:nvSpPr>
-          <p:cNvPr id="6" name="Slide Number Placeholder 5">
-            <a:extLst>
-              <a:ext uri="{FF2B5EF4-FFF2-40B4-BE49-F238E27FC236}">
-                <a16:creationId xmlns:a16="http://schemas.microsoft.com/office/drawing/2014/main" id="{BBA7E5F7-C396-4941-BBC4-7BEAF927C071}"/>
-              </a:ext>
-            </a:extLst>
-          </p:cNvPr>
-          <p:cNvSpPr>
-            <a:spLocks noGrp="1"/>
-          </p:cNvSpPr>
-          <p:nvPr>
-            <p:ph type="sldNum" sz="quarter" idx="12"/>
-          </p:nvPr>
-        </p:nvSpPr>
-        <p:spPr/>
-        <p:txBody>
-          <a:bodyPr/>
-          <a:lstStyle/>
-          <a:p>
-            <a:fld id="{0B973F48-4628-F846-BA33-DDE653D83577}" type="slidenum">
-              <a:rPr lang="en-US" smtClean="0"/>
-              <a:t>‹#›</a:t>
-            </a:fld>
-            <a:endParaRPr lang="en-US"/>
-          </a:p>
-        </p:txBody>
-      </p:sp>
-    </p:spTree>
-    <p:extLst>
-      <p:ext uri="{BB962C8B-B14F-4D97-AF65-F5344CB8AC3E}">
-        <p14:creationId xmlns:p14="http://schemas.microsoft.com/office/powerpoint/2010/main" val="2487874145"/>
-      </p:ext>
-    </p:extLst>
-  </p:cSld>
-  <p:clrMapOvr>
-    <a:masterClrMapping/>
-  </p:clrMapOvr>
-</p:sldLayout>
-</file>
-
-<file path=ppt/slideLayouts/slideLayout20.xml><?xml version="1.0" encoding="utf-8"?>
+<file path=ppt/slideLayouts/slideLayout7.xml><?xml version="1.0" encoding="utf-8"?>
 <p:sldLayout xmlns:a="http://schemas.openxmlformats.org/drawingml/2006/main" xmlns:r="http://schemas.openxmlformats.org/officeDocument/2006/relationships" xmlns:p="http://schemas.openxmlformats.org/presentationml/2006/main" type="blank" preserve="1">
   <p:cSld name="Blank">
     <p:spTree>
@@ -3727,7 +3896,7 @@
 </p:sldLayout>
 </file>
 
-<file path=ppt/slideLayouts/slideLayout21.xml><?xml version="1.0" encoding="utf-8"?>
+<file path=ppt/slideLayouts/slideLayout8.xml><?xml version="1.0" encoding="utf-8"?>
 <p:sldLayout xmlns:a="http://schemas.openxmlformats.org/drawingml/2006/main" xmlns:r="http://schemas.openxmlformats.org/officeDocument/2006/relationships" xmlns:p="http://schemas.openxmlformats.org/presentationml/2006/main" type="objTx" preserve="1">
   <p:cSld name="Content with Caption">
     <p:spTree>
@@ -3984,7 +4153,7 @@
 </p:sldLayout>
 </file>
 
-<file path=ppt/slideLayouts/slideLayout22.xml><?xml version="1.0" encoding="utf-8"?>
+<file path=ppt/slideLayouts/slideLayout9.xml><?xml version="1.0" encoding="utf-8"?>
 <p:sldLayout xmlns:a="http://schemas.openxmlformats.org/drawingml/2006/main" xmlns:r="http://schemas.openxmlformats.org/officeDocument/2006/relationships" xmlns:p="http://schemas.openxmlformats.org/presentationml/2006/main" type="picTx" preserve="1">
   <p:cSld name="Picture with Caption">
     <p:spTree>
@@ -4218,2331 +4387,6 @@
 </p:sldLayout>
 </file>
 
-<file path=ppt/slideLayouts/slideLayout23.xml><?xml version="1.0" encoding="utf-8"?>
-<p:sldLayout xmlns:a="http://schemas.openxmlformats.org/drawingml/2006/main" xmlns:r="http://schemas.openxmlformats.org/officeDocument/2006/relationships" xmlns:p="http://schemas.openxmlformats.org/presentationml/2006/main" type="vertTx" preserve="1">
-  <p:cSld name="Title and Vertical Text">
-    <p:spTree>
-      <p:nvGrpSpPr>
-        <p:cNvPr id="1" name=""/>
-        <p:cNvGrpSpPr/>
-        <p:nvPr/>
-      </p:nvGrpSpPr>
-      <p:grpSpPr>
-        <a:xfrm>
-          <a:off x="0" y="0"/>
-          <a:ext cx="0" cy="0"/>
-          <a:chOff x="0" y="0"/>
-          <a:chExt cx="0" cy="0"/>
-        </a:xfrm>
-      </p:grpSpPr>
-      <p:sp>
-        <p:nvSpPr>
-          <p:cNvPr id="2" name="Title 1">
-            <a:extLst>
-              <a:ext uri="{FF2B5EF4-FFF2-40B4-BE49-F238E27FC236}">
-                <a16:creationId xmlns:a16="http://schemas.microsoft.com/office/drawing/2014/main" id="{1132A315-2FF6-0449-93D6-96342D9860B5}"/>
-              </a:ext>
-            </a:extLst>
-          </p:cNvPr>
-          <p:cNvSpPr>
-            <a:spLocks noGrp="1"/>
-          </p:cNvSpPr>
-          <p:nvPr>
-            <p:ph type="title"/>
-          </p:nvPr>
-        </p:nvSpPr>
-        <p:spPr/>
-        <p:txBody>
-          <a:bodyPr/>
-          <a:lstStyle/>
-          <a:p>
-            <a:r>
-              <a:rPr lang="en-US"/>
-              <a:t>Click to edit Master title style</a:t>
-            </a:r>
-          </a:p>
-        </p:txBody>
-      </p:sp>
-      <p:sp>
-        <p:nvSpPr>
-          <p:cNvPr id="3" name="Vertical Text Placeholder 2">
-            <a:extLst>
-              <a:ext uri="{FF2B5EF4-FFF2-40B4-BE49-F238E27FC236}">
-                <a16:creationId xmlns:a16="http://schemas.microsoft.com/office/drawing/2014/main" id="{1A5E6CFA-28AB-B748-AE92-1FF1FB3DE9E6}"/>
-              </a:ext>
-            </a:extLst>
-          </p:cNvPr>
-          <p:cNvSpPr>
-            <a:spLocks noGrp="1"/>
-          </p:cNvSpPr>
-          <p:nvPr>
-            <p:ph type="body" orient="vert" idx="1"/>
-          </p:nvPr>
-        </p:nvSpPr>
-        <p:spPr/>
-        <p:txBody>
-          <a:bodyPr vert="eaVert"/>
-          <a:lstStyle/>
-          <a:p>
-            <a:pPr lvl="0"/>
-            <a:r>
-              <a:rPr lang="en-US"/>
-              <a:t>Edit Master text styles</a:t>
-            </a:r>
-          </a:p>
-          <a:p>
-            <a:pPr lvl="1"/>
-            <a:r>
-              <a:rPr lang="en-US"/>
-              <a:t>Second level</a:t>
-            </a:r>
-          </a:p>
-          <a:p>
-            <a:pPr lvl="2"/>
-            <a:r>
-              <a:rPr lang="en-US"/>
-              <a:t>Third level</a:t>
-            </a:r>
-          </a:p>
-          <a:p>
-            <a:pPr lvl="3"/>
-            <a:r>
-              <a:rPr lang="en-US"/>
-              <a:t>Fourth level</a:t>
-            </a:r>
-          </a:p>
-          <a:p>
-            <a:pPr lvl="4"/>
-            <a:r>
-              <a:rPr lang="en-US"/>
-              <a:t>Fifth level</a:t>
-            </a:r>
-          </a:p>
-        </p:txBody>
-      </p:sp>
-      <p:sp>
-        <p:nvSpPr>
-          <p:cNvPr id="6" name="Slide Number Placeholder 5">
-            <a:extLst>
-              <a:ext uri="{FF2B5EF4-FFF2-40B4-BE49-F238E27FC236}">
-                <a16:creationId xmlns:a16="http://schemas.microsoft.com/office/drawing/2014/main" id="{CE0222C1-21B6-E14F-9F34-4E0C4221C434}"/>
-              </a:ext>
-            </a:extLst>
-          </p:cNvPr>
-          <p:cNvSpPr>
-            <a:spLocks noGrp="1"/>
-          </p:cNvSpPr>
-          <p:nvPr>
-            <p:ph type="sldNum" sz="quarter" idx="12"/>
-          </p:nvPr>
-        </p:nvSpPr>
-        <p:spPr/>
-        <p:txBody>
-          <a:bodyPr/>
-          <a:lstStyle/>
-          <a:p>
-            <a:fld id="{0B973F48-4628-F846-BA33-DDE653D83577}" type="slidenum">
-              <a:rPr lang="en-US" smtClean="0"/>
-              <a:t>‹#›</a:t>
-            </a:fld>
-            <a:endParaRPr lang="en-US"/>
-          </a:p>
-        </p:txBody>
-      </p:sp>
-    </p:spTree>
-    <p:extLst>
-      <p:ext uri="{BB962C8B-B14F-4D97-AF65-F5344CB8AC3E}">
-        <p14:creationId xmlns:p14="http://schemas.microsoft.com/office/powerpoint/2010/main" val="1447081613"/>
-      </p:ext>
-    </p:extLst>
-  </p:cSld>
-  <p:clrMapOvr>
-    <a:masterClrMapping/>
-  </p:clrMapOvr>
-</p:sldLayout>
-</file>
-
-<file path=ppt/slideLayouts/slideLayout24.xml><?xml version="1.0" encoding="utf-8"?>
-<p:sldLayout xmlns:a="http://schemas.openxmlformats.org/drawingml/2006/main" xmlns:r="http://schemas.openxmlformats.org/officeDocument/2006/relationships" xmlns:p="http://schemas.openxmlformats.org/presentationml/2006/main" type="vertTitleAndTx" preserve="1">
-  <p:cSld name="Vertical Title and Text">
-    <p:spTree>
-      <p:nvGrpSpPr>
-        <p:cNvPr id="1" name=""/>
-        <p:cNvGrpSpPr/>
-        <p:nvPr/>
-      </p:nvGrpSpPr>
-      <p:grpSpPr>
-        <a:xfrm>
-          <a:off x="0" y="0"/>
-          <a:ext cx="0" cy="0"/>
-          <a:chOff x="0" y="0"/>
-          <a:chExt cx="0" cy="0"/>
-        </a:xfrm>
-      </p:grpSpPr>
-      <p:sp>
-        <p:nvSpPr>
-          <p:cNvPr id="2" name="Vertical Title 1">
-            <a:extLst>
-              <a:ext uri="{FF2B5EF4-FFF2-40B4-BE49-F238E27FC236}">
-                <a16:creationId xmlns:a16="http://schemas.microsoft.com/office/drawing/2014/main" id="{75329849-B648-BF40-BC0C-E39A8FDA9F0C}"/>
-              </a:ext>
-            </a:extLst>
-          </p:cNvPr>
-          <p:cNvSpPr>
-            <a:spLocks noGrp="1"/>
-          </p:cNvSpPr>
-          <p:nvPr>
-            <p:ph type="title" orient="vert"/>
-          </p:nvPr>
-        </p:nvSpPr>
-        <p:spPr>
-          <a:xfrm>
-            <a:off x="8724900" y="365125"/>
-            <a:ext cx="2628900" cy="5811838"/>
-          </a:xfrm>
-        </p:spPr>
-        <p:txBody>
-          <a:bodyPr vert="eaVert"/>
-          <a:lstStyle/>
-          <a:p>
-            <a:r>
-              <a:rPr lang="en-US"/>
-              <a:t>Click to edit Master title style</a:t>
-            </a:r>
-          </a:p>
-        </p:txBody>
-      </p:sp>
-      <p:sp>
-        <p:nvSpPr>
-          <p:cNvPr id="3" name="Vertical Text Placeholder 2">
-            <a:extLst>
-              <a:ext uri="{FF2B5EF4-FFF2-40B4-BE49-F238E27FC236}">
-                <a16:creationId xmlns:a16="http://schemas.microsoft.com/office/drawing/2014/main" id="{8041A42D-2964-F94E-ABD6-AF0DA39EEF42}"/>
-              </a:ext>
-            </a:extLst>
-          </p:cNvPr>
-          <p:cNvSpPr>
-            <a:spLocks noGrp="1"/>
-          </p:cNvSpPr>
-          <p:nvPr>
-            <p:ph type="body" orient="vert" idx="1"/>
-          </p:nvPr>
-        </p:nvSpPr>
-        <p:spPr>
-          <a:xfrm>
-            <a:off x="838200" y="365125"/>
-            <a:ext cx="7734300" cy="5811838"/>
-          </a:xfrm>
-        </p:spPr>
-        <p:txBody>
-          <a:bodyPr vert="eaVert"/>
-          <a:lstStyle/>
-          <a:p>
-            <a:pPr lvl="0"/>
-            <a:r>
-              <a:rPr lang="en-US"/>
-              <a:t>Edit Master text styles</a:t>
-            </a:r>
-          </a:p>
-          <a:p>
-            <a:pPr lvl="1"/>
-            <a:r>
-              <a:rPr lang="en-US"/>
-              <a:t>Second level</a:t>
-            </a:r>
-          </a:p>
-          <a:p>
-            <a:pPr lvl="2"/>
-            <a:r>
-              <a:rPr lang="en-US"/>
-              <a:t>Third level</a:t>
-            </a:r>
-          </a:p>
-          <a:p>
-            <a:pPr lvl="3"/>
-            <a:r>
-              <a:rPr lang="en-US"/>
-              <a:t>Fourth level</a:t>
-            </a:r>
-          </a:p>
-          <a:p>
-            <a:pPr lvl="4"/>
-            <a:r>
-              <a:rPr lang="en-US"/>
-              <a:t>Fifth level</a:t>
-            </a:r>
-          </a:p>
-        </p:txBody>
-      </p:sp>
-      <p:sp>
-        <p:nvSpPr>
-          <p:cNvPr id="6" name="Slide Number Placeholder 5">
-            <a:extLst>
-              <a:ext uri="{FF2B5EF4-FFF2-40B4-BE49-F238E27FC236}">
-                <a16:creationId xmlns:a16="http://schemas.microsoft.com/office/drawing/2014/main" id="{C4C2FCA7-7A48-5E4F-BC6A-8A3BDBEAC3C1}"/>
-              </a:ext>
-            </a:extLst>
-          </p:cNvPr>
-          <p:cNvSpPr>
-            <a:spLocks noGrp="1"/>
-          </p:cNvSpPr>
-          <p:nvPr>
-            <p:ph type="sldNum" sz="quarter" idx="12"/>
-          </p:nvPr>
-        </p:nvSpPr>
-        <p:spPr/>
-        <p:txBody>
-          <a:bodyPr/>
-          <a:lstStyle/>
-          <a:p>
-            <a:fld id="{0B973F48-4628-F846-BA33-DDE653D83577}" type="slidenum">
-              <a:rPr lang="en-US" smtClean="0"/>
-              <a:t>‹#›</a:t>
-            </a:fld>
-            <a:endParaRPr lang="en-US"/>
-          </a:p>
-        </p:txBody>
-      </p:sp>
-    </p:spTree>
-    <p:extLst>
-      <p:ext uri="{BB962C8B-B14F-4D97-AF65-F5344CB8AC3E}">
-        <p14:creationId xmlns:p14="http://schemas.microsoft.com/office/powerpoint/2010/main" val="2660450314"/>
-      </p:ext>
-    </p:extLst>
-  </p:cSld>
-  <p:clrMapOvr>
-    <a:masterClrMapping/>
-  </p:clrMapOvr>
-</p:sldLayout>
-</file>
-
-<file path=ppt/slideLayouts/slideLayout25.xml><?xml version="1.0" encoding="utf-8"?>
-<p:sldLayout xmlns:a="http://schemas.openxmlformats.org/drawingml/2006/main" xmlns:r="http://schemas.openxmlformats.org/officeDocument/2006/relationships" xmlns:p="http://schemas.openxmlformats.org/presentationml/2006/main" userDrawn="1">
-  <p:cSld name="Content">
-    <p:spTree>
-      <p:nvGrpSpPr>
-        <p:cNvPr id="1" name=""/>
-        <p:cNvGrpSpPr/>
-        <p:nvPr/>
-      </p:nvGrpSpPr>
-      <p:grpSpPr>
-        <a:xfrm>
-          <a:off x="0" y="0"/>
-          <a:ext cx="0" cy="0"/>
-          <a:chOff x="0" y="0"/>
-          <a:chExt cx="0" cy="0"/>
-        </a:xfrm>
-      </p:grpSpPr>
-      <p:sp>
-        <p:nvSpPr>
-          <p:cNvPr id="4" name="Rectangle 3"/>
-          <p:cNvSpPr/>
-          <p:nvPr userDrawn="1"/>
-        </p:nvSpPr>
-        <p:spPr>
-          <a:xfrm>
-            <a:off x="0" y="6400800"/>
-            <a:ext cx="12192000" cy="457200"/>
-          </a:xfrm>
-          <a:prstGeom prst="rect">
-            <a:avLst/>
-          </a:prstGeom>
-          <a:solidFill>
-            <a:srgbClr val="CA0000"/>
-          </a:solidFill>
-          <a:ln>
-            <a:noFill/>
-          </a:ln>
-        </p:spPr>
-        <p:style>
-          <a:lnRef idx="2">
-            <a:schemeClr val="accent1">
-              <a:shade val="50000"/>
-            </a:schemeClr>
-          </a:lnRef>
-          <a:fillRef idx="1">
-            <a:schemeClr val="accent1"/>
-          </a:fillRef>
-          <a:effectRef idx="0">
-            <a:schemeClr val="accent1"/>
-          </a:effectRef>
-          <a:fontRef idx="minor">
-            <a:schemeClr val="lt1"/>
-          </a:fontRef>
-        </p:style>
-        <p:txBody>
-          <a:bodyPr anchor="ctr"/>
-          <a:lstStyle/>
-          <a:p>
-            <a:pPr algn="ctr">
-              <a:defRPr/>
-            </a:pPr>
-            <a:endParaRPr lang="en-US" sz="1800">
-              <a:solidFill>
-                <a:srgbClr val="FFFFFF"/>
-              </a:solidFill>
-              <a:latin typeface="Segoe UI" charset="0"/>
-              <a:ea typeface="ＭＳ Ｐゴシック" charset="0"/>
-              <a:cs typeface="ＭＳ Ｐゴシック" charset="0"/>
-            </a:endParaRPr>
-          </a:p>
-        </p:txBody>
-      </p:sp>
-      <p:sp>
-        <p:nvSpPr>
-          <p:cNvPr id="5" name="TextBox 4"/>
-          <p:cNvSpPr txBox="1"/>
-          <p:nvPr userDrawn="1"/>
-        </p:nvSpPr>
-        <p:spPr>
-          <a:xfrm>
-            <a:off x="101600" y="6429375"/>
-            <a:ext cx="8940800" cy="400050"/>
-          </a:xfrm>
-          <a:prstGeom prst="rect">
-            <a:avLst/>
-          </a:prstGeom>
-          <a:noFill/>
-        </p:spPr>
-        <p:txBody>
-          <a:bodyPr>
-            <a:spAutoFit/>
-          </a:bodyPr>
-          <a:lstStyle>
-            <a:lvl1pPr eaLnBrk="0" hangingPunct="0">
-              <a:defRPr sz="2400">
-                <a:solidFill>
-                  <a:schemeClr val="tx1"/>
-                </a:solidFill>
-                <a:latin typeface="Arial" charset="0"/>
-                <a:ea typeface="ＭＳ Ｐゴシック" charset="0"/>
-                <a:cs typeface="ＭＳ Ｐゴシック" charset="0"/>
-              </a:defRPr>
-            </a:lvl1pPr>
-            <a:lvl2pPr marL="37931725" indent="-37474525" eaLnBrk="0" hangingPunct="0">
-              <a:defRPr sz="2400">
-                <a:solidFill>
-                  <a:schemeClr val="tx1"/>
-                </a:solidFill>
-                <a:latin typeface="Arial" charset="0"/>
-                <a:ea typeface="ＭＳ Ｐゴシック" charset="0"/>
-              </a:defRPr>
-            </a:lvl2pPr>
-            <a:lvl3pPr eaLnBrk="0" hangingPunct="0">
-              <a:defRPr sz="2400">
-                <a:solidFill>
-                  <a:schemeClr val="tx1"/>
-                </a:solidFill>
-                <a:latin typeface="Arial" charset="0"/>
-                <a:ea typeface="ＭＳ Ｐゴシック" charset="0"/>
-              </a:defRPr>
-            </a:lvl3pPr>
-            <a:lvl4pPr eaLnBrk="0" hangingPunct="0">
-              <a:defRPr sz="2400">
-                <a:solidFill>
-                  <a:schemeClr val="tx1"/>
-                </a:solidFill>
-                <a:latin typeface="Arial" charset="0"/>
-                <a:ea typeface="ＭＳ Ｐゴシック" charset="0"/>
-              </a:defRPr>
-            </a:lvl4pPr>
-            <a:lvl5pPr eaLnBrk="0" hangingPunct="0">
-              <a:defRPr sz="2400">
-                <a:solidFill>
-                  <a:schemeClr val="tx1"/>
-                </a:solidFill>
-                <a:latin typeface="Arial" charset="0"/>
-                <a:ea typeface="ＭＳ Ｐゴシック" charset="0"/>
-              </a:defRPr>
-            </a:lvl5pPr>
-            <a:lvl6pPr marL="457200" eaLnBrk="0" fontAlgn="base" hangingPunct="0">
-              <a:spcBef>
-                <a:spcPct val="0"/>
-              </a:spcBef>
-              <a:spcAft>
-                <a:spcPct val="0"/>
-              </a:spcAft>
-              <a:defRPr sz="2400">
-                <a:solidFill>
-                  <a:schemeClr val="tx1"/>
-                </a:solidFill>
-                <a:latin typeface="Arial" charset="0"/>
-                <a:ea typeface="ＭＳ Ｐゴシック" charset="0"/>
-              </a:defRPr>
-            </a:lvl6pPr>
-            <a:lvl7pPr marL="914400" eaLnBrk="0" fontAlgn="base" hangingPunct="0">
-              <a:spcBef>
-                <a:spcPct val="0"/>
-              </a:spcBef>
-              <a:spcAft>
-                <a:spcPct val="0"/>
-              </a:spcAft>
-              <a:defRPr sz="2400">
-                <a:solidFill>
-                  <a:schemeClr val="tx1"/>
-                </a:solidFill>
-                <a:latin typeface="Arial" charset="0"/>
-                <a:ea typeface="ＭＳ Ｐゴシック" charset="0"/>
-              </a:defRPr>
-            </a:lvl7pPr>
-            <a:lvl8pPr marL="1371600" eaLnBrk="0" fontAlgn="base" hangingPunct="0">
-              <a:spcBef>
-                <a:spcPct val="0"/>
-              </a:spcBef>
-              <a:spcAft>
-                <a:spcPct val="0"/>
-              </a:spcAft>
-              <a:defRPr sz="2400">
-                <a:solidFill>
-                  <a:schemeClr val="tx1"/>
-                </a:solidFill>
-                <a:latin typeface="Arial" charset="0"/>
-                <a:ea typeface="ＭＳ Ｐゴシック" charset="0"/>
-              </a:defRPr>
-            </a:lvl8pPr>
-            <a:lvl9pPr marL="1828800" eaLnBrk="0" fontAlgn="base" hangingPunct="0">
-              <a:spcBef>
-                <a:spcPct val="0"/>
-              </a:spcBef>
-              <a:spcAft>
-                <a:spcPct val="0"/>
-              </a:spcAft>
-              <a:defRPr sz="2400">
-                <a:solidFill>
-                  <a:schemeClr val="tx1"/>
-                </a:solidFill>
-                <a:latin typeface="Arial" charset="0"/>
-                <a:ea typeface="ＭＳ Ｐゴシック" charset="0"/>
-              </a:defRPr>
-            </a:lvl9pPr>
-          </a:lstStyle>
-          <a:p>
-            <a:pPr eaLnBrk="1" hangingPunct="1">
-              <a:defRPr/>
-            </a:pPr>
-            <a:r>
-              <a:rPr lang="en-US" sz="2000" b="1">
-                <a:solidFill>
-                  <a:schemeClr val="bg1"/>
-                </a:solidFill>
-                <a:latin typeface="Calibri" charset="0"/>
-                <a:cs typeface="Calibri" charset="0"/>
-              </a:rPr>
-              <a:t>RNA sequencing and analysis</a:t>
-            </a:r>
-          </a:p>
-        </p:txBody>
-      </p:sp>
-      <p:sp>
-        <p:nvSpPr>
-          <p:cNvPr id="6" name="TextBox 5"/>
-          <p:cNvSpPr txBox="1"/>
-          <p:nvPr userDrawn="1"/>
-        </p:nvSpPr>
-        <p:spPr>
-          <a:xfrm>
-            <a:off x="8229600" y="6477000"/>
-            <a:ext cx="3860800" cy="338138"/>
-          </a:xfrm>
-          <a:prstGeom prst="rect">
-            <a:avLst/>
-          </a:prstGeom>
-          <a:noFill/>
-        </p:spPr>
-        <p:txBody>
-          <a:bodyPr>
-            <a:spAutoFit/>
-          </a:bodyPr>
-          <a:lstStyle>
-            <a:lvl1pPr eaLnBrk="0" hangingPunct="0">
-              <a:defRPr sz="2400">
-                <a:solidFill>
-                  <a:schemeClr val="tx1"/>
-                </a:solidFill>
-                <a:latin typeface="Arial" charset="0"/>
-                <a:ea typeface="ＭＳ Ｐゴシック" charset="0"/>
-                <a:cs typeface="ＭＳ Ｐゴシック" charset="0"/>
-              </a:defRPr>
-            </a:lvl1pPr>
-            <a:lvl2pPr marL="37931725" indent="-37474525" eaLnBrk="0" hangingPunct="0">
-              <a:defRPr sz="2400">
-                <a:solidFill>
-                  <a:schemeClr val="tx1"/>
-                </a:solidFill>
-                <a:latin typeface="Arial" charset="0"/>
-                <a:ea typeface="ＭＳ Ｐゴシック" charset="0"/>
-              </a:defRPr>
-            </a:lvl2pPr>
-            <a:lvl3pPr eaLnBrk="0" hangingPunct="0">
-              <a:defRPr sz="2400">
-                <a:solidFill>
-                  <a:schemeClr val="tx1"/>
-                </a:solidFill>
-                <a:latin typeface="Arial" charset="0"/>
-                <a:ea typeface="ＭＳ Ｐゴシック" charset="0"/>
-              </a:defRPr>
-            </a:lvl3pPr>
-            <a:lvl4pPr eaLnBrk="0" hangingPunct="0">
-              <a:defRPr sz="2400">
-                <a:solidFill>
-                  <a:schemeClr val="tx1"/>
-                </a:solidFill>
-                <a:latin typeface="Arial" charset="0"/>
-                <a:ea typeface="ＭＳ Ｐゴシック" charset="0"/>
-              </a:defRPr>
-            </a:lvl4pPr>
-            <a:lvl5pPr eaLnBrk="0" hangingPunct="0">
-              <a:defRPr sz="2400">
-                <a:solidFill>
-                  <a:schemeClr val="tx1"/>
-                </a:solidFill>
-                <a:latin typeface="Arial" charset="0"/>
-                <a:ea typeface="ＭＳ Ｐゴシック" charset="0"/>
-              </a:defRPr>
-            </a:lvl5pPr>
-            <a:lvl6pPr marL="457200" eaLnBrk="0" fontAlgn="base" hangingPunct="0">
-              <a:spcBef>
-                <a:spcPct val="0"/>
-              </a:spcBef>
-              <a:spcAft>
-                <a:spcPct val="0"/>
-              </a:spcAft>
-              <a:defRPr sz="2400">
-                <a:solidFill>
-                  <a:schemeClr val="tx1"/>
-                </a:solidFill>
-                <a:latin typeface="Arial" charset="0"/>
-                <a:ea typeface="ＭＳ Ｐゴシック" charset="0"/>
-              </a:defRPr>
-            </a:lvl6pPr>
-            <a:lvl7pPr marL="914400" eaLnBrk="0" fontAlgn="base" hangingPunct="0">
-              <a:spcBef>
-                <a:spcPct val="0"/>
-              </a:spcBef>
-              <a:spcAft>
-                <a:spcPct val="0"/>
-              </a:spcAft>
-              <a:defRPr sz="2400">
-                <a:solidFill>
-                  <a:schemeClr val="tx1"/>
-                </a:solidFill>
-                <a:latin typeface="Arial" charset="0"/>
-                <a:ea typeface="ＭＳ Ｐゴシック" charset="0"/>
-              </a:defRPr>
-            </a:lvl7pPr>
-            <a:lvl8pPr marL="1371600" eaLnBrk="0" fontAlgn="base" hangingPunct="0">
-              <a:spcBef>
-                <a:spcPct val="0"/>
-              </a:spcBef>
-              <a:spcAft>
-                <a:spcPct val="0"/>
-              </a:spcAft>
-              <a:defRPr sz="2400">
-                <a:solidFill>
-                  <a:schemeClr val="tx1"/>
-                </a:solidFill>
-                <a:latin typeface="Arial" charset="0"/>
-                <a:ea typeface="ＭＳ Ｐゴシック" charset="0"/>
-              </a:defRPr>
-            </a:lvl8pPr>
-            <a:lvl9pPr marL="1828800" eaLnBrk="0" fontAlgn="base" hangingPunct="0">
-              <a:spcBef>
-                <a:spcPct val="0"/>
-              </a:spcBef>
-              <a:spcAft>
-                <a:spcPct val="0"/>
-              </a:spcAft>
-              <a:defRPr sz="2400">
-                <a:solidFill>
-                  <a:schemeClr val="tx1"/>
-                </a:solidFill>
-                <a:latin typeface="Arial" charset="0"/>
-                <a:ea typeface="ＭＳ Ｐゴシック" charset="0"/>
-              </a:defRPr>
-            </a:lvl9pPr>
-          </a:lstStyle>
-          <a:p>
-            <a:pPr algn="r" eaLnBrk="1" hangingPunct="1">
-              <a:defRPr/>
-            </a:pPr>
-            <a:r>
-              <a:rPr lang="en-US" sz="1600" b="1">
-                <a:cs typeface="Arial" charset="0"/>
-              </a:rPr>
-              <a:t>http://meetings.cshl.edu/</a:t>
-            </a:r>
-            <a:endParaRPr lang="en-US" sz="1600">
-              <a:cs typeface="Arial" charset="0"/>
-            </a:endParaRPr>
-          </a:p>
-        </p:txBody>
-      </p:sp>
-      <p:sp>
-        <p:nvSpPr>
-          <p:cNvPr id="3" name="Content Placeholder 2"/>
-          <p:cNvSpPr>
-            <a:spLocks noGrp="1"/>
-          </p:cNvSpPr>
-          <p:nvPr>
-            <p:ph idx="1"/>
-          </p:nvPr>
-        </p:nvSpPr>
-        <p:spPr>
-          <a:xfrm>
-            <a:off x="203200" y="152400"/>
-            <a:ext cx="11785600" cy="6172200"/>
-          </a:xfrm>
-        </p:spPr>
-        <p:txBody>
-          <a:bodyPr/>
-          <a:lstStyle>
-            <a:lvl1pPr>
-              <a:defRPr sz="2800">
-                <a:latin typeface="Calibri"/>
-                <a:cs typeface="Calibri"/>
-              </a:defRPr>
-            </a:lvl1pPr>
-            <a:lvl2pPr>
-              <a:defRPr sz="2400">
-                <a:latin typeface="Calibri"/>
-                <a:cs typeface="Calibri"/>
-              </a:defRPr>
-            </a:lvl2pPr>
-            <a:lvl3pPr>
-              <a:defRPr sz="2000">
-                <a:latin typeface="Calibri"/>
-                <a:cs typeface="Calibri"/>
-              </a:defRPr>
-            </a:lvl3pPr>
-            <a:lvl4pPr>
-              <a:defRPr sz="1800">
-                <a:latin typeface="Calibri"/>
-                <a:cs typeface="Calibri"/>
-              </a:defRPr>
-            </a:lvl4pPr>
-            <a:lvl5pPr>
-              <a:defRPr sz="1800">
-                <a:latin typeface="Calibri"/>
-                <a:cs typeface="Calibri"/>
-              </a:defRPr>
-            </a:lvl5pPr>
-          </a:lstStyle>
-          <a:p>
-            <a:pPr lvl="0"/>
-            <a:r>
-              <a:rPr lang="en-US" dirty="0"/>
-              <a:t>Click to edit Master text styles</a:t>
-            </a:r>
-          </a:p>
-          <a:p>
-            <a:pPr lvl="1"/>
-            <a:r>
-              <a:rPr lang="en-US" dirty="0"/>
-              <a:t>Second level</a:t>
-            </a:r>
-          </a:p>
-          <a:p>
-            <a:pPr lvl="2"/>
-            <a:r>
-              <a:rPr lang="en-US" dirty="0"/>
-              <a:t>Third level</a:t>
-            </a:r>
-          </a:p>
-          <a:p>
-            <a:pPr lvl="3"/>
-            <a:r>
-              <a:rPr lang="en-US" dirty="0"/>
-              <a:t>Fourth level</a:t>
-            </a:r>
-          </a:p>
-          <a:p>
-            <a:pPr lvl="4"/>
-            <a:r>
-              <a:rPr lang="en-US" dirty="0"/>
-              <a:t>Fifth level</a:t>
-            </a:r>
-          </a:p>
-        </p:txBody>
-      </p:sp>
-    </p:spTree>
-    <p:extLst>
-      <p:ext uri="{BB962C8B-B14F-4D97-AF65-F5344CB8AC3E}">
-        <p14:creationId xmlns:p14="http://schemas.microsoft.com/office/powerpoint/2010/main" val="548013221"/>
-      </p:ext>
-    </p:extLst>
-  </p:cSld>
-  <p:clrMapOvr>
-    <a:masterClrMapping/>
-  </p:clrMapOvr>
-</p:sldLayout>
-</file>
-
-<file path=ppt/slideLayouts/slideLayout26.xml><?xml version="1.0" encoding="utf-8"?>
-<p:sldLayout xmlns:a="http://schemas.openxmlformats.org/drawingml/2006/main" xmlns:r="http://schemas.openxmlformats.org/officeDocument/2006/relationships" xmlns:p="http://schemas.openxmlformats.org/presentationml/2006/main" userDrawn="1">
-  <p:cSld name="Title">
-    <p:spTree>
-      <p:nvGrpSpPr>
-        <p:cNvPr id="1" name=""/>
-        <p:cNvGrpSpPr/>
-        <p:nvPr/>
-      </p:nvGrpSpPr>
-      <p:grpSpPr>
-        <a:xfrm>
-          <a:off x="0" y="0"/>
-          <a:ext cx="0" cy="0"/>
-          <a:chOff x="0" y="0"/>
-          <a:chExt cx="0" cy="0"/>
-        </a:xfrm>
-      </p:grpSpPr>
-      <p:sp>
-        <p:nvSpPr>
-          <p:cNvPr id="2" name="Rectangle 1"/>
-          <p:cNvSpPr/>
-          <p:nvPr userDrawn="1"/>
-        </p:nvSpPr>
-        <p:spPr>
-          <a:xfrm>
-            <a:off x="0" y="0"/>
-            <a:ext cx="12192000" cy="2514600"/>
-          </a:xfrm>
-          <a:prstGeom prst="rect">
-            <a:avLst/>
-          </a:prstGeom>
-          <a:solidFill>
-            <a:schemeClr val="tx1"/>
-          </a:solidFill>
-          <a:ln>
-            <a:noFill/>
-          </a:ln>
-        </p:spPr>
-        <p:style>
-          <a:lnRef idx="2">
-            <a:schemeClr val="accent1">
-              <a:shade val="50000"/>
-            </a:schemeClr>
-          </a:lnRef>
-          <a:fillRef idx="1">
-            <a:schemeClr val="accent1"/>
-          </a:fillRef>
-          <a:effectRef idx="0">
-            <a:schemeClr val="accent1"/>
-          </a:effectRef>
-          <a:fontRef idx="minor">
-            <a:schemeClr val="lt1"/>
-          </a:fontRef>
-        </p:style>
-        <p:txBody>
-          <a:bodyPr anchor="ctr"/>
-          <a:lstStyle/>
-          <a:p>
-            <a:pPr algn="ctr">
-              <a:defRPr/>
-            </a:pPr>
-            <a:endParaRPr lang="en-US" sz="1350">
-              <a:solidFill>
-                <a:srgbClr val="FFFFFF"/>
-              </a:solidFill>
-              <a:latin typeface="Segoe UI" charset="0"/>
-              <a:ea typeface="ＭＳ Ｐゴシック" charset="0"/>
-              <a:cs typeface="ＭＳ Ｐゴシック" charset="0"/>
-            </a:endParaRPr>
-          </a:p>
-        </p:txBody>
-      </p:sp>
-      <p:pic>
-        <p:nvPicPr>
-          <p:cNvPr id="3" name="Picture 7" descr="cshl_logo_alternate rgb.png"/>
-          <p:cNvPicPr>
-            <a:picLocks noChangeAspect="1"/>
-          </p:cNvPicPr>
-          <p:nvPr userDrawn="1"/>
-        </p:nvPicPr>
-        <p:blipFill>
-          <a:blip r:embed="rId2">
-            <a:extLst>
-              <a:ext uri="{28A0092B-C50C-407E-A947-70E740481C1C}">
-                <a14:useLocalDpi xmlns:a14="http://schemas.microsoft.com/office/drawing/2010/main" val="0"/>
-              </a:ext>
-            </a:extLst>
-          </a:blip>
-          <a:srcRect/>
-          <a:stretch>
-            <a:fillRect/>
-          </a:stretch>
-        </p:blipFill>
-        <p:spPr bwMode="auto">
-          <a:xfrm>
-            <a:off x="400052" y="381000"/>
-            <a:ext cx="4679949" cy="1676400"/>
-          </a:xfrm>
-          <a:prstGeom prst="rect">
-            <a:avLst/>
-          </a:prstGeom>
-          <a:noFill/>
-          <a:ln>
-            <a:noFill/>
-          </a:ln>
-          <a:extLst>
-            <a:ext uri="{909E8E84-426E-40dd-AFC4-6F175D3DCCD1}">
-              <a14:hiddenFill xmlns:a14="http://schemas.microsoft.com/office/drawing/2010/main" xmlns="">
-                <a:solidFill>
-                  <a:srgbClr val="FFFFFF"/>
-                </a:solidFill>
-              </a14:hiddenFill>
-            </a:ext>
-            <a:ext uri="{91240B29-F687-4f45-9708-019B960494DF}">
-              <a14:hiddenLine xmlns:a14="http://schemas.microsoft.com/office/drawing/2010/main" xmlns="" w="9525">
-                <a:solidFill>
-                  <a:srgbClr val="000000"/>
-                </a:solidFill>
-                <a:miter lim="800000"/>
-                <a:headEnd/>
-                <a:tailEnd/>
-              </a14:hiddenLine>
-            </a:ext>
-          </a:extLst>
-        </p:spPr>
-      </p:pic>
-    </p:spTree>
-    <p:extLst>
-      <p:ext uri="{BB962C8B-B14F-4D97-AF65-F5344CB8AC3E}">
-        <p14:creationId xmlns:p14="http://schemas.microsoft.com/office/powerpoint/2010/main" val="38316738"/>
-      </p:ext>
-    </p:extLst>
-  </p:cSld>
-  <p:clrMapOvr>
-    <a:masterClrMapping/>
-  </p:clrMapOvr>
-</p:sldLayout>
-</file>
-
-<file path=ppt/slideLayouts/slideLayout3.xml><?xml version="1.0" encoding="utf-8"?>
-<p:sldLayout xmlns:a="http://schemas.openxmlformats.org/drawingml/2006/main" xmlns:r="http://schemas.openxmlformats.org/officeDocument/2006/relationships" xmlns:p="http://schemas.openxmlformats.org/presentationml/2006/main" type="secHead" preserve="1">
-  <p:cSld name="Section Header">
-    <p:spTree>
-      <p:nvGrpSpPr>
-        <p:cNvPr id="1" name=""/>
-        <p:cNvGrpSpPr/>
-        <p:nvPr/>
-      </p:nvGrpSpPr>
-      <p:grpSpPr>
-        <a:xfrm>
-          <a:off x="0" y="0"/>
-          <a:ext cx="0" cy="0"/>
-          <a:chOff x="0" y="0"/>
-          <a:chExt cx="0" cy="0"/>
-        </a:xfrm>
-      </p:grpSpPr>
-      <p:sp>
-        <p:nvSpPr>
-          <p:cNvPr id="2" name="Title 1">
-            <a:extLst>
-              <a:ext uri="{FF2B5EF4-FFF2-40B4-BE49-F238E27FC236}">
-                <a16:creationId xmlns:a16="http://schemas.microsoft.com/office/drawing/2014/main" id="{A7D0A621-739C-C746-8F29-9D6CFEEA4FAE}"/>
-              </a:ext>
-            </a:extLst>
-          </p:cNvPr>
-          <p:cNvSpPr>
-            <a:spLocks noGrp="1"/>
-          </p:cNvSpPr>
-          <p:nvPr>
-            <p:ph type="title"/>
-          </p:nvPr>
-        </p:nvSpPr>
-        <p:spPr>
-          <a:xfrm>
-            <a:off x="831850" y="1709738"/>
-            <a:ext cx="10515600" cy="2852737"/>
-          </a:xfrm>
-        </p:spPr>
-        <p:txBody>
-          <a:bodyPr anchor="b"/>
-          <a:lstStyle>
-            <a:lvl1pPr>
-              <a:defRPr sz="6000"/>
-            </a:lvl1pPr>
-          </a:lstStyle>
-          <a:p>
-            <a:r>
-              <a:rPr lang="en-US"/>
-              <a:t>Click to edit Master title style</a:t>
-            </a:r>
-          </a:p>
-        </p:txBody>
-      </p:sp>
-      <p:sp>
-        <p:nvSpPr>
-          <p:cNvPr id="3" name="Text Placeholder 2">
-            <a:extLst>
-              <a:ext uri="{FF2B5EF4-FFF2-40B4-BE49-F238E27FC236}">
-                <a16:creationId xmlns:a16="http://schemas.microsoft.com/office/drawing/2014/main" id="{34704B73-4058-7C40-98C2-4104D91876C2}"/>
-              </a:ext>
-            </a:extLst>
-          </p:cNvPr>
-          <p:cNvSpPr>
-            <a:spLocks noGrp="1"/>
-          </p:cNvSpPr>
-          <p:nvPr>
-            <p:ph type="body" idx="1"/>
-          </p:nvPr>
-        </p:nvSpPr>
-        <p:spPr>
-          <a:xfrm>
-            <a:off x="831850" y="4589463"/>
-            <a:ext cx="10515600" cy="1500187"/>
-          </a:xfrm>
-        </p:spPr>
-        <p:txBody>
-          <a:bodyPr/>
-          <a:lstStyle>
-            <a:lvl1pPr marL="0" indent="0">
-              <a:buNone/>
-              <a:defRPr sz="2400">
-                <a:solidFill>
-                  <a:schemeClr val="tx1">
-                    <a:tint val="75000"/>
-                  </a:schemeClr>
-                </a:solidFill>
-              </a:defRPr>
-            </a:lvl1pPr>
-            <a:lvl2pPr marL="457200" indent="0">
-              <a:buNone/>
-              <a:defRPr sz="2000">
-                <a:solidFill>
-                  <a:schemeClr val="tx1">
-                    <a:tint val="75000"/>
-                  </a:schemeClr>
-                </a:solidFill>
-              </a:defRPr>
-            </a:lvl2pPr>
-            <a:lvl3pPr marL="914400" indent="0">
-              <a:buNone/>
-              <a:defRPr sz="1800">
-                <a:solidFill>
-                  <a:schemeClr val="tx1">
-                    <a:tint val="75000"/>
-                  </a:schemeClr>
-                </a:solidFill>
-              </a:defRPr>
-            </a:lvl3pPr>
-            <a:lvl4pPr marL="1371600" indent="0">
-              <a:buNone/>
-              <a:defRPr sz="1600">
-                <a:solidFill>
-                  <a:schemeClr val="tx1">
-                    <a:tint val="75000"/>
-                  </a:schemeClr>
-                </a:solidFill>
-              </a:defRPr>
-            </a:lvl4pPr>
-            <a:lvl5pPr marL="1828800" indent="0">
-              <a:buNone/>
-              <a:defRPr sz="1600">
-                <a:solidFill>
-                  <a:schemeClr val="tx1">
-                    <a:tint val="75000"/>
-                  </a:schemeClr>
-                </a:solidFill>
-              </a:defRPr>
-            </a:lvl5pPr>
-            <a:lvl6pPr marL="2286000" indent="0">
-              <a:buNone/>
-              <a:defRPr sz="1600">
-                <a:solidFill>
-                  <a:schemeClr val="tx1">
-                    <a:tint val="75000"/>
-                  </a:schemeClr>
-                </a:solidFill>
-              </a:defRPr>
-            </a:lvl6pPr>
-            <a:lvl7pPr marL="2743200" indent="0">
-              <a:buNone/>
-              <a:defRPr sz="1600">
-                <a:solidFill>
-                  <a:schemeClr val="tx1">
-                    <a:tint val="75000"/>
-                  </a:schemeClr>
-                </a:solidFill>
-              </a:defRPr>
-            </a:lvl7pPr>
-            <a:lvl8pPr marL="3200400" indent="0">
-              <a:buNone/>
-              <a:defRPr sz="1600">
-                <a:solidFill>
-                  <a:schemeClr val="tx1">
-                    <a:tint val="75000"/>
-                  </a:schemeClr>
-                </a:solidFill>
-              </a:defRPr>
-            </a:lvl8pPr>
-            <a:lvl9pPr marL="3657600" indent="0">
-              <a:buNone/>
-              <a:defRPr sz="1600">
-                <a:solidFill>
-                  <a:schemeClr val="tx1">
-                    <a:tint val="75000"/>
-                  </a:schemeClr>
-                </a:solidFill>
-              </a:defRPr>
-            </a:lvl9pPr>
-          </a:lstStyle>
-          <a:p>
-            <a:pPr lvl="0"/>
-            <a:r>
-              <a:rPr lang="en-US"/>
-              <a:t>Edit Master text styles</a:t>
-            </a:r>
-          </a:p>
-        </p:txBody>
-      </p:sp>
-      <p:sp>
-        <p:nvSpPr>
-          <p:cNvPr id="6" name="Slide Number Placeholder 5">
-            <a:extLst>
-              <a:ext uri="{FF2B5EF4-FFF2-40B4-BE49-F238E27FC236}">
-                <a16:creationId xmlns:a16="http://schemas.microsoft.com/office/drawing/2014/main" id="{E5EEE93E-C8A1-354A-AF1E-19A5283E305A}"/>
-              </a:ext>
-            </a:extLst>
-          </p:cNvPr>
-          <p:cNvSpPr>
-            <a:spLocks noGrp="1"/>
-          </p:cNvSpPr>
-          <p:nvPr>
-            <p:ph type="sldNum" sz="quarter" idx="12"/>
-          </p:nvPr>
-        </p:nvSpPr>
-        <p:spPr/>
-        <p:txBody>
-          <a:bodyPr/>
-          <a:lstStyle/>
-          <a:p>
-            <a:fld id="{0B973F48-4628-F846-BA33-DDE653D83577}" type="slidenum">
-              <a:rPr lang="en-US" smtClean="0"/>
-              <a:t>‹#›</a:t>
-            </a:fld>
-            <a:endParaRPr lang="en-US"/>
-          </a:p>
-        </p:txBody>
-      </p:sp>
-    </p:spTree>
-    <p:extLst>
-      <p:ext uri="{BB962C8B-B14F-4D97-AF65-F5344CB8AC3E}">
-        <p14:creationId xmlns:p14="http://schemas.microsoft.com/office/powerpoint/2010/main" val="1507626287"/>
-      </p:ext>
-    </p:extLst>
-  </p:cSld>
-  <p:clrMapOvr>
-    <a:masterClrMapping/>
-  </p:clrMapOvr>
-</p:sldLayout>
-</file>
-
-<file path=ppt/slideLayouts/slideLayout4.xml><?xml version="1.0" encoding="utf-8"?>
-<p:sldLayout xmlns:a="http://schemas.openxmlformats.org/drawingml/2006/main" xmlns:r="http://schemas.openxmlformats.org/officeDocument/2006/relationships" xmlns:p="http://schemas.openxmlformats.org/presentationml/2006/main" type="twoObj" preserve="1">
-  <p:cSld name="Two Content">
-    <p:spTree>
-      <p:nvGrpSpPr>
-        <p:cNvPr id="1" name=""/>
-        <p:cNvGrpSpPr/>
-        <p:nvPr/>
-      </p:nvGrpSpPr>
-      <p:grpSpPr>
-        <a:xfrm>
-          <a:off x="0" y="0"/>
-          <a:ext cx="0" cy="0"/>
-          <a:chOff x="0" y="0"/>
-          <a:chExt cx="0" cy="0"/>
-        </a:xfrm>
-      </p:grpSpPr>
-      <p:sp>
-        <p:nvSpPr>
-          <p:cNvPr id="2" name="Title 1">
-            <a:extLst>
-              <a:ext uri="{FF2B5EF4-FFF2-40B4-BE49-F238E27FC236}">
-                <a16:creationId xmlns:a16="http://schemas.microsoft.com/office/drawing/2014/main" id="{70ACA464-1AAB-3D41-837C-83C938183D29}"/>
-              </a:ext>
-            </a:extLst>
-          </p:cNvPr>
-          <p:cNvSpPr>
-            <a:spLocks noGrp="1"/>
-          </p:cNvSpPr>
-          <p:nvPr>
-            <p:ph type="title"/>
-          </p:nvPr>
-        </p:nvSpPr>
-        <p:spPr/>
-        <p:txBody>
-          <a:bodyPr/>
-          <a:lstStyle/>
-          <a:p>
-            <a:r>
-              <a:rPr lang="en-US"/>
-              <a:t>Click to edit Master title style</a:t>
-            </a:r>
-          </a:p>
-        </p:txBody>
-      </p:sp>
-      <p:sp>
-        <p:nvSpPr>
-          <p:cNvPr id="3" name="Content Placeholder 2">
-            <a:extLst>
-              <a:ext uri="{FF2B5EF4-FFF2-40B4-BE49-F238E27FC236}">
-                <a16:creationId xmlns:a16="http://schemas.microsoft.com/office/drawing/2014/main" id="{F3F2349E-5B0C-DE44-8CE1-77C14FC7025E}"/>
-              </a:ext>
-            </a:extLst>
-          </p:cNvPr>
-          <p:cNvSpPr>
-            <a:spLocks noGrp="1"/>
-          </p:cNvSpPr>
-          <p:nvPr>
-            <p:ph sz="half" idx="1"/>
-          </p:nvPr>
-        </p:nvSpPr>
-        <p:spPr>
-          <a:xfrm>
-            <a:off x="838200" y="1825625"/>
-            <a:ext cx="5181600" cy="4351338"/>
-          </a:xfrm>
-        </p:spPr>
-        <p:txBody>
-          <a:bodyPr/>
-          <a:lstStyle/>
-          <a:p>
-            <a:pPr lvl="0"/>
-            <a:r>
-              <a:rPr lang="en-US"/>
-              <a:t>Edit Master text styles</a:t>
-            </a:r>
-          </a:p>
-          <a:p>
-            <a:pPr lvl="1"/>
-            <a:r>
-              <a:rPr lang="en-US"/>
-              <a:t>Second level</a:t>
-            </a:r>
-          </a:p>
-          <a:p>
-            <a:pPr lvl="2"/>
-            <a:r>
-              <a:rPr lang="en-US"/>
-              <a:t>Third level</a:t>
-            </a:r>
-          </a:p>
-          <a:p>
-            <a:pPr lvl="3"/>
-            <a:r>
-              <a:rPr lang="en-US"/>
-              <a:t>Fourth level</a:t>
-            </a:r>
-          </a:p>
-          <a:p>
-            <a:pPr lvl="4"/>
-            <a:r>
-              <a:rPr lang="en-US"/>
-              <a:t>Fifth level</a:t>
-            </a:r>
-          </a:p>
-        </p:txBody>
-      </p:sp>
-      <p:sp>
-        <p:nvSpPr>
-          <p:cNvPr id="4" name="Content Placeholder 3">
-            <a:extLst>
-              <a:ext uri="{FF2B5EF4-FFF2-40B4-BE49-F238E27FC236}">
-                <a16:creationId xmlns:a16="http://schemas.microsoft.com/office/drawing/2014/main" id="{4C2FBEBA-F2A8-E642-B0D7-3148F7AC1B57}"/>
-              </a:ext>
-            </a:extLst>
-          </p:cNvPr>
-          <p:cNvSpPr>
-            <a:spLocks noGrp="1"/>
-          </p:cNvSpPr>
-          <p:nvPr>
-            <p:ph sz="half" idx="2"/>
-          </p:nvPr>
-        </p:nvSpPr>
-        <p:spPr>
-          <a:xfrm>
-            <a:off x="6172200" y="1825625"/>
-            <a:ext cx="5181600" cy="4351338"/>
-          </a:xfrm>
-        </p:spPr>
-        <p:txBody>
-          <a:bodyPr/>
-          <a:lstStyle/>
-          <a:p>
-            <a:pPr lvl="0"/>
-            <a:r>
-              <a:rPr lang="en-US"/>
-              <a:t>Edit Master text styles</a:t>
-            </a:r>
-          </a:p>
-          <a:p>
-            <a:pPr lvl="1"/>
-            <a:r>
-              <a:rPr lang="en-US"/>
-              <a:t>Second level</a:t>
-            </a:r>
-          </a:p>
-          <a:p>
-            <a:pPr lvl="2"/>
-            <a:r>
-              <a:rPr lang="en-US"/>
-              <a:t>Third level</a:t>
-            </a:r>
-          </a:p>
-          <a:p>
-            <a:pPr lvl="3"/>
-            <a:r>
-              <a:rPr lang="en-US"/>
-              <a:t>Fourth level</a:t>
-            </a:r>
-          </a:p>
-          <a:p>
-            <a:pPr lvl="4"/>
-            <a:r>
-              <a:rPr lang="en-US"/>
-              <a:t>Fifth level</a:t>
-            </a:r>
-          </a:p>
-        </p:txBody>
-      </p:sp>
-      <p:sp>
-        <p:nvSpPr>
-          <p:cNvPr id="7" name="Slide Number Placeholder 6">
-            <a:extLst>
-              <a:ext uri="{FF2B5EF4-FFF2-40B4-BE49-F238E27FC236}">
-                <a16:creationId xmlns:a16="http://schemas.microsoft.com/office/drawing/2014/main" id="{FB759064-C295-474C-91BC-B8179C14C201}"/>
-              </a:ext>
-            </a:extLst>
-          </p:cNvPr>
-          <p:cNvSpPr>
-            <a:spLocks noGrp="1"/>
-          </p:cNvSpPr>
-          <p:nvPr>
-            <p:ph type="sldNum" sz="quarter" idx="12"/>
-          </p:nvPr>
-        </p:nvSpPr>
-        <p:spPr/>
-        <p:txBody>
-          <a:bodyPr/>
-          <a:lstStyle/>
-          <a:p>
-            <a:fld id="{0B973F48-4628-F846-BA33-DDE653D83577}" type="slidenum">
-              <a:rPr lang="en-US" smtClean="0"/>
-              <a:t>‹#›</a:t>
-            </a:fld>
-            <a:endParaRPr lang="en-US"/>
-          </a:p>
-        </p:txBody>
-      </p:sp>
-    </p:spTree>
-    <p:extLst>
-      <p:ext uri="{BB962C8B-B14F-4D97-AF65-F5344CB8AC3E}">
-        <p14:creationId xmlns:p14="http://schemas.microsoft.com/office/powerpoint/2010/main" val="1962975095"/>
-      </p:ext>
-    </p:extLst>
-  </p:cSld>
-  <p:clrMapOvr>
-    <a:masterClrMapping/>
-  </p:clrMapOvr>
-</p:sldLayout>
-</file>
-
-<file path=ppt/slideLayouts/slideLayout5.xml><?xml version="1.0" encoding="utf-8"?>
-<p:sldLayout xmlns:a="http://schemas.openxmlformats.org/drawingml/2006/main" xmlns:r="http://schemas.openxmlformats.org/officeDocument/2006/relationships" xmlns:p="http://schemas.openxmlformats.org/presentationml/2006/main" type="twoTxTwoObj" preserve="1">
-  <p:cSld name="Comparison">
-    <p:spTree>
-      <p:nvGrpSpPr>
-        <p:cNvPr id="1" name=""/>
-        <p:cNvGrpSpPr/>
-        <p:nvPr/>
-      </p:nvGrpSpPr>
-      <p:grpSpPr>
-        <a:xfrm>
-          <a:off x="0" y="0"/>
-          <a:ext cx="0" cy="0"/>
-          <a:chOff x="0" y="0"/>
-          <a:chExt cx="0" cy="0"/>
-        </a:xfrm>
-      </p:grpSpPr>
-      <p:sp>
-        <p:nvSpPr>
-          <p:cNvPr id="2" name="Title 1">
-            <a:extLst>
-              <a:ext uri="{FF2B5EF4-FFF2-40B4-BE49-F238E27FC236}">
-                <a16:creationId xmlns:a16="http://schemas.microsoft.com/office/drawing/2014/main" id="{97393B7B-D3EB-1942-9C5D-C2DBE70DCDDA}"/>
-              </a:ext>
-            </a:extLst>
-          </p:cNvPr>
-          <p:cNvSpPr>
-            <a:spLocks noGrp="1"/>
-          </p:cNvSpPr>
-          <p:nvPr>
-            <p:ph type="title"/>
-          </p:nvPr>
-        </p:nvSpPr>
-        <p:spPr>
-          <a:xfrm>
-            <a:off x="839788" y="365125"/>
-            <a:ext cx="10515600" cy="1325563"/>
-          </a:xfrm>
-        </p:spPr>
-        <p:txBody>
-          <a:bodyPr/>
-          <a:lstStyle/>
-          <a:p>
-            <a:r>
-              <a:rPr lang="en-US"/>
-              <a:t>Click to edit Master title style</a:t>
-            </a:r>
-          </a:p>
-        </p:txBody>
-      </p:sp>
-      <p:sp>
-        <p:nvSpPr>
-          <p:cNvPr id="3" name="Text Placeholder 2">
-            <a:extLst>
-              <a:ext uri="{FF2B5EF4-FFF2-40B4-BE49-F238E27FC236}">
-                <a16:creationId xmlns:a16="http://schemas.microsoft.com/office/drawing/2014/main" id="{8D082C37-8144-2B40-B057-52B9B6778F1D}"/>
-              </a:ext>
-            </a:extLst>
-          </p:cNvPr>
-          <p:cNvSpPr>
-            <a:spLocks noGrp="1"/>
-          </p:cNvSpPr>
-          <p:nvPr>
-            <p:ph type="body" idx="1"/>
-          </p:nvPr>
-        </p:nvSpPr>
-        <p:spPr>
-          <a:xfrm>
-            <a:off x="839788" y="1681163"/>
-            <a:ext cx="5157787" cy="823912"/>
-          </a:xfrm>
-        </p:spPr>
-        <p:txBody>
-          <a:bodyPr anchor="b"/>
-          <a:lstStyle>
-            <a:lvl1pPr marL="0" indent="0">
-              <a:buNone/>
-              <a:defRPr sz="2400" b="1"/>
-            </a:lvl1pPr>
-            <a:lvl2pPr marL="457200" indent="0">
-              <a:buNone/>
-              <a:defRPr sz="2000" b="1"/>
-            </a:lvl2pPr>
-            <a:lvl3pPr marL="914400" indent="0">
-              <a:buNone/>
-              <a:defRPr sz="1800" b="1"/>
-            </a:lvl3pPr>
-            <a:lvl4pPr marL="1371600" indent="0">
-              <a:buNone/>
-              <a:defRPr sz="1600" b="1"/>
-            </a:lvl4pPr>
-            <a:lvl5pPr marL="1828800" indent="0">
-              <a:buNone/>
-              <a:defRPr sz="1600" b="1"/>
-            </a:lvl5pPr>
-            <a:lvl6pPr marL="2286000" indent="0">
-              <a:buNone/>
-              <a:defRPr sz="1600" b="1"/>
-            </a:lvl6pPr>
-            <a:lvl7pPr marL="2743200" indent="0">
-              <a:buNone/>
-              <a:defRPr sz="1600" b="1"/>
-            </a:lvl7pPr>
-            <a:lvl8pPr marL="3200400" indent="0">
-              <a:buNone/>
-              <a:defRPr sz="1600" b="1"/>
-            </a:lvl8pPr>
-            <a:lvl9pPr marL="3657600" indent="0">
-              <a:buNone/>
-              <a:defRPr sz="1600" b="1"/>
-            </a:lvl9pPr>
-          </a:lstStyle>
-          <a:p>
-            <a:pPr lvl="0"/>
-            <a:r>
-              <a:rPr lang="en-US"/>
-              <a:t>Edit Master text styles</a:t>
-            </a:r>
-          </a:p>
-        </p:txBody>
-      </p:sp>
-      <p:sp>
-        <p:nvSpPr>
-          <p:cNvPr id="4" name="Content Placeholder 3">
-            <a:extLst>
-              <a:ext uri="{FF2B5EF4-FFF2-40B4-BE49-F238E27FC236}">
-                <a16:creationId xmlns:a16="http://schemas.microsoft.com/office/drawing/2014/main" id="{F1AB8C75-2C38-424A-9A7A-65CB327C213B}"/>
-              </a:ext>
-            </a:extLst>
-          </p:cNvPr>
-          <p:cNvSpPr>
-            <a:spLocks noGrp="1"/>
-          </p:cNvSpPr>
-          <p:nvPr>
-            <p:ph sz="half" idx="2"/>
-          </p:nvPr>
-        </p:nvSpPr>
-        <p:spPr>
-          <a:xfrm>
-            <a:off x="839788" y="2505075"/>
-            <a:ext cx="5157787" cy="3684588"/>
-          </a:xfrm>
-        </p:spPr>
-        <p:txBody>
-          <a:bodyPr/>
-          <a:lstStyle/>
-          <a:p>
-            <a:pPr lvl="0"/>
-            <a:r>
-              <a:rPr lang="en-US"/>
-              <a:t>Edit Master text styles</a:t>
-            </a:r>
-          </a:p>
-          <a:p>
-            <a:pPr lvl="1"/>
-            <a:r>
-              <a:rPr lang="en-US"/>
-              <a:t>Second level</a:t>
-            </a:r>
-          </a:p>
-          <a:p>
-            <a:pPr lvl="2"/>
-            <a:r>
-              <a:rPr lang="en-US"/>
-              <a:t>Third level</a:t>
-            </a:r>
-          </a:p>
-          <a:p>
-            <a:pPr lvl="3"/>
-            <a:r>
-              <a:rPr lang="en-US"/>
-              <a:t>Fourth level</a:t>
-            </a:r>
-          </a:p>
-          <a:p>
-            <a:pPr lvl="4"/>
-            <a:r>
-              <a:rPr lang="en-US"/>
-              <a:t>Fifth level</a:t>
-            </a:r>
-          </a:p>
-        </p:txBody>
-      </p:sp>
-      <p:sp>
-        <p:nvSpPr>
-          <p:cNvPr id="5" name="Text Placeholder 4">
-            <a:extLst>
-              <a:ext uri="{FF2B5EF4-FFF2-40B4-BE49-F238E27FC236}">
-                <a16:creationId xmlns:a16="http://schemas.microsoft.com/office/drawing/2014/main" id="{AEC54413-8A58-C54E-9133-45A1F00C5913}"/>
-              </a:ext>
-            </a:extLst>
-          </p:cNvPr>
-          <p:cNvSpPr>
-            <a:spLocks noGrp="1"/>
-          </p:cNvSpPr>
-          <p:nvPr>
-            <p:ph type="body" sz="quarter" idx="3"/>
-          </p:nvPr>
-        </p:nvSpPr>
-        <p:spPr>
-          <a:xfrm>
-            <a:off x="6172200" y="1681163"/>
-            <a:ext cx="5183188" cy="823912"/>
-          </a:xfrm>
-        </p:spPr>
-        <p:txBody>
-          <a:bodyPr anchor="b"/>
-          <a:lstStyle>
-            <a:lvl1pPr marL="0" indent="0">
-              <a:buNone/>
-              <a:defRPr sz="2400" b="1"/>
-            </a:lvl1pPr>
-            <a:lvl2pPr marL="457200" indent="0">
-              <a:buNone/>
-              <a:defRPr sz="2000" b="1"/>
-            </a:lvl2pPr>
-            <a:lvl3pPr marL="914400" indent="0">
-              <a:buNone/>
-              <a:defRPr sz="1800" b="1"/>
-            </a:lvl3pPr>
-            <a:lvl4pPr marL="1371600" indent="0">
-              <a:buNone/>
-              <a:defRPr sz="1600" b="1"/>
-            </a:lvl4pPr>
-            <a:lvl5pPr marL="1828800" indent="0">
-              <a:buNone/>
-              <a:defRPr sz="1600" b="1"/>
-            </a:lvl5pPr>
-            <a:lvl6pPr marL="2286000" indent="0">
-              <a:buNone/>
-              <a:defRPr sz="1600" b="1"/>
-            </a:lvl6pPr>
-            <a:lvl7pPr marL="2743200" indent="0">
-              <a:buNone/>
-              <a:defRPr sz="1600" b="1"/>
-            </a:lvl7pPr>
-            <a:lvl8pPr marL="3200400" indent="0">
-              <a:buNone/>
-              <a:defRPr sz="1600" b="1"/>
-            </a:lvl8pPr>
-            <a:lvl9pPr marL="3657600" indent="0">
-              <a:buNone/>
-              <a:defRPr sz="1600" b="1"/>
-            </a:lvl9pPr>
-          </a:lstStyle>
-          <a:p>
-            <a:pPr lvl="0"/>
-            <a:r>
-              <a:rPr lang="en-US"/>
-              <a:t>Edit Master text styles</a:t>
-            </a:r>
-          </a:p>
-        </p:txBody>
-      </p:sp>
-      <p:sp>
-        <p:nvSpPr>
-          <p:cNvPr id="6" name="Content Placeholder 5">
-            <a:extLst>
-              <a:ext uri="{FF2B5EF4-FFF2-40B4-BE49-F238E27FC236}">
-                <a16:creationId xmlns:a16="http://schemas.microsoft.com/office/drawing/2014/main" id="{4B0112E1-1E2D-724A-8EAC-CF4C8204D79E}"/>
-              </a:ext>
-            </a:extLst>
-          </p:cNvPr>
-          <p:cNvSpPr>
-            <a:spLocks noGrp="1"/>
-          </p:cNvSpPr>
-          <p:nvPr>
-            <p:ph sz="quarter" idx="4"/>
-          </p:nvPr>
-        </p:nvSpPr>
-        <p:spPr>
-          <a:xfrm>
-            <a:off x="6172200" y="2505075"/>
-            <a:ext cx="5183188" cy="3684588"/>
-          </a:xfrm>
-        </p:spPr>
-        <p:txBody>
-          <a:bodyPr/>
-          <a:lstStyle/>
-          <a:p>
-            <a:pPr lvl="0"/>
-            <a:r>
-              <a:rPr lang="en-US"/>
-              <a:t>Edit Master text styles</a:t>
-            </a:r>
-          </a:p>
-          <a:p>
-            <a:pPr lvl="1"/>
-            <a:r>
-              <a:rPr lang="en-US"/>
-              <a:t>Second level</a:t>
-            </a:r>
-          </a:p>
-          <a:p>
-            <a:pPr lvl="2"/>
-            <a:r>
-              <a:rPr lang="en-US"/>
-              <a:t>Third level</a:t>
-            </a:r>
-          </a:p>
-          <a:p>
-            <a:pPr lvl="3"/>
-            <a:r>
-              <a:rPr lang="en-US"/>
-              <a:t>Fourth level</a:t>
-            </a:r>
-          </a:p>
-          <a:p>
-            <a:pPr lvl="4"/>
-            <a:r>
-              <a:rPr lang="en-US"/>
-              <a:t>Fifth level</a:t>
-            </a:r>
-          </a:p>
-        </p:txBody>
-      </p:sp>
-      <p:sp>
-        <p:nvSpPr>
-          <p:cNvPr id="9" name="Slide Number Placeholder 8">
-            <a:extLst>
-              <a:ext uri="{FF2B5EF4-FFF2-40B4-BE49-F238E27FC236}">
-                <a16:creationId xmlns:a16="http://schemas.microsoft.com/office/drawing/2014/main" id="{B72AE139-D882-D94E-B377-D84A207665BF}"/>
-              </a:ext>
-            </a:extLst>
-          </p:cNvPr>
-          <p:cNvSpPr>
-            <a:spLocks noGrp="1"/>
-          </p:cNvSpPr>
-          <p:nvPr>
-            <p:ph type="sldNum" sz="quarter" idx="12"/>
-          </p:nvPr>
-        </p:nvSpPr>
-        <p:spPr/>
-        <p:txBody>
-          <a:bodyPr/>
-          <a:lstStyle/>
-          <a:p>
-            <a:fld id="{0B973F48-4628-F846-BA33-DDE653D83577}" type="slidenum">
-              <a:rPr lang="en-US" smtClean="0"/>
-              <a:t>‹#›</a:t>
-            </a:fld>
-            <a:endParaRPr lang="en-US"/>
-          </a:p>
-        </p:txBody>
-      </p:sp>
-    </p:spTree>
-    <p:extLst>
-      <p:ext uri="{BB962C8B-B14F-4D97-AF65-F5344CB8AC3E}">
-        <p14:creationId xmlns:p14="http://schemas.microsoft.com/office/powerpoint/2010/main" val="558346748"/>
-      </p:ext>
-    </p:extLst>
-  </p:cSld>
-  <p:clrMapOvr>
-    <a:masterClrMapping/>
-  </p:clrMapOvr>
-</p:sldLayout>
-</file>
-
-<file path=ppt/slideLayouts/slideLayout6.xml><?xml version="1.0" encoding="utf-8"?>
-<p:sldLayout xmlns:a="http://schemas.openxmlformats.org/drawingml/2006/main" xmlns:r="http://schemas.openxmlformats.org/officeDocument/2006/relationships" xmlns:p="http://schemas.openxmlformats.org/presentationml/2006/main" type="titleOnly" preserve="1">
-  <p:cSld name="Title Only">
-    <p:spTree>
-      <p:nvGrpSpPr>
-        <p:cNvPr id="1" name=""/>
-        <p:cNvGrpSpPr/>
-        <p:nvPr/>
-      </p:nvGrpSpPr>
-      <p:grpSpPr>
-        <a:xfrm>
-          <a:off x="0" y="0"/>
-          <a:ext cx="0" cy="0"/>
-          <a:chOff x="0" y="0"/>
-          <a:chExt cx="0" cy="0"/>
-        </a:xfrm>
-      </p:grpSpPr>
-      <p:sp>
-        <p:nvSpPr>
-          <p:cNvPr id="2" name="Title 1">
-            <a:extLst>
-              <a:ext uri="{FF2B5EF4-FFF2-40B4-BE49-F238E27FC236}">
-                <a16:creationId xmlns:a16="http://schemas.microsoft.com/office/drawing/2014/main" id="{8AC87EC2-76AA-FC42-982F-77406246A4AA}"/>
-              </a:ext>
-            </a:extLst>
-          </p:cNvPr>
-          <p:cNvSpPr>
-            <a:spLocks noGrp="1"/>
-          </p:cNvSpPr>
-          <p:nvPr>
-            <p:ph type="title"/>
-          </p:nvPr>
-        </p:nvSpPr>
-        <p:spPr/>
-        <p:txBody>
-          <a:bodyPr/>
-          <a:lstStyle/>
-          <a:p>
-            <a:r>
-              <a:rPr lang="en-US"/>
-              <a:t>Click to edit Master title style</a:t>
-            </a:r>
-          </a:p>
-        </p:txBody>
-      </p:sp>
-      <p:sp>
-        <p:nvSpPr>
-          <p:cNvPr id="5" name="Slide Number Placeholder 4">
-            <a:extLst>
-              <a:ext uri="{FF2B5EF4-FFF2-40B4-BE49-F238E27FC236}">
-                <a16:creationId xmlns:a16="http://schemas.microsoft.com/office/drawing/2014/main" id="{81EC7837-FC7B-6043-8182-02D7718729CA}"/>
-              </a:ext>
-            </a:extLst>
-          </p:cNvPr>
-          <p:cNvSpPr>
-            <a:spLocks noGrp="1"/>
-          </p:cNvSpPr>
-          <p:nvPr>
-            <p:ph type="sldNum" sz="quarter" idx="12"/>
-          </p:nvPr>
-        </p:nvSpPr>
-        <p:spPr/>
-        <p:txBody>
-          <a:bodyPr/>
-          <a:lstStyle/>
-          <a:p>
-            <a:fld id="{0B973F48-4628-F846-BA33-DDE653D83577}" type="slidenum">
-              <a:rPr lang="en-US" smtClean="0"/>
-              <a:t>‹#›</a:t>
-            </a:fld>
-            <a:endParaRPr lang="en-US"/>
-          </a:p>
-        </p:txBody>
-      </p:sp>
-    </p:spTree>
-    <p:extLst>
-      <p:ext uri="{BB962C8B-B14F-4D97-AF65-F5344CB8AC3E}">
-        <p14:creationId xmlns:p14="http://schemas.microsoft.com/office/powerpoint/2010/main" val="2103914851"/>
-      </p:ext>
-    </p:extLst>
-  </p:cSld>
-  <p:clrMapOvr>
-    <a:masterClrMapping/>
-  </p:clrMapOvr>
-</p:sldLayout>
-</file>
-
-<file path=ppt/slideLayouts/slideLayout7.xml><?xml version="1.0" encoding="utf-8"?>
-<p:sldLayout xmlns:a="http://schemas.openxmlformats.org/drawingml/2006/main" xmlns:r="http://schemas.openxmlformats.org/officeDocument/2006/relationships" xmlns:p="http://schemas.openxmlformats.org/presentationml/2006/main" type="blank" preserve="1">
-  <p:cSld name="Blank">
-    <p:spTree>
-      <p:nvGrpSpPr>
-        <p:cNvPr id="1" name=""/>
-        <p:cNvGrpSpPr/>
-        <p:nvPr/>
-      </p:nvGrpSpPr>
-      <p:grpSpPr>
-        <a:xfrm>
-          <a:off x="0" y="0"/>
-          <a:ext cx="0" cy="0"/>
-          <a:chOff x="0" y="0"/>
-          <a:chExt cx="0" cy="0"/>
-        </a:xfrm>
-      </p:grpSpPr>
-      <p:sp>
-        <p:nvSpPr>
-          <p:cNvPr id="4" name="Slide Number Placeholder 3">
-            <a:extLst>
-              <a:ext uri="{FF2B5EF4-FFF2-40B4-BE49-F238E27FC236}">
-                <a16:creationId xmlns:a16="http://schemas.microsoft.com/office/drawing/2014/main" id="{D575A9DD-FA0A-D64B-B42E-72A4B0E3557A}"/>
-              </a:ext>
-            </a:extLst>
-          </p:cNvPr>
-          <p:cNvSpPr>
-            <a:spLocks noGrp="1"/>
-          </p:cNvSpPr>
-          <p:nvPr>
-            <p:ph type="sldNum" sz="quarter" idx="12"/>
-          </p:nvPr>
-        </p:nvSpPr>
-        <p:spPr/>
-        <p:txBody>
-          <a:bodyPr/>
-          <a:lstStyle/>
-          <a:p>
-            <a:fld id="{0B973F48-4628-F846-BA33-DDE653D83577}" type="slidenum">
-              <a:rPr lang="en-US" smtClean="0"/>
-              <a:t>‹#›</a:t>
-            </a:fld>
-            <a:endParaRPr lang="en-US"/>
-          </a:p>
-        </p:txBody>
-      </p:sp>
-    </p:spTree>
-    <p:extLst>
-      <p:ext uri="{BB962C8B-B14F-4D97-AF65-F5344CB8AC3E}">
-        <p14:creationId xmlns:p14="http://schemas.microsoft.com/office/powerpoint/2010/main" val="1333204838"/>
-      </p:ext>
-    </p:extLst>
-  </p:cSld>
-  <p:clrMapOvr>
-    <a:masterClrMapping/>
-  </p:clrMapOvr>
-</p:sldLayout>
-</file>
-
-<file path=ppt/slideLayouts/slideLayout8.xml><?xml version="1.0" encoding="utf-8"?>
-<p:sldLayout xmlns:a="http://schemas.openxmlformats.org/drawingml/2006/main" xmlns:r="http://schemas.openxmlformats.org/officeDocument/2006/relationships" xmlns:p="http://schemas.openxmlformats.org/presentationml/2006/main" type="objTx" preserve="1">
-  <p:cSld name="Content with Caption">
-    <p:spTree>
-      <p:nvGrpSpPr>
-        <p:cNvPr id="1" name=""/>
-        <p:cNvGrpSpPr/>
-        <p:nvPr/>
-      </p:nvGrpSpPr>
-      <p:grpSpPr>
-        <a:xfrm>
-          <a:off x="0" y="0"/>
-          <a:ext cx="0" cy="0"/>
-          <a:chOff x="0" y="0"/>
-          <a:chExt cx="0" cy="0"/>
-        </a:xfrm>
-      </p:grpSpPr>
-      <p:sp>
-        <p:nvSpPr>
-          <p:cNvPr id="2" name="Title 1">
-            <a:extLst>
-              <a:ext uri="{FF2B5EF4-FFF2-40B4-BE49-F238E27FC236}">
-                <a16:creationId xmlns:a16="http://schemas.microsoft.com/office/drawing/2014/main" id="{F19ECD1F-576B-CE49-B87E-5BC99EC04635}"/>
-              </a:ext>
-            </a:extLst>
-          </p:cNvPr>
-          <p:cNvSpPr>
-            <a:spLocks noGrp="1"/>
-          </p:cNvSpPr>
-          <p:nvPr>
-            <p:ph type="title"/>
-          </p:nvPr>
-        </p:nvSpPr>
-        <p:spPr>
-          <a:xfrm>
-            <a:off x="839788" y="457200"/>
-            <a:ext cx="3932237" cy="1600200"/>
-          </a:xfrm>
-        </p:spPr>
-        <p:txBody>
-          <a:bodyPr anchor="b"/>
-          <a:lstStyle>
-            <a:lvl1pPr>
-              <a:defRPr sz="3200"/>
-            </a:lvl1pPr>
-          </a:lstStyle>
-          <a:p>
-            <a:r>
-              <a:rPr lang="en-US"/>
-              <a:t>Click to edit Master title style</a:t>
-            </a:r>
-          </a:p>
-        </p:txBody>
-      </p:sp>
-      <p:sp>
-        <p:nvSpPr>
-          <p:cNvPr id="3" name="Content Placeholder 2">
-            <a:extLst>
-              <a:ext uri="{FF2B5EF4-FFF2-40B4-BE49-F238E27FC236}">
-                <a16:creationId xmlns:a16="http://schemas.microsoft.com/office/drawing/2014/main" id="{642276B3-FB76-F847-A4BA-C9B293389B44}"/>
-              </a:ext>
-            </a:extLst>
-          </p:cNvPr>
-          <p:cNvSpPr>
-            <a:spLocks noGrp="1"/>
-          </p:cNvSpPr>
-          <p:nvPr>
-            <p:ph idx="1"/>
-          </p:nvPr>
-        </p:nvSpPr>
-        <p:spPr>
-          <a:xfrm>
-            <a:off x="5183188" y="987425"/>
-            <a:ext cx="6172200" cy="4873625"/>
-          </a:xfrm>
-        </p:spPr>
-        <p:txBody>
-          <a:bodyPr/>
-          <a:lstStyle>
-            <a:lvl1pPr>
-              <a:defRPr sz="3200"/>
-            </a:lvl1pPr>
-            <a:lvl2pPr>
-              <a:defRPr sz="2800"/>
-            </a:lvl2pPr>
-            <a:lvl3pPr>
-              <a:defRPr sz="2400"/>
-            </a:lvl3pPr>
-            <a:lvl4pPr>
-              <a:defRPr sz="2000"/>
-            </a:lvl4pPr>
-            <a:lvl5pPr>
-              <a:defRPr sz="2000"/>
-            </a:lvl5pPr>
-            <a:lvl6pPr>
-              <a:defRPr sz="2000"/>
-            </a:lvl6pPr>
-            <a:lvl7pPr>
-              <a:defRPr sz="2000"/>
-            </a:lvl7pPr>
-            <a:lvl8pPr>
-              <a:defRPr sz="2000"/>
-            </a:lvl8pPr>
-            <a:lvl9pPr>
-              <a:defRPr sz="2000"/>
-            </a:lvl9pPr>
-          </a:lstStyle>
-          <a:p>
-            <a:pPr lvl="0"/>
-            <a:r>
-              <a:rPr lang="en-US"/>
-              <a:t>Edit Master text styles</a:t>
-            </a:r>
-          </a:p>
-          <a:p>
-            <a:pPr lvl="1"/>
-            <a:r>
-              <a:rPr lang="en-US"/>
-              <a:t>Second level</a:t>
-            </a:r>
-          </a:p>
-          <a:p>
-            <a:pPr lvl="2"/>
-            <a:r>
-              <a:rPr lang="en-US"/>
-              <a:t>Third level</a:t>
-            </a:r>
-          </a:p>
-          <a:p>
-            <a:pPr lvl="3"/>
-            <a:r>
-              <a:rPr lang="en-US"/>
-              <a:t>Fourth level</a:t>
-            </a:r>
-          </a:p>
-          <a:p>
-            <a:pPr lvl="4"/>
-            <a:r>
-              <a:rPr lang="en-US"/>
-              <a:t>Fifth level</a:t>
-            </a:r>
-          </a:p>
-        </p:txBody>
-      </p:sp>
-      <p:sp>
-        <p:nvSpPr>
-          <p:cNvPr id="4" name="Text Placeholder 3">
-            <a:extLst>
-              <a:ext uri="{FF2B5EF4-FFF2-40B4-BE49-F238E27FC236}">
-                <a16:creationId xmlns:a16="http://schemas.microsoft.com/office/drawing/2014/main" id="{F63103DB-251E-7F47-A645-0FDAFF6E6E0B}"/>
-              </a:ext>
-            </a:extLst>
-          </p:cNvPr>
-          <p:cNvSpPr>
-            <a:spLocks noGrp="1"/>
-          </p:cNvSpPr>
-          <p:nvPr>
-            <p:ph type="body" sz="half" idx="2"/>
-          </p:nvPr>
-        </p:nvSpPr>
-        <p:spPr>
-          <a:xfrm>
-            <a:off x="839788" y="2057400"/>
-            <a:ext cx="3932237" cy="3811588"/>
-          </a:xfrm>
-        </p:spPr>
-        <p:txBody>
-          <a:bodyPr/>
-          <a:lstStyle>
-            <a:lvl1pPr marL="0" indent="0">
-              <a:buNone/>
-              <a:defRPr sz="1600"/>
-            </a:lvl1pPr>
-            <a:lvl2pPr marL="457200" indent="0">
-              <a:buNone/>
-              <a:defRPr sz="1400"/>
-            </a:lvl2pPr>
-            <a:lvl3pPr marL="914400" indent="0">
-              <a:buNone/>
-              <a:defRPr sz="1200"/>
-            </a:lvl3pPr>
-            <a:lvl4pPr marL="1371600" indent="0">
-              <a:buNone/>
-              <a:defRPr sz="1000"/>
-            </a:lvl4pPr>
-            <a:lvl5pPr marL="1828800" indent="0">
-              <a:buNone/>
-              <a:defRPr sz="1000"/>
-            </a:lvl5pPr>
-            <a:lvl6pPr marL="2286000" indent="0">
-              <a:buNone/>
-              <a:defRPr sz="1000"/>
-            </a:lvl6pPr>
-            <a:lvl7pPr marL="2743200" indent="0">
-              <a:buNone/>
-              <a:defRPr sz="1000"/>
-            </a:lvl7pPr>
-            <a:lvl8pPr marL="3200400" indent="0">
-              <a:buNone/>
-              <a:defRPr sz="1000"/>
-            </a:lvl8pPr>
-            <a:lvl9pPr marL="3657600" indent="0">
-              <a:buNone/>
-              <a:defRPr sz="1000"/>
-            </a:lvl9pPr>
-          </a:lstStyle>
-          <a:p>
-            <a:pPr lvl="0"/>
-            <a:r>
-              <a:rPr lang="en-US"/>
-              <a:t>Edit Master text styles</a:t>
-            </a:r>
-          </a:p>
-        </p:txBody>
-      </p:sp>
-      <p:sp>
-        <p:nvSpPr>
-          <p:cNvPr id="7" name="Slide Number Placeholder 6">
-            <a:extLst>
-              <a:ext uri="{FF2B5EF4-FFF2-40B4-BE49-F238E27FC236}">
-                <a16:creationId xmlns:a16="http://schemas.microsoft.com/office/drawing/2014/main" id="{3BCAFAD0-D61F-3F4F-8E0D-9A64CA7C4640}"/>
-              </a:ext>
-            </a:extLst>
-          </p:cNvPr>
-          <p:cNvSpPr>
-            <a:spLocks noGrp="1"/>
-          </p:cNvSpPr>
-          <p:nvPr>
-            <p:ph type="sldNum" sz="quarter" idx="12"/>
-          </p:nvPr>
-        </p:nvSpPr>
-        <p:spPr/>
-        <p:txBody>
-          <a:bodyPr/>
-          <a:lstStyle/>
-          <a:p>
-            <a:fld id="{0B973F48-4628-F846-BA33-DDE653D83577}" type="slidenum">
-              <a:rPr lang="en-US" smtClean="0"/>
-              <a:t>‹#›</a:t>
-            </a:fld>
-            <a:endParaRPr lang="en-US"/>
-          </a:p>
-        </p:txBody>
-      </p:sp>
-    </p:spTree>
-    <p:extLst>
-      <p:ext uri="{BB962C8B-B14F-4D97-AF65-F5344CB8AC3E}">
-        <p14:creationId xmlns:p14="http://schemas.microsoft.com/office/powerpoint/2010/main" val="2458680434"/>
-      </p:ext>
-    </p:extLst>
-  </p:cSld>
-  <p:clrMapOvr>
-    <a:masterClrMapping/>
-  </p:clrMapOvr>
-</p:sldLayout>
-</file>
-
-<file path=ppt/slideLayouts/slideLayout9.xml><?xml version="1.0" encoding="utf-8"?>
-<p:sldLayout xmlns:a="http://schemas.openxmlformats.org/drawingml/2006/main" xmlns:r="http://schemas.openxmlformats.org/officeDocument/2006/relationships" xmlns:p="http://schemas.openxmlformats.org/presentationml/2006/main" type="picTx" preserve="1">
-  <p:cSld name="Picture with Caption">
-    <p:spTree>
-      <p:nvGrpSpPr>
-        <p:cNvPr id="1" name=""/>
-        <p:cNvGrpSpPr/>
-        <p:nvPr/>
-      </p:nvGrpSpPr>
-      <p:grpSpPr>
-        <a:xfrm>
-          <a:off x="0" y="0"/>
-          <a:ext cx="0" cy="0"/>
-          <a:chOff x="0" y="0"/>
-          <a:chExt cx="0" cy="0"/>
-        </a:xfrm>
-      </p:grpSpPr>
-      <p:sp>
-        <p:nvSpPr>
-          <p:cNvPr id="2" name="Title 1">
-            <a:extLst>
-              <a:ext uri="{FF2B5EF4-FFF2-40B4-BE49-F238E27FC236}">
-                <a16:creationId xmlns:a16="http://schemas.microsoft.com/office/drawing/2014/main" id="{F7FBD490-1952-7643-90D4-C4F4ABC93F16}"/>
-              </a:ext>
-            </a:extLst>
-          </p:cNvPr>
-          <p:cNvSpPr>
-            <a:spLocks noGrp="1"/>
-          </p:cNvSpPr>
-          <p:nvPr>
-            <p:ph type="title"/>
-          </p:nvPr>
-        </p:nvSpPr>
-        <p:spPr>
-          <a:xfrm>
-            <a:off x="839788" y="457200"/>
-            <a:ext cx="3932237" cy="1600200"/>
-          </a:xfrm>
-        </p:spPr>
-        <p:txBody>
-          <a:bodyPr anchor="b"/>
-          <a:lstStyle>
-            <a:lvl1pPr>
-              <a:defRPr sz="3200"/>
-            </a:lvl1pPr>
-          </a:lstStyle>
-          <a:p>
-            <a:r>
-              <a:rPr lang="en-US"/>
-              <a:t>Click to edit Master title style</a:t>
-            </a:r>
-          </a:p>
-        </p:txBody>
-      </p:sp>
-      <p:sp>
-        <p:nvSpPr>
-          <p:cNvPr id="3" name="Picture Placeholder 2">
-            <a:extLst>
-              <a:ext uri="{FF2B5EF4-FFF2-40B4-BE49-F238E27FC236}">
-                <a16:creationId xmlns:a16="http://schemas.microsoft.com/office/drawing/2014/main" id="{FF02CD42-FD12-614D-A8C6-FBB652E2B9C4}"/>
-              </a:ext>
-            </a:extLst>
-          </p:cNvPr>
-          <p:cNvSpPr>
-            <a:spLocks noGrp="1"/>
-          </p:cNvSpPr>
-          <p:nvPr>
-            <p:ph type="pic" idx="1"/>
-          </p:nvPr>
-        </p:nvSpPr>
-        <p:spPr>
-          <a:xfrm>
-            <a:off x="5183188" y="987425"/>
-            <a:ext cx="6172200" cy="4873625"/>
-          </a:xfrm>
-        </p:spPr>
-        <p:txBody>
-          <a:bodyPr/>
-          <a:lstStyle>
-            <a:lvl1pPr marL="0" indent="0">
-              <a:buNone/>
-              <a:defRPr sz="3200"/>
-            </a:lvl1pPr>
-            <a:lvl2pPr marL="457200" indent="0">
-              <a:buNone/>
-              <a:defRPr sz="2800"/>
-            </a:lvl2pPr>
-            <a:lvl3pPr marL="914400" indent="0">
-              <a:buNone/>
-              <a:defRPr sz="2400"/>
-            </a:lvl3pPr>
-            <a:lvl4pPr marL="1371600" indent="0">
-              <a:buNone/>
-              <a:defRPr sz="2000"/>
-            </a:lvl4pPr>
-            <a:lvl5pPr marL="1828800" indent="0">
-              <a:buNone/>
-              <a:defRPr sz="2000"/>
-            </a:lvl5pPr>
-            <a:lvl6pPr marL="2286000" indent="0">
-              <a:buNone/>
-              <a:defRPr sz="2000"/>
-            </a:lvl6pPr>
-            <a:lvl7pPr marL="2743200" indent="0">
-              <a:buNone/>
-              <a:defRPr sz="2000"/>
-            </a:lvl7pPr>
-            <a:lvl8pPr marL="3200400" indent="0">
-              <a:buNone/>
-              <a:defRPr sz="2000"/>
-            </a:lvl8pPr>
-            <a:lvl9pPr marL="3657600" indent="0">
-              <a:buNone/>
-              <a:defRPr sz="2000"/>
-            </a:lvl9pPr>
-          </a:lstStyle>
-          <a:p>
-            <a:endParaRPr lang="en-US"/>
-          </a:p>
-        </p:txBody>
-      </p:sp>
-      <p:sp>
-        <p:nvSpPr>
-          <p:cNvPr id="4" name="Text Placeholder 3">
-            <a:extLst>
-              <a:ext uri="{FF2B5EF4-FFF2-40B4-BE49-F238E27FC236}">
-                <a16:creationId xmlns:a16="http://schemas.microsoft.com/office/drawing/2014/main" id="{A26E1892-E1D1-5447-8C1E-BFD3993A1D59}"/>
-              </a:ext>
-            </a:extLst>
-          </p:cNvPr>
-          <p:cNvSpPr>
-            <a:spLocks noGrp="1"/>
-          </p:cNvSpPr>
-          <p:nvPr>
-            <p:ph type="body" sz="half" idx="2"/>
-          </p:nvPr>
-        </p:nvSpPr>
-        <p:spPr>
-          <a:xfrm>
-            <a:off x="839788" y="2057400"/>
-            <a:ext cx="3932237" cy="3811588"/>
-          </a:xfrm>
-        </p:spPr>
-        <p:txBody>
-          <a:bodyPr/>
-          <a:lstStyle>
-            <a:lvl1pPr marL="0" indent="0">
-              <a:buNone/>
-              <a:defRPr sz="1600"/>
-            </a:lvl1pPr>
-            <a:lvl2pPr marL="457200" indent="0">
-              <a:buNone/>
-              <a:defRPr sz="1400"/>
-            </a:lvl2pPr>
-            <a:lvl3pPr marL="914400" indent="0">
-              <a:buNone/>
-              <a:defRPr sz="1200"/>
-            </a:lvl3pPr>
-            <a:lvl4pPr marL="1371600" indent="0">
-              <a:buNone/>
-              <a:defRPr sz="1000"/>
-            </a:lvl4pPr>
-            <a:lvl5pPr marL="1828800" indent="0">
-              <a:buNone/>
-              <a:defRPr sz="1000"/>
-            </a:lvl5pPr>
-            <a:lvl6pPr marL="2286000" indent="0">
-              <a:buNone/>
-              <a:defRPr sz="1000"/>
-            </a:lvl6pPr>
-            <a:lvl7pPr marL="2743200" indent="0">
-              <a:buNone/>
-              <a:defRPr sz="1000"/>
-            </a:lvl7pPr>
-            <a:lvl8pPr marL="3200400" indent="0">
-              <a:buNone/>
-              <a:defRPr sz="1000"/>
-            </a:lvl8pPr>
-            <a:lvl9pPr marL="3657600" indent="0">
-              <a:buNone/>
-              <a:defRPr sz="1000"/>
-            </a:lvl9pPr>
-          </a:lstStyle>
-          <a:p>
-            <a:pPr lvl="0"/>
-            <a:r>
-              <a:rPr lang="en-US"/>
-              <a:t>Edit Master text styles</a:t>
-            </a:r>
-          </a:p>
-        </p:txBody>
-      </p:sp>
-      <p:sp>
-        <p:nvSpPr>
-          <p:cNvPr id="7" name="Slide Number Placeholder 6">
-            <a:extLst>
-              <a:ext uri="{FF2B5EF4-FFF2-40B4-BE49-F238E27FC236}">
-                <a16:creationId xmlns:a16="http://schemas.microsoft.com/office/drawing/2014/main" id="{7E12F28C-AB7A-EF4C-84CD-F4B5CE4282E4}"/>
-              </a:ext>
-            </a:extLst>
-          </p:cNvPr>
-          <p:cNvSpPr>
-            <a:spLocks noGrp="1"/>
-          </p:cNvSpPr>
-          <p:nvPr>
-            <p:ph type="sldNum" sz="quarter" idx="12"/>
-          </p:nvPr>
-        </p:nvSpPr>
-        <p:spPr/>
-        <p:txBody>
-          <a:bodyPr/>
-          <a:lstStyle/>
-          <a:p>
-            <a:fld id="{0B973F48-4628-F846-BA33-DDE653D83577}" type="slidenum">
-              <a:rPr lang="en-US" smtClean="0"/>
-              <a:t>‹#›</a:t>
-            </a:fld>
-            <a:endParaRPr lang="en-US"/>
-          </a:p>
-        </p:txBody>
-      </p:sp>
-    </p:spTree>
-    <p:extLst>
-      <p:ext uri="{BB962C8B-B14F-4D97-AF65-F5344CB8AC3E}">
-        <p14:creationId xmlns:p14="http://schemas.microsoft.com/office/powerpoint/2010/main" val="114060677"/>
-      </p:ext>
-    </p:extLst>
-  </p:cSld>
-  <p:clrMapOvr>
-    <a:masterClrMapping/>
-  </p:clrMapOvr>
-</p:sldLayout>
-</file>
-
 <file path=ppt/slideMasters/slideMaster1.xml><?xml version="1.0" encoding="utf-8"?>
 <p:sldMaster xmlns:a="http://schemas.openxmlformats.org/drawingml/2006/main" xmlns:r="http://schemas.openxmlformats.org/officeDocument/2006/relationships" xmlns:p="http://schemas.openxmlformats.org/presentationml/2006/main">
   <p:cSld>
@@ -6944,14 +4788,14 @@
           </a:ln>
           <a:extLst>
             <a:ext uri="{909E8E84-426E-40dd-AFC4-6F175D3DCCD1}">
-              <a14:hiddenFill xmlns:a14="http://schemas.microsoft.com/office/drawing/2010/main" xmlns="">
+              <a14:hiddenFill xmlns="" xmlns:a14="http://schemas.microsoft.com/office/drawing/2010/main">
                 <a:solidFill>
                   <a:srgbClr val="FFFFFF"/>
                 </a:solidFill>
               </a14:hiddenFill>
             </a:ext>
             <a:ext uri="{91240B29-F687-4f45-9708-019B960494DF}">
-              <a14:hiddenLine xmlns:a14="http://schemas.microsoft.com/office/drawing/2010/main" xmlns="" w="9525">
+              <a14:hiddenLine xmlns="" xmlns:a14="http://schemas.microsoft.com/office/drawing/2010/main" w="9525">
                 <a:solidFill>
                   <a:srgbClr val="000000"/>
                 </a:solidFill>
@@ -7086,1011 +4930,7 @@
                 <a:latin typeface="Calibri" charset="0"/>
                 <a:cs typeface="Calibri" charset="0"/>
               </a:rPr>
-              <a:t>Module 8 </a:t>
-            </a:r>
-          </a:p>
-        </p:txBody>
-      </p:sp>
-      <p:sp>
-        <p:nvSpPr>
-          <p:cNvPr id="12" name="TextBox 11">
-            <a:extLst>
-              <a:ext uri="{FF2B5EF4-FFF2-40B4-BE49-F238E27FC236}">
-                <a16:creationId xmlns:a16="http://schemas.microsoft.com/office/drawing/2014/main" id="{8EB12434-FD9E-4242-B813-5136B9D05A8A}"/>
-              </a:ext>
-            </a:extLst>
-          </p:cNvPr>
-          <p:cNvSpPr txBox="1"/>
-          <p:nvPr userDrawn="1"/>
-        </p:nvSpPr>
-        <p:spPr>
-          <a:xfrm>
-            <a:off x="9639300" y="6400800"/>
-            <a:ext cx="2362200" cy="457200"/>
-          </a:xfrm>
-          <a:prstGeom prst="rect">
-            <a:avLst/>
-          </a:prstGeom>
-          <a:noFill/>
-        </p:spPr>
-        <p:txBody>
-          <a:bodyPr>
-            <a:spAutoFit/>
-          </a:bodyPr>
-          <a:lstStyle>
-            <a:lvl1pPr eaLnBrk="0" hangingPunct="0">
-              <a:defRPr sz="2400">
-                <a:solidFill>
-                  <a:schemeClr val="tx1"/>
-                </a:solidFill>
-                <a:latin typeface="Arial" charset="0"/>
-                <a:ea typeface="ＭＳ Ｐゴシック" charset="0"/>
-                <a:cs typeface="ＭＳ Ｐゴシック" charset="0"/>
-              </a:defRPr>
-            </a:lvl1pPr>
-            <a:lvl2pPr marL="37931725" indent="-37474525" eaLnBrk="0" hangingPunct="0">
-              <a:defRPr sz="2400">
-                <a:solidFill>
-                  <a:schemeClr val="tx1"/>
-                </a:solidFill>
-                <a:latin typeface="Arial" charset="0"/>
-                <a:ea typeface="ＭＳ Ｐゴシック" charset="0"/>
-              </a:defRPr>
-            </a:lvl2pPr>
-            <a:lvl3pPr eaLnBrk="0" hangingPunct="0">
-              <a:defRPr sz="2400">
-                <a:solidFill>
-                  <a:schemeClr val="tx1"/>
-                </a:solidFill>
-                <a:latin typeface="Arial" charset="0"/>
-                <a:ea typeface="ＭＳ Ｐゴシック" charset="0"/>
-              </a:defRPr>
-            </a:lvl3pPr>
-            <a:lvl4pPr eaLnBrk="0" hangingPunct="0">
-              <a:defRPr sz="2400">
-                <a:solidFill>
-                  <a:schemeClr val="tx1"/>
-                </a:solidFill>
-                <a:latin typeface="Arial" charset="0"/>
-                <a:ea typeface="ＭＳ Ｐゴシック" charset="0"/>
-              </a:defRPr>
-            </a:lvl4pPr>
-            <a:lvl5pPr eaLnBrk="0" hangingPunct="0">
-              <a:defRPr sz="2400">
-                <a:solidFill>
-                  <a:schemeClr val="tx1"/>
-                </a:solidFill>
-                <a:latin typeface="Arial" charset="0"/>
-                <a:ea typeface="ＭＳ Ｐゴシック" charset="0"/>
-              </a:defRPr>
-            </a:lvl5pPr>
-            <a:lvl6pPr marL="457200" eaLnBrk="0" fontAlgn="base" hangingPunct="0">
-              <a:spcBef>
-                <a:spcPct val="0"/>
-              </a:spcBef>
-              <a:spcAft>
-                <a:spcPct val="0"/>
-              </a:spcAft>
-              <a:defRPr sz="2400">
-                <a:solidFill>
-                  <a:schemeClr val="tx1"/>
-                </a:solidFill>
-                <a:latin typeface="Arial" charset="0"/>
-                <a:ea typeface="ＭＳ Ｐゴシック" charset="0"/>
-              </a:defRPr>
-            </a:lvl6pPr>
-            <a:lvl7pPr marL="914400" eaLnBrk="0" fontAlgn="base" hangingPunct="0">
-              <a:spcBef>
-                <a:spcPct val="0"/>
-              </a:spcBef>
-              <a:spcAft>
-                <a:spcPct val="0"/>
-              </a:spcAft>
-              <a:defRPr sz="2400">
-                <a:solidFill>
-                  <a:schemeClr val="tx1"/>
-                </a:solidFill>
-                <a:latin typeface="Arial" charset="0"/>
-                <a:ea typeface="ＭＳ Ｐゴシック" charset="0"/>
-              </a:defRPr>
-            </a:lvl7pPr>
-            <a:lvl8pPr marL="1371600" eaLnBrk="0" fontAlgn="base" hangingPunct="0">
-              <a:spcBef>
-                <a:spcPct val="0"/>
-              </a:spcBef>
-              <a:spcAft>
-                <a:spcPct val="0"/>
-              </a:spcAft>
-              <a:defRPr sz="2400">
-                <a:solidFill>
-                  <a:schemeClr val="tx1"/>
-                </a:solidFill>
-                <a:latin typeface="Arial" charset="0"/>
-                <a:ea typeface="ＭＳ Ｐゴシック" charset="0"/>
-              </a:defRPr>
-            </a:lvl8pPr>
-            <a:lvl9pPr marL="1828800" eaLnBrk="0" fontAlgn="base" hangingPunct="0">
-              <a:spcBef>
-                <a:spcPct val="0"/>
-              </a:spcBef>
-              <a:spcAft>
-                <a:spcPct val="0"/>
-              </a:spcAft>
-              <a:defRPr sz="2400">
-                <a:solidFill>
-                  <a:schemeClr val="tx1"/>
-                </a:solidFill>
-                <a:latin typeface="Arial" charset="0"/>
-                <a:ea typeface="ＭＳ Ｐゴシック" charset="0"/>
-              </a:defRPr>
-            </a:lvl9pPr>
-          </a:lstStyle>
-          <a:p>
-            <a:pPr algn="r" eaLnBrk="1" hangingPunct="1">
-              <a:defRPr/>
-            </a:pPr>
-            <a:r>
-              <a:rPr lang="en-US" b="1" dirty="0" err="1">
-                <a:cs typeface="Arial" charset="0"/>
-              </a:rPr>
-              <a:t>rnabio.org</a:t>
-            </a:r>
-            <a:endParaRPr lang="en-US" dirty="0">
-              <a:cs typeface="Arial" charset="0"/>
-            </a:endParaRPr>
-          </a:p>
-        </p:txBody>
-      </p:sp>
-    </p:spTree>
-    <p:extLst>
-      <p:ext uri="{BB962C8B-B14F-4D97-AF65-F5344CB8AC3E}">
-        <p14:creationId xmlns:p14="http://schemas.microsoft.com/office/powerpoint/2010/main" val="2232911936"/>
-      </p:ext>
-    </p:extLst>
-  </p:cSld>
-  <p:clrMap bg1="lt1" tx1="dk1" bg2="lt2" tx2="dk2" accent1="accent1" accent2="accent2" accent3="accent3" accent4="accent4" accent5="accent5" accent6="accent6" hlink="hlink" folHlink="folHlink"/>
-  <p:sldLayoutIdLst>
-    <p:sldLayoutId id="2147483661" r:id="rId1"/>
-    <p:sldLayoutId id="2147483662" r:id="rId2"/>
-    <p:sldLayoutId id="2147483663" r:id="rId3"/>
-    <p:sldLayoutId id="2147483664" r:id="rId4"/>
-    <p:sldLayoutId id="2147483665" r:id="rId5"/>
-    <p:sldLayoutId id="2147483666" r:id="rId6"/>
-    <p:sldLayoutId id="2147483667" r:id="rId7"/>
-    <p:sldLayoutId id="2147483668" r:id="rId8"/>
-    <p:sldLayoutId id="2147483669" r:id="rId9"/>
-    <p:sldLayoutId id="2147483670" r:id="rId10"/>
-    <p:sldLayoutId id="2147483671" r:id="rId11"/>
-    <p:sldLayoutId id="2147483672" r:id="rId12"/>
-    <p:sldLayoutId id="2147483673" r:id="rId13"/>
-  </p:sldLayoutIdLst>
-  <p:txStyles>
-    <p:titleStyle>
-      <a:lvl1pPr algn="l" defTabSz="914400" rtl="0" eaLnBrk="1" latinLnBrk="0" hangingPunct="1">
-        <a:lnSpc>
-          <a:spcPct val="90000"/>
-        </a:lnSpc>
-        <a:spcBef>
-          <a:spcPct val="0"/>
-        </a:spcBef>
-        <a:buNone/>
-        <a:defRPr sz="4400" kern="1200">
-          <a:solidFill>
-            <a:schemeClr val="tx1"/>
-          </a:solidFill>
-          <a:latin typeface="+mj-lt"/>
-          <a:ea typeface="+mj-ea"/>
-          <a:cs typeface="+mj-cs"/>
-        </a:defRPr>
-      </a:lvl1pPr>
-    </p:titleStyle>
-    <p:bodyStyle>
-      <a:lvl1pPr marL="228600" indent="-228600" algn="l" defTabSz="914400" rtl="0" eaLnBrk="1" latinLnBrk="0" hangingPunct="1">
-        <a:lnSpc>
-          <a:spcPct val="90000"/>
-        </a:lnSpc>
-        <a:spcBef>
-          <a:spcPts val="1000"/>
-        </a:spcBef>
-        <a:buFont typeface="Arial" panose="020B0604020202020204" pitchFamily="34" charset="0"/>
-        <a:buChar char="•"/>
-        <a:defRPr sz="2800" kern="1200">
-          <a:solidFill>
-            <a:schemeClr val="tx1"/>
-          </a:solidFill>
-          <a:latin typeface="+mn-lt"/>
-          <a:ea typeface="+mn-ea"/>
-          <a:cs typeface="+mn-cs"/>
-        </a:defRPr>
-      </a:lvl1pPr>
-      <a:lvl2pPr marL="685800" indent="-228600" algn="l" defTabSz="914400" rtl="0" eaLnBrk="1" latinLnBrk="0" hangingPunct="1">
-        <a:lnSpc>
-          <a:spcPct val="90000"/>
-        </a:lnSpc>
-        <a:spcBef>
-          <a:spcPts val="500"/>
-        </a:spcBef>
-        <a:buFont typeface="Arial" panose="020B0604020202020204" pitchFamily="34" charset="0"/>
-        <a:buChar char="•"/>
-        <a:defRPr sz="2400" kern="1200">
-          <a:solidFill>
-            <a:schemeClr val="tx1"/>
-          </a:solidFill>
-          <a:latin typeface="+mn-lt"/>
-          <a:ea typeface="+mn-ea"/>
-          <a:cs typeface="+mn-cs"/>
-        </a:defRPr>
-      </a:lvl2pPr>
-      <a:lvl3pPr marL="1143000" indent="-228600" algn="l" defTabSz="914400" rtl="0" eaLnBrk="1" latinLnBrk="0" hangingPunct="1">
-        <a:lnSpc>
-          <a:spcPct val="90000"/>
-        </a:lnSpc>
-        <a:spcBef>
-          <a:spcPts val="500"/>
-        </a:spcBef>
-        <a:buFont typeface="Arial" panose="020B0604020202020204" pitchFamily="34" charset="0"/>
-        <a:buChar char="•"/>
-        <a:defRPr sz="2000" kern="1200">
-          <a:solidFill>
-            <a:schemeClr val="tx1"/>
-          </a:solidFill>
-          <a:latin typeface="+mn-lt"/>
-          <a:ea typeface="+mn-ea"/>
-          <a:cs typeface="+mn-cs"/>
-        </a:defRPr>
-      </a:lvl3pPr>
-      <a:lvl4pPr marL="1600200" indent="-228600" algn="l" defTabSz="914400" rtl="0" eaLnBrk="1" latinLnBrk="0" hangingPunct="1">
-        <a:lnSpc>
-          <a:spcPct val="90000"/>
-        </a:lnSpc>
-        <a:spcBef>
-          <a:spcPts val="500"/>
-        </a:spcBef>
-        <a:buFont typeface="Arial" panose="020B0604020202020204" pitchFamily="34" charset="0"/>
-        <a:buChar char="•"/>
-        <a:defRPr sz="1800" kern="1200">
-          <a:solidFill>
-            <a:schemeClr val="tx1"/>
-          </a:solidFill>
-          <a:latin typeface="+mn-lt"/>
-          <a:ea typeface="+mn-ea"/>
-          <a:cs typeface="+mn-cs"/>
-        </a:defRPr>
-      </a:lvl4pPr>
-      <a:lvl5pPr marL="2057400" indent="-228600" algn="l" defTabSz="914400" rtl="0" eaLnBrk="1" latinLnBrk="0" hangingPunct="1">
-        <a:lnSpc>
-          <a:spcPct val="90000"/>
-        </a:lnSpc>
-        <a:spcBef>
-          <a:spcPts val="500"/>
-        </a:spcBef>
-        <a:buFont typeface="Arial" panose="020B0604020202020204" pitchFamily="34" charset="0"/>
-        <a:buChar char="•"/>
-        <a:defRPr sz="1800" kern="1200">
-          <a:solidFill>
-            <a:schemeClr val="tx1"/>
-          </a:solidFill>
-          <a:latin typeface="+mn-lt"/>
-          <a:ea typeface="+mn-ea"/>
-          <a:cs typeface="+mn-cs"/>
-        </a:defRPr>
-      </a:lvl5pPr>
-      <a:lvl6pPr marL="2514600" indent="-228600" algn="l" defTabSz="914400" rtl="0" eaLnBrk="1" latinLnBrk="0" hangingPunct="1">
-        <a:lnSpc>
-          <a:spcPct val="90000"/>
-        </a:lnSpc>
-        <a:spcBef>
-          <a:spcPts val="500"/>
-        </a:spcBef>
-        <a:buFont typeface="Arial" panose="020B0604020202020204" pitchFamily="34" charset="0"/>
-        <a:buChar char="•"/>
-        <a:defRPr sz="1800" kern="1200">
-          <a:solidFill>
-            <a:schemeClr val="tx1"/>
-          </a:solidFill>
-          <a:latin typeface="+mn-lt"/>
-          <a:ea typeface="+mn-ea"/>
-          <a:cs typeface="+mn-cs"/>
-        </a:defRPr>
-      </a:lvl6pPr>
-      <a:lvl7pPr marL="2971800" indent="-228600" algn="l" defTabSz="914400" rtl="0" eaLnBrk="1" latinLnBrk="0" hangingPunct="1">
-        <a:lnSpc>
-          <a:spcPct val="90000"/>
-        </a:lnSpc>
-        <a:spcBef>
-          <a:spcPts val="500"/>
-        </a:spcBef>
-        <a:buFont typeface="Arial" panose="020B0604020202020204" pitchFamily="34" charset="0"/>
-        <a:buChar char="•"/>
-        <a:defRPr sz="1800" kern="1200">
-          <a:solidFill>
-            <a:schemeClr val="tx1"/>
-          </a:solidFill>
-          <a:latin typeface="+mn-lt"/>
-          <a:ea typeface="+mn-ea"/>
-          <a:cs typeface="+mn-cs"/>
-        </a:defRPr>
-      </a:lvl7pPr>
-      <a:lvl8pPr marL="3429000" indent="-228600" algn="l" defTabSz="914400" rtl="0" eaLnBrk="1" latinLnBrk="0" hangingPunct="1">
-        <a:lnSpc>
-          <a:spcPct val="90000"/>
-        </a:lnSpc>
-        <a:spcBef>
-          <a:spcPts val="500"/>
-        </a:spcBef>
-        <a:buFont typeface="Arial" panose="020B0604020202020204" pitchFamily="34" charset="0"/>
-        <a:buChar char="•"/>
-        <a:defRPr sz="1800" kern="1200">
-          <a:solidFill>
-            <a:schemeClr val="tx1"/>
-          </a:solidFill>
-          <a:latin typeface="+mn-lt"/>
-          <a:ea typeface="+mn-ea"/>
-          <a:cs typeface="+mn-cs"/>
-        </a:defRPr>
-      </a:lvl8pPr>
-      <a:lvl9pPr marL="3886200" indent="-228600" algn="l" defTabSz="914400" rtl="0" eaLnBrk="1" latinLnBrk="0" hangingPunct="1">
-        <a:lnSpc>
-          <a:spcPct val="90000"/>
-        </a:lnSpc>
-        <a:spcBef>
-          <a:spcPts val="500"/>
-        </a:spcBef>
-        <a:buFont typeface="Arial" panose="020B0604020202020204" pitchFamily="34" charset="0"/>
-        <a:buChar char="•"/>
-        <a:defRPr sz="1800" kern="1200">
-          <a:solidFill>
-            <a:schemeClr val="tx1"/>
-          </a:solidFill>
-          <a:latin typeface="+mn-lt"/>
-          <a:ea typeface="+mn-ea"/>
-          <a:cs typeface="+mn-cs"/>
-        </a:defRPr>
-      </a:lvl9pPr>
-    </p:bodyStyle>
-    <p:otherStyle>
-      <a:defPPr>
-        <a:defRPr lang="en-US"/>
-      </a:defPPr>
-      <a:lvl1pPr marL="0" algn="l" defTabSz="914400" rtl="0" eaLnBrk="1" latinLnBrk="0" hangingPunct="1">
-        <a:defRPr sz="1800" kern="1200">
-          <a:solidFill>
-            <a:schemeClr val="tx1"/>
-          </a:solidFill>
-          <a:latin typeface="+mn-lt"/>
-          <a:ea typeface="+mn-ea"/>
-          <a:cs typeface="+mn-cs"/>
-        </a:defRPr>
-      </a:lvl1pPr>
-      <a:lvl2pPr marL="457200" algn="l" defTabSz="914400" rtl="0" eaLnBrk="1" latinLnBrk="0" hangingPunct="1">
-        <a:defRPr sz="1800" kern="1200">
-          <a:solidFill>
-            <a:schemeClr val="tx1"/>
-          </a:solidFill>
-          <a:latin typeface="+mn-lt"/>
-          <a:ea typeface="+mn-ea"/>
-          <a:cs typeface="+mn-cs"/>
-        </a:defRPr>
-      </a:lvl2pPr>
-      <a:lvl3pPr marL="914400" algn="l" defTabSz="914400" rtl="0" eaLnBrk="1" latinLnBrk="0" hangingPunct="1">
-        <a:defRPr sz="1800" kern="1200">
-          <a:solidFill>
-            <a:schemeClr val="tx1"/>
-          </a:solidFill>
-          <a:latin typeface="+mn-lt"/>
-          <a:ea typeface="+mn-ea"/>
-          <a:cs typeface="+mn-cs"/>
-        </a:defRPr>
-      </a:lvl3pPr>
-      <a:lvl4pPr marL="1371600" algn="l" defTabSz="914400" rtl="0" eaLnBrk="1" latinLnBrk="0" hangingPunct="1">
-        <a:defRPr sz="1800" kern="1200">
-          <a:solidFill>
-            <a:schemeClr val="tx1"/>
-          </a:solidFill>
-          <a:latin typeface="+mn-lt"/>
-          <a:ea typeface="+mn-ea"/>
-          <a:cs typeface="+mn-cs"/>
-        </a:defRPr>
-      </a:lvl4pPr>
-      <a:lvl5pPr marL="1828800" algn="l" defTabSz="914400" rtl="0" eaLnBrk="1" latinLnBrk="0" hangingPunct="1">
-        <a:defRPr sz="1800" kern="1200">
-          <a:solidFill>
-            <a:schemeClr val="tx1"/>
-          </a:solidFill>
-          <a:latin typeface="+mn-lt"/>
-          <a:ea typeface="+mn-ea"/>
-          <a:cs typeface="+mn-cs"/>
-        </a:defRPr>
-      </a:lvl5pPr>
-      <a:lvl6pPr marL="2286000" algn="l" defTabSz="914400" rtl="0" eaLnBrk="1" latinLnBrk="0" hangingPunct="1">
-        <a:defRPr sz="1800" kern="1200">
-          <a:solidFill>
-            <a:schemeClr val="tx1"/>
-          </a:solidFill>
-          <a:latin typeface="+mn-lt"/>
-          <a:ea typeface="+mn-ea"/>
-          <a:cs typeface="+mn-cs"/>
-        </a:defRPr>
-      </a:lvl6pPr>
-      <a:lvl7pPr marL="2743200" algn="l" defTabSz="914400" rtl="0" eaLnBrk="1" latinLnBrk="0" hangingPunct="1">
-        <a:defRPr sz="1800" kern="1200">
-          <a:solidFill>
-            <a:schemeClr val="tx1"/>
-          </a:solidFill>
-          <a:latin typeface="+mn-lt"/>
-          <a:ea typeface="+mn-ea"/>
-          <a:cs typeface="+mn-cs"/>
-        </a:defRPr>
-      </a:lvl7pPr>
-      <a:lvl8pPr marL="3200400" algn="l" defTabSz="914400" rtl="0" eaLnBrk="1" latinLnBrk="0" hangingPunct="1">
-        <a:defRPr sz="1800" kern="1200">
-          <a:solidFill>
-            <a:schemeClr val="tx1"/>
-          </a:solidFill>
-          <a:latin typeface="+mn-lt"/>
-          <a:ea typeface="+mn-ea"/>
-          <a:cs typeface="+mn-cs"/>
-        </a:defRPr>
-      </a:lvl8pPr>
-      <a:lvl9pPr marL="3657600" algn="l" defTabSz="914400" rtl="0" eaLnBrk="1" latinLnBrk="0" hangingPunct="1">
-        <a:defRPr sz="1800" kern="1200">
-          <a:solidFill>
-            <a:schemeClr val="tx1"/>
-          </a:solidFill>
-          <a:latin typeface="+mn-lt"/>
-          <a:ea typeface="+mn-ea"/>
-          <a:cs typeface="+mn-cs"/>
-        </a:defRPr>
-      </a:lvl9pPr>
-    </p:otherStyle>
-  </p:txStyles>
-</p:sldMaster>
-</file>
-
-<file path=ppt/slideMasters/slideMaster2.xml><?xml version="1.0" encoding="utf-8"?>
-<p:sldMaster xmlns:a="http://schemas.openxmlformats.org/drawingml/2006/main" xmlns:r="http://schemas.openxmlformats.org/officeDocument/2006/relationships" xmlns:p="http://schemas.openxmlformats.org/presentationml/2006/main">
-  <p:cSld>
-    <p:bg>
-      <p:bgRef idx="1001">
-        <a:schemeClr val="bg1"/>
-      </p:bgRef>
-    </p:bg>
-    <p:spTree>
-      <p:nvGrpSpPr>
-        <p:cNvPr id="1" name=""/>
-        <p:cNvGrpSpPr/>
-        <p:nvPr/>
-      </p:nvGrpSpPr>
-      <p:grpSpPr>
-        <a:xfrm>
-          <a:off x="0" y="0"/>
-          <a:ext cx="0" cy="0"/>
-          <a:chOff x="0" y="0"/>
-          <a:chExt cx="0" cy="0"/>
-        </a:xfrm>
-      </p:grpSpPr>
-      <p:sp>
-        <p:nvSpPr>
-          <p:cNvPr id="2" name="Title Placeholder 1">
-            <a:extLst>
-              <a:ext uri="{FF2B5EF4-FFF2-40B4-BE49-F238E27FC236}">
-                <a16:creationId xmlns:a16="http://schemas.microsoft.com/office/drawing/2014/main" id="{F89B2312-714B-3946-B9BF-1C7B2035B2F5}"/>
-              </a:ext>
-            </a:extLst>
-          </p:cNvPr>
-          <p:cNvSpPr>
-            <a:spLocks noGrp="1"/>
-          </p:cNvSpPr>
-          <p:nvPr>
-            <p:ph type="title"/>
-          </p:nvPr>
-        </p:nvSpPr>
-        <p:spPr>
-          <a:xfrm>
-            <a:off x="838200" y="365125"/>
-            <a:ext cx="10515600" cy="1325563"/>
-          </a:xfrm>
-          <a:prstGeom prst="rect">
-            <a:avLst/>
-          </a:prstGeom>
-        </p:spPr>
-        <p:txBody>
-          <a:bodyPr vert="horz" lIns="91440" tIns="45720" rIns="91440" bIns="45720" rtlCol="0" anchor="ctr">
-            <a:normAutofit/>
-          </a:bodyPr>
-          <a:lstStyle/>
-          <a:p>
-            <a:r>
-              <a:rPr lang="en-US"/>
-              <a:t>Click to edit Master title style</a:t>
-            </a:r>
-          </a:p>
-        </p:txBody>
-      </p:sp>
-      <p:sp>
-        <p:nvSpPr>
-          <p:cNvPr id="3" name="Text Placeholder 2">
-            <a:extLst>
-              <a:ext uri="{FF2B5EF4-FFF2-40B4-BE49-F238E27FC236}">
-                <a16:creationId xmlns:a16="http://schemas.microsoft.com/office/drawing/2014/main" id="{217A4718-D341-5E48-B2F9-56FD8E3EE1C9}"/>
-              </a:ext>
-            </a:extLst>
-          </p:cNvPr>
-          <p:cNvSpPr>
-            <a:spLocks noGrp="1"/>
-          </p:cNvSpPr>
-          <p:nvPr>
-            <p:ph type="body" idx="1"/>
-          </p:nvPr>
-        </p:nvSpPr>
-        <p:spPr>
-          <a:xfrm>
-            <a:off x="838200" y="1825625"/>
-            <a:ext cx="10515600" cy="4351338"/>
-          </a:xfrm>
-          <a:prstGeom prst="rect">
-            <a:avLst/>
-          </a:prstGeom>
-        </p:spPr>
-        <p:txBody>
-          <a:bodyPr vert="horz" lIns="91440" tIns="45720" rIns="91440" bIns="45720" rtlCol="0">
-            <a:normAutofit/>
-          </a:bodyPr>
-          <a:lstStyle/>
-          <a:p>
-            <a:pPr lvl="0"/>
-            <a:r>
-              <a:rPr lang="en-US"/>
-              <a:t>Edit Master text styles</a:t>
-            </a:r>
-          </a:p>
-          <a:p>
-            <a:pPr lvl="1"/>
-            <a:r>
-              <a:rPr lang="en-US"/>
-              <a:t>Second level</a:t>
-            </a:r>
-          </a:p>
-          <a:p>
-            <a:pPr lvl="2"/>
-            <a:r>
-              <a:rPr lang="en-US"/>
-              <a:t>Third level</a:t>
-            </a:r>
-          </a:p>
-          <a:p>
-            <a:pPr lvl="3"/>
-            <a:r>
-              <a:rPr lang="en-US"/>
-              <a:t>Fourth level</a:t>
-            </a:r>
-          </a:p>
-          <a:p>
-            <a:pPr lvl="4"/>
-            <a:r>
-              <a:rPr lang="en-US"/>
-              <a:t>Fifth level</a:t>
-            </a:r>
-          </a:p>
-        </p:txBody>
-      </p:sp>
-      <p:sp>
-        <p:nvSpPr>
-          <p:cNvPr id="6" name="Slide Number Placeholder 5">
-            <a:extLst>
-              <a:ext uri="{FF2B5EF4-FFF2-40B4-BE49-F238E27FC236}">
-                <a16:creationId xmlns:a16="http://schemas.microsoft.com/office/drawing/2014/main" id="{7F50DDCB-DB12-4B4D-B2A3-DF7E27851109}"/>
-              </a:ext>
-            </a:extLst>
-          </p:cNvPr>
-          <p:cNvSpPr>
-            <a:spLocks noGrp="1"/>
-          </p:cNvSpPr>
-          <p:nvPr>
-            <p:ph type="sldNum" sz="quarter" idx="4"/>
-          </p:nvPr>
-        </p:nvSpPr>
-        <p:spPr>
-          <a:xfrm>
-            <a:off x="9448800" y="6065837"/>
-            <a:ext cx="2743200" cy="365125"/>
-          </a:xfrm>
-          <a:prstGeom prst="rect">
-            <a:avLst/>
-          </a:prstGeom>
-        </p:spPr>
-        <p:txBody>
-          <a:bodyPr vert="horz" lIns="91440" tIns="45720" rIns="91440" bIns="45720" rtlCol="0" anchor="ctr"/>
-          <a:lstStyle>
-            <a:lvl1pPr algn="r">
-              <a:defRPr sz="1200">
-                <a:solidFill>
-                  <a:schemeClr val="tx1">
-                    <a:tint val="75000"/>
-                  </a:schemeClr>
-                </a:solidFill>
-              </a:defRPr>
-            </a:lvl1pPr>
-          </a:lstStyle>
-          <a:p>
-            <a:fld id="{0B973F48-4628-F846-BA33-DDE653D83577}" type="slidenum">
-              <a:rPr lang="en-US" smtClean="0"/>
-              <a:t>‹#›</a:t>
-            </a:fld>
-            <a:endParaRPr lang="en-US" dirty="0"/>
-          </a:p>
-        </p:txBody>
-      </p:sp>
-      <p:sp>
-        <p:nvSpPr>
-          <p:cNvPr id="9" name="Slide Number Placeholder 5">
-            <a:extLst>
-              <a:ext uri="{FF2B5EF4-FFF2-40B4-BE49-F238E27FC236}">
-                <a16:creationId xmlns:a16="http://schemas.microsoft.com/office/drawing/2014/main" id="{ABB045D2-645B-C646-BB72-F8DE27472BD5}"/>
-              </a:ext>
-            </a:extLst>
-          </p:cNvPr>
-          <p:cNvSpPr txBox="1">
-            <a:spLocks/>
-          </p:cNvSpPr>
-          <p:nvPr userDrawn="1"/>
-        </p:nvSpPr>
-        <p:spPr>
-          <a:xfrm>
-            <a:off x="6553200" y="6356350"/>
-            <a:ext cx="2133600" cy="365125"/>
-          </a:xfrm>
-          <a:prstGeom prst="rect">
-            <a:avLst/>
-          </a:prstGeom>
-        </p:spPr>
-        <p:txBody>
-          <a:bodyPr vert="horz" wrap="square" lIns="91440" tIns="45720" rIns="91440" bIns="45720" numCol="1" anchor="ctr" anchorCtr="0" compatLnSpc="1">
-            <a:prstTxWarp prst="textNoShape">
-              <a:avLst/>
-            </a:prstTxWarp>
-          </a:bodyPr>
-          <a:lstStyle>
-            <a:defPPr>
-              <a:defRPr lang="en-US"/>
-            </a:defPPr>
-            <a:lvl1pPr marL="0" algn="r" defTabSz="914400" rtl="0" eaLnBrk="1" latinLnBrk="0" hangingPunct="1">
-              <a:defRPr sz="1200" kern="1200">
-                <a:solidFill>
-                  <a:srgbClr val="898989"/>
-                </a:solidFill>
-                <a:latin typeface="Segoe UI" charset="0"/>
-                <a:ea typeface="+mn-ea"/>
-                <a:cs typeface="+mn-cs"/>
-              </a:defRPr>
-            </a:lvl1pPr>
-            <a:lvl2pPr marL="457200" algn="l" defTabSz="914400" rtl="0" eaLnBrk="1" latinLnBrk="0" hangingPunct="1">
-              <a:defRPr sz="1800" kern="1200">
-                <a:solidFill>
-                  <a:schemeClr val="tx1"/>
-                </a:solidFill>
-                <a:latin typeface="+mn-lt"/>
-                <a:ea typeface="+mn-ea"/>
-                <a:cs typeface="+mn-cs"/>
-              </a:defRPr>
-            </a:lvl2pPr>
-            <a:lvl3pPr marL="914400" algn="l" defTabSz="914400" rtl="0" eaLnBrk="1" latinLnBrk="0" hangingPunct="1">
-              <a:defRPr sz="1800" kern="1200">
-                <a:solidFill>
-                  <a:schemeClr val="tx1"/>
-                </a:solidFill>
-                <a:latin typeface="+mn-lt"/>
-                <a:ea typeface="+mn-ea"/>
-                <a:cs typeface="+mn-cs"/>
-              </a:defRPr>
-            </a:lvl3pPr>
-            <a:lvl4pPr marL="1371600" algn="l" defTabSz="914400" rtl="0" eaLnBrk="1" latinLnBrk="0" hangingPunct="1">
-              <a:defRPr sz="1800" kern="1200">
-                <a:solidFill>
-                  <a:schemeClr val="tx1"/>
-                </a:solidFill>
-                <a:latin typeface="+mn-lt"/>
-                <a:ea typeface="+mn-ea"/>
-                <a:cs typeface="+mn-cs"/>
-              </a:defRPr>
-            </a:lvl4pPr>
-            <a:lvl5pPr marL="1828800" algn="l" defTabSz="914400" rtl="0" eaLnBrk="1" latinLnBrk="0" hangingPunct="1">
-              <a:defRPr sz="1800" kern="1200">
-                <a:solidFill>
-                  <a:schemeClr val="tx1"/>
-                </a:solidFill>
-                <a:latin typeface="+mn-lt"/>
-                <a:ea typeface="+mn-ea"/>
-                <a:cs typeface="+mn-cs"/>
-              </a:defRPr>
-            </a:lvl5pPr>
-            <a:lvl6pPr marL="2286000" algn="l" defTabSz="914400" rtl="0" eaLnBrk="1" latinLnBrk="0" hangingPunct="1">
-              <a:defRPr sz="1800" kern="1200">
-                <a:solidFill>
-                  <a:schemeClr val="tx1"/>
-                </a:solidFill>
-                <a:latin typeface="+mn-lt"/>
-                <a:ea typeface="+mn-ea"/>
-                <a:cs typeface="+mn-cs"/>
-              </a:defRPr>
-            </a:lvl6pPr>
-            <a:lvl7pPr marL="2743200" algn="l" defTabSz="914400" rtl="0" eaLnBrk="1" latinLnBrk="0" hangingPunct="1">
-              <a:defRPr sz="1800" kern="1200">
-                <a:solidFill>
-                  <a:schemeClr val="tx1"/>
-                </a:solidFill>
-                <a:latin typeface="+mn-lt"/>
-                <a:ea typeface="+mn-ea"/>
-                <a:cs typeface="+mn-cs"/>
-              </a:defRPr>
-            </a:lvl7pPr>
-            <a:lvl8pPr marL="3200400" algn="l" defTabSz="914400" rtl="0" eaLnBrk="1" latinLnBrk="0" hangingPunct="1">
-              <a:defRPr sz="1800" kern="1200">
-                <a:solidFill>
-                  <a:schemeClr val="tx1"/>
-                </a:solidFill>
-                <a:latin typeface="+mn-lt"/>
-                <a:ea typeface="+mn-ea"/>
-                <a:cs typeface="+mn-cs"/>
-              </a:defRPr>
-            </a:lvl8pPr>
-            <a:lvl9pPr marL="3657600" algn="l" defTabSz="914400" rtl="0" eaLnBrk="1" latinLnBrk="0" hangingPunct="1">
-              <a:defRPr sz="1800" kern="1200">
-                <a:solidFill>
-                  <a:schemeClr val="tx1"/>
-                </a:solidFill>
-                <a:latin typeface="+mn-lt"/>
-                <a:ea typeface="+mn-ea"/>
-                <a:cs typeface="+mn-cs"/>
-              </a:defRPr>
-            </a:lvl9pPr>
-          </a:lstStyle>
-          <a:p>
-            <a:pPr>
-              <a:defRPr/>
-            </a:pPr>
-            <a:fld id="{18C1412E-69E1-864D-A0DF-94DDC7C8003B}" type="slidenum">
-              <a:rPr lang="en-US" smtClean="0"/>
-              <a:pPr>
-                <a:defRPr/>
-              </a:pPr>
-              <a:t>‹#›</a:t>
-            </a:fld>
-            <a:endParaRPr lang="en-US"/>
-          </a:p>
-        </p:txBody>
-      </p:sp>
-      <p:sp>
-        <p:nvSpPr>
-          <p:cNvPr id="10" name="Rectangle 9">
-            <a:extLst>
-              <a:ext uri="{FF2B5EF4-FFF2-40B4-BE49-F238E27FC236}">
-                <a16:creationId xmlns:a16="http://schemas.microsoft.com/office/drawing/2014/main" id="{715CF350-BF31-8549-8FA5-338ED87D9F31}"/>
-              </a:ext>
-            </a:extLst>
-          </p:cNvPr>
-          <p:cNvSpPr/>
-          <p:nvPr userDrawn="1"/>
-        </p:nvSpPr>
-        <p:spPr>
-          <a:xfrm>
-            <a:off x="0" y="6400800"/>
-            <a:ext cx="12192000" cy="457200"/>
-          </a:xfrm>
-          <a:prstGeom prst="rect">
-            <a:avLst/>
-          </a:prstGeom>
-          <a:solidFill>
-            <a:srgbClr val="9A3334"/>
-          </a:solidFill>
-          <a:ln>
-            <a:noFill/>
-          </a:ln>
-        </p:spPr>
-        <p:style>
-          <a:lnRef idx="2">
-            <a:schemeClr val="accent1">
-              <a:shade val="50000"/>
-            </a:schemeClr>
-          </a:lnRef>
-          <a:fillRef idx="1">
-            <a:schemeClr val="accent1"/>
-          </a:fillRef>
-          <a:effectRef idx="0">
-            <a:schemeClr val="accent1"/>
-          </a:effectRef>
-          <a:fontRef idx="minor">
-            <a:schemeClr val="lt1"/>
-          </a:fontRef>
-        </p:style>
-        <p:txBody>
-          <a:bodyPr anchor="ctr"/>
-          <a:lstStyle/>
-          <a:p>
-            <a:pPr algn="ctr" fontAlgn="auto">
-              <a:spcBef>
-                <a:spcPts val="0"/>
-              </a:spcBef>
-              <a:spcAft>
-                <a:spcPts val="0"/>
-              </a:spcAft>
-              <a:defRPr/>
-            </a:pPr>
-            <a:endParaRPr lang="en-US" sz="1800"/>
-          </a:p>
-        </p:txBody>
-      </p:sp>
-      <p:sp>
-        <p:nvSpPr>
-          <p:cNvPr id="11" name="TextBox 10">
-            <a:extLst>
-              <a:ext uri="{FF2B5EF4-FFF2-40B4-BE49-F238E27FC236}">
-                <a16:creationId xmlns:a16="http://schemas.microsoft.com/office/drawing/2014/main" id="{2CE4FBA7-EA83-4B4B-A7C6-F0F5766917AC}"/>
-              </a:ext>
-            </a:extLst>
-          </p:cNvPr>
-          <p:cNvSpPr txBox="1">
-            <a:spLocks noChangeArrowheads="1"/>
-          </p:cNvSpPr>
-          <p:nvPr userDrawn="1"/>
-        </p:nvSpPr>
-        <p:spPr bwMode="auto">
-          <a:xfrm>
-            <a:off x="0" y="6430962"/>
-            <a:ext cx="6705600" cy="396875"/>
-          </a:xfrm>
-          <a:prstGeom prst="rect">
-            <a:avLst/>
-          </a:prstGeom>
-          <a:noFill/>
-          <a:ln>
-            <a:noFill/>
-          </a:ln>
-          <a:extLst>
-            <a:ext uri="{909E8E84-426E-40dd-AFC4-6F175D3DCCD1}">
-              <a14:hiddenFill xmlns:a14="http://schemas.microsoft.com/office/drawing/2010/main" xmlns="">
-                <a:solidFill>
-                  <a:srgbClr val="FFFFFF"/>
-                </a:solidFill>
-              </a14:hiddenFill>
-            </a:ext>
-            <a:ext uri="{91240B29-F687-4f45-9708-019B960494DF}">
-              <a14:hiddenLine xmlns:a14="http://schemas.microsoft.com/office/drawing/2010/main" xmlns="" w="9525">
-                <a:solidFill>
-                  <a:srgbClr val="000000"/>
-                </a:solidFill>
-                <a:miter lim="800000"/>
-                <a:headEnd/>
-                <a:tailEnd/>
-              </a14:hiddenLine>
-            </a:ext>
-          </a:extLst>
-        </p:spPr>
-        <p:txBody>
-          <a:bodyPr>
-            <a:spAutoFit/>
-          </a:bodyPr>
-          <a:lstStyle>
-            <a:lvl1pPr eaLnBrk="0" hangingPunct="0">
-              <a:defRPr sz="2400">
-                <a:solidFill>
-                  <a:schemeClr val="tx1"/>
-                </a:solidFill>
-                <a:latin typeface="Arial" charset="0"/>
-                <a:ea typeface="ＭＳ Ｐゴシック" charset="0"/>
-                <a:cs typeface="ＭＳ Ｐゴシック" charset="0"/>
-              </a:defRPr>
-            </a:lvl1pPr>
-            <a:lvl2pPr marL="742950" indent="-285750" eaLnBrk="0" hangingPunct="0">
-              <a:defRPr sz="2400">
-                <a:solidFill>
-                  <a:schemeClr val="tx1"/>
-                </a:solidFill>
-                <a:latin typeface="Arial" charset="0"/>
-                <a:ea typeface="ＭＳ Ｐゴシック" charset="0"/>
-              </a:defRPr>
-            </a:lvl2pPr>
-            <a:lvl3pPr marL="1143000" indent="-228600" eaLnBrk="0" hangingPunct="0">
-              <a:defRPr sz="2400">
-                <a:solidFill>
-                  <a:schemeClr val="tx1"/>
-                </a:solidFill>
-                <a:latin typeface="Arial" charset="0"/>
-                <a:ea typeface="ＭＳ Ｐゴシック" charset="0"/>
-              </a:defRPr>
-            </a:lvl3pPr>
-            <a:lvl4pPr marL="1600200" indent="-228600" eaLnBrk="0" hangingPunct="0">
-              <a:defRPr sz="2400">
-                <a:solidFill>
-                  <a:schemeClr val="tx1"/>
-                </a:solidFill>
-                <a:latin typeface="Arial" charset="0"/>
-                <a:ea typeface="ＭＳ Ｐゴシック" charset="0"/>
-              </a:defRPr>
-            </a:lvl4pPr>
-            <a:lvl5pPr marL="2057400" indent="-228600" eaLnBrk="0" hangingPunct="0">
-              <a:defRPr sz="2400">
-                <a:solidFill>
-                  <a:schemeClr val="tx1"/>
-                </a:solidFill>
-                <a:latin typeface="Arial" charset="0"/>
-                <a:ea typeface="ＭＳ Ｐゴシック" charset="0"/>
-              </a:defRPr>
-            </a:lvl5pPr>
-            <a:lvl6pPr marL="2514600" indent="-228600" eaLnBrk="0" fontAlgn="base" hangingPunct="0">
-              <a:spcBef>
-                <a:spcPct val="0"/>
-              </a:spcBef>
-              <a:spcAft>
-                <a:spcPct val="0"/>
-              </a:spcAft>
-              <a:defRPr sz="2400">
-                <a:solidFill>
-                  <a:schemeClr val="tx1"/>
-                </a:solidFill>
-                <a:latin typeface="Arial" charset="0"/>
-                <a:ea typeface="ＭＳ Ｐゴシック" charset="0"/>
-              </a:defRPr>
-            </a:lvl6pPr>
-            <a:lvl7pPr marL="2971800" indent="-228600" eaLnBrk="0" fontAlgn="base" hangingPunct="0">
-              <a:spcBef>
-                <a:spcPct val="0"/>
-              </a:spcBef>
-              <a:spcAft>
-                <a:spcPct val="0"/>
-              </a:spcAft>
-              <a:defRPr sz="2400">
-                <a:solidFill>
-                  <a:schemeClr val="tx1"/>
-                </a:solidFill>
-                <a:latin typeface="Arial" charset="0"/>
-                <a:ea typeface="ＭＳ Ｐゴシック" charset="0"/>
-              </a:defRPr>
-            </a:lvl7pPr>
-            <a:lvl8pPr marL="3429000" indent="-228600" eaLnBrk="0" fontAlgn="base" hangingPunct="0">
-              <a:spcBef>
-                <a:spcPct val="0"/>
-              </a:spcBef>
-              <a:spcAft>
-                <a:spcPct val="0"/>
-              </a:spcAft>
-              <a:defRPr sz="2400">
-                <a:solidFill>
-                  <a:schemeClr val="tx1"/>
-                </a:solidFill>
-                <a:latin typeface="Arial" charset="0"/>
-                <a:ea typeface="ＭＳ Ｐゴシック" charset="0"/>
-              </a:defRPr>
-            </a:lvl8pPr>
-            <a:lvl9pPr marL="3886200" indent="-228600" eaLnBrk="0" fontAlgn="base" hangingPunct="0">
-              <a:spcBef>
-                <a:spcPct val="0"/>
-              </a:spcBef>
-              <a:spcAft>
-                <a:spcPct val="0"/>
-              </a:spcAft>
-              <a:defRPr sz="2400">
-                <a:solidFill>
-                  <a:schemeClr val="tx1"/>
-                </a:solidFill>
-                <a:latin typeface="Arial" charset="0"/>
-                <a:ea typeface="ＭＳ Ｐゴシック" charset="0"/>
-              </a:defRPr>
-            </a:lvl9pPr>
-          </a:lstStyle>
-          <a:p>
-            <a:pPr eaLnBrk="1" hangingPunct="1">
-              <a:defRPr/>
-            </a:pPr>
-            <a:r>
-              <a:rPr lang="en-US" sz="2000" b="1" dirty="0">
-                <a:solidFill>
-                  <a:schemeClr val="bg1"/>
-                </a:solidFill>
-                <a:latin typeface="Calibri" charset="0"/>
-                <a:cs typeface="Calibri" charset="0"/>
-              </a:rPr>
-              <a:t>Module 3</a:t>
+              <a:t>Module 2</a:t>
             </a:r>
           </a:p>
         </p:txBody>
@@ -8267,6 +5107,8 @@
     <p:sldLayoutId id="2147483685" r:id="rId11"/>
     <p:sldLayoutId id="2147483686" r:id="rId12"/>
     <p:sldLayoutId id="2147483687" r:id="rId13"/>
+    <p:sldLayoutId id="2147483672" r:id="rId14"/>
+    <p:sldLayoutId id="2147483673" r:id="rId15"/>
   </p:sldLayoutIdLst>
   <p:txStyles>
     <p:titleStyle>
@@ -8658,14 +5500,14 @@
           </a:ln>
           <a:extLst>
             <a:ext uri="{909E8E84-426E-40dd-AFC4-6F175D3DCCD1}">
-              <a14:hiddenFill xmlns:a14="http://schemas.microsoft.com/office/drawing/2010/main" xmlns="">
+              <a14:hiddenFill xmlns="" xmlns:a14="http://schemas.microsoft.com/office/drawing/2010/main">
                 <a:solidFill>
                   <a:srgbClr val="FFFFFF"/>
                 </a:solidFill>
               </a14:hiddenFill>
             </a:ext>
             <a:ext uri="{91240B29-F687-4f45-9708-019B960494DF}">
-              <a14:hiddenLine xmlns:a14="http://schemas.microsoft.com/office/drawing/2010/main" xmlns="" w="9525">
+              <a14:hiddenLine xmlns="" xmlns:a14="http://schemas.microsoft.com/office/drawing/2010/main" w="9525">
                 <a:solidFill>
                   <a:srgbClr val="000000"/>
                 </a:solidFill>
@@ -9543,6 +6385,706 @@
           </a:p>
         </p:txBody>
       </p:sp>
+      <p:graphicFrame>
+        <p:nvGraphicFramePr>
+          <p:cNvPr id="3" name="Content Placeholder 2"/>
+          <p:cNvGraphicFramePr>
+            <a:graphicFrameLocks noGrp="1"/>
+          </p:cNvGraphicFramePr>
+          <p:nvPr>
+            <p:ph idx="1"/>
+          </p:nvPr>
+        </p:nvGraphicFramePr>
+        <p:xfrm>
+          <a:off x="609602" y="2506154"/>
+          <a:ext cx="10972798" cy="1524000"/>
+        </p:xfrm>
+        <a:graphic>
+          <a:graphicData uri="http://schemas.openxmlformats.org/drawingml/2006/table">
+            <a:tbl>
+              <a:tblPr firstRow="1" bandRow="1">
+                <a:tableStyleId>{2D5ABB26-0587-4C30-8999-92F81FD0307C}</a:tableStyleId>
+              </a:tblPr>
+              <a:tblGrid>
+                <a:gridCol w="5825548">
+                  <a:extLst>
+                    <a:ext uri="{9D8B030D-6E8A-4147-A177-3AD203B41FA5}">
+                      <a16:colId xmlns:a16="http://schemas.microsoft.com/office/drawing/2014/main" val="20000"/>
+                    </a:ext>
+                  </a:extLst>
+                </a:gridCol>
+                <a:gridCol w="2573625">
+                  <a:extLst>
+                    <a:ext uri="{9D8B030D-6E8A-4147-A177-3AD203B41FA5}">
+                      <a16:colId xmlns:a16="http://schemas.microsoft.com/office/drawing/2014/main" val="20001"/>
+                    </a:ext>
+                  </a:extLst>
+                </a:gridCol>
+                <a:gridCol w="2573625">
+                  <a:extLst>
+                    <a:ext uri="{9D8B030D-6E8A-4147-A177-3AD203B41FA5}">
+                      <a16:colId xmlns:a16="http://schemas.microsoft.com/office/drawing/2014/main" val="20002"/>
+                    </a:ext>
+                  </a:extLst>
+                </a:gridCol>
+              </a:tblGrid>
+              <a:tr h="375920">
+                <a:tc>
+                  <a:txBody>
+                    <a:bodyPr/>
+                    <a:lstStyle/>
+                    <a:p>
+                      <a:endParaRPr lang="en-US" sz="1900" dirty="0"/>
+                    </a:p>
+                  </a:txBody>
+                  <a:tcPr marL="121920" marR="121920">
+                    <a:lnL w="12700" cap="flat" cmpd="sng" algn="ctr">
+                      <a:solidFill>
+                        <a:scrgbClr r="0" g="0" b="0"/>
+                      </a:solidFill>
+                      <a:prstDash val="solid"/>
+                      <a:round/>
+                      <a:headEnd type="none" w="med" len="med"/>
+                      <a:tailEnd type="none" w="med" len="med"/>
+                    </a:lnL>
+                    <a:lnR w="12700" cap="flat" cmpd="sng" algn="ctr">
+                      <a:solidFill>
+                        <a:scrgbClr r="0" g="0" b="0"/>
+                      </a:solidFill>
+                      <a:prstDash val="solid"/>
+                      <a:round/>
+                      <a:headEnd type="none" w="med" len="med"/>
+                      <a:tailEnd type="none" w="med" len="med"/>
+                    </a:lnR>
+                    <a:lnT w="12700" cap="flat" cmpd="sng" algn="ctr">
+                      <a:solidFill>
+                        <a:scrgbClr r="0" g="0" b="0"/>
+                      </a:solidFill>
+                      <a:prstDash val="solid"/>
+                      <a:round/>
+                      <a:headEnd type="none" w="med" len="med"/>
+                      <a:tailEnd type="none" w="med" len="med"/>
+                    </a:lnT>
+                    <a:lnB w="12700" cap="flat" cmpd="sng" algn="ctr">
+                      <a:solidFill>
+                        <a:scrgbClr r="0" g="0" b="0"/>
+                      </a:solidFill>
+                      <a:prstDash val="solid"/>
+                      <a:round/>
+                      <a:headEnd type="none" w="med" len="med"/>
+                      <a:tailEnd type="none" w="med" len="med"/>
+                    </a:lnB>
+                  </a:tcPr>
+                </a:tc>
+                <a:tc>
+                  <a:txBody>
+                    <a:bodyPr/>
+                    <a:lstStyle/>
+                    <a:p>
+                      <a:r>
+                        <a:rPr lang="en-US" sz="1900" dirty="0"/>
+                        <a:t>1-based</a:t>
+                      </a:r>
+                    </a:p>
+                  </a:txBody>
+                  <a:tcPr marL="121920" marR="121920">
+                    <a:lnL w="12700" cap="flat" cmpd="sng" algn="ctr">
+                      <a:solidFill>
+                        <a:scrgbClr r="0" g="0" b="0"/>
+                      </a:solidFill>
+                      <a:prstDash val="solid"/>
+                      <a:round/>
+                      <a:headEnd type="none" w="med" len="med"/>
+                      <a:tailEnd type="none" w="med" len="med"/>
+                    </a:lnL>
+                    <a:lnR w="12700" cap="flat" cmpd="sng" algn="ctr">
+                      <a:solidFill>
+                        <a:scrgbClr r="0" g="0" b="0"/>
+                      </a:solidFill>
+                      <a:prstDash val="solid"/>
+                      <a:round/>
+                      <a:headEnd type="none" w="med" len="med"/>
+                      <a:tailEnd type="none" w="med" len="med"/>
+                    </a:lnR>
+                    <a:lnT w="12700" cap="flat" cmpd="sng" algn="ctr">
+                      <a:solidFill>
+                        <a:scrgbClr r="0" g="0" b="0"/>
+                      </a:solidFill>
+                      <a:prstDash val="solid"/>
+                      <a:round/>
+                      <a:headEnd type="none" w="med" len="med"/>
+                      <a:tailEnd type="none" w="med" len="med"/>
+                    </a:lnT>
+                    <a:lnB w="12700" cap="flat" cmpd="sng" algn="ctr">
+                      <a:solidFill>
+                        <a:scrgbClr r="0" g="0" b="0"/>
+                      </a:solidFill>
+                      <a:prstDash val="solid"/>
+                      <a:round/>
+                      <a:headEnd type="none" w="med" len="med"/>
+                      <a:tailEnd type="none" w="med" len="med"/>
+                    </a:lnB>
+                  </a:tcPr>
+                </a:tc>
+                <a:tc>
+                  <a:txBody>
+                    <a:bodyPr/>
+                    <a:lstStyle/>
+                    <a:p>
+                      <a:r>
+                        <a:rPr lang="en-US" sz="1900" dirty="0"/>
+                        <a:t>0-based</a:t>
+                      </a:r>
+                    </a:p>
+                  </a:txBody>
+                  <a:tcPr marL="121920" marR="121920">
+                    <a:lnL w="12700" cap="flat" cmpd="sng" algn="ctr">
+                      <a:solidFill>
+                        <a:scrgbClr r="0" g="0" b="0"/>
+                      </a:solidFill>
+                      <a:prstDash val="solid"/>
+                      <a:round/>
+                      <a:headEnd type="none" w="med" len="med"/>
+                      <a:tailEnd type="none" w="med" len="med"/>
+                    </a:lnL>
+                    <a:lnR w="12700" cap="flat" cmpd="sng" algn="ctr">
+                      <a:solidFill>
+                        <a:scrgbClr r="0" g="0" b="0"/>
+                      </a:solidFill>
+                      <a:prstDash val="solid"/>
+                      <a:round/>
+                      <a:headEnd type="none" w="med" len="med"/>
+                      <a:tailEnd type="none" w="med" len="med"/>
+                    </a:lnR>
+                    <a:lnT w="12700" cap="flat" cmpd="sng" algn="ctr">
+                      <a:solidFill>
+                        <a:scrgbClr r="0" g="0" b="0"/>
+                      </a:solidFill>
+                      <a:prstDash val="solid"/>
+                      <a:round/>
+                      <a:headEnd type="none" w="med" len="med"/>
+                      <a:tailEnd type="none" w="med" len="med"/>
+                    </a:lnT>
+                    <a:lnB w="12700" cap="flat" cmpd="sng" algn="ctr">
+                      <a:solidFill>
+                        <a:scrgbClr r="0" g="0" b="0"/>
+                      </a:solidFill>
+                      <a:prstDash val="solid"/>
+                      <a:round/>
+                      <a:headEnd type="none" w="med" len="med"/>
+                      <a:tailEnd type="none" w="med" len="med"/>
+                    </a:lnB>
+                  </a:tcPr>
+                </a:tc>
+                <a:extLst>
+                  <a:ext uri="{0D108BD9-81ED-4DB2-BD59-A6C34878D82A}">
+                    <a16:rowId xmlns:a16="http://schemas.microsoft.com/office/drawing/2014/main" val="10000"/>
+                  </a:ext>
+                </a:extLst>
+              </a:tr>
+              <a:tr h="375920">
+                <a:tc>
+                  <a:txBody>
+                    <a:bodyPr/>
+                    <a:lstStyle/>
+                    <a:p>
+                      <a:r>
+                        <a:rPr lang="en-US" sz="1900" dirty="0"/>
+                        <a:t>Indicate a single</a:t>
+                      </a:r>
+                      <a:r>
+                        <a:rPr lang="en-US" sz="1900" baseline="0" dirty="0"/>
+                        <a:t> nucleotide</a:t>
+                      </a:r>
+                      <a:endParaRPr lang="en-US" sz="1900" dirty="0"/>
+                    </a:p>
+                  </a:txBody>
+                  <a:tcPr marL="121920" marR="121920">
+                    <a:lnL w="12700" cap="flat" cmpd="sng" algn="ctr">
+                      <a:solidFill>
+                        <a:scrgbClr r="0" g="0" b="0"/>
+                      </a:solidFill>
+                      <a:prstDash val="solid"/>
+                      <a:round/>
+                      <a:headEnd type="none" w="med" len="med"/>
+                      <a:tailEnd type="none" w="med" len="med"/>
+                    </a:lnL>
+                    <a:lnR w="12700" cap="flat" cmpd="sng" algn="ctr">
+                      <a:solidFill>
+                        <a:scrgbClr r="0" g="0" b="0"/>
+                      </a:solidFill>
+                      <a:prstDash val="solid"/>
+                      <a:round/>
+                      <a:headEnd type="none" w="med" len="med"/>
+                      <a:tailEnd type="none" w="med" len="med"/>
+                    </a:lnR>
+                    <a:lnT w="12700" cap="flat" cmpd="sng" algn="ctr">
+                      <a:solidFill>
+                        <a:scrgbClr r="0" g="0" b="0"/>
+                      </a:solidFill>
+                      <a:prstDash val="solid"/>
+                      <a:round/>
+                      <a:headEnd type="none" w="med" len="med"/>
+                      <a:tailEnd type="none" w="med" len="med"/>
+                    </a:lnT>
+                    <a:lnB w="12700" cap="flat" cmpd="sng" algn="ctr">
+                      <a:solidFill>
+                        <a:scrgbClr r="0" g="0" b="0"/>
+                      </a:solidFill>
+                      <a:prstDash val="solid"/>
+                      <a:round/>
+                      <a:headEnd type="none" w="med" len="med"/>
+                      <a:tailEnd type="none" w="med" len="med"/>
+                    </a:lnB>
+                  </a:tcPr>
+                </a:tc>
+                <a:tc>
+                  <a:txBody>
+                    <a:bodyPr/>
+                    <a:lstStyle/>
+                    <a:p>
+                      <a:r>
+                        <a:rPr lang="en-US" sz="1900" dirty="0"/>
+                        <a:t>chr1:4-4</a:t>
+                      </a:r>
+                      <a:r>
+                        <a:rPr lang="en-US" sz="1900" baseline="0" dirty="0"/>
+                        <a:t>   </a:t>
+                      </a:r>
+                      <a:r>
+                        <a:rPr lang="en-US" sz="1900" dirty="0"/>
+                        <a:t>G</a:t>
+                      </a:r>
+                    </a:p>
+                  </a:txBody>
+                  <a:tcPr marL="121920" marR="121920">
+                    <a:lnL w="12700" cap="flat" cmpd="sng" algn="ctr">
+                      <a:solidFill>
+                        <a:scrgbClr r="0" g="0" b="0"/>
+                      </a:solidFill>
+                      <a:prstDash val="solid"/>
+                      <a:round/>
+                      <a:headEnd type="none" w="med" len="med"/>
+                      <a:tailEnd type="none" w="med" len="med"/>
+                    </a:lnL>
+                    <a:lnR w="12700" cap="flat" cmpd="sng" algn="ctr">
+                      <a:solidFill>
+                        <a:scrgbClr r="0" g="0" b="0"/>
+                      </a:solidFill>
+                      <a:prstDash val="solid"/>
+                      <a:round/>
+                      <a:headEnd type="none" w="med" len="med"/>
+                      <a:tailEnd type="none" w="med" len="med"/>
+                    </a:lnR>
+                    <a:lnT w="12700" cap="flat" cmpd="sng" algn="ctr">
+                      <a:solidFill>
+                        <a:scrgbClr r="0" g="0" b="0"/>
+                      </a:solidFill>
+                      <a:prstDash val="solid"/>
+                      <a:round/>
+                      <a:headEnd type="none" w="med" len="med"/>
+                      <a:tailEnd type="none" w="med" len="med"/>
+                    </a:lnT>
+                    <a:lnB w="12700" cap="flat" cmpd="sng" algn="ctr">
+                      <a:solidFill>
+                        <a:scrgbClr r="0" g="0" b="0"/>
+                      </a:solidFill>
+                      <a:prstDash val="solid"/>
+                      <a:round/>
+                      <a:headEnd type="none" w="med" len="med"/>
+                      <a:tailEnd type="none" w="med" len="med"/>
+                    </a:lnB>
+                  </a:tcPr>
+                </a:tc>
+                <a:tc>
+                  <a:txBody>
+                    <a:bodyPr/>
+                    <a:lstStyle/>
+                    <a:p>
+                      <a:r>
+                        <a:rPr lang="en-US" sz="1900" dirty="0"/>
+                        <a:t>chr1</a:t>
+                      </a:r>
+                      <a:r>
+                        <a:rPr lang="en-US" sz="1900" baseline="0" dirty="0"/>
+                        <a:t>:3-4   G</a:t>
+                      </a:r>
+                      <a:endParaRPr lang="en-US" sz="1900" dirty="0"/>
+                    </a:p>
+                  </a:txBody>
+                  <a:tcPr marL="121920" marR="121920">
+                    <a:lnL w="12700" cap="flat" cmpd="sng" algn="ctr">
+                      <a:solidFill>
+                        <a:scrgbClr r="0" g="0" b="0"/>
+                      </a:solidFill>
+                      <a:prstDash val="solid"/>
+                      <a:round/>
+                      <a:headEnd type="none" w="med" len="med"/>
+                      <a:tailEnd type="none" w="med" len="med"/>
+                    </a:lnL>
+                    <a:lnR w="12700" cap="flat" cmpd="sng" algn="ctr">
+                      <a:solidFill>
+                        <a:scrgbClr r="0" g="0" b="0"/>
+                      </a:solidFill>
+                      <a:prstDash val="solid"/>
+                      <a:round/>
+                      <a:headEnd type="none" w="med" len="med"/>
+                      <a:tailEnd type="none" w="med" len="med"/>
+                    </a:lnR>
+                    <a:lnT w="12700" cap="flat" cmpd="sng" algn="ctr">
+                      <a:solidFill>
+                        <a:scrgbClr r="0" g="0" b="0"/>
+                      </a:solidFill>
+                      <a:prstDash val="solid"/>
+                      <a:round/>
+                      <a:headEnd type="none" w="med" len="med"/>
+                      <a:tailEnd type="none" w="med" len="med"/>
+                    </a:lnT>
+                    <a:lnB w="12700" cap="flat" cmpd="sng" algn="ctr">
+                      <a:solidFill>
+                        <a:scrgbClr r="0" g="0" b="0"/>
+                      </a:solidFill>
+                      <a:prstDash val="solid"/>
+                      <a:round/>
+                      <a:headEnd type="none" w="med" len="med"/>
+                      <a:tailEnd type="none" w="med" len="med"/>
+                    </a:lnB>
+                  </a:tcPr>
+                </a:tc>
+                <a:extLst>
+                  <a:ext uri="{0D108BD9-81ED-4DB2-BD59-A6C34878D82A}">
+                    <a16:rowId xmlns:a16="http://schemas.microsoft.com/office/drawing/2014/main" val="10001"/>
+                  </a:ext>
+                </a:extLst>
+              </a:tr>
+              <a:tr h="375920">
+                <a:tc>
+                  <a:txBody>
+                    <a:bodyPr/>
+                    <a:lstStyle/>
+                    <a:p>
+                      <a:r>
+                        <a:rPr lang="en-US" sz="1900" dirty="0"/>
+                        <a:t>Indicate a range</a:t>
+                      </a:r>
+                      <a:r>
+                        <a:rPr lang="en-US" sz="1900" baseline="0" dirty="0"/>
+                        <a:t> of nucleotides</a:t>
+                      </a:r>
+                      <a:endParaRPr lang="en-US" sz="1900" dirty="0"/>
+                    </a:p>
+                  </a:txBody>
+                  <a:tcPr marL="121920" marR="121920">
+                    <a:lnL w="12700" cap="flat" cmpd="sng" algn="ctr">
+                      <a:solidFill>
+                        <a:scrgbClr r="0" g="0" b="0"/>
+                      </a:solidFill>
+                      <a:prstDash val="solid"/>
+                      <a:round/>
+                      <a:headEnd type="none" w="med" len="med"/>
+                      <a:tailEnd type="none" w="med" len="med"/>
+                    </a:lnL>
+                    <a:lnR w="12700" cap="flat" cmpd="sng" algn="ctr">
+                      <a:solidFill>
+                        <a:scrgbClr r="0" g="0" b="0"/>
+                      </a:solidFill>
+                      <a:prstDash val="solid"/>
+                      <a:round/>
+                      <a:headEnd type="none" w="med" len="med"/>
+                      <a:tailEnd type="none" w="med" len="med"/>
+                    </a:lnR>
+                    <a:lnT w="12700" cap="flat" cmpd="sng" algn="ctr">
+                      <a:solidFill>
+                        <a:scrgbClr r="0" g="0" b="0"/>
+                      </a:solidFill>
+                      <a:prstDash val="solid"/>
+                      <a:round/>
+                      <a:headEnd type="none" w="med" len="med"/>
+                      <a:tailEnd type="none" w="med" len="med"/>
+                    </a:lnT>
+                    <a:lnB w="12700" cap="flat" cmpd="sng" algn="ctr">
+                      <a:solidFill>
+                        <a:scrgbClr r="0" g="0" b="0"/>
+                      </a:solidFill>
+                      <a:prstDash val="solid"/>
+                      <a:round/>
+                      <a:headEnd type="none" w="med" len="med"/>
+                      <a:tailEnd type="none" w="med" len="med"/>
+                    </a:lnB>
+                  </a:tcPr>
+                </a:tc>
+                <a:tc>
+                  <a:txBody>
+                    <a:bodyPr/>
+                    <a:lstStyle/>
+                    <a:p>
+                      <a:r>
+                        <a:rPr lang="en-US" sz="1900" dirty="0"/>
+                        <a:t>chr1:2-4   ACG</a:t>
+                      </a:r>
+                    </a:p>
+                  </a:txBody>
+                  <a:tcPr marL="121920" marR="121920">
+                    <a:lnL w="12700" cap="flat" cmpd="sng" algn="ctr">
+                      <a:solidFill>
+                        <a:scrgbClr r="0" g="0" b="0"/>
+                      </a:solidFill>
+                      <a:prstDash val="solid"/>
+                      <a:round/>
+                      <a:headEnd type="none" w="med" len="med"/>
+                      <a:tailEnd type="none" w="med" len="med"/>
+                    </a:lnL>
+                    <a:lnR w="12700" cap="flat" cmpd="sng" algn="ctr">
+                      <a:solidFill>
+                        <a:scrgbClr r="0" g="0" b="0"/>
+                      </a:solidFill>
+                      <a:prstDash val="solid"/>
+                      <a:round/>
+                      <a:headEnd type="none" w="med" len="med"/>
+                      <a:tailEnd type="none" w="med" len="med"/>
+                    </a:lnR>
+                    <a:lnT w="12700" cap="flat" cmpd="sng" algn="ctr">
+                      <a:solidFill>
+                        <a:scrgbClr r="0" g="0" b="0"/>
+                      </a:solidFill>
+                      <a:prstDash val="solid"/>
+                      <a:round/>
+                      <a:headEnd type="none" w="med" len="med"/>
+                      <a:tailEnd type="none" w="med" len="med"/>
+                    </a:lnT>
+                    <a:lnB w="12700" cap="flat" cmpd="sng" algn="ctr">
+                      <a:solidFill>
+                        <a:scrgbClr r="0" g="0" b="0"/>
+                      </a:solidFill>
+                      <a:prstDash val="solid"/>
+                      <a:round/>
+                      <a:headEnd type="none" w="med" len="med"/>
+                      <a:tailEnd type="none" w="med" len="med"/>
+                    </a:lnB>
+                  </a:tcPr>
+                </a:tc>
+                <a:tc>
+                  <a:txBody>
+                    <a:bodyPr/>
+                    <a:lstStyle/>
+                    <a:p>
+                      <a:r>
+                        <a:rPr lang="en-US" sz="1900" dirty="0"/>
+                        <a:t>chr1:1-4   ACG</a:t>
+                      </a:r>
+                    </a:p>
+                  </a:txBody>
+                  <a:tcPr marL="121920" marR="121920">
+                    <a:lnL w="12700" cap="flat" cmpd="sng" algn="ctr">
+                      <a:solidFill>
+                        <a:scrgbClr r="0" g="0" b="0"/>
+                      </a:solidFill>
+                      <a:prstDash val="solid"/>
+                      <a:round/>
+                      <a:headEnd type="none" w="med" len="med"/>
+                      <a:tailEnd type="none" w="med" len="med"/>
+                    </a:lnL>
+                    <a:lnR w="12700" cap="flat" cmpd="sng" algn="ctr">
+                      <a:solidFill>
+                        <a:scrgbClr r="0" g="0" b="0"/>
+                      </a:solidFill>
+                      <a:prstDash val="solid"/>
+                      <a:round/>
+                      <a:headEnd type="none" w="med" len="med"/>
+                      <a:tailEnd type="none" w="med" len="med"/>
+                    </a:lnR>
+                    <a:lnT w="12700" cap="flat" cmpd="sng" algn="ctr">
+                      <a:solidFill>
+                        <a:scrgbClr r="0" g="0" b="0"/>
+                      </a:solidFill>
+                      <a:prstDash val="solid"/>
+                      <a:round/>
+                      <a:headEnd type="none" w="med" len="med"/>
+                      <a:tailEnd type="none" w="med" len="med"/>
+                    </a:lnT>
+                    <a:lnB w="12700" cap="flat" cmpd="sng" algn="ctr">
+                      <a:solidFill>
+                        <a:scrgbClr r="0" g="0" b="0"/>
+                      </a:solidFill>
+                      <a:prstDash val="solid"/>
+                      <a:round/>
+                      <a:headEnd type="none" w="med" len="med"/>
+                      <a:tailEnd type="none" w="med" len="med"/>
+                    </a:lnB>
+                  </a:tcPr>
+                </a:tc>
+                <a:extLst>
+                  <a:ext uri="{0D108BD9-81ED-4DB2-BD59-A6C34878D82A}">
+                    <a16:rowId xmlns:a16="http://schemas.microsoft.com/office/drawing/2014/main" val="10002"/>
+                  </a:ext>
+                </a:extLst>
+              </a:tr>
+              <a:tr h="375920">
+                <a:tc>
+                  <a:txBody>
+                    <a:bodyPr/>
+                    <a:lstStyle/>
+                    <a:p>
+                      <a:r>
+                        <a:rPr lang="en-US" sz="1900" dirty="0"/>
+                        <a:t>Indicate a single nucleotide</a:t>
+                      </a:r>
+                      <a:r>
+                        <a:rPr lang="en-US" sz="1900" baseline="0" dirty="0"/>
+                        <a:t> variant</a:t>
+                      </a:r>
+                      <a:endParaRPr lang="en-US" sz="1900" dirty="0"/>
+                    </a:p>
+                  </a:txBody>
+                  <a:tcPr marL="121920" marR="121920">
+                    <a:lnL w="12700" cap="flat" cmpd="sng" algn="ctr">
+                      <a:solidFill>
+                        <a:scrgbClr r="0" g="0" b="0"/>
+                      </a:solidFill>
+                      <a:prstDash val="solid"/>
+                      <a:round/>
+                      <a:headEnd type="none" w="med" len="med"/>
+                      <a:tailEnd type="none" w="med" len="med"/>
+                    </a:lnL>
+                    <a:lnR w="12700" cap="flat" cmpd="sng" algn="ctr">
+                      <a:solidFill>
+                        <a:scrgbClr r="0" g="0" b="0"/>
+                      </a:solidFill>
+                      <a:prstDash val="solid"/>
+                      <a:round/>
+                      <a:headEnd type="none" w="med" len="med"/>
+                      <a:tailEnd type="none" w="med" len="med"/>
+                    </a:lnR>
+                    <a:lnT w="12700" cap="flat" cmpd="sng" algn="ctr">
+                      <a:solidFill>
+                        <a:scrgbClr r="0" g="0" b="0"/>
+                      </a:solidFill>
+                      <a:prstDash val="solid"/>
+                      <a:round/>
+                      <a:headEnd type="none" w="med" len="med"/>
+                      <a:tailEnd type="none" w="med" len="med"/>
+                    </a:lnT>
+                    <a:lnB w="12700" cap="flat" cmpd="sng" algn="ctr">
+                      <a:solidFill>
+                        <a:scrgbClr r="0" g="0" b="0"/>
+                      </a:solidFill>
+                      <a:prstDash val="solid"/>
+                      <a:round/>
+                      <a:headEnd type="none" w="med" len="med"/>
+                      <a:tailEnd type="none" w="med" len="med"/>
+                    </a:lnB>
+                  </a:tcPr>
+                </a:tc>
+                <a:tc>
+                  <a:txBody>
+                    <a:bodyPr/>
+                    <a:lstStyle/>
+                    <a:p>
+                      <a:r>
+                        <a:rPr lang="en-US" sz="1900" dirty="0"/>
+                        <a:t>chr1:5-5   T/A</a:t>
+                      </a:r>
+                    </a:p>
+                  </a:txBody>
+                  <a:tcPr marL="121920" marR="121920">
+                    <a:lnL w="12700" cap="flat" cmpd="sng" algn="ctr">
+                      <a:solidFill>
+                        <a:scrgbClr r="0" g="0" b="0"/>
+                      </a:solidFill>
+                      <a:prstDash val="solid"/>
+                      <a:round/>
+                      <a:headEnd type="none" w="med" len="med"/>
+                      <a:tailEnd type="none" w="med" len="med"/>
+                    </a:lnL>
+                    <a:lnR w="12700" cap="flat" cmpd="sng" algn="ctr">
+                      <a:solidFill>
+                        <a:scrgbClr r="0" g="0" b="0"/>
+                      </a:solidFill>
+                      <a:prstDash val="solid"/>
+                      <a:round/>
+                      <a:headEnd type="none" w="med" len="med"/>
+                      <a:tailEnd type="none" w="med" len="med"/>
+                    </a:lnR>
+                    <a:lnT w="12700" cap="flat" cmpd="sng" algn="ctr">
+                      <a:solidFill>
+                        <a:scrgbClr r="0" g="0" b="0"/>
+                      </a:solidFill>
+                      <a:prstDash val="solid"/>
+                      <a:round/>
+                      <a:headEnd type="none" w="med" len="med"/>
+                      <a:tailEnd type="none" w="med" len="med"/>
+                    </a:lnT>
+                    <a:lnB w="12700" cap="flat" cmpd="sng" algn="ctr">
+                      <a:solidFill>
+                        <a:scrgbClr r="0" g="0" b="0"/>
+                      </a:solidFill>
+                      <a:prstDash val="solid"/>
+                      <a:round/>
+                      <a:headEnd type="none" w="med" len="med"/>
+                      <a:tailEnd type="none" w="med" len="med"/>
+                    </a:lnB>
+                  </a:tcPr>
+                </a:tc>
+                <a:tc>
+                  <a:txBody>
+                    <a:bodyPr/>
+                    <a:lstStyle/>
+                    <a:p>
+                      <a:r>
+                        <a:rPr lang="en-US" sz="1900" dirty="0"/>
+                        <a:t>chr1:4-5   T/A</a:t>
+                      </a:r>
+                    </a:p>
+                  </a:txBody>
+                  <a:tcPr marL="121920" marR="121920">
+                    <a:lnL w="12700" cap="flat" cmpd="sng" algn="ctr">
+                      <a:solidFill>
+                        <a:scrgbClr r="0" g="0" b="0"/>
+                      </a:solidFill>
+                      <a:prstDash val="solid"/>
+                      <a:round/>
+                      <a:headEnd type="none" w="med" len="med"/>
+                      <a:tailEnd type="none" w="med" len="med"/>
+                    </a:lnL>
+                    <a:lnR w="12700" cap="flat" cmpd="sng" algn="ctr">
+                      <a:solidFill>
+                        <a:scrgbClr r="0" g="0" b="0"/>
+                      </a:solidFill>
+                      <a:prstDash val="solid"/>
+                      <a:round/>
+                      <a:headEnd type="none" w="med" len="med"/>
+                      <a:tailEnd type="none" w="med" len="med"/>
+                    </a:lnR>
+                    <a:lnT w="12700" cap="flat" cmpd="sng" algn="ctr">
+                      <a:solidFill>
+                        <a:scrgbClr r="0" g="0" b="0"/>
+                      </a:solidFill>
+                      <a:prstDash val="solid"/>
+                      <a:round/>
+                      <a:headEnd type="none" w="med" len="med"/>
+                      <a:tailEnd type="none" w="med" len="med"/>
+                    </a:lnT>
+                    <a:lnB w="12700" cap="flat" cmpd="sng" algn="ctr">
+                      <a:solidFill>
+                        <a:scrgbClr r="0" g="0" b="0"/>
+                      </a:solidFill>
+                      <a:prstDash val="solid"/>
+                      <a:round/>
+                      <a:headEnd type="none" w="med" len="med"/>
+                      <a:tailEnd type="none" w="med" len="med"/>
+                    </a:lnB>
+                  </a:tcPr>
+                </a:tc>
+                <a:extLst>
+                  <a:ext uri="{0D108BD9-81ED-4DB2-BD59-A6C34878D82A}">
+                    <a16:rowId xmlns:a16="http://schemas.microsoft.com/office/drawing/2014/main" val="10003"/>
+                  </a:ext>
+                </a:extLst>
+              </a:tr>
+            </a:tbl>
+          </a:graphicData>
+        </a:graphic>
+      </p:graphicFrame>
       <p:graphicFrame>
         <p:nvGraphicFramePr>
           <p:cNvPr id="5" name="Table 4"/>
@@ -11950,706 +9492,6 @@
           </a:graphicData>
         </a:graphic>
       </p:graphicFrame>
-      <p:graphicFrame>
-        <p:nvGraphicFramePr>
-          <p:cNvPr id="3" name="Content Placeholder 2"/>
-          <p:cNvGraphicFramePr>
-            <a:graphicFrameLocks noGrp="1"/>
-          </p:cNvGraphicFramePr>
-          <p:nvPr>
-            <p:ph idx="1"/>
-          </p:nvPr>
-        </p:nvGraphicFramePr>
-        <p:xfrm>
-          <a:off x="609602" y="2506154"/>
-          <a:ext cx="10972798" cy="1524000"/>
-        </p:xfrm>
-        <a:graphic>
-          <a:graphicData uri="http://schemas.openxmlformats.org/drawingml/2006/table">
-            <a:tbl>
-              <a:tblPr firstRow="1" bandRow="1">
-                <a:tableStyleId>{2D5ABB26-0587-4C30-8999-92F81FD0307C}</a:tableStyleId>
-              </a:tblPr>
-              <a:tblGrid>
-                <a:gridCol w="5825548">
-                  <a:extLst>
-                    <a:ext uri="{9D8B030D-6E8A-4147-A177-3AD203B41FA5}">
-                      <a16:colId xmlns:a16="http://schemas.microsoft.com/office/drawing/2014/main" val="20000"/>
-                    </a:ext>
-                  </a:extLst>
-                </a:gridCol>
-                <a:gridCol w="2573625">
-                  <a:extLst>
-                    <a:ext uri="{9D8B030D-6E8A-4147-A177-3AD203B41FA5}">
-                      <a16:colId xmlns:a16="http://schemas.microsoft.com/office/drawing/2014/main" val="20001"/>
-                    </a:ext>
-                  </a:extLst>
-                </a:gridCol>
-                <a:gridCol w="2573625">
-                  <a:extLst>
-                    <a:ext uri="{9D8B030D-6E8A-4147-A177-3AD203B41FA5}">
-                      <a16:colId xmlns:a16="http://schemas.microsoft.com/office/drawing/2014/main" val="20002"/>
-                    </a:ext>
-                  </a:extLst>
-                </a:gridCol>
-              </a:tblGrid>
-              <a:tr h="375920">
-                <a:tc>
-                  <a:txBody>
-                    <a:bodyPr/>
-                    <a:lstStyle/>
-                    <a:p>
-                      <a:endParaRPr lang="en-US" sz="1900" dirty="0"/>
-                    </a:p>
-                  </a:txBody>
-                  <a:tcPr marL="121920" marR="121920">
-                    <a:lnL w="12700" cap="flat" cmpd="sng" algn="ctr">
-                      <a:solidFill>
-                        <a:scrgbClr r="0" g="0" b="0"/>
-                      </a:solidFill>
-                      <a:prstDash val="solid"/>
-                      <a:round/>
-                      <a:headEnd type="none" w="med" len="med"/>
-                      <a:tailEnd type="none" w="med" len="med"/>
-                    </a:lnL>
-                    <a:lnR w="12700" cap="flat" cmpd="sng" algn="ctr">
-                      <a:solidFill>
-                        <a:scrgbClr r="0" g="0" b="0"/>
-                      </a:solidFill>
-                      <a:prstDash val="solid"/>
-                      <a:round/>
-                      <a:headEnd type="none" w="med" len="med"/>
-                      <a:tailEnd type="none" w="med" len="med"/>
-                    </a:lnR>
-                    <a:lnT w="12700" cap="flat" cmpd="sng" algn="ctr">
-                      <a:solidFill>
-                        <a:scrgbClr r="0" g="0" b="0"/>
-                      </a:solidFill>
-                      <a:prstDash val="solid"/>
-                      <a:round/>
-                      <a:headEnd type="none" w="med" len="med"/>
-                      <a:tailEnd type="none" w="med" len="med"/>
-                    </a:lnT>
-                    <a:lnB w="12700" cap="flat" cmpd="sng" algn="ctr">
-                      <a:solidFill>
-                        <a:scrgbClr r="0" g="0" b="0"/>
-                      </a:solidFill>
-                      <a:prstDash val="solid"/>
-                      <a:round/>
-                      <a:headEnd type="none" w="med" len="med"/>
-                      <a:tailEnd type="none" w="med" len="med"/>
-                    </a:lnB>
-                  </a:tcPr>
-                </a:tc>
-                <a:tc>
-                  <a:txBody>
-                    <a:bodyPr/>
-                    <a:lstStyle/>
-                    <a:p>
-                      <a:r>
-                        <a:rPr lang="en-US" sz="1900" dirty="0"/>
-                        <a:t>1-based</a:t>
-                      </a:r>
-                    </a:p>
-                  </a:txBody>
-                  <a:tcPr marL="121920" marR="121920">
-                    <a:lnL w="12700" cap="flat" cmpd="sng" algn="ctr">
-                      <a:solidFill>
-                        <a:scrgbClr r="0" g="0" b="0"/>
-                      </a:solidFill>
-                      <a:prstDash val="solid"/>
-                      <a:round/>
-                      <a:headEnd type="none" w="med" len="med"/>
-                      <a:tailEnd type="none" w="med" len="med"/>
-                    </a:lnL>
-                    <a:lnR w="12700" cap="flat" cmpd="sng" algn="ctr">
-                      <a:solidFill>
-                        <a:scrgbClr r="0" g="0" b="0"/>
-                      </a:solidFill>
-                      <a:prstDash val="solid"/>
-                      <a:round/>
-                      <a:headEnd type="none" w="med" len="med"/>
-                      <a:tailEnd type="none" w="med" len="med"/>
-                    </a:lnR>
-                    <a:lnT w="12700" cap="flat" cmpd="sng" algn="ctr">
-                      <a:solidFill>
-                        <a:scrgbClr r="0" g="0" b="0"/>
-                      </a:solidFill>
-                      <a:prstDash val="solid"/>
-                      <a:round/>
-                      <a:headEnd type="none" w="med" len="med"/>
-                      <a:tailEnd type="none" w="med" len="med"/>
-                    </a:lnT>
-                    <a:lnB w="12700" cap="flat" cmpd="sng" algn="ctr">
-                      <a:solidFill>
-                        <a:scrgbClr r="0" g="0" b="0"/>
-                      </a:solidFill>
-                      <a:prstDash val="solid"/>
-                      <a:round/>
-                      <a:headEnd type="none" w="med" len="med"/>
-                      <a:tailEnd type="none" w="med" len="med"/>
-                    </a:lnB>
-                  </a:tcPr>
-                </a:tc>
-                <a:tc>
-                  <a:txBody>
-                    <a:bodyPr/>
-                    <a:lstStyle/>
-                    <a:p>
-                      <a:r>
-                        <a:rPr lang="en-US" sz="1900" dirty="0"/>
-                        <a:t>0-based</a:t>
-                      </a:r>
-                    </a:p>
-                  </a:txBody>
-                  <a:tcPr marL="121920" marR="121920">
-                    <a:lnL w="12700" cap="flat" cmpd="sng" algn="ctr">
-                      <a:solidFill>
-                        <a:scrgbClr r="0" g="0" b="0"/>
-                      </a:solidFill>
-                      <a:prstDash val="solid"/>
-                      <a:round/>
-                      <a:headEnd type="none" w="med" len="med"/>
-                      <a:tailEnd type="none" w="med" len="med"/>
-                    </a:lnL>
-                    <a:lnR w="12700" cap="flat" cmpd="sng" algn="ctr">
-                      <a:solidFill>
-                        <a:scrgbClr r="0" g="0" b="0"/>
-                      </a:solidFill>
-                      <a:prstDash val="solid"/>
-                      <a:round/>
-                      <a:headEnd type="none" w="med" len="med"/>
-                      <a:tailEnd type="none" w="med" len="med"/>
-                    </a:lnR>
-                    <a:lnT w="12700" cap="flat" cmpd="sng" algn="ctr">
-                      <a:solidFill>
-                        <a:scrgbClr r="0" g="0" b="0"/>
-                      </a:solidFill>
-                      <a:prstDash val="solid"/>
-                      <a:round/>
-                      <a:headEnd type="none" w="med" len="med"/>
-                      <a:tailEnd type="none" w="med" len="med"/>
-                    </a:lnT>
-                    <a:lnB w="12700" cap="flat" cmpd="sng" algn="ctr">
-                      <a:solidFill>
-                        <a:scrgbClr r="0" g="0" b="0"/>
-                      </a:solidFill>
-                      <a:prstDash val="solid"/>
-                      <a:round/>
-                      <a:headEnd type="none" w="med" len="med"/>
-                      <a:tailEnd type="none" w="med" len="med"/>
-                    </a:lnB>
-                  </a:tcPr>
-                </a:tc>
-                <a:extLst>
-                  <a:ext uri="{0D108BD9-81ED-4DB2-BD59-A6C34878D82A}">
-                    <a16:rowId xmlns:a16="http://schemas.microsoft.com/office/drawing/2014/main" val="10000"/>
-                  </a:ext>
-                </a:extLst>
-              </a:tr>
-              <a:tr h="375920">
-                <a:tc>
-                  <a:txBody>
-                    <a:bodyPr/>
-                    <a:lstStyle/>
-                    <a:p>
-                      <a:r>
-                        <a:rPr lang="en-US" sz="1900" dirty="0"/>
-                        <a:t>Indicate a single</a:t>
-                      </a:r>
-                      <a:r>
-                        <a:rPr lang="en-US" sz="1900" baseline="0" dirty="0"/>
-                        <a:t> nucleotide</a:t>
-                      </a:r>
-                      <a:endParaRPr lang="en-US" sz="1900" dirty="0"/>
-                    </a:p>
-                  </a:txBody>
-                  <a:tcPr marL="121920" marR="121920">
-                    <a:lnL w="12700" cap="flat" cmpd="sng" algn="ctr">
-                      <a:solidFill>
-                        <a:scrgbClr r="0" g="0" b="0"/>
-                      </a:solidFill>
-                      <a:prstDash val="solid"/>
-                      <a:round/>
-                      <a:headEnd type="none" w="med" len="med"/>
-                      <a:tailEnd type="none" w="med" len="med"/>
-                    </a:lnL>
-                    <a:lnR w="12700" cap="flat" cmpd="sng" algn="ctr">
-                      <a:solidFill>
-                        <a:scrgbClr r="0" g="0" b="0"/>
-                      </a:solidFill>
-                      <a:prstDash val="solid"/>
-                      <a:round/>
-                      <a:headEnd type="none" w="med" len="med"/>
-                      <a:tailEnd type="none" w="med" len="med"/>
-                    </a:lnR>
-                    <a:lnT w="12700" cap="flat" cmpd="sng" algn="ctr">
-                      <a:solidFill>
-                        <a:scrgbClr r="0" g="0" b="0"/>
-                      </a:solidFill>
-                      <a:prstDash val="solid"/>
-                      <a:round/>
-                      <a:headEnd type="none" w="med" len="med"/>
-                      <a:tailEnd type="none" w="med" len="med"/>
-                    </a:lnT>
-                    <a:lnB w="12700" cap="flat" cmpd="sng" algn="ctr">
-                      <a:solidFill>
-                        <a:scrgbClr r="0" g="0" b="0"/>
-                      </a:solidFill>
-                      <a:prstDash val="solid"/>
-                      <a:round/>
-                      <a:headEnd type="none" w="med" len="med"/>
-                      <a:tailEnd type="none" w="med" len="med"/>
-                    </a:lnB>
-                  </a:tcPr>
-                </a:tc>
-                <a:tc>
-                  <a:txBody>
-                    <a:bodyPr/>
-                    <a:lstStyle/>
-                    <a:p>
-                      <a:r>
-                        <a:rPr lang="en-US" sz="1900" dirty="0"/>
-                        <a:t>chr1:4-4</a:t>
-                      </a:r>
-                      <a:r>
-                        <a:rPr lang="en-US" sz="1900" baseline="0" dirty="0"/>
-                        <a:t>   </a:t>
-                      </a:r>
-                      <a:r>
-                        <a:rPr lang="en-US" sz="1900" dirty="0"/>
-                        <a:t>G</a:t>
-                      </a:r>
-                    </a:p>
-                  </a:txBody>
-                  <a:tcPr marL="121920" marR="121920">
-                    <a:lnL w="12700" cap="flat" cmpd="sng" algn="ctr">
-                      <a:solidFill>
-                        <a:scrgbClr r="0" g="0" b="0"/>
-                      </a:solidFill>
-                      <a:prstDash val="solid"/>
-                      <a:round/>
-                      <a:headEnd type="none" w="med" len="med"/>
-                      <a:tailEnd type="none" w="med" len="med"/>
-                    </a:lnL>
-                    <a:lnR w="12700" cap="flat" cmpd="sng" algn="ctr">
-                      <a:solidFill>
-                        <a:scrgbClr r="0" g="0" b="0"/>
-                      </a:solidFill>
-                      <a:prstDash val="solid"/>
-                      <a:round/>
-                      <a:headEnd type="none" w="med" len="med"/>
-                      <a:tailEnd type="none" w="med" len="med"/>
-                    </a:lnR>
-                    <a:lnT w="12700" cap="flat" cmpd="sng" algn="ctr">
-                      <a:solidFill>
-                        <a:scrgbClr r="0" g="0" b="0"/>
-                      </a:solidFill>
-                      <a:prstDash val="solid"/>
-                      <a:round/>
-                      <a:headEnd type="none" w="med" len="med"/>
-                      <a:tailEnd type="none" w="med" len="med"/>
-                    </a:lnT>
-                    <a:lnB w="12700" cap="flat" cmpd="sng" algn="ctr">
-                      <a:solidFill>
-                        <a:scrgbClr r="0" g="0" b="0"/>
-                      </a:solidFill>
-                      <a:prstDash val="solid"/>
-                      <a:round/>
-                      <a:headEnd type="none" w="med" len="med"/>
-                      <a:tailEnd type="none" w="med" len="med"/>
-                    </a:lnB>
-                  </a:tcPr>
-                </a:tc>
-                <a:tc>
-                  <a:txBody>
-                    <a:bodyPr/>
-                    <a:lstStyle/>
-                    <a:p>
-                      <a:r>
-                        <a:rPr lang="en-US" sz="1900" dirty="0"/>
-                        <a:t>chr1</a:t>
-                      </a:r>
-                      <a:r>
-                        <a:rPr lang="en-US" sz="1900" baseline="0" dirty="0"/>
-                        <a:t>:3-4   G</a:t>
-                      </a:r>
-                      <a:endParaRPr lang="en-US" sz="1900" dirty="0"/>
-                    </a:p>
-                  </a:txBody>
-                  <a:tcPr marL="121920" marR="121920">
-                    <a:lnL w="12700" cap="flat" cmpd="sng" algn="ctr">
-                      <a:solidFill>
-                        <a:scrgbClr r="0" g="0" b="0"/>
-                      </a:solidFill>
-                      <a:prstDash val="solid"/>
-                      <a:round/>
-                      <a:headEnd type="none" w="med" len="med"/>
-                      <a:tailEnd type="none" w="med" len="med"/>
-                    </a:lnL>
-                    <a:lnR w="12700" cap="flat" cmpd="sng" algn="ctr">
-                      <a:solidFill>
-                        <a:scrgbClr r="0" g="0" b="0"/>
-                      </a:solidFill>
-                      <a:prstDash val="solid"/>
-                      <a:round/>
-                      <a:headEnd type="none" w="med" len="med"/>
-                      <a:tailEnd type="none" w="med" len="med"/>
-                    </a:lnR>
-                    <a:lnT w="12700" cap="flat" cmpd="sng" algn="ctr">
-                      <a:solidFill>
-                        <a:scrgbClr r="0" g="0" b="0"/>
-                      </a:solidFill>
-                      <a:prstDash val="solid"/>
-                      <a:round/>
-                      <a:headEnd type="none" w="med" len="med"/>
-                      <a:tailEnd type="none" w="med" len="med"/>
-                    </a:lnT>
-                    <a:lnB w="12700" cap="flat" cmpd="sng" algn="ctr">
-                      <a:solidFill>
-                        <a:scrgbClr r="0" g="0" b="0"/>
-                      </a:solidFill>
-                      <a:prstDash val="solid"/>
-                      <a:round/>
-                      <a:headEnd type="none" w="med" len="med"/>
-                      <a:tailEnd type="none" w="med" len="med"/>
-                    </a:lnB>
-                  </a:tcPr>
-                </a:tc>
-                <a:extLst>
-                  <a:ext uri="{0D108BD9-81ED-4DB2-BD59-A6C34878D82A}">
-                    <a16:rowId xmlns:a16="http://schemas.microsoft.com/office/drawing/2014/main" val="10001"/>
-                  </a:ext>
-                </a:extLst>
-              </a:tr>
-              <a:tr h="375920">
-                <a:tc>
-                  <a:txBody>
-                    <a:bodyPr/>
-                    <a:lstStyle/>
-                    <a:p>
-                      <a:r>
-                        <a:rPr lang="en-US" sz="1900" dirty="0"/>
-                        <a:t>Indicate a range</a:t>
-                      </a:r>
-                      <a:r>
-                        <a:rPr lang="en-US" sz="1900" baseline="0" dirty="0"/>
-                        <a:t> of nucleotides</a:t>
-                      </a:r>
-                      <a:endParaRPr lang="en-US" sz="1900" dirty="0"/>
-                    </a:p>
-                  </a:txBody>
-                  <a:tcPr marL="121920" marR="121920">
-                    <a:lnL w="12700" cap="flat" cmpd="sng" algn="ctr">
-                      <a:solidFill>
-                        <a:scrgbClr r="0" g="0" b="0"/>
-                      </a:solidFill>
-                      <a:prstDash val="solid"/>
-                      <a:round/>
-                      <a:headEnd type="none" w="med" len="med"/>
-                      <a:tailEnd type="none" w="med" len="med"/>
-                    </a:lnL>
-                    <a:lnR w="12700" cap="flat" cmpd="sng" algn="ctr">
-                      <a:solidFill>
-                        <a:scrgbClr r="0" g="0" b="0"/>
-                      </a:solidFill>
-                      <a:prstDash val="solid"/>
-                      <a:round/>
-                      <a:headEnd type="none" w="med" len="med"/>
-                      <a:tailEnd type="none" w="med" len="med"/>
-                    </a:lnR>
-                    <a:lnT w="12700" cap="flat" cmpd="sng" algn="ctr">
-                      <a:solidFill>
-                        <a:scrgbClr r="0" g="0" b="0"/>
-                      </a:solidFill>
-                      <a:prstDash val="solid"/>
-                      <a:round/>
-                      <a:headEnd type="none" w="med" len="med"/>
-                      <a:tailEnd type="none" w="med" len="med"/>
-                    </a:lnT>
-                    <a:lnB w="12700" cap="flat" cmpd="sng" algn="ctr">
-                      <a:solidFill>
-                        <a:scrgbClr r="0" g="0" b="0"/>
-                      </a:solidFill>
-                      <a:prstDash val="solid"/>
-                      <a:round/>
-                      <a:headEnd type="none" w="med" len="med"/>
-                      <a:tailEnd type="none" w="med" len="med"/>
-                    </a:lnB>
-                  </a:tcPr>
-                </a:tc>
-                <a:tc>
-                  <a:txBody>
-                    <a:bodyPr/>
-                    <a:lstStyle/>
-                    <a:p>
-                      <a:r>
-                        <a:rPr lang="en-US" sz="1900" dirty="0"/>
-                        <a:t>chr1:2-4   ACG</a:t>
-                      </a:r>
-                    </a:p>
-                  </a:txBody>
-                  <a:tcPr marL="121920" marR="121920">
-                    <a:lnL w="12700" cap="flat" cmpd="sng" algn="ctr">
-                      <a:solidFill>
-                        <a:scrgbClr r="0" g="0" b="0"/>
-                      </a:solidFill>
-                      <a:prstDash val="solid"/>
-                      <a:round/>
-                      <a:headEnd type="none" w="med" len="med"/>
-                      <a:tailEnd type="none" w="med" len="med"/>
-                    </a:lnL>
-                    <a:lnR w="12700" cap="flat" cmpd="sng" algn="ctr">
-                      <a:solidFill>
-                        <a:scrgbClr r="0" g="0" b="0"/>
-                      </a:solidFill>
-                      <a:prstDash val="solid"/>
-                      <a:round/>
-                      <a:headEnd type="none" w="med" len="med"/>
-                      <a:tailEnd type="none" w="med" len="med"/>
-                    </a:lnR>
-                    <a:lnT w="12700" cap="flat" cmpd="sng" algn="ctr">
-                      <a:solidFill>
-                        <a:scrgbClr r="0" g="0" b="0"/>
-                      </a:solidFill>
-                      <a:prstDash val="solid"/>
-                      <a:round/>
-                      <a:headEnd type="none" w="med" len="med"/>
-                      <a:tailEnd type="none" w="med" len="med"/>
-                    </a:lnT>
-                    <a:lnB w="12700" cap="flat" cmpd="sng" algn="ctr">
-                      <a:solidFill>
-                        <a:scrgbClr r="0" g="0" b="0"/>
-                      </a:solidFill>
-                      <a:prstDash val="solid"/>
-                      <a:round/>
-                      <a:headEnd type="none" w="med" len="med"/>
-                      <a:tailEnd type="none" w="med" len="med"/>
-                    </a:lnB>
-                  </a:tcPr>
-                </a:tc>
-                <a:tc>
-                  <a:txBody>
-                    <a:bodyPr/>
-                    <a:lstStyle/>
-                    <a:p>
-                      <a:r>
-                        <a:rPr lang="en-US" sz="1900" dirty="0"/>
-                        <a:t>chr1:1-4   ACG</a:t>
-                      </a:r>
-                    </a:p>
-                  </a:txBody>
-                  <a:tcPr marL="121920" marR="121920">
-                    <a:lnL w="12700" cap="flat" cmpd="sng" algn="ctr">
-                      <a:solidFill>
-                        <a:scrgbClr r="0" g="0" b="0"/>
-                      </a:solidFill>
-                      <a:prstDash val="solid"/>
-                      <a:round/>
-                      <a:headEnd type="none" w="med" len="med"/>
-                      <a:tailEnd type="none" w="med" len="med"/>
-                    </a:lnL>
-                    <a:lnR w="12700" cap="flat" cmpd="sng" algn="ctr">
-                      <a:solidFill>
-                        <a:scrgbClr r="0" g="0" b="0"/>
-                      </a:solidFill>
-                      <a:prstDash val="solid"/>
-                      <a:round/>
-                      <a:headEnd type="none" w="med" len="med"/>
-                      <a:tailEnd type="none" w="med" len="med"/>
-                    </a:lnR>
-                    <a:lnT w="12700" cap="flat" cmpd="sng" algn="ctr">
-                      <a:solidFill>
-                        <a:scrgbClr r="0" g="0" b="0"/>
-                      </a:solidFill>
-                      <a:prstDash val="solid"/>
-                      <a:round/>
-                      <a:headEnd type="none" w="med" len="med"/>
-                      <a:tailEnd type="none" w="med" len="med"/>
-                    </a:lnT>
-                    <a:lnB w="12700" cap="flat" cmpd="sng" algn="ctr">
-                      <a:solidFill>
-                        <a:scrgbClr r="0" g="0" b="0"/>
-                      </a:solidFill>
-                      <a:prstDash val="solid"/>
-                      <a:round/>
-                      <a:headEnd type="none" w="med" len="med"/>
-                      <a:tailEnd type="none" w="med" len="med"/>
-                    </a:lnB>
-                  </a:tcPr>
-                </a:tc>
-                <a:extLst>
-                  <a:ext uri="{0D108BD9-81ED-4DB2-BD59-A6C34878D82A}">
-                    <a16:rowId xmlns:a16="http://schemas.microsoft.com/office/drawing/2014/main" val="10002"/>
-                  </a:ext>
-                </a:extLst>
-              </a:tr>
-              <a:tr h="375920">
-                <a:tc>
-                  <a:txBody>
-                    <a:bodyPr/>
-                    <a:lstStyle/>
-                    <a:p>
-                      <a:r>
-                        <a:rPr lang="en-US" sz="1900" dirty="0"/>
-                        <a:t>Indicate a single nucleotide</a:t>
-                      </a:r>
-                      <a:r>
-                        <a:rPr lang="en-US" sz="1900" baseline="0" dirty="0"/>
-                        <a:t> variant</a:t>
-                      </a:r>
-                      <a:endParaRPr lang="en-US" sz="1900" dirty="0"/>
-                    </a:p>
-                  </a:txBody>
-                  <a:tcPr marL="121920" marR="121920">
-                    <a:lnL w="12700" cap="flat" cmpd="sng" algn="ctr">
-                      <a:solidFill>
-                        <a:scrgbClr r="0" g="0" b="0"/>
-                      </a:solidFill>
-                      <a:prstDash val="solid"/>
-                      <a:round/>
-                      <a:headEnd type="none" w="med" len="med"/>
-                      <a:tailEnd type="none" w="med" len="med"/>
-                    </a:lnL>
-                    <a:lnR w="12700" cap="flat" cmpd="sng" algn="ctr">
-                      <a:solidFill>
-                        <a:scrgbClr r="0" g="0" b="0"/>
-                      </a:solidFill>
-                      <a:prstDash val="solid"/>
-                      <a:round/>
-                      <a:headEnd type="none" w="med" len="med"/>
-                      <a:tailEnd type="none" w="med" len="med"/>
-                    </a:lnR>
-                    <a:lnT w="12700" cap="flat" cmpd="sng" algn="ctr">
-                      <a:solidFill>
-                        <a:scrgbClr r="0" g="0" b="0"/>
-                      </a:solidFill>
-                      <a:prstDash val="solid"/>
-                      <a:round/>
-                      <a:headEnd type="none" w="med" len="med"/>
-                      <a:tailEnd type="none" w="med" len="med"/>
-                    </a:lnT>
-                    <a:lnB w="12700" cap="flat" cmpd="sng" algn="ctr">
-                      <a:solidFill>
-                        <a:scrgbClr r="0" g="0" b="0"/>
-                      </a:solidFill>
-                      <a:prstDash val="solid"/>
-                      <a:round/>
-                      <a:headEnd type="none" w="med" len="med"/>
-                      <a:tailEnd type="none" w="med" len="med"/>
-                    </a:lnB>
-                  </a:tcPr>
-                </a:tc>
-                <a:tc>
-                  <a:txBody>
-                    <a:bodyPr/>
-                    <a:lstStyle/>
-                    <a:p>
-                      <a:r>
-                        <a:rPr lang="en-US" sz="1900" dirty="0"/>
-                        <a:t>chr1:5-5   T/A</a:t>
-                      </a:r>
-                    </a:p>
-                  </a:txBody>
-                  <a:tcPr marL="121920" marR="121920">
-                    <a:lnL w="12700" cap="flat" cmpd="sng" algn="ctr">
-                      <a:solidFill>
-                        <a:scrgbClr r="0" g="0" b="0"/>
-                      </a:solidFill>
-                      <a:prstDash val="solid"/>
-                      <a:round/>
-                      <a:headEnd type="none" w="med" len="med"/>
-                      <a:tailEnd type="none" w="med" len="med"/>
-                    </a:lnL>
-                    <a:lnR w="12700" cap="flat" cmpd="sng" algn="ctr">
-                      <a:solidFill>
-                        <a:scrgbClr r="0" g="0" b="0"/>
-                      </a:solidFill>
-                      <a:prstDash val="solid"/>
-                      <a:round/>
-                      <a:headEnd type="none" w="med" len="med"/>
-                      <a:tailEnd type="none" w="med" len="med"/>
-                    </a:lnR>
-                    <a:lnT w="12700" cap="flat" cmpd="sng" algn="ctr">
-                      <a:solidFill>
-                        <a:scrgbClr r="0" g="0" b="0"/>
-                      </a:solidFill>
-                      <a:prstDash val="solid"/>
-                      <a:round/>
-                      <a:headEnd type="none" w="med" len="med"/>
-                      <a:tailEnd type="none" w="med" len="med"/>
-                    </a:lnT>
-                    <a:lnB w="12700" cap="flat" cmpd="sng" algn="ctr">
-                      <a:solidFill>
-                        <a:scrgbClr r="0" g="0" b="0"/>
-                      </a:solidFill>
-                      <a:prstDash val="solid"/>
-                      <a:round/>
-                      <a:headEnd type="none" w="med" len="med"/>
-                      <a:tailEnd type="none" w="med" len="med"/>
-                    </a:lnB>
-                  </a:tcPr>
-                </a:tc>
-                <a:tc>
-                  <a:txBody>
-                    <a:bodyPr/>
-                    <a:lstStyle/>
-                    <a:p>
-                      <a:r>
-                        <a:rPr lang="en-US" sz="1900" dirty="0"/>
-                        <a:t>chr1:4-5   T/A</a:t>
-                      </a:r>
-                    </a:p>
-                  </a:txBody>
-                  <a:tcPr marL="121920" marR="121920">
-                    <a:lnL w="12700" cap="flat" cmpd="sng" algn="ctr">
-                      <a:solidFill>
-                        <a:scrgbClr r="0" g="0" b="0"/>
-                      </a:solidFill>
-                      <a:prstDash val="solid"/>
-                      <a:round/>
-                      <a:headEnd type="none" w="med" len="med"/>
-                      <a:tailEnd type="none" w="med" len="med"/>
-                    </a:lnL>
-                    <a:lnR w="12700" cap="flat" cmpd="sng" algn="ctr">
-                      <a:solidFill>
-                        <a:scrgbClr r="0" g="0" b="0"/>
-                      </a:solidFill>
-                      <a:prstDash val="solid"/>
-                      <a:round/>
-                      <a:headEnd type="none" w="med" len="med"/>
-                      <a:tailEnd type="none" w="med" len="med"/>
-                    </a:lnR>
-                    <a:lnT w="12700" cap="flat" cmpd="sng" algn="ctr">
-                      <a:solidFill>
-                        <a:scrgbClr r="0" g="0" b="0"/>
-                      </a:solidFill>
-                      <a:prstDash val="solid"/>
-                      <a:round/>
-                      <a:headEnd type="none" w="med" len="med"/>
-                      <a:tailEnd type="none" w="med" len="med"/>
-                    </a:lnT>
-                    <a:lnB w="12700" cap="flat" cmpd="sng" algn="ctr">
-                      <a:solidFill>
-                        <a:scrgbClr r="0" g="0" b="0"/>
-                      </a:solidFill>
-                      <a:prstDash val="solid"/>
-                      <a:round/>
-                      <a:headEnd type="none" w="med" len="med"/>
-                      <a:tailEnd type="none" w="med" len="med"/>
-                    </a:lnB>
-                  </a:tcPr>
-                </a:tc>
-                <a:extLst>
-                  <a:ext uri="{0D108BD9-81ED-4DB2-BD59-A6C34878D82A}">
-                    <a16:rowId xmlns:a16="http://schemas.microsoft.com/office/drawing/2014/main" val="10003"/>
-                  </a:ext>
-                </a:extLst>
-              </a:tr>
-            </a:tbl>
-          </a:graphicData>
-        </a:graphic>
-      </p:graphicFrame>
       <p:sp>
         <p:nvSpPr>
           <p:cNvPr id="6" name="Content Placeholder 2"/>
@@ -13701,14 +10543,14 @@
           </a:ln>
           <a:extLst>
             <a:ext uri="{909E8E84-426E-40dd-AFC4-6F175D3DCCD1}">
-              <a14:hiddenFill xmlns:a14="http://schemas.microsoft.com/office/drawing/2010/main" xmlns="">
+              <a14:hiddenFill xmlns="" xmlns:a14="http://schemas.microsoft.com/office/drawing/2010/main">
                 <a:solidFill>
                   <a:srgbClr val="FFFFFF"/>
                 </a:solidFill>
               </a14:hiddenFill>
             </a:ext>
             <a:ext uri="{91240B29-F687-4f45-9708-019B960494DF}">
-              <a14:hiddenLine xmlns:a14="http://schemas.microsoft.com/office/drawing/2010/main" xmlns="" w="9525">
+              <a14:hiddenLine xmlns="" xmlns:a14="http://schemas.microsoft.com/office/drawing/2010/main" w="9525">
                 <a:solidFill>
                   <a:srgbClr val="000000"/>
                 </a:solidFill>
@@ -13742,14 +10584,14 @@
           </a:ln>
           <a:extLst>
             <a:ext uri="{909E8E84-426E-40dd-AFC4-6F175D3DCCD1}">
-              <a14:hiddenFill xmlns:a14="http://schemas.microsoft.com/office/drawing/2010/main" xmlns="">
+              <a14:hiddenFill xmlns="" xmlns:a14="http://schemas.microsoft.com/office/drawing/2010/main">
                 <a:solidFill>
                   <a:srgbClr val="FFFFFF"/>
                 </a:solidFill>
               </a14:hiddenFill>
             </a:ext>
             <a:ext uri="{91240B29-F687-4f45-9708-019B960494DF}">
-              <a14:hiddenLine xmlns:a14="http://schemas.microsoft.com/office/drawing/2010/main" xmlns="" w="9525">
+              <a14:hiddenLine xmlns="" xmlns:a14="http://schemas.microsoft.com/office/drawing/2010/main" w="9525">
                 <a:solidFill>
                   <a:srgbClr val="000000"/>
                 </a:solidFill>
@@ -13903,14 +10745,14 @@
           </a:ln>
           <a:extLst>
             <a:ext uri="{909E8E84-426E-40dd-AFC4-6F175D3DCCD1}">
-              <a14:hiddenFill xmlns:a14="http://schemas.microsoft.com/office/drawing/2010/main" xmlns="">
+              <a14:hiddenFill xmlns="" xmlns:a14="http://schemas.microsoft.com/office/drawing/2010/main">
                 <a:solidFill>
                   <a:srgbClr val="FFFFFF"/>
                 </a:solidFill>
               </a14:hiddenFill>
             </a:ext>
             <a:ext uri="{91240B29-F687-4f45-9708-019B960494DF}">
-              <a14:hiddenLine xmlns:a14="http://schemas.microsoft.com/office/drawing/2010/main" xmlns="" w="9525">
+              <a14:hiddenLine xmlns="" xmlns:a14="http://schemas.microsoft.com/office/drawing/2010/main" w="9525">
                 <a:solidFill>
                   <a:srgbClr val="000000"/>
                 </a:solidFill>
@@ -15282,14 +12124,14 @@
           </a:ln>
           <a:extLst>
             <a:ext uri="{909E8E84-426E-40dd-AFC4-6F175D3DCCD1}">
-              <a14:hiddenFill xmlns:a14="http://schemas.microsoft.com/office/drawing/2010/main" xmlns="">
+              <a14:hiddenFill xmlns="" xmlns:a14="http://schemas.microsoft.com/office/drawing/2010/main">
                 <a:solidFill>
                   <a:srgbClr val="FFFFFF"/>
                 </a:solidFill>
               </a14:hiddenFill>
             </a:ext>
             <a:ext uri="{91240B29-F687-4f45-9708-019B960494DF}">
-              <a14:hiddenLine xmlns:a14="http://schemas.microsoft.com/office/drawing/2010/main" xmlns="" w="9525">
+              <a14:hiddenLine xmlns="" xmlns:a14="http://schemas.microsoft.com/office/drawing/2010/main" w="9525">
                 <a:solidFill>
                   <a:srgbClr val="000000"/>
                 </a:solidFill>
@@ -15577,14 +12419,14 @@
           </a:ln>
           <a:extLst>
             <a:ext uri="{909E8E84-426E-40dd-AFC4-6F175D3DCCD1}">
-              <a14:hiddenFill xmlns:a14="http://schemas.microsoft.com/office/drawing/2010/main" xmlns="">
+              <a14:hiddenFill xmlns="" xmlns:a14="http://schemas.microsoft.com/office/drawing/2010/main">
                 <a:solidFill>
                   <a:srgbClr val="FFFFFF"/>
                 </a:solidFill>
               </a14:hiddenFill>
             </a:ext>
             <a:ext uri="{91240B29-F687-4f45-9708-019B960494DF}">
-              <a14:hiddenLine xmlns:a14="http://schemas.microsoft.com/office/drawing/2010/main" xmlns="" w="9525">
+              <a14:hiddenLine xmlns="" xmlns:a14="http://schemas.microsoft.com/office/drawing/2010/main" w="9525">
                 <a:solidFill>
                   <a:srgbClr val="000000"/>
                 </a:solidFill>
@@ -15950,14 +12792,14 @@
           </a:ln>
           <a:extLst>
             <a:ext uri="{909E8E84-426E-40dd-AFC4-6F175D3DCCD1}">
-              <a14:hiddenFill xmlns:a14="http://schemas.microsoft.com/office/drawing/2010/main" xmlns="">
+              <a14:hiddenFill xmlns="" xmlns:a14="http://schemas.microsoft.com/office/drawing/2010/main">
                 <a:solidFill>
                   <a:srgbClr val="FFFFFF"/>
                 </a:solidFill>
               </a14:hiddenFill>
             </a:ext>
             <a:ext uri="{91240B29-F687-4f45-9708-019B960494DF}">
-              <a14:hiddenLine xmlns:a14="http://schemas.microsoft.com/office/drawing/2010/main" xmlns="" w="9525">
+              <a14:hiddenLine xmlns="" xmlns:a14="http://schemas.microsoft.com/office/drawing/2010/main" w="9525">
                 <a:solidFill>
                   <a:srgbClr val="000000"/>
                 </a:solidFill>
@@ -16636,7 +13478,7 @@
 </file>
 
 <file path=ppt/theme/theme1.xml><?xml version="1.0" encoding="utf-8"?>
-<a:theme xmlns:a="http://schemas.openxmlformats.org/drawingml/2006/main" name="1_Office Theme">
+<a:theme xmlns:a="http://schemas.openxmlformats.org/drawingml/2006/main" name="2_Office Theme">
   <a:themeElements>
     <a:clrScheme name="Office">
       <a:dk1>
@@ -16897,267 +13739,6 @@
 </file>
 
 <file path=ppt/theme/theme2.xml><?xml version="1.0" encoding="utf-8"?>
-<a:theme xmlns:a="http://schemas.openxmlformats.org/drawingml/2006/main" name="2_Office Theme">
-  <a:themeElements>
-    <a:clrScheme name="Office">
-      <a:dk1>
-        <a:sysClr val="windowText" lastClr="000000"/>
-      </a:dk1>
-      <a:lt1>
-        <a:sysClr val="window" lastClr="FFFFFF"/>
-      </a:lt1>
-      <a:dk2>
-        <a:srgbClr val="44546A"/>
-      </a:dk2>
-      <a:lt2>
-        <a:srgbClr val="E7E6E6"/>
-      </a:lt2>
-      <a:accent1>
-        <a:srgbClr val="4472C4"/>
-      </a:accent1>
-      <a:accent2>
-        <a:srgbClr val="ED7D31"/>
-      </a:accent2>
-      <a:accent3>
-        <a:srgbClr val="A5A5A5"/>
-      </a:accent3>
-      <a:accent4>
-        <a:srgbClr val="FFC000"/>
-      </a:accent4>
-      <a:accent5>
-        <a:srgbClr val="5B9BD5"/>
-      </a:accent5>
-      <a:accent6>
-        <a:srgbClr val="70AD47"/>
-      </a:accent6>
-      <a:hlink>
-        <a:srgbClr val="0563C1"/>
-      </a:hlink>
-      <a:folHlink>
-        <a:srgbClr val="954F72"/>
-      </a:folHlink>
-    </a:clrScheme>
-    <a:fontScheme name="Consolas-Verdana">
-      <a:majorFont>
-        <a:latin typeface="Consolas" panose="020B0609020204030204"/>
-        <a:ea typeface=""/>
-        <a:cs typeface=""/>
-        <a:font script="Jpan" typeface="HG丸ｺﾞｼｯｸM-PRO"/>
-        <a:font script="Hang" typeface="HY중고딕"/>
-        <a:font script="Hans" typeface="华文楷体"/>
-        <a:font script="Hant" typeface="新細明體"/>
-        <a:font script="Arab" typeface="Tahoma"/>
-        <a:font script="Hebr" typeface="Levenim MT"/>
-        <a:font script="Thai" typeface="DilleniaUPC"/>
-        <a:font script="Ethi" typeface="Nyala"/>
-        <a:font script="Beng" typeface="Vrinda"/>
-        <a:font script="Gujr" typeface="Shruti"/>
-        <a:font script="Khmr" typeface="DaunPenh"/>
-        <a:font script="Knda" typeface="Tunga"/>
-        <a:font script="Guru" typeface="Raavi"/>
-        <a:font script="Cans" typeface="Euphemia"/>
-        <a:font script="Cher" typeface="Plantagenet Cherokee"/>
-        <a:font script="Yiii" typeface="Microsoft Yi Baiti"/>
-        <a:font script="Tibt" typeface="Microsoft Himalaya"/>
-        <a:font script="Thaa" typeface="MV Boli"/>
-        <a:font script="Deva" typeface="Mangal"/>
-        <a:font script="Telu" typeface="Gautami"/>
-        <a:font script="Taml" typeface="Latha"/>
-        <a:font script="Syrc" typeface="Estrangelo Edessa"/>
-        <a:font script="Orya" typeface="Kalinga"/>
-        <a:font script="Mlym" typeface="Kartika"/>
-        <a:font script="Laoo" typeface="DokChampa"/>
-        <a:font script="Sinh" typeface="Iskoola Pota"/>
-        <a:font script="Mong" typeface="Mongolian Baiti"/>
-        <a:font script="Viet" typeface="Tahoma"/>
-        <a:font script="Uigh" typeface="Microsoft Uighur"/>
-        <a:font script="Geor" typeface="Sylfaen"/>
-      </a:majorFont>
-      <a:minorFont>
-        <a:latin typeface="Verdana" panose="020B0604030504040204"/>
-        <a:ea typeface=""/>
-        <a:cs typeface=""/>
-        <a:font script="Jpan" typeface="ＭＳ ゴシック"/>
-        <a:font script="Hang" typeface="굴림"/>
-        <a:font script="Hans" typeface="微软雅黑"/>
-        <a:font script="Hant" typeface="微軟正黑體"/>
-        <a:font script="Arab" typeface="Tahoma"/>
-        <a:font script="Hebr" typeface="Tahoma"/>
-        <a:font script="Thai" typeface="FreesiaUPC"/>
-        <a:font script="Ethi" typeface="Nyala"/>
-        <a:font script="Beng" typeface="Vrinda"/>
-        <a:font script="Gujr" typeface="Shruti"/>
-        <a:font script="Khmr" typeface="DaunPenh"/>
-        <a:font script="Knda" typeface="Tunga"/>
-        <a:font script="Guru" typeface="Raavi"/>
-        <a:font script="Cans" typeface="Euphemia"/>
-        <a:font script="Cher" typeface="Plantagenet Cherokee"/>
-        <a:font script="Yiii" typeface="Microsoft Yi Baiti"/>
-        <a:font script="Tibt" typeface="Microsoft Himalaya"/>
-        <a:font script="Thaa" typeface="MV Boli"/>
-        <a:font script="Deva" typeface="Mangal"/>
-        <a:font script="Telu" typeface="Gautami"/>
-        <a:font script="Taml" typeface="Latha"/>
-        <a:font script="Syrc" typeface="Estrangelo Edessa"/>
-        <a:font script="Orya" typeface="Kalinga"/>
-        <a:font script="Mlym" typeface="Kartika"/>
-        <a:font script="Laoo" typeface="DokChampa"/>
-        <a:font script="Sinh" typeface="Iskoola Pota"/>
-        <a:font script="Mong" typeface="Mongolian Baiti"/>
-        <a:font script="Viet" typeface="Verdana"/>
-        <a:font script="Uigh" typeface="Microsoft Uighur"/>
-        <a:font script="Geor" typeface="Sylfaen"/>
-      </a:minorFont>
-    </a:fontScheme>
-    <a:fmtScheme name="Office">
-      <a:fillStyleLst>
-        <a:solidFill>
-          <a:schemeClr val="phClr"/>
-        </a:solidFill>
-        <a:gradFill rotWithShape="1">
-          <a:gsLst>
-            <a:gs pos="0">
-              <a:schemeClr val="phClr">
-                <a:lumMod val="110000"/>
-                <a:satMod val="105000"/>
-                <a:tint val="67000"/>
-              </a:schemeClr>
-            </a:gs>
-            <a:gs pos="50000">
-              <a:schemeClr val="phClr">
-                <a:lumMod val="105000"/>
-                <a:satMod val="103000"/>
-                <a:tint val="73000"/>
-              </a:schemeClr>
-            </a:gs>
-            <a:gs pos="100000">
-              <a:schemeClr val="phClr">
-                <a:lumMod val="105000"/>
-                <a:satMod val="109000"/>
-                <a:tint val="81000"/>
-              </a:schemeClr>
-            </a:gs>
-          </a:gsLst>
-          <a:lin ang="5400000" scaled="0"/>
-        </a:gradFill>
-        <a:gradFill rotWithShape="1">
-          <a:gsLst>
-            <a:gs pos="0">
-              <a:schemeClr val="phClr">
-                <a:satMod val="103000"/>
-                <a:lumMod val="102000"/>
-                <a:tint val="94000"/>
-              </a:schemeClr>
-            </a:gs>
-            <a:gs pos="50000">
-              <a:schemeClr val="phClr">
-                <a:satMod val="110000"/>
-                <a:lumMod val="100000"/>
-                <a:shade val="100000"/>
-              </a:schemeClr>
-            </a:gs>
-            <a:gs pos="100000">
-              <a:schemeClr val="phClr">
-                <a:lumMod val="99000"/>
-                <a:satMod val="120000"/>
-                <a:shade val="78000"/>
-              </a:schemeClr>
-            </a:gs>
-          </a:gsLst>
-          <a:lin ang="5400000" scaled="0"/>
-        </a:gradFill>
-      </a:fillStyleLst>
-      <a:lnStyleLst>
-        <a:ln w="6350" cap="flat" cmpd="sng" algn="ctr">
-          <a:solidFill>
-            <a:schemeClr val="phClr"/>
-          </a:solidFill>
-          <a:prstDash val="solid"/>
-          <a:miter lim="800000"/>
-        </a:ln>
-        <a:ln w="12700" cap="flat" cmpd="sng" algn="ctr">
-          <a:solidFill>
-            <a:schemeClr val="phClr"/>
-          </a:solidFill>
-          <a:prstDash val="solid"/>
-          <a:miter lim="800000"/>
-        </a:ln>
-        <a:ln w="19050" cap="flat" cmpd="sng" algn="ctr">
-          <a:solidFill>
-            <a:schemeClr val="phClr"/>
-          </a:solidFill>
-          <a:prstDash val="solid"/>
-          <a:miter lim="800000"/>
-        </a:ln>
-      </a:lnStyleLst>
-      <a:effectStyleLst>
-        <a:effectStyle>
-          <a:effectLst/>
-        </a:effectStyle>
-        <a:effectStyle>
-          <a:effectLst/>
-        </a:effectStyle>
-        <a:effectStyle>
-          <a:effectLst>
-            <a:outerShdw blurRad="57150" dist="19050" dir="5400000" algn="ctr" rotWithShape="0">
-              <a:srgbClr val="000000">
-                <a:alpha val="63000"/>
-              </a:srgbClr>
-            </a:outerShdw>
-          </a:effectLst>
-        </a:effectStyle>
-      </a:effectStyleLst>
-      <a:bgFillStyleLst>
-        <a:solidFill>
-          <a:schemeClr val="phClr"/>
-        </a:solidFill>
-        <a:solidFill>
-          <a:schemeClr val="phClr">
-            <a:tint val="95000"/>
-            <a:satMod val="170000"/>
-          </a:schemeClr>
-        </a:solidFill>
-        <a:gradFill rotWithShape="1">
-          <a:gsLst>
-            <a:gs pos="0">
-              <a:schemeClr val="phClr">
-                <a:tint val="93000"/>
-                <a:satMod val="150000"/>
-                <a:shade val="98000"/>
-                <a:lumMod val="102000"/>
-              </a:schemeClr>
-            </a:gs>
-            <a:gs pos="50000">
-              <a:schemeClr val="phClr">
-                <a:tint val="98000"/>
-                <a:satMod val="130000"/>
-                <a:shade val="90000"/>
-                <a:lumMod val="103000"/>
-              </a:schemeClr>
-            </a:gs>
-            <a:gs pos="100000">
-              <a:schemeClr val="phClr">
-                <a:shade val="63000"/>
-                <a:satMod val="120000"/>
-              </a:schemeClr>
-            </a:gs>
-          </a:gsLst>
-          <a:lin ang="5400000" scaled="0"/>
-        </a:gradFill>
-      </a:bgFillStyleLst>
-    </a:fmtScheme>
-  </a:themeElements>
-  <a:objectDefaults/>
-  <a:extraClrSchemeLst/>
-  <a:extLst>
-    <a:ext uri="{05A4C25C-085E-4340-85A3-A5531E510DB2}">
-      <thm15:themeFamily xmlns:thm15="http://schemas.microsoft.com/office/thememl/2012/main" name="Office Theme" id="{62F939B6-93AF-4DB8-9C6B-D6C7DFDC589F}" vid="{4A3C46E8-61CC-4603-A589-7422A47A8E4A}"/>
-    </a:ext>
-  </a:extLst>
-</a:theme>
-</file>
-
-<file path=ppt/theme/theme3.xml><?xml version="1.0" encoding="utf-8"?>
 <a:theme xmlns:a="http://schemas.openxmlformats.org/drawingml/2006/main" name="Office Theme">
   <a:themeElements>
     <a:clrScheme name="Office">

--- a/assets/lectures/cshl/2019/mini/RNASeq_MiniLecture_02_03_SAM_BAM_BED.pptx
+++ b/assets/lectures/cshl/2019/mini/RNASeq_MiniLecture_02_03_SAM_BAM_BED.pptx
@@ -5,7 +5,7 @@
     <p:sldMasterId id="2147483674" r:id="rId1"/>
   </p:sldMasterIdLst>
   <p:notesMasterIdLst>
-    <p:notesMasterId r:id="rId17"/>
+    <p:notesMasterId r:id="rId18"/>
   </p:notesMasterIdLst>
   <p:sldIdLst>
     <p:sldId id="515" r:id="rId2"/>
@@ -17,12 +17,13 @@
     <p:sldId id="533" r:id="rId8"/>
     <p:sldId id="538" r:id="rId9"/>
     <p:sldId id="534" r:id="rId10"/>
-    <p:sldId id="535" r:id="rId11"/>
-    <p:sldId id="269" r:id="rId12"/>
-    <p:sldId id="310" r:id="rId13"/>
-    <p:sldId id="539" r:id="rId14"/>
-    <p:sldId id="309" r:id="rId15"/>
-    <p:sldId id="536" r:id="rId16"/>
+    <p:sldId id="540" r:id="rId11"/>
+    <p:sldId id="535" r:id="rId12"/>
+    <p:sldId id="269" r:id="rId13"/>
+    <p:sldId id="310" r:id="rId14"/>
+    <p:sldId id="539" r:id="rId15"/>
+    <p:sldId id="309" r:id="rId16"/>
+    <p:sldId id="536" r:id="rId17"/>
   </p:sldIdLst>
   <p:sldSz cx="12192000" cy="6858000"/>
   <p:notesSz cx="6858000" cy="9144000"/>
@@ -211,7 +212,7 @@
           <a:p>
             <a:fld id="{3F074802-55CA-9B40-9191-B744CF71FA91}" type="datetimeFigureOut">
               <a:rPr lang="en-US" smtClean="0"/>
-              <a:t>11/9/19</a:t>
+              <a:t>11/10/19</a:t>
             </a:fld>
             <a:endParaRPr lang="en-US"/>
           </a:p>
@@ -630,7 +631,7 @@
           <a:p>
             <a:fld id="{099D50AF-F628-504F-B99D-05BB4C0BF79D}" type="slidenum">
               <a:rPr lang="en-US" smtClean="0"/>
-              <a:t>14</a:t>
+              <a:t>15</a:t>
             </a:fld>
             <a:endParaRPr lang="en-US"/>
           </a:p>
@@ -1741,14 +1742,14 @@
           </a:ln>
           <a:extLst>
             <a:ext uri="{909E8E84-426E-40dd-AFC4-6F175D3DCCD1}">
-              <a14:hiddenFill xmlns="" xmlns:a14="http://schemas.microsoft.com/office/drawing/2010/main">
+              <a14:hiddenFill xmlns:a14="http://schemas.microsoft.com/office/drawing/2010/main" xmlns="">
                 <a:solidFill>
                   <a:srgbClr val="FFFFFF"/>
                 </a:solidFill>
               </a14:hiddenFill>
             </a:ext>
             <a:ext uri="{91240B29-F687-4f45-9708-019B960494DF}">
-              <a14:hiddenLine xmlns="" xmlns:a14="http://schemas.microsoft.com/office/drawing/2010/main" w="9525">
+              <a14:hiddenLine xmlns:a14="http://schemas.microsoft.com/office/drawing/2010/main" xmlns="" w="9525">
                 <a:solidFill>
                   <a:srgbClr val="000000"/>
                 </a:solidFill>
@@ -4788,14 +4789,14 @@
           </a:ln>
           <a:extLst>
             <a:ext uri="{909E8E84-426E-40dd-AFC4-6F175D3DCCD1}">
-              <a14:hiddenFill xmlns="" xmlns:a14="http://schemas.microsoft.com/office/drawing/2010/main">
+              <a14:hiddenFill xmlns:a14="http://schemas.microsoft.com/office/drawing/2010/main" xmlns="">
                 <a:solidFill>
                   <a:srgbClr val="FFFFFF"/>
                 </a:solidFill>
               </a14:hiddenFill>
             </a:ext>
             <a:ext uri="{91240B29-F687-4f45-9708-019B960494DF}">
-              <a14:hiddenLine xmlns="" xmlns:a14="http://schemas.microsoft.com/office/drawing/2010/main" w="9525">
+              <a14:hiddenLine xmlns:a14="http://schemas.microsoft.com/office/drawing/2010/main" xmlns="" w="9525">
                 <a:solidFill>
                   <a:srgbClr val="000000"/>
                 </a:solidFill>
@@ -5500,14 +5501,14 @@
           </a:ln>
           <a:extLst>
             <a:ext uri="{909E8E84-426E-40dd-AFC4-6F175D3DCCD1}">
-              <a14:hiddenFill xmlns="" xmlns:a14="http://schemas.microsoft.com/office/drawing/2010/main">
+              <a14:hiddenFill xmlns:a14="http://schemas.microsoft.com/office/drawing/2010/main" xmlns="">
                 <a:solidFill>
                   <a:srgbClr val="FFFFFF"/>
                 </a:solidFill>
               </a14:hiddenFill>
             </a:ext>
             <a:ext uri="{91240B29-F687-4f45-9708-019B960494DF}">
-              <a14:hiddenLine xmlns="" xmlns:a14="http://schemas.microsoft.com/office/drawing/2010/main" w="9525">
+              <a14:hiddenLine xmlns:a14="http://schemas.microsoft.com/office/drawing/2010/main" xmlns="" w="9525">
                 <a:solidFill>
                   <a:srgbClr val="000000"/>
                 </a:solidFill>
@@ -5998,6 +5999,261 @@
       </p:grpSpPr>
       <p:sp>
         <p:nvSpPr>
+          <p:cNvPr id="29697" name="Title 1"/>
+          <p:cNvSpPr>
+            <a:spLocks noGrp="1"/>
+          </p:cNvSpPr>
+          <p:nvPr>
+            <p:ph type="title"/>
+          </p:nvPr>
+        </p:nvSpPr>
+        <p:spPr>
+          <a:xfrm>
+            <a:off x="1676400" y="-17463"/>
+            <a:ext cx="8839200" cy="1143001"/>
+          </a:xfrm>
+        </p:spPr>
+        <p:txBody>
+          <a:bodyPr/>
+          <a:lstStyle/>
+          <a:p>
+            <a:pPr algn="ctr"/>
+            <a:r>
+              <a:rPr lang="en-US" b="1" dirty="0">
+                <a:latin typeface="Calibri" charset="0"/>
+                <a:ea typeface="ＭＳ Ｐゴシック" charset="0"/>
+              </a:rPr>
+              <a:t>Introduction to the BED format</a:t>
+            </a:r>
+          </a:p>
+        </p:txBody>
+      </p:sp>
+      <p:sp>
+        <p:nvSpPr>
+          <p:cNvPr id="28674" name="Content Placeholder 2"/>
+          <p:cNvSpPr>
+            <a:spLocks noGrp="1"/>
+          </p:cNvSpPr>
+          <p:nvPr>
+            <p:ph idx="1"/>
+          </p:nvPr>
+        </p:nvSpPr>
+        <p:spPr>
+          <a:xfrm>
+            <a:off x="883578" y="1106112"/>
+            <a:ext cx="10726220" cy="1973974"/>
+          </a:xfrm>
+        </p:spPr>
+        <p:txBody>
+          <a:bodyPr>
+            <a:normAutofit/>
+          </a:bodyPr>
+          <a:lstStyle/>
+          <a:p>
+            <a:pPr>
+              <a:defRPr/>
+            </a:pPr>
+            <a:r>
+              <a:rPr lang="en-US" dirty="0">
+                <a:latin typeface="Calibri" charset="0"/>
+                <a:ea typeface="ＭＳ Ｐゴシック" charset="0"/>
+              </a:rPr>
+              <a:t>There are several flavors of BED format: BED3, BED4, BED6, BED8, </a:t>
+            </a:r>
+            <a:r>
+              <a:rPr lang="en-US" dirty="0" err="1">
+                <a:latin typeface="Calibri" charset="0"/>
+                <a:ea typeface="ＭＳ Ｐゴシック" charset="0"/>
+              </a:rPr>
+              <a:t>etc</a:t>
+            </a:r>
+            <a:endParaRPr lang="en-US" dirty="0">
+              <a:latin typeface="Calibri" charset="0"/>
+              <a:ea typeface="ＭＳ Ｐゴシック" charset="0"/>
+            </a:endParaRPr>
+          </a:p>
+          <a:p>
+            <a:pPr>
+              <a:defRPr/>
+            </a:pPr>
+            <a:r>
+              <a:rPr lang="en-US" dirty="0">
+                <a:latin typeface="Calibri" charset="0"/>
+                <a:ea typeface="ＭＳ Ｐゴシック" charset="0"/>
+              </a:rPr>
+              <a:t>First 3 fields always required: </a:t>
+            </a:r>
+            <a:r>
+              <a:rPr lang="en-US" dirty="0" err="1">
+                <a:latin typeface="Calibri" charset="0"/>
+                <a:ea typeface="ＭＳ Ｐゴシック" charset="0"/>
+              </a:rPr>
+              <a:t>chr</a:t>
+            </a:r>
+            <a:r>
+              <a:rPr lang="en-US" dirty="0">
+                <a:latin typeface="Calibri" charset="0"/>
+                <a:ea typeface="ＭＳ Ｐゴシック" charset="0"/>
+              </a:rPr>
+              <a:t>, start, stop</a:t>
+            </a:r>
+          </a:p>
+          <a:p>
+            <a:pPr>
+              <a:defRPr/>
+            </a:pPr>
+            <a:r>
+              <a:rPr lang="en-US" dirty="0">
+                <a:latin typeface="Calibri" charset="0"/>
+                <a:ea typeface="ＭＳ Ｐゴシック" charset="0"/>
+              </a:rPr>
+              <a:t>Followed by up to 9 additional optional fields: name, score, strand, </a:t>
+            </a:r>
+            <a:r>
+              <a:rPr lang="en-US" dirty="0" err="1">
+                <a:latin typeface="Calibri" charset="0"/>
+                <a:ea typeface="ＭＳ Ｐゴシック" charset="0"/>
+              </a:rPr>
+              <a:t>thickStart</a:t>
+            </a:r>
+            <a:r>
+              <a:rPr lang="en-US" dirty="0">
+                <a:latin typeface="Calibri" charset="0"/>
+                <a:ea typeface="ＭＳ Ｐゴシック" charset="0"/>
+              </a:rPr>
+              <a:t>, </a:t>
+            </a:r>
+            <a:r>
+              <a:rPr lang="en-US" dirty="0" err="1">
+                <a:latin typeface="Calibri" charset="0"/>
+                <a:ea typeface="ＭＳ Ｐゴシック" charset="0"/>
+              </a:rPr>
+              <a:t>thickEnd</a:t>
+            </a:r>
+            <a:r>
+              <a:rPr lang="en-US" dirty="0">
+                <a:latin typeface="Calibri" charset="0"/>
+                <a:ea typeface="ＭＳ Ｐゴシック" charset="0"/>
+              </a:rPr>
+              <a:t>, </a:t>
+            </a:r>
+            <a:r>
+              <a:rPr lang="en-US" dirty="0" err="1">
+                <a:latin typeface="Calibri" charset="0"/>
+                <a:ea typeface="ＭＳ Ｐゴシック" charset="0"/>
+              </a:rPr>
+              <a:t>itemRGB</a:t>
+            </a:r>
+            <a:r>
+              <a:rPr lang="en-US" dirty="0">
+                <a:latin typeface="Calibri" charset="0"/>
+                <a:ea typeface="ＭＳ Ｐゴシック" charset="0"/>
+              </a:rPr>
+              <a:t>, </a:t>
+            </a:r>
+            <a:r>
+              <a:rPr lang="en-US" dirty="0" err="1">
+                <a:latin typeface="Calibri" charset="0"/>
+                <a:ea typeface="ＭＳ Ｐゴシック" charset="0"/>
+              </a:rPr>
+              <a:t>blockCount</a:t>
+            </a:r>
+            <a:r>
+              <a:rPr lang="en-US" dirty="0">
+                <a:latin typeface="Calibri" charset="0"/>
+                <a:ea typeface="ＭＳ Ｐゴシック" charset="0"/>
+              </a:rPr>
+              <a:t>, </a:t>
+            </a:r>
+            <a:r>
+              <a:rPr lang="en-US" dirty="0" err="1">
+                <a:latin typeface="Calibri" charset="0"/>
+                <a:ea typeface="ＭＳ Ｐゴシック" charset="0"/>
+              </a:rPr>
+              <a:t>blockSizes</a:t>
+            </a:r>
+            <a:r>
+              <a:rPr lang="en-US" dirty="0">
+                <a:latin typeface="Calibri" charset="0"/>
+                <a:ea typeface="ＭＳ Ｐゴシック" charset="0"/>
+              </a:rPr>
+              <a:t>, </a:t>
+            </a:r>
+            <a:r>
+              <a:rPr lang="en-US" dirty="0" err="1">
+                <a:latin typeface="Calibri" charset="0"/>
+                <a:ea typeface="ＭＳ Ｐゴシック" charset="0"/>
+              </a:rPr>
+              <a:t>blockStarts</a:t>
+            </a:r>
+            <a:endParaRPr lang="en-US" dirty="0">
+              <a:latin typeface="Calibri" charset="0"/>
+              <a:ea typeface="ＭＳ Ｐゴシック" charset="0"/>
+            </a:endParaRPr>
+          </a:p>
+        </p:txBody>
+      </p:sp>
+      <p:pic>
+        <p:nvPicPr>
+          <p:cNvPr id="3" name="Picture 2">
+            <a:extLst>
+              <a:ext uri="{FF2B5EF4-FFF2-40B4-BE49-F238E27FC236}">
+                <a16:creationId xmlns:a16="http://schemas.microsoft.com/office/drawing/2014/main" id="{8125D838-5297-0945-80F5-3407A9FED6AF}"/>
+              </a:ext>
+            </a:extLst>
+          </p:cNvPr>
+          <p:cNvPicPr>
+            <a:picLocks noChangeAspect="1"/>
+          </p:cNvPicPr>
+          <p:nvPr/>
+        </p:nvPicPr>
+        <p:blipFill rotWithShape="1">
+          <a:blip r:embed="rId2"/>
+          <a:srcRect t="27350" r="71649"/>
+          <a:stretch/>
+        </p:blipFill>
+        <p:spPr>
+          <a:xfrm>
+            <a:off x="2291145" y="3316705"/>
+            <a:ext cx="6836816" cy="2907314"/>
+          </a:xfrm>
+          <a:prstGeom prst="rect">
+            <a:avLst/>
+          </a:prstGeom>
+        </p:spPr>
+      </p:pic>
+    </p:spTree>
+    <p:extLst>
+      <p:ext uri="{BB962C8B-B14F-4D97-AF65-F5344CB8AC3E}">
+        <p14:creationId xmlns:p14="http://schemas.microsoft.com/office/powerpoint/2010/main" val="113569703"/>
+      </p:ext>
+    </p:extLst>
+  </p:cSld>
+  <p:clrMapOvr>
+    <a:masterClrMapping/>
+  </p:clrMapOvr>
+</p:sld>
+</file>
+
+<file path=ppt/slides/slide11.xml><?xml version="1.0" encoding="utf-8"?>
+<p:sld xmlns:a="http://schemas.openxmlformats.org/drawingml/2006/main" xmlns:r="http://schemas.openxmlformats.org/officeDocument/2006/relationships" xmlns:p="http://schemas.openxmlformats.org/presentationml/2006/main">
+  <p:cSld>
+    <p:spTree>
+      <p:nvGrpSpPr>
+        <p:cNvPr id="1" name=""/>
+        <p:cNvGrpSpPr/>
+        <p:nvPr/>
+      </p:nvGrpSpPr>
+      <p:grpSpPr>
+        <a:xfrm>
+          <a:off x="0" y="0"/>
+          <a:ext cx="0" cy="0"/>
+          <a:chOff x="0" y="0"/>
+          <a:chExt cx="0" cy="0"/>
+        </a:xfrm>
+      </p:grpSpPr>
+      <p:sp>
+        <p:nvSpPr>
           <p:cNvPr id="30721" name="Title 1"/>
           <p:cNvSpPr>
             <a:spLocks noGrp="1"/>
@@ -6202,7 +6458,7 @@
 </p:sld>
 </file>
 
-<file path=ppt/slides/slide11.xml><?xml version="1.0" encoding="utf-8"?>
+<file path=ppt/slides/slide12.xml><?xml version="1.0" encoding="utf-8"?>
 <p:sld xmlns:a="http://schemas.openxmlformats.org/drawingml/2006/main" xmlns:r="http://schemas.openxmlformats.org/officeDocument/2006/relationships" xmlns:p="http://schemas.openxmlformats.org/presentationml/2006/main">
   <p:cSld>
     <p:spTree>
@@ -6335,7 +6591,7 @@
 </p:sld>
 </file>
 
-<file path=ppt/slides/slide12.xml><?xml version="1.0" encoding="utf-8"?>
+<file path=ppt/slides/slide13.xml><?xml version="1.0" encoding="utf-8"?>
 <p:sld xmlns:a="http://schemas.openxmlformats.org/drawingml/2006/main" xmlns:r="http://schemas.openxmlformats.org/officeDocument/2006/relationships" xmlns:p="http://schemas.openxmlformats.org/presentationml/2006/main">
   <p:cSld>
     <p:spTree>
@@ -9759,7 +10015,7 @@
 </p:sld>
 </file>
 
-<file path=ppt/slides/slide13.xml><?xml version="1.0" encoding="utf-8"?>
+<file path=ppt/slides/slide14.xml><?xml version="1.0" encoding="utf-8"?>
 <p:sld xmlns:a="http://schemas.openxmlformats.org/drawingml/2006/main" xmlns:r="http://schemas.openxmlformats.org/officeDocument/2006/relationships" xmlns:p="http://schemas.openxmlformats.org/presentationml/2006/main">
   <p:cSld>
     <p:spTree>
@@ -9950,7 +10206,7 @@
         <p:spPr>
           <a:xfrm>
             <a:off x="500065" y="1362367"/>
-            <a:ext cx="5300663" cy="3170099"/>
+            <a:ext cx="5300663" cy="3293209"/>
           </a:xfrm>
           <a:prstGeom prst="rect">
             <a:avLst/>
@@ -9964,26 +10220,26 @@
           <a:lstStyle/>
           <a:p>
             <a:r>
-              <a:rPr lang="en-US" sz="2800" b="1" dirty="0">
+              <a:rPr lang="en-US" sz="2400" b="1" dirty="0">
                 <a:latin typeface="Calibri" panose="020F0502020204030204" pitchFamily="34" charset="0"/>
                 <a:cs typeface="Calibri" panose="020F0502020204030204" pitchFamily="34" charset="0"/>
               </a:rPr>
               <a:t>Reference Genome builds</a:t>
             </a:r>
             <a:br>
-              <a:rPr lang="en-US" sz="2800" b="1" dirty="0">
+              <a:rPr lang="en-US" sz="2400" b="1" dirty="0">
                 <a:latin typeface="Calibri" panose="020F0502020204030204" pitchFamily="34" charset="0"/>
                 <a:cs typeface="Calibri" panose="020F0502020204030204" pitchFamily="34" charset="0"/>
               </a:rPr>
             </a:br>
-            <a:endParaRPr lang="en-US" sz="2800" b="1" dirty="0">
+            <a:endParaRPr lang="en-US" sz="2400" b="1" dirty="0">
               <a:latin typeface="Calibri" panose="020F0502020204030204" pitchFamily="34" charset="0"/>
               <a:cs typeface="Calibri" panose="020F0502020204030204" pitchFamily="34" charset="0"/>
             </a:endParaRPr>
           </a:p>
           <a:p>
             <a:r>
-              <a:rPr lang="en-US" sz="2400" dirty="0">
+              <a:rPr lang="en-US" sz="2000" dirty="0">
                 <a:latin typeface="Calibri" panose="020F0502020204030204" pitchFamily="34" charset="0"/>
                 <a:cs typeface="Calibri" panose="020F0502020204030204" pitchFamily="34" charset="0"/>
               </a:rPr>
@@ -9992,45 +10248,51 @@
           </a:p>
           <a:p>
             <a:r>
-              <a:rPr lang="en-US" sz="2400" dirty="0">
+              <a:rPr lang="en-US" sz="2000" dirty="0">
                 <a:latin typeface="Calibri" panose="020F0502020204030204" pitchFamily="34" charset="0"/>
                 <a:cs typeface="Calibri" panose="020F0502020204030204" pitchFamily="34" charset="0"/>
               </a:rPr>
-              <a:t>           alternate:  GRCh38v2_ccdg</a:t>
+              <a:t>alternates:  GRCh38v2_ccdg, GRCh38_full_analysis_set_plus_decoy_hla</a:t>
             </a:r>
             <a:br>
-              <a:rPr lang="en-US" sz="2400" dirty="0">
+              <a:rPr lang="en-US" sz="2000" dirty="0">
                 <a:latin typeface="Calibri" panose="020F0502020204030204" pitchFamily="34" charset="0"/>
                 <a:cs typeface="Calibri" panose="020F0502020204030204" pitchFamily="34" charset="0"/>
               </a:rPr>
             </a:br>
             <a:br>
-              <a:rPr lang="en-US" sz="2400" dirty="0">
+              <a:rPr lang="en-US" sz="2000" dirty="0">
                 <a:latin typeface="Calibri" panose="020F0502020204030204" pitchFamily="34" charset="0"/>
                 <a:cs typeface="Calibri" panose="020F0502020204030204" pitchFamily="34" charset="0"/>
               </a:rPr>
             </a:br>
-            <a:r>
-              <a:rPr lang="en-US" sz="2400" dirty="0">
+            <a:br>
+              <a:rPr lang="en-US" sz="2000" dirty="0">
                 <a:latin typeface="Calibri" panose="020F0502020204030204" pitchFamily="34" charset="0"/>
                 <a:cs typeface="Calibri" panose="020F0502020204030204" pitchFamily="34" charset="0"/>
               </a:rPr>
-              <a:t>Previous human: GRCh37, hg19, b37</a:t>
-            </a:r>
-            <a:br>
-              <a:rPr lang="en-US" sz="2400" dirty="0">
+            </a:br>
+            <a:r>
+              <a:rPr lang="en-US" sz="2000" dirty="0">
                 <a:latin typeface="Calibri" panose="020F0502020204030204" pitchFamily="34" charset="0"/>
                 <a:cs typeface="Calibri" panose="020F0502020204030204" pitchFamily="34" charset="0"/>
               </a:rPr>
+              <a:t>Previous human: GRCh37, hg19, b37</a:t>
+            </a:r>
+            <a:br>
+              <a:rPr lang="en-US" sz="2000" dirty="0">
+                <a:latin typeface="Calibri" panose="020F0502020204030204" pitchFamily="34" charset="0"/>
+                <a:cs typeface="Calibri" panose="020F0502020204030204" pitchFamily="34" charset="0"/>
+              </a:rPr>
             </a:br>
             <a:br>
-              <a:rPr lang="en-US" sz="2400" dirty="0">
+              <a:rPr lang="en-US" sz="2000" dirty="0">
                 <a:latin typeface="Calibri" panose="020F0502020204030204" pitchFamily="34" charset="0"/>
                 <a:cs typeface="Calibri" panose="020F0502020204030204" pitchFamily="34" charset="0"/>
               </a:rPr>
             </a:br>
             <a:r>
-              <a:rPr lang="en-US" sz="2400" dirty="0">
+              <a:rPr lang="en-US" sz="2000" dirty="0">
                 <a:latin typeface="Calibri" panose="020F0502020204030204" pitchFamily="34" charset="0"/>
                 <a:cs typeface="Calibri" panose="020F0502020204030204" pitchFamily="34" charset="0"/>
               </a:rPr>
@@ -10090,7 +10352,7 @@
 </p:sld>
 </file>
 
-<file path=ppt/slides/slide14.xml><?xml version="1.0" encoding="utf-8"?>
+<file path=ppt/slides/slide15.xml><?xml version="1.0" encoding="utf-8"?>
 <p:sld xmlns:a="http://schemas.openxmlformats.org/drawingml/2006/main" xmlns:r="http://schemas.openxmlformats.org/officeDocument/2006/relationships" xmlns:p="http://schemas.openxmlformats.org/presentationml/2006/main">
   <p:cSld>
     <p:spTree>
@@ -10256,7 +10518,7 @@
 </p:sld>
 </file>
 
-<file path=ppt/slides/slide15.xml><?xml version="1.0" encoding="utf-8"?>
+<file path=ppt/slides/slide16.xml><?xml version="1.0" encoding="utf-8"?>
 <p:sld xmlns:a="http://schemas.openxmlformats.org/drawingml/2006/main" xmlns:r="http://schemas.openxmlformats.org/officeDocument/2006/relationships" xmlns:p="http://schemas.openxmlformats.org/presentationml/2006/main">
   <p:cSld>
     <p:spTree>
@@ -10543,14 +10805,14 @@
           </a:ln>
           <a:extLst>
             <a:ext uri="{909E8E84-426E-40dd-AFC4-6F175D3DCCD1}">
-              <a14:hiddenFill xmlns="" xmlns:a14="http://schemas.microsoft.com/office/drawing/2010/main">
+              <a14:hiddenFill xmlns:a14="http://schemas.microsoft.com/office/drawing/2010/main" xmlns="">
                 <a:solidFill>
                   <a:srgbClr val="FFFFFF"/>
                 </a:solidFill>
               </a14:hiddenFill>
             </a:ext>
             <a:ext uri="{91240B29-F687-4f45-9708-019B960494DF}">
-              <a14:hiddenLine xmlns="" xmlns:a14="http://schemas.microsoft.com/office/drawing/2010/main" w="9525">
+              <a14:hiddenLine xmlns:a14="http://schemas.microsoft.com/office/drawing/2010/main" xmlns="" w="9525">
                 <a:solidFill>
                   <a:srgbClr val="000000"/>
                 </a:solidFill>
@@ -10584,14 +10846,14 @@
           </a:ln>
           <a:extLst>
             <a:ext uri="{909E8E84-426E-40dd-AFC4-6F175D3DCCD1}">
-              <a14:hiddenFill xmlns="" xmlns:a14="http://schemas.microsoft.com/office/drawing/2010/main">
+              <a14:hiddenFill xmlns:a14="http://schemas.microsoft.com/office/drawing/2010/main" xmlns="">
                 <a:solidFill>
                   <a:srgbClr val="FFFFFF"/>
                 </a:solidFill>
               </a14:hiddenFill>
             </a:ext>
             <a:ext uri="{91240B29-F687-4f45-9708-019B960494DF}">
-              <a14:hiddenLine xmlns="" xmlns:a14="http://schemas.microsoft.com/office/drawing/2010/main" w="9525">
+              <a14:hiddenLine xmlns:a14="http://schemas.microsoft.com/office/drawing/2010/main" xmlns="" w="9525">
                 <a:solidFill>
                   <a:srgbClr val="000000"/>
                 </a:solidFill>
@@ -10745,14 +11007,14 @@
           </a:ln>
           <a:extLst>
             <a:ext uri="{909E8E84-426E-40dd-AFC4-6F175D3DCCD1}">
-              <a14:hiddenFill xmlns="" xmlns:a14="http://schemas.microsoft.com/office/drawing/2010/main">
+              <a14:hiddenFill xmlns:a14="http://schemas.microsoft.com/office/drawing/2010/main" xmlns="">
                 <a:solidFill>
                   <a:srgbClr val="FFFFFF"/>
                 </a:solidFill>
               </a14:hiddenFill>
             </a:ext>
             <a:ext uri="{91240B29-F687-4f45-9708-019B960494DF}">
-              <a14:hiddenLine xmlns="" xmlns:a14="http://schemas.microsoft.com/office/drawing/2010/main" w="9525">
+              <a14:hiddenLine xmlns:a14="http://schemas.microsoft.com/office/drawing/2010/main" xmlns="" w="9525">
                 <a:solidFill>
                   <a:srgbClr val="000000"/>
                 </a:solidFill>
@@ -12124,14 +12386,14 @@
           </a:ln>
           <a:extLst>
             <a:ext uri="{909E8E84-426E-40dd-AFC4-6F175D3DCCD1}">
-              <a14:hiddenFill xmlns="" xmlns:a14="http://schemas.microsoft.com/office/drawing/2010/main">
+              <a14:hiddenFill xmlns:a14="http://schemas.microsoft.com/office/drawing/2010/main" xmlns="">
                 <a:solidFill>
                   <a:srgbClr val="FFFFFF"/>
                 </a:solidFill>
               </a14:hiddenFill>
             </a:ext>
             <a:ext uri="{91240B29-F687-4f45-9708-019B960494DF}">
-              <a14:hiddenLine xmlns="" xmlns:a14="http://schemas.microsoft.com/office/drawing/2010/main" w="9525">
+              <a14:hiddenLine xmlns:a14="http://schemas.microsoft.com/office/drawing/2010/main" xmlns="" w="9525">
                 <a:solidFill>
                   <a:srgbClr val="000000"/>
                 </a:solidFill>
@@ -12419,14 +12681,14 @@
           </a:ln>
           <a:extLst>
             <a:ext uri="{909E8E84-426E-40dd-AFC4-6F175D3DCCD1}">
-              <a14:hiddenFill xmlns="" xmlns:a14="http://schemas.microsoft.com/office/drawing/2010/main">
+              <a14:hiddenFill xmlns:a14="http://schemas.microsoft.com/office/drawing/2010/main" xmlns="">
                 <a:solidFill>
                   <a:srgbClr val="FFFFFF"/>
                 </a:solidFill>
               </a14:hiddenFill>
             </a:ext>
             <a:ext uri="{91240B29-F687-4f45-9708-019B960494DF}">
-              <a14:hiddenLine xmlns="" xmlns:a14="http://schemas.microsoft.com/office/drawing/2010/main" w="9525">
+              <a14:hiddenLine xmlns:a14="http://schemas.microsoft.com/office/drawing/2010/main" xmlns="" w="9525">
                 <a:solidFill>
                   <a:srgbClr val="000000"/>
                 </a:solidFill>
@@ -12792,14 +13054,14 @@
           </a:ln>
           <a:extLst>
             <a:ext uri="{909E8E84-426E-40dd-AFC4-6F175D3DCCD1}">
-              <a14:hiddenFill xmlns="" xmlns:a14="http://schemas.microsoft.com/office/drawing/2010/main">
+              <a14:hiddenFill xmlns:a14="http://schemas.microsoft.com/office/drawing/2010/main" xmlns="">
                 <a:solidFill>
                   <a:srgbClr val="FFFFFF"/>
                 </a:solidFill>
               </a14:hiddenFill>
             </a:ext>
             <a:ext uri="{91240B29-F687-4f45-9708-019B960494DF}">
-              <a14:hiddenLine xmlns="" xmlns:a14="http://schemas.microsoft.com/office/drawing/2010/main" w="9525">
+              <a14:hiddenLine xmlns:a14="http://schemas.microsoft.com/office/drawing/2010/main" xmlns="" w="9525">
                 <a:solidFill>
                   <a:srgbClr val="000000"/>
                 </a:solidFill>
@@ -13447,7 +13709,7 @@
                 <a:latin typeface="Calibri" charset="0"/>
                 <a:ea typeface="ＭＳ Ｐゴシック" charset="0"/>
               </a:rPr>
-              <a:t>Chromosome name, start position, end position</a:t>
+              <a:t>Chromosome name, start position, end position (BED3)</a:t>
             </a:r>
           </a:p>
           <a:p>

--- a/assets/lectures/cshl/2019/mini/RNASeq_MiniLecture_02_03_SAM_BAM_BED.pptx
+++ b/assets/lectures/cshl/2019/mini/RNASeq_MiniLecture_02_03_SAM_BAM_BED.pptx
@@ -863,6 +863,66 @@
           </a:p>
         </p:txBody>
       </p:sp>
+      <p:pic>
+        <p:nvPicPr>
+          <p:cNvPr id="8" name="Picture 7" descr="cshl_logo_alternate rgb.png">
+            <a:extLst>
+              <a:ext uri="{FF2B5EF4-FFF2-40B4-BE49-F238E27FC236}">
+                <a16:creationId xmlns:a16="http://schemas.microsoft.com/office/drawing/2014/main" id="{F7830460-2BBD-D44D-8E0E-398CF832B3FB}"/>
+              </a:ext>
+            </a:extLst>
+          </p:cNvPr>
+          <p:cNvPicPr>
+            <a:picLocks noChangeAspect="1"/>
+          </p:cNvPicPr>
+          <p:nvPr userDrawn="1"/>
+        </p:nvPicPr>
+        <p:blipFill>
+          <a:blip r:embed="rId2">
+            <a:extLst>
+              <a:ext uri="{28A0092B-C50C-407E-A947-70E740481C1C}">
+                <a14:useLocalDpi xmlns:a14="http://schemas.microsoft.com/office/drawing/2010/main" val="0"/>
+              </a:ext>
+            </a:extLst>
+          </a:blip>
+          <a:srcRect/>
+          <a:stretch>
+            <a:fillRect/>
+          </a:stretch>
+        </p:blipFill>
+        <p:spPr bwMode="auto">
+          <a:xfrm>
+            <a:off x="300038" y="381000"/>
+            <a:ext cx="3509962" cy="1676400"/>
+          </a:xfrm>
+          <a:prstGeom prst="rect">
+            <a:avLst/>
+          </a:prstGeom>
+          <a:noFill/>
+          <a:ln>
+            <a:noFill/>
+          </a:ln>
+          <a:extLst>
+            <a:ext uri="{909E8E84-426E-40dd-AFC4-6F175D3DCCD1}">
+              <a14:hiddenFill xmlns:a14="http://schemas.microsoft.com/office/drawing/2010/main" xmlns="">
+                <a:solidFill>
+                  <a:srgbClr val="FFFFFF"/>
+                </a:solidFill>
+              </a14:hiddenFill>
+            </a:ext>
+            <a:ext uri="{91240B29-F687-4f45-9708-019B960494DF}">
+              <a14:hiddenLine xmlns:a14="http://schemas.microsoft.com/office/drawing/2010/main" xmlns="" w="9525">
+                <a:solidFill>
+                  <a:srgbClr val="000000"/>
+                </a:solidFill>
+                <a:miter lim="800000"/>
+                <a:headEnd/>
+                <a:tailEnd/>
+              </a14:hiddenLine>
+            </a:ext>
+          </a:extLst>
+        </p:spPr>
+      </p:pic>
     </p:spTree>
     <p:extLst>
       <p:ext uri="{BB962C8B-B14F-4D97-AF65-F5344CB8AC3E}">
@@ -1191,350 +1251,6 @@
           <a:chExt cx="0" cy="0"/>
         </a:xfrm>
       </p:grpSpPr>
-      <p:sp>
-        <p:nvSpPr>
-          <p:cNvPr id="4" name="Rectangle 3"/>
-          <p:cNvSpPr/>
-          <p:nvPr userDrawn="1"/>
-        </p:nvSpPr>
-        <p:spPr>
-          <a:xfrm>
-            <a:off x="0" y="6400800"/>
-            <a:ext cx="12192000" cy="457200"/>
-          </a:xfrm>
-          <a:prstGeom prst="rect">
-            <a:avLst/>
-          </a:prstGeom>
-          <a:solidFill>
-            <a:srgbClr val="CA0000"/>
-          </a:solidFill>
-          <a:ln>
-            <a:noFill/>
-          </a:ln>
-        </p:spPr>
-        <p:style>
-          <a:lnRef idx="2">
-            <a:schemeClr val="accent1">
-              <a:shade val="50000"/>
-            </a:schemeClr>
-          </a:lnRef>
-          <a:fillRef idx="1">
-            <a:schemeClr val="accent1"/>
-          </a:fillRef>
-          <a:effectRef idx="0">
-            <a:schemeClr val="accent1"/>
-          </a:effectRef>
-          <a:fontRef idx="minor">
-            <a:schemeClr val="lt1"/>
-          </a:fontRef>
-        </p:style>
-        <p:txBody>
-          <a:bodyPr anchor="ctr"/>
-          <a:lstStyle/>
-          <a:p>
-            <a:pPr algn="ctr">
-              <a:defRPr/>
-            </a:pPr>
-            <a:endParaRPr lang="en-US" sz="1800">
-              <a:solidFill>
-                <a:srgbClr val="FFFFFF"/>
-              </a:solidFill>
-              <a:latin typeface="Segoe UI" charset="0"/>
-              <a:ea typeface="ＭＳ Ｐゴシック" charset="0"/>
-              <a:cs typeface="ＭＳ Ｐゴシック" charset="0"/>
-            </a:endParaRPr>
-          </a:p>
-        </p:txBody>
-      </p:sp>
-      <p:sp>
-        <p:nvSpPr>
-          <p:cNvPr id="5" name="TextBox 4"/>
-          <p:cNvSpPr txBox="1"/>
-          <p:nvPr userDrawn="1"/>
-        </p:nvSpPr>
-        <p:spPr>
-          <a:xfrm>
-            <a:off x="101600" y="6429375"/>
-            <a:ext cx="8940800" cy="400050"/>
-          </a:xfrm>
-          <a:prstGeom prst="rect">
-            <a:avLst/>
-          </a:prstGeom>
-          <a:noFill/>
-        </p:spPr>
-        <p:txBody>
-          <a:bodyPr>
-            <a:spAutoFit/>
-          </a:bodyPr>
-          <a:lstStyle>
-            <a:lvl1pPr eaLnBrk="0" hangingPunct="0">
-              <a:defRPr sz="2400">
-                <a:solidFill>
-                  <a:schemeClr val="tx1"/>
-                </a:solidFill>
-                <a:latin typeface="Arial" charset="0"/>
-                <a:ea typeface="ＭＳ Ｐゴシック" charset="0"/>
-                <a:cs typeface="ＭＳ Ｐゴシック" charset="0"/>
-              </a:defRPr>
-            </a:lvl1pPr>
-            <a:lvl2pPr marL="37931725" indent="-37474525" eaLnBrk="0" hangingPunct="0">
-              <a:defRPr sz="2400">
-                <a:solidFill>
-                  <a:schemeClr val="tx1"/>
-                </a:solidFill>
-                <a:latin typeface="Arial" charset="0"/>
-                <a:ea typeface="ＭＳ Ｐゴシック" charset="0"/>
-              </a:defRPr>
-            </a:lvl2pPr>
-            <a:lvl3pPr eaLnBrk="0" hangingPunct="0">
-              <a:defRPr sz="2400">
-                <a:solidFill>
-                  <a:schemeClr val="tx1"/>
-                </a:solidFill>
-                <a:latin typeface="Arial" charset="0"/>
-                <a:ea typeface="ＭＳ Ｐゴシック" charset="0"/>
-              </a:defRPr>
-            </a:lvl3pPr>
-            <a:lvl4pPr eaLnBrk="0" hangingPunct="0">
-              <a:defRPr sz="2400">
-                <a:solidFill>
-                  <a:schemeClr val="tx1"/>
-                </a:solidFill>
-                <a:latin typeface="Arial" charset="0"/>
-                <a:ea typeface="ＭＳ Ｐゴシック" charset="0"/>
-              </a:defRPr>
-            </a:lvl4pPr>
-            <a:lvl5pPr eaLnBrk="0" hangingPunct="0">
-              <a:defRPr sz="2400">
-                <a:solidFill>
-                  <a:schemeClr val="tx1"/>
-                </a:solidFill>
-                <a:latin typeface="Arial" charset="0"/>
-                <a:ea typeface="ＭＳ Ｐゴシック" charset="0"/>
-              </a:defRPr>
-            </a:lvl5pPr>
-            <a:lvl6pPr marL="457200" eaLnBrk="0" fontAlgn="base" hangingPunct="0">
-              <a:spcBef>
-                <a:spcPct val="0"/>
-              </a:spcBef>
-              <a:spcAft>
-                <a:spcPct val="0"/>
-              </a:spcAft>
-              <a:defRPr sz="2400">
-                <a:solidFill>
-                  <a:schemeClr val="tx1"/>
-                </a:solidFill>
-                <a:latin typeface="Arial" charset="0"/>
-                <a:ea typeface="ＭＳ Ｐゴシック" charset="0"/>
-              </a:defRPr>
-            </a:lvl6pPr>
-            <a:lvl7pPr marL="914400" eaLnBrk="0" fontAlgn="base" hangingPunct="0">
-              <a:spcBef>
-                <a:spcPct val="0"/>
-              </a:spcBef>
-              <a:spcAft>
-                <a:spcPct val="0"/>
-              </a:spcAft>
-              <a:defRPr sz="2400">
-                <a:solidFill>
-                  <a:schemeClr val="tx1"/>
-                </a:solidFill>
-                <a:latin typeface="Arial" charset="0"/>
-                <a:ea typeface="ＭＳ Ｐゴシック" charset="0"/>
-              </a:defRPr>
-            </a:lvl7pPr>
-            <a:lvl8pPr marL="1371600" eaLnBrk="0" fontAlgn="base" hangingPunct="0">
-              <a:spcBef>
-                <a:spcPct val="0"/>
-              </a:spcBef>
-              <a:spcAft>
-                <a:spcPct val="0"/>
-              </a:spcAft>
-              <a:defRPr sz="2400">
-                <a:solidFill>
-                  <a:schemeClr val="tx1"/>
-                </a:solidFill>
-                <a:latin typeface="Arial" charset="0"/>
-                <a:ea typeface="ＭＳ Ｐゴシック" charset="0"/>
-              </a:defRPr>
-            </a:lvl8pPr>
-            <a:lvl9pPr marL="1828800" eaLnBrk="0" fontAlgn="base" hangingPunct="0">
-              <a:spcBef>
-                <a:spcPct val="0"/>
-              </a:spcBef>
-              <a:spcAft>
-                <a:spcPct val="0"/>
-              </a:spcAft>
-              <a:defRPr sz="2400">
-                <a:solidFill>
-                  <a:schemeClr val="tx1"/>
-                </a:solidFill>
-                <a:latin typeface="Arial" charset="0"/>
-                <a:ea typeface="ＭＳ Ｐゴシック" charset="0"/>
-              </a:defRPr>
-            </a:lvl9pPr>
-          </a:lstStyle>
-          <a:p>
-            <a:pPr eaLnBrk="1" hangingPunct="1">
-              <a:defRPr/>
-            </a:pPr>
-            <a:r>
-              <a:rPr lang="en-US" sz="2000" b="1">
-                <a:solidFill>
-                  <a:schemeClr val="bg1"/>
-                </a:solidFill>
-                <a:latin typeface="Calibri" charset="0"/>
-                <a:cs typeface="Calibri" charset="0"/>
-              </a:rPr>
-              <a:t>RNA sequencing and analysis</a:t>
-            </a:r>
-          </a:p>
-        </p:txBody>
-      </p:sp>
-      <p:sp>
-        <p:nvSpPr>
-          <p:cNvPr id="6" name="TextBox 5"/>
-          <p:cNvSpPr txBox="1"/>
-          <p:nvPr userDrawn="1"/>
-        </p:nvSpPr>
-        <p:spPr>
-          <a:xfrm>
-            <a:off x="8229600" y="6477000"/>
-            <a:ext cx="3860800" cy="338138"/>
-          </a:xfrm>
-          <a:prstGeom prst="rect">
-            <a:avLst/>
-          </a:prstGeom>
-          <a:noFill/>
-        </p:spPr>
-        <p:txBody>
-          <a:bodyPr>
-            <a:spAutoFit/>
-          </a:bodyPr>
-          <a:lstStyle>
-            <a:lvl1pPr eaLnBrk="0" hangingPunct="0">
-              <a:defRPr sz="2400">
-                <a:solidFill>
-                  <a:schemeClr val="tx1"/>
-                </a:solidFill>
-                <a:latin typeface="Arial" charset="0"/>
-                <a:ea typeface="ＭＳ Ｐゴシック" charset="0"/>
-                <a:cs typeface="ＭＳ Ｐゴシック" charset="0"/>
-              </a:defRPr>
-            </a:lvl1pPr>
-            <a:lvl2pPr marL="37931725" indent="-37474525" eaLnBrk="0" hangingPunct="0">
-              <a:defRPr sz="2400">
-                <a:solidFill>
-                  <a:schemeClr val="tx1"/>
-                </a:solidFill>
-                <a:latin typeface="Arial" charset="0"/>
-                <a:ea typeface="ＭＳ Ｐゴシック" charset="0"/>
-              </a:defRPr>
-            </a:lvl2pPr>
-            <a:lvl3pPr eaLnBrk="0" hangingPunct="0">
-              <a:defRPr sz="2400">
-                <a:solidFill>
-                  <a:schemeClr val="tx1"/>
-                </a:solidFill>
-                <a:latin typeface="Arial" charset="0"/>
-                <a:ea typeface="ＭＳ Ｐゴシック" charset="0"/>
-              </a:defRPr>
-            </a:lvl3pPr>
-            <a:lvl4pPr eaLnBrk="0" hangingPunct="0">
-              <a:defRPr sz="2400">
-                <a:solidFill>
-                  <a:schemeClr val="tx1"/>
-                </a:solidFill>
-                <a:latin typeface="Arial" charset="0"/>
-                <a:ea typeface="ＭＳ Ｐゴシック" charset="0"/>
-              </a:defRPr>
-            </a:lvl4pPr>
-            <a:lvl5pPr eaLnBrk="0" hangingPunct="0">
-              <a:defRPr sz="2400">
-                <a:solidFill>
-                  <a:schemeClr val="tx1"/>
-                </a:solidFill>
-                <a:latin typeface="Arial" charset="0"/>
-                <a:ea typeface="ＭＳ Ｐゴシック" charset="0"/>
-              </a:defRPr>
-            </a:lvl5pPr>
-            <a:lvl6pPr marL="457200" eaLnBrk="0" fontAlgn="base" hangingPunct="0">
-              <a:spcBef>
-                <a:spcPct val="0"/>
-              </a:spcBef>
-              <a:spcAft>
-                <a:spcPct val="0"/>
-              </a:spcAft>
-              <a:defRPr sz="2400">
-                <a:solidFill>
-                  <a:schemeClr val="tx1"/>
-                </a:solidFill>
-                <a:latin typeface="Arial" charset="0"/>
-                <a:ea typeface="ＭＳ Ｐゴシック" charset="0"/>
-              </a:defRPr>
-            </a:lvl6pPr>
-            <a:lvl7pPr marL="914400" eaLnBrk="0" fontAlgn="base" hangingPunct="0">
-              <a:spcBef>
-                <a:spcPct val="0"/>
-              </a:spcBef>
-              <a:spcAft>
-                <a:spcPct val="0"/>
-              </a:spcAft>
-              <a:defRPr sz="2400">
-                <a:solidFill>
-                  <a:schemeClr val="tx1"/>
-                </a:solidFill>
-                <a:latin typeface="Arial" charset="0"/>
-                <a:ea typeface="ＭＳ Ｐゴシック" charset="0"/>
-              </a:defRPr>
-            </a:lvl7pPr>
-            <a:lvl8pPr marL="1371600" eaLnBrk="0" fontAlgn="base" hangingPunct="0">
-              <a:spcBef>
-                <a:spcPct val="0"/>
-              </a:spcBef>
-              <a:spcAft>
-                <a:spcPct val="0"/>
-              </a:spcAft>
-              <a:defRPr sz="2400">
-                <a:solidFill>
-                  <a:schemeClr val="tx1"/>
-                </a:solidFill>
-                <a:latin typeface="Arial" charset="0"/>
-                <a:ea typeface="ＭＳ Ｐゴシック" charset="0"/>
-              </a:defRPr>
-            </a:lvl8pPr>
-            <a:lvl9pPr marL="1828800" eaLnBrk="0" fontAlgn="base" hangingPunct="0">
-              <a:spcBef>
-                <a:spcPct val="0"/>
-              </a:spcBef>
-              <a:spcAft>
-                <a:spcPct val="0"/>
-              </a:spcAft>
-              <a:defRPr sz="2400">
-                <a:solidFill>
-                  <a:schemeClr val="tx1"/>
-                </a:solidFill>
-                <a:latin typeface="Arial" charset="0"/>
-                <a:ea typeface="ＭＳ Ｐゴシック" charset="0"/>
-              </a:defRPr>
-            </a:lvl9pPr>
-          </a:lstStyle>
-          <a:p>
-            <a:pPr algn="r" eaLnBrk="1" hangingPunct="1">
-              <a:defRPr/>
-            </a:pPr>
-            <a:r>
-              <a:rPr lang="en-US" sz="1600" b="1">
-                <a:cs typeface="Arial" charset="0"/>
-              </a:rPr>
-              <a:t>http://meetings.cshl.edu/</a:t>
-            </a:r>
-            <a:endParaRPr lang="en-US" sz="1600">
-              <a:cs typeface="Arial" charset="0"/>
-            </a:endParaRPr>
-          </a:p>
-        </p:txBody>
-      </p:sp>
       <p:sp>
         <p:nvSpPr>
           <p:cNvPr id="3" name="Content Placeholder 2"/>
@@ -1709,7 +1425,13 @@
       </p:sp>
       <p:pic>
         <p:nvPicPr>
-          <p:cNvPr id="3" name="Picture 7" descr="cshl_logo_alternate rgb.png"/>
+          <p:cNvPr id="4" name="Picture 7" descr="cshl_logo_alternate rgb.png">
+            <a:extLst>
+              <a:ext uri="{FF2B5EF4-FFF2-40B4-BE49-F238E27FC236}">
+                <a16:creationId xmlns:a16="http://schemas.microsoft.com/office/drawing/2014/main" id="{FFE7ECBE-2734-6F41-AAD5-DE10DA0A3628}"/>
+              </a:ext>
+            </a:extLst>
+          </p:cNvPr>
           <p:cNvPicPr>
             <a:picLocks noChangeAspect="1"/>
           </p:cNvPicPr>
@@ -1730,8 +1452,8 @@
         </p:blipFill>
         <p:spPr bwMode="auto">
           <a:xfrm>
-            <a:off x="400052" y="381000"/>
-            <a:ext cx="4679949" cy="1676400"/>
+            <a:off x="300038" y="381000"/>
+            <a:ext cx="3509962" cy="1676400"/>
           </a:xfrm>
           <a:prstGeom prst="rect">
             <a:avLst/>
@@ -1791,350 +1513,6 @@
           <a:chExt cx="0" cy="0"/>
         </a:xfrm>
       </p:grpSpPr>
-      <p:sp>
-        <p:nvSpPr>
-          <p:cNvPr id="5" name="Rectangle 4"/>
-          <p:cNvSpPr/>
-          <p:nvPr userDrawn="1"/>
-        </p:nvSpPr>
-        <p:spPr>
-          <a:xfrm>
-            <a:off x="0" y="6400800"/>
-            <a:ext cx="12192000" cy="457200"/>
-          </a:xfrm>
-          <a:prstGeom prst="rect">
-            <a:avLst/>
-          </a:prstGeom>
-          <a:solidFill>
-            <a:srgbClr val="CA0000"/>
-          </a:solidFill>
-          <a:ln>
-            <a:noFill/>
-          </a:ln>
-        </p:spPr>
-        <p:style>
-          <a:lnRef idx="2">
-            <a:schemeClr val="accent1">
-              <a:shade val="50000"/>
-            </a:schemeClr>
-          </a:lnRef>
-          <a:fillRef idx="1">
-            <a:schemeClr val="accent1"/>
-          </a:fillRef>
-          <a:effectRef idx="0">
-            <a:schemeClr val="accent1"/>
-          </a:effectRef>
-          <a:fontRef idx="minor">
-            <a:schemeClr val="lt1"/>
-          </a:fontRef>
-        </p:style>
-        <p:txBody>
-          <a:bodyPr anchor="ctr"/>
-          <a:lstStyle/>
-          <a:p>
-            <a:pPr algn="ctr">
-              <a:defRPr/>
-            </a:pPr>
-            <a:endParaRPr lang="en-US" sz="1800">
-              <a:solidFill>
-                <a:srgbClr val="FFFFFF"/>
-              </a:solidFill>
-              <a:latin typeface="Segoe UI" charset="0"/>
-              <a:ea typeface="ＭＳ Ｐゴシック" charset="0"/>
-              <a:cs typeface="ＭＳ Ｐゴシック" charset="0"/>
-            </a:endParaRPr>
-          </a:p>
-        </p:txBody>
-      </p:sp>
-      <p:sp>
-        <p:nvSpPr>
-          <p:cNvPr id="7" name="TextBox 6"/>
-          <p:cNvSpPr txBox="1"/>
-          <p:nvPr userDrawn="1"/>
-        </p:nvSpPr>
-        <p:spPr>
-          <a:xfrm>
-            <a:off x="101600" y="6429375"/>
-            <a:ext cx="8940800" cy="400050"/>
-          </a:xfrm>
-          <a:prstGeom prst="rect">
-            <a:avLst/>
-          </a:prstGeom>
-          <a:noFill/>
-        </p:spPr>
-        <p:txBody>
-          <a:bodyPr>
-            <a:spAutoFit/>
-          </a:bodyPr>
-          <a:lstStyle>
-            <a:lvl1pPr eaLnBrk="0" hangingPunct="0">
-              <a:defRPr sz="2400">
-                <a:solidFill>
-                  <a:schemeClr val="tx1"/>
-                </a:solidFill>
-                <a:latin typeface="Arial" charset="0"/>
-                <a:ea typeface="ＭＳ Ｐゴシック" charset="0"/>
-                <a:cs typeface="ＭＳ Ｐゴシック" charset="0"/>
-              </a:defRPr>
-            </a:lvl1pPr>
-            <a:lvl2pPr marL="37931725" indent="-37474525" eaLnBrk="0" hangingPunct="0">
-              <a:defRPr sz="2400">
-                <a:solidFill>
-                  <a:schemeClr val="tx1"/>
-                </a:solidFill>
-                <a:latin typeface="Arial" charset="0"/>
-                <a:ea typeface="ＭＳ Ｐゴシック" charset="0"/>
-              </a:defRPr>
-            </a:lvl2pPr>
-            <a:lvl3pPr eaLnBrk="0" hangingPunct="0">
-              <a:defRPr sz="2400">
-                <a:solidFill>
-                  <a:schemeClr val="tx1"/>
-                </a:solidFill>
-                <a:latin typeface="Arial" charset="0"/>
-                <a:ea typeface="ＭＳ Ｐゴシック" charset="0"/>
-              </a:defRPr>
-            </a:lvl3pPr>
-            <a:lvl4pPr eaLnBrk="0" hangingPunct="0">
-              <a:defRPr sz="2400">
-                <a:solidFill>
-                  <a:schemeClr val="tx1"/>
-                </a:solidFill>
-                <a:latin typeface="Arial" charset="0"/>
-                <a:ea typeface="ＭＳ Ｐゴシック" charset="0"/>
-              </a:defRPr>
-            </a:lvl4pPr>
-            <a:lvl5pPr eaLnBrk="0" hangingPunct="0">
-              <a:defRPr sz="2400">
-                <a:solidFill>
-                  <a:schemeClr val="tx1"/>
-                </a:solidFill>
-                <a:latin typeface="Arial" charset="0"/>
-                <a:ea typeface="ＭＳ Ｐゴシック" charset="0"/>
-              </a:defRPr>
-            </a:lvl5pPr>
-            <a:lvl6pPr marL="457200" eaLnBrk="0" fontAlgn="base" hangingPunct="0">
-              <a:spcBef>
-                <a:spcPct val="0"/>
-              </a:spcBef>
-              <a:spcAft>
-                <a:spcPct val="0"/>
-              </a:spcAft>
-              <a:defRPr sz="2400">
-                <a:solidFill>
-                  <a:schemeClr val="tx1"/>
-                </a:solidFill>
-                <a:latin typeface="Arial" charset="0"/>
-                <a:ea typeface="ＭＳ Ｐゴシック" charset="0"/>
-              </a:defRPr>
-            </a:lvl6pPr>
-            <a:lvl7pPr marL="914400" eaLnBrk="0" fontAlgn="base" hangingPunct="0">
-              <a:spcBef>
-                <a:spcPct val="0"/>
-              </a:spcBef>
-              <a:spcAft>
-                <a:spcPct val="0"/>
-              </a:spcAft>
-              <a:defRPr sz="2400">
-                <a:solidFill>
-                  <a:schemeClr val="tx1"/>
-                </a:solidFill>
-                <a:latin typeface="Arial" charset="0"/>
-                <a:ea typeface="ＭＳ Ｐゴシック" charset="0"/>
-              </a:defRPr>
-            </a:lvl7pPr>
-            <a:lvl8pPr marL="1371600" eaLnBrk="0" fontAlgn="base" hangingPunct="0">
-              <a:spcBef>
-                <a:spcPct val="0"/>
-              </a:spcBef>
-              <a:spcAft>
-                <a:spcPct val="0"/>
-              </a:spcAft>
-              <a:defRPr sz="2400">
-                <a:solidFill>
-                  <a:schemeClr val="tx1"/>
-                </a:solidFill>
-                <a:latin typeface="Arial" charset="0"/>
-                <a:ea typeface="ＭＳ Ｐゴシック" charset="0"/>
-              </a:defRPr>
-            </a:lvl8pPr>
-            <a:lvl9pPr marL="1828800" eaLnBrk="0" fontAlgn="base" hangingPunct="0">
-              <a:spcBef>
-                <a:spcPct val="0"/>
-              </a:spcBef>
-              <a:spcAft>
-                <a:spcPct val="0"/>
-              </a:spcAft>
-              <a:defRPr sz="2400">
-                <a:solidFill>
-                  <a:schemeClr val="tx1"/>
-                </a:solidFill>
-                <a:latin typeface="Arial" charset="0"/>
-                <a:ea typeface="ＭＳ Ｐゴシック" charset="0"/>
-              </a:defRPr>
-            </a:lvl9pPr>
-          </a:lstStyle>
-          <a:p>
-            <a:pPr eaLnBrk="1" hangingPunct="1">
-              <a:defRPr/>
-            </a:pPr>
-            <a:r>
-              <a:rPr lang="en-US" sz="2000" b="1">
-                <a:solidFill>
-                  <a:schemeClr val="bg1"/>
-                </a:solidFill>
-                <a:latin typeface="Calibri" charset="0"/>
-                <a:cs typeface="Calibri" charset="0"/>
-              </a:rPr>
-              <a:t>RNA sequencing and analysis</a:t>
-            </a:r>
-          </a:p>
-        </p:txBody>
-      </p:sp>
-      <p:sp>
-        <p:nvSpPr>
-          <p:cNvPr id="8" name="TextBox 7"/>
-          <p:cNvSpPr txBox="1"/>
-          <p:nvPr userDrawn="1"/>
-        </p:nvSpPr>
-        <p:spPr>
-          <a:xfrm>
-            <a:off x="8229600" y="6477000"/>
-            <a:ext cx="3860800" cy="338138"/>
-          </a:xfrm>
-          <a:prstGeom prst="rect">
-            <a:avLst/>
-          </a:prstGeom>
-          <a:noFill/>
-        </p:spPr>
-        <p:txBody>
-          <a:bodyPr>
-            <a:spAutoFit/>
-          </a:bodyPr>
-          <a:lstStyle>
-            <a:lvl1pPr eaLnBrk="0" hangingPunct="0">
-              <a:defRPr sz="2400">
-                <a:solidFill>
-                  <a:schemeClr val="tx1"/>
-                </a:solidFill>
-                <a:latin typeface="Arial" charset="0"/>
-                <a:ea typeface="ＭＳ Ｐゴシック" charset="0"/>
-                <a:cs typeface="ＭＳ Ｐゴシック" charset="0"/>
-              </a:defRPr>
-            </a:lvl1pPr>
-            <a:lvl2pPr marL="37931725" indent="-37474525" eaLnBrk="0" hangingPunct="0">
-              <a:defRPr sz="2400">
-                <a:solidFill>
-                  <a:schemeClr val="tx1"/>
-                </a:solidFill>
-                <a:latin typeface="Arial" charset="0"/>
-                <a:ea typeface="ＭＳ Ｐゴシック" charset="0"/>
-              </a:defRPr>
-            </a:lvl2pPr>
-            <a:lvl3pPr eaLnBrk="0" hangingPunct="0">
-              <a:defRPr sz="2400">
-                <a:solidFill>
-                  <a:schemeClr val="tx1"/>
-                </a:solidFill>
-                <a:latin typeface="Arial" charset="0"/>
-                <a:ea typeface="ＭＳ Ｐゴシック" charset="0"/>
-              </a:defRPr>
-            </a:lvl3pPr>
-            <a:lvl4pPr eaLnBrk="0" hangingPunct="0">
-              <a:defRPr sz="2400">
-                <a:solidFill>
-                  <a:schemeClr val="tx1"/>
-                </a:solidFill>
-                <a:latin typeface="Arial" charset="0"/>
-                <a:ea typeface="ＭＳ Ｐゴシック" charset="0"/>
-              </a:defRPr>
-            </a:lvl4pPr>
-            <a:lvl5pPr eaLnBrk="0" hangingPunct="0">
-              <a:defRPr sz="2400">
-                <a:solidFill>
-                  <a:schemeClr val="tx1"/>
-                </a:solidFill>
-                <a:latin typeface="Arial" charset="0"/>
-                <a:ea typeface="ＭＳ Ｐゴシック" charset="0"/>
-              </a:defRPr>
-            </a:lvl5pPr>
-            <a:lvl6pPr marL="457200" eaLnBrk="0" fontAlgn="base" hangingPunct="0">
-              <a:spcBef>
-                <a:spcPct val="0"/>
-              </a:spcBef>
-              <a:spcAft>
-                <a:spcPct val="0"/>
-              </a:spcAft>
-              <a:defRPr sz="2400">
-                <a:solidFill>
-                  <a:schemeClr val="tx1"/>
-                </a:solidFill>
-                <a:latin typeface="Arial" charset="0"/>
-                <a:ea typeface="ＭＳ Ｐゴシック" charset="0"/>
-              </a:defRPr>
-            </a:lvl6pPr>
-            <a:lvl7pPr marL="914400" eaLnBrk="0" fontAlgn="base" hangingPunct="0">
-              <a:spcBef>
-                <a:spcPct val="0"/>
-              </a:spcBef>
-              <a:spcAft>
-                <a:spcPct val="0"/>
-              </a:spcAft>
-              <a:defRPr sz="2400">
-                <a:solidFill>
-                  <a:schemeClr val="tx1"/>
-                </a:solidFill>
-                <a:latin typeface="Arial" charset="0"/>
-                <a:ea typeface="ＭＳ Ｐゴシック" charset="0"/>
-              </a:defRPr>
-            </a:lvl7pPr>
-            <a:lvl8pPr marL="1371600" eaLnBrk="0" fontAlgn="base" hangingPunct="0">
-              <a:spcBef>
-                <a:spcPct val="0"/>
-              </a:spcBef>
-              <a:spcAft>
-                <a:spcPct val="0"/>
-              </a:spcAft>
-              <a:defRPr sz="2400">
-                <a:solidFill>
-                  <a:schemeClr val="tx1"/>
-                </a:solidFill>
-                <a:latin typeface="Arial" charset="0"/>
-                <a:ea typeface="ＭＳ Ｐゴシック" charset="0"/>
-              </a:defRPr>
-            </a:lvl8pPr>
-            <a:lvl9pPr marL="1828800" eaLnBrk="0" fontAlgn="base" hangingPunct="0">
-              <a:spcBef>
-                <a:spcPct val="0"/>
-              </a:spcBef>
-              <a:spcAft>
-                <a:spcPct val="0"/>
-              </a:spcAft>
-              <a:defRPr sz="2400">
-                <a:solidFill>
-                  <a:schemeClr val="tx1"/>
-                </a:solidFill>
-                <a:latin typeface="Arial" charset="0"/>
-                <a:ea typeface="ＭＳ Ｐゴシック" charset="0"/>
-              </a:defRPr>
-            </a:lvl9pPr>
-          </a:lstStyle>
-          <a:p>
-            <a:pPr algn="r" eaLnBrk="1" hangingPunct="1">
-              <a:defRPr/>
-            </a:pPr>
-            <a:r>
-              <a:rPr lang="en-US" sz="1600" b="1">
-                <a:cs typeface="Arial" charset="0"/>
-              </a:rPr>
-              <a:t>http://meetings.cshl.edu/</a:t>
-            </a:r>
-            <a:endParaRPr lang="en-US" sz="1600">
-              <a:cs typeface="Arial" charset="0"/>
-            </a:endParaRPr>
-          </a:p>
-        </p:txBody>
-      </p:sp>
       <p:sp>
         <p:nvSpPr>
           <p:cNvPr id="2" name="Title 1"/>
@@ -2373,350 +1751,6 @@
           <a:chExt cx="0" cy="0"/>
         </a:xfrm>
       </p:grpSpPr>
-      <p:sp>
-        <p:nvSpPr>
-          <p:cNvPr id="4" name="Rectangle 3"/>
-          <p:cNvSpPr/>
-          <p:nvPr userDrawn="1"/>
-        </p:nvSpPr>
-        <p:spPr>
-          <a:xfrm>
-            <a:off x="0" y="6400800"/>
-            <a:ext cx="12192000" cy="457200"/>
-          </a:xfrm>
-          <a:prstGeom prst="rect">
-            <a:avLst/>
-          </a:prstGeom>
-          <a:solidFill>
-            <a:srgbClr val="CA0000"/>
-          </a:solidFill>
-          <a:ln>
-            <a:noFill/>
-          </a:ln>
-        </p:spPr>
-        <p:style>
-          <a:lnRef idx="2">
-            <a:schemeClr val="accent1">
-              <a:shade val="50000"/>
-            </a:schemeClr>
-          </a:lnRef>
-          <a:fillRef idx="1">
-            <a:schemeClr val="accent1"/>
-          </a:fillRef>
-          <a:effectRef idx="0">
-            <a:schemeClr val="accent1"/>
-          </a:effectRef>
-          <a:fontRef idx="minor">
-            <a:schemeClr val="lt1"/>
-          </a:fontRef>
-        </p:style>
-        <p:txBody>
-          <a:bodyPr anchor="ctr"/>
-          <a:lstStyle/>
-          <a:p>
-            <a:pPr algn="ctr">
-              <a:defRPr/>
-            </a:pPr>
-            <a:endParaRPr lang="en-US" sz="1800">
-              <a:solidFill>
-                <a:srgbClr val="FFFFFF"/>
-              </a:solidFill>
-              <a:latin typeface="Segoe UI" charset="0"/>
-              <a:ea typeface="ＭＳ Ｐゴシック" charset="0"/>
-              <a:cs typeface="ＭＳ Ｐゴシック" charset="0"/>
-            </a:endParaRPr>
-          </a:p>
-        </p:txBody>
-      </p:sp>
-      <p:sp>
-        <p:nvSpPr>
-          <p:cNvPr id="5" name="TextBox 4"/>
-          <p:cNvSpPr txBox="1"/>
-          <p:nvPr userDrawn="1"/>
-        </p:nvSpPr>
-        <p:spPr>
-          <a:xfrm>
-            <a:off x="101600" y="6429375"/>
-            <a:ext cx="8940800" cy="400050"/>
-          </a:xfrm>
-          <a:prstGeom prst="rect">
-            <a:avLst/>
-          </a:prstGeom>
-          <a:noFill/>
-        </p:spPr>
-        <p:txBody>
-          <a:bodyPr>
-            <a:spAutoFit/>
-          </a:bodyPr>
-          <a:lstStyle>
-            <a:lvl1pPr eaLnBrk="0" hangingPunct="0">
-              <a:defRPr sz="2400">
-                <a:solidFill>
-                  <a:schemeClr val="tx1"/>
-                </a:solidFill>
-                <a:latin typeface="Arial" charset="0"/>
-                <a:ea typeface="ＭＳ Ｐゴシック" charset="0"/>
-                <a:cs typeface="ＭＳ Ｐゴシック" charset="0"/>
-              </a:defRPr>
-            </a:lvl1pPr>
-            <a:lvl2pPr marL="37931725" indent="-37474525" eaLnBrk="0" hangingPunct="0">
-              <a:defRPr sz="2400">
-                <a:solidFill>
-                  <a:schemeClr val="tx1"/>
-                </a:solidFill>
-                <a:latin typeface="Arial" charset="0"/>
-                <a:ea typeface="ＭＳ Ｐゴシック" charset="0"/>
-              </a:defRPr>
-            </a:lvl2pPr>
-            <a:lvl3pPr eaLnBrk="0" hangingPunct="0">
-              <a:defRPr sz="2400">
-                <a:solidFill>
-                  <a:schemeClr val="tx1"/>
-                </a:solidFill>
-                <a:latin typeface="Arial" charset="0"/>
-                <a:ea typeface="ＭＳ Ｐゴシック" charset="0"/>
-              </a:defRPr>
-            </a:lvl3pPr>
-            <a:lvl4pPr eaLnBrk="0" hangingPunct="0">
-              <a:defRPr sz="2400">
-                <a:solidFill>
-                  <a:schemeClr val="tx1"/>
-                </a:solidFill>
-                <a:latin typeface="Arial" charset="0"/>
-                <a:ea typeface="ＭＳ Ｐゴシック" charset="0"/>
-              </a:defRPr>
-            </a:lvl4pPr>
-            <a:lvl5pPr eaLnBrk="0" hangingPunct="0">
-              <a:defRPr sz="2400">
-                <a:solidFill>
-                  <a:schemeClr val="tx1"/>
-                </a:solidFill>
-                <a:latin typeface="Arial" charset="0"/>
-                <a:ea typeface="ＭＳ Ｐゴシック" charset="0"/>
-              </a:defRPr>
-            </a:lvl5pPr>
-            <a:lvl6pPr marL="457200" eaLnBrk="0" fontAlgn="base" hangingPunct="0">
-              <a:spcBef>
-                <a:spcPct val="0"/>
-              </a:spcBef>
-              <a:spcAft>
-                <a:spcPct val="0"/>
-              </a:spcAft>
-              <a:defRPr sz="2400">
-                <a:solidFill>
-                  <a:schemeClr val="tx1"/>
-                </a:solidFill>
-                <a:latin typeface="Arial" charset="0"/>
-                <a:ea typeface="ＭＳ Ｐゴシック" charset="0"/>
-              </a:defRPr>
-            </a:lvl6pPr>
-            <a:lvl7pPr marL="914400" eaLnBrk="0" fontAlgn="base" hangingPunct="0">
-              <a:spcBef>
-                <a:spcPct val="0"/>
-              </a:spcBef>
-              <a:spcAft>
-                <a:spcPct val="0"/>
-              </a:spcAft>
-              <a:defRPr sz="2400">
-                <a:solidFill>
-                  <a:schemeClr val="tx1"/>
-                </a:solidFill>
-                <a:latin typeface="Arial" charset="0"/>
-                <a:ea typeface="ＭＳ Ｐゴシック" charset="0"/>
-              </a:defRPr>
-            </a:lvl7pPr>
-            <a:lvl8pPr marL="1371600" eaLnBrk="0" fontAlgn="base" hangingPunct="0">
-              <a:spcBef>
-                <a:spcPct val="0"/>
-              </a:spcBef>
-              <a:spcAft>
-                <a:spcPct val="0"/>
-              </a:spcAft>
-              <a:defRPr sz="2400">
-                <a:solidFill>
-                  <a:schemeClr val="tx1"/>
-                </a:solidFill>
-                <a:latin typeface="Arial" charset="0"/>
-                <a:ea typeface="ＭＳ Ｐゴシック" charset="0"/>
-              </a:defRPr>
-            </a:lvl8pPr>
-            <a:lvl9pPr marL="1828800" eaLnBrk="0" fontAlgn="base" hangingPunct="0">
-              <a:spcBef>
-                <a:spcPct val="0"/>
-              </a:spcBef>
-              <a:spcAft>
-                <a:spcPct val="0"/>
-              </a:spcAft>
-              <a:defRPr sz="2400">
-                <a:solidFill>
-                  <a:schemeClr val="tx1"/>
-                </a:solidFill>
-                <a:latin typeface="Arial" charset="0"/>
-                <a:ea typeface="ＭＳ Ｐゴシック" charset="0"/>
-              </a:defRPr>
-            </a:lvl9pPr>
-          </a:lstStyle>
-          <a:p>
-            <a:pPr eaLnBrk="1" hangingPunct="1">
-              <a:defRPr/>
-            </a:pPr>
-            <a:r>
-              <a:rPr lang="en-US" sz="2000" b="1">
-                <a:solidFill>
-                  <a:schemeClr val="bg1"/>
-                </a:solidFill>
-                <a:latin typeface="Calibri" charset="0"/>
-                <a:cs typeface="Calibri" charset="0"/>
-              </a:rPr>
-              <a:t>RNA sequencing and analysis</a:t>
-            </a:r>
-          </a:p>
-        </p:txBody>
-      </p:sp>
-      <p:sp>
-        <p:nvSpPr>
-          <p:cNvPr id="6" name="TextBox 5"/>
-          <p:cNvSpPr txBox="1"/>
-          <p:nvPr userDrawn="1"/>
-        </p:nvSpPr>
-        <p:spPr>
-          <a:xfrm>
-            <a:off x="8229600" y="6477000"/>
-            <a:ext cx="3860800" cy="338138"/>
-          </a:xfrm>
-          <a:prstGeom prst="rect">
-            <a:avLst/>
-          </a:prstGeom>
-          <a:noFill/>
-        </p:spPr>
-        <p:txBody>
-          <a:bodyPr>
-            <a:spAutoFit/>
-          </a:bodyPr>
-          <a:lstStyle>
-            <a:lvl1pPr eaLnBrk="0" hangingPunct="0">
-              <a:defRPr sz="2400">
-                <a:solidFill>
-                  <a:schemeClr val="tx1"/>
-                </a:solidFill>
-                <a:latin typeface="Arial" charset="0"/>
-                <a:ea typeface="ＭＳ Ｐゴシック" charset="0"/>
-                <a:cs typeface="ＭＳ Ｐゴシック" charset="0"/>
-              </a:defRPr>
-            </a:lvl1pPr>
-            <a:lvl2pPr marL="37931725" indent="-37474525" eaLnBrk="0" hangingPunct="0">
-              <a:defRPr sz="2400">
-                <a:solidFill>
-                  <a:schemeClr val="tx1"/>
-                </a:solidFill>
-                <a:latin typeface="Arial" charset="0"/>
-                <a:ea typeface="ＭＳ Ｐゴシック" charset="0"/>
-              </a:defRPr>
-            </a:lvl2pPr>
-            <a:lvl3pPr eaLnBrk="0" hangingPunct="0">
-              <a:defRPr sz="2400">
-                <a:solidFill>
-                  <a:schemeClr val="tx1"/>
-                </a:solidFill>
-                <a:latin typeface="Arial" charset="0"/>
-                <a:ea typeface="ＭＳ Ｐゴシック" charset="0"/>
-              </a:defRPr>
-            </a:lvl3pPr>
-            <a:lvl4pPr eaLnBrk="0" hangingPunct="0">
-              <a:defRPr sz="2400">
-                <a:solidFill>
-                  <a:schemeClr val="tx1"/>
-                </a:solidFill>
-                <a:latin typeface="Arial" charset="0"/>
-                <a:ea typeface="ＭＳ Ｐゴシック" charset="0"/>
-              </a:defRPr>
-            </a:lvl4pPr>
-            <a:lvl5pPr eaLnBrk="0" hangingPunct="0">
-              <a:defRPr sz="2400">
-                <a:solidFill>
-                  <a:schemeClr val="tx1"/>
-                </a:solidFill>
-                <a:latin typeface="Arial" charset="0"/>
-                <a:ea typeface="ＭＳ Ｐゴシック" charset="0"/>
-              </a:defRPr>
-            </a:lvl5pPr>
-            <a:lvl6pPr marL="457200" eaLnBrk="0" fontAlgn="base" hangingPunct="0">
-              <a:spcBef>
-                <a:spcPct val="0"/>
-              </a:spcBef>
-              <a:spcAft>
-                <a:spcPct val="0"/>
-              </a:spcAft>
-              <a:defRPr sz="2400">
-                <a:solidFill>
-                  <a:schemeClr val="tx1"/>
-                </a:solidFill>
-                <a:latin typeface="Arial" charset="0"/>
-                <a:ea typeface="ＭＳ Ｐゴシック" charset="0"/>
-              </a:defRPr>
-            </a:lvl6pPr>
-            <a:lvl7pPr marL="914400" eaLnBrk="0" fontAlgn="base" hangingPunct="0">
-              <a:spcBef>
-                <a:spcPct val="0"/>
-              </a:spcBef>
-              <a:spcAft>
-                <a:spcPct val="0"/>
-              </a:spcAft>
-              <a:defRPr sz="2400">
-                <a:solidFill>
-                  <a:schemeClr val="tx1"/>
-                </a:solidFill>
-                <a:latin typeface="Arial" charset="0"/>
-                <a:ea typeface="ＭＳ Ｐゴシック" charset="0"/>
-              </a:defRPr>
-            </a:lvl7pPr>
-            <a:lvl8pPr marL="1371600" eaLnBrk="0" fontAlgn="base" hangingPunct="0">
-              <a:spcBef>
-                <a:spcPct val="0"/>
-              </a:spcBef>
-              <a:spcAft>
-                <a:spcPct val="0"/>
-              </a:spcAft>
-              <a:defRPr sz="2400">
-                <a:solidFill>
-                  <a:schemeClr val="tx1"/>
-                </a:solidFill>
-                <a:latin typeface="Arial" charset="0"/>
-                <a:ea typeface="ＭＳ Ｐゴシック" charset="0"/>
-              </a:defRPr>
-            </a:lvl8pPr>
-            <a:lvl9pPr marL="1828800" eaLnBrk="0" fontAlgn="base" hangingPunct="0">
-              <a:spcBef>
-                <a:spcPct val="0"/>
-              </a:spcBef>
-              <a:spcAft>
-                <a:spcPct val="0"/>
-              </a:spcAft>
-              <a:defRPr sz="2400">
-                <a:solidFill>
-                  <a:schemeClr val="tx1"/>
-                </a:solidFill>
-                <a:latin typeface="Arial" charset="0"/>
-                <a:ea typeface="ＭＳ Ｐゴシック" charset="0"/>
-              </a:defRPr>
-            </a:lvl9pPr>
-          </a:lstStyle>
-          <a:p>
-            <a:pPr algn="r" eaLnBrk="1" hangingPunct="1">
-              <a:defRPr/>
-            </a:pPr>
-            <a:r>
-              <a:rPr lang="en-US" sz="1600" b="1">
-                <a:cs typeface="Arial" charset="0"/>
-              </a:rPr>
-              <a:t>http://meetings.cshl.edu/</a:t>
-            </a:r>
-            <a:endParaRPr lang="en-US" sz="1600">
-              <a:cs typeface="Arial" charset="0"/>
-            </a:endParaRPr>
-          </a:p>
-        </p:txBody>
-      </p:sp>
       <p:sp>
         <p:nvSpPr>
           <p:cNvPr id="3" name="Content Placeholder 2"/>
@@ -4789,14 +3823,14 @@
           </a:ln>
           <a:extLst>
             <a:ext uri="{909E8E84-426E-40dd-AFC4-6F175D3DCCD1}">
-              <a14:hiddenFill xmlns:a14="http://schemas.microsoft.com/office/drawing/2010/main" xmlns="">
+              <a14:hiddenFill xmlns="" xmlns:a14="http://schemas.microsoft.com/office/drawing/2010/main">
                 <a:solidFill>
                   <a:srgbClr val="FFFFFF"/>
                 </a:solidFill>
               </a14:hiddenFill>
             </a:ext>
             <a:ext uri="{91240B29-F687-4f45-9708-019B960494DF}">
-              <a14:hiddenLine xmlns:a14="http://schemas.microsoft.com/office/drawing/2010/main" xmlns="" w="9525">
+              <a14:hiddenLine xmlns="" xmlns:a14="http://schemas.microsoft.com/office/drawing/2010/main" w="9525">
                 <a:solidFill>
                   <a:srgbClr val="000000"/>
                 </a:solidFill>
@@ -5501,14 +4535,14 @@
           </a:ln>
           <a:extLst>
             <a:ext uri="{909E8E84-426E-40dd-AFC4-6F175D3DCCD1}">
-              <a14:hiddenFill xmlns:a14="http://schemas.microsoft.com/office/drawing/2010/main" xmlns="">
+              <a14:hiddenFill xmlns="" xmlns:a14="http://schemas.microsoft.com/office/drawing/2010/main">
                 <a:solidFill>
                   <a:srgbClr val="FFFFFF"/>
                 </a:solidFill>
               </a14:hiddenFill>
             </a:ext>
             <a:ext uri="{91240B29-F687-4f45-9708-019B960494DF}">
-              <a14:hiddenLine xmlns:a14="http://schemas.microsoft.com/office/drawing/2010/main" xmlns="" w="9525">
+              <a14:hiddenLine xmlns="" xmlns:a14="http://schemas.microsoft.com/office/drawing/2010/main" w="9525">
                 <a:solidFill>
                   <a:srgbClr val="000000"/>
                 </a:solidFill>
@@ -10805,14 +9839,14 @@
           </a:ln>
           <a:extLst>
             <a:ext uri="{909E8E84-426E-40dd-AFC4-6F175D3DCCD1}">
-              <a14:hiddenFill xmlns:a14="http://schemas.microsoft.com/office/drawing/2010/main" xmlns="">
+              <a14:hiddenFill xmlns="" xmlns:a14="http://schemas.microsoft.com/office/drawing/2010/main">
                 <a:solidFill>
                   <a:srgbClr val="FFFFFF"/>
                 </a:solidFill>
               </a14:hiddenFill>
             </a:ext>
             <a:ext uri="{91240B29-F687-4f45-9708-019B960494DF}">
-              <a14:hiddenLine xmlns:a14="http://schemas.microsoft.com/office/drawing/2010/main" xmlns="" w="9525">
+              <a14:hiddenLine xmlns="" xmlns:a14="http://schemas.microsoft.com/office/drawing/2010/main" w="9525">
                 <a:solidFill>
                   <a:srgbClr val="000000"/>
                 </a:solidFill>
@@ -10846,14 +9880,14 @@
           </a:ln>
           <a:extLst>
             <a:ext uri="{909E8E84-426E-40dd-AFC4-6F175D3DCCD1}">
-              <a14:hiddenFill xmlns:a14="http://schemas.microsoft.com/office/drawing/2010/main" xmlns="">
+              <a14:hiddenFill xmlns="" xmlns:a14="http://schemas.microsoft.com/office/drawing/2010/main">
                 <a:solidFill>
                   <a:srgbClr val="FFFFFF"/>
                 </a:solidFill>
               </a14:hiddenFill>
             </a:ext>
             <a:ext uri="{91240B29-F687-4f45-9708-019B960494DF}">
-              <a14:hiddenLine xmlns:a14="http://schemas.microsoft.com/office/drawing/2010/main" xmlns="" w="9525">
+              <a14:hiddenLine xmlns="" xmlns:a14="http://schemas.microsoft.com/office/drawing/2010/main" w="9525">
                 <a:solidFill>
                   <a:srgbClr val="000000"/>
                 </a:solidFill>
@@ -11007,14 +10041,14 @@
           </a:ln>
           <a:extLst>
             <a:ext uri="{909E8E84-426E-40dd-AFC4-6F175D3DCCD1}">
-              <a14:hiddenFill xmlns:a14="http://schemas.microsoft.com/office/drawing/2010/main" xmlns="">
+              <a14:hiddenFill xmlns="" xmlns:a14="http://schemas.microsoft.com/office/drawing/2010/main">
                 <a:solidFill>
                   <a:srgbClr val="FFFFFF"/>
                 </a:solidFill>
               </a14:hiddenFill>
             </a:ext>
             <a:ext uri="{91240B29-F687-4f45-9708-019B960494DF}">
-              <a14:hiddenLine xmlns:a14="http://schemas.microsoft.com/office/drawing/2010/main" xmlns="" w="9525">
+              <a14:hiddenLine xmlns="" xmlns:a14="http://schemas.microsoft.com/office/drawing/2010/main" w="9525">
                 <a:solidFill>
                   <a:srgbClr val="000000"/>
                 </a:solidFill>
@@ -12386,14 +11420,14 @@
           </a:ln>
           <a:extLst>
             <a:ext uri="{909E8E84-426E-40dd-AFC4-6F175D3DCCD1}">
-              <a14:hiddenFill xmlns:a14="http://schemas.microsoft.com/office/drawing/2010/main" xmlns="">
+              <a14:hiddenFill xmlns="" xmlns:a14="http://schemas.microsoft.com/office/drawing/2010/main">
                 <a:solidFill>
                   <a:srgbClr val="FFFFFF"/>
                 </a:solidFill>
               </a14:hiddenFill>
             </a:ext>
             <a:ext uri="{91240B29-F687-4f45-9708-019B960494DF}">
-              <a14:hiddenLine xmlns:a14="http://schemas.microsoft.com/office/drawing/2010/main" xmlns="" w="9525">
+              <a14:hiddenLine xmlns="" xmlns:a14="http://schemas.microsoft.com/office/drawing/2010/main" w="9525">
                 <a:solidFill>
                   <a:srgbClr val="000000"/>
                 </a:solidFill>
@@ -12681,14 +11715,14 @@
           </a:ln>
           <a:extLst>
             <a:ext uri="{909E8E84-426E-40dd-AFC4-6F175D3DCCD1}">
-              <a14:hiddenFill xmlns:a14="http://schemas.microsoft.com/office/drawing/2010/main" xmlns="">
+              <a14:hiddenFill xmlns="" xmlns:a14="http://schemas.microsoft.com/office/drawing/2010/main">
                 <a:solidFill>
                   <a:srgbClr val="FFFFFF"/>
                 </a:solidFill>
               </a14:hiddenFill>
             </a:ext>
             <a:ext uri="{91240B29-F687-4f45-9708-019B960494DF}">
-              <a14:hiddenLine xmlns:a14="http://schemas.microsoft.com/office/drawing/2010/main" xmlns="" w="9525">
+              <a14:hiddenLine xmlns="" xmlns:a14="http://schemas.microsoft.com/office/drawing/2010/main" w="9525">
                 <a:solidFill>
                   <a:srgbClr val="000000"/>
                 </a:solidFill>
@@ -13054,14 +12088,14 @@
           </a:ln>
           <a:extLst>
             <a:ext uri="{909E8E84-426E-40dd-AFC4-6F175D3DCCD1}">
-              <a14:hiddenFill xmlns:a14="http://schemas.microsoft.com/office/drawing/2010/main" xmlns="">
+              <a14:hiddenFill xmlns="" xmlns:a14="http://schemas.microsoft.com/office/drawing/2010/main">
                 <a:solidFill>
                   <a:srgbClr val="FFFFFF"/>
                 </a:solidFill>
               </a14:hiddenFill>
             </a:ext>
             <a:ext uri="{91240B29-F687-4f45-9708-019B960494DF}">
-              <a14:hiddenLine xmlns:a14="http://schemas.microsoft.com/office/drawing/2010/main" xmlns="" w="9525">
+              <a14:hiddenLine xmlns="" xmlns:a14="http://schemas.microsoft.com/office/drawing/2010/main" w="9525">
                 <a:solidFill>
                   <a:srgbClr val="000000"/>
                 </a:solidFill>

--- a/assets/lectures/cshl/2019/mini/RNASeq_MiniLecture_02_03_SAM_BAM_BED.pptx
+++ b/assets/lectures/cshl/2019/mini/RNASeq_MiniLecture_02_03_SAM_BAM_BED.pptx
@@ -776,35 +776,6 @@
       </p:sp>
       <p:sp>
         <p:nvSpPr>
-          <p:cNvPr id="6" name="Slide Number Placeholder 5">
-            <a:extLst>
-              <a:ext uri="{FF2B5EF4-FFF2-40B4-BE49-F238E27FC236}">
-                <a16:creationId xmlns:a16="http://schemas.microsoft.com/office/drawing/2014/main" id="{D7256FAD-87EC-594B-B262-2B748B57FD14}"/>
-              </a:ext>
-            </a:extLst>
-          </p:cNvPr>
-          <p:cNvSpPr>
-            <a:spLocks noGrp="1"/>
-          </p:cNvSpPr>
-          <p:nvPr>
-            <p:ph type="sldNum" sz="quarter" idx="12"/>
-          </p:nvPr>
-        </p:nvSpPr>
-        <p:spPr/>
-        <p:txBody>
-          <a:bodyPr/>
-          <a:lstStyle/>
-          <a:p>
-            <a:fld id="{0B973F48-4628-F846-BA33-DDE653D83577}" type="slidenum">
-              <a:rPr lang="en-US" smtClean="0"/>
-              <a:t>‹#›</a:t>
-            </a:fld>
-            <a:endParaRPr lang="en-US"/>
-          </a:p>
-        </p:txBody>
-      </p:sp>
-      <p:sp>
-        <p:nvSpPr>
           <p:cNvPr id="7" name="Rectangle 6">
             <a:extLst>
               <a:ext uri="{FF2B5EF4-FFF2-40B4-BE49-F238E27FC236}">
@@ -1038,35 +1009,6 @@
           </a:p>
         </p:txBody>
       </p:sp>
-      <p:sp>
-        <p:nvSpPr>
-          <p:cNvPr id="6" name="Slide Number Placeholder 5">
-            <a:extLst>
-              <a:ext uri="{FF2B5EF4-FFF2-40B4-BE49-F238E27FC236}">
-                <a16:creationId xmlns:a16="http://schemas.microsoft.com/office/drawing/2014/main" id="{CE0222C1-21B6-E14F-9F34-4E0C4221C434}"/>
-              </a:ext>
-            </a:extLst>
-          </p:cNvPr>
-          <p:cNvSpPr>
-            <a:spLocks noGrp="1"/>
-          </p:cNvSpPr>
-          <p:nvPr>
-            <p:ph type="sldNum" sz="quarter" idx="12"/>
-          </p:nvPr>
-        </p:nvSpPr>
-        <p:spPr/>
-        <p:txBody>
-          <a:bodyPr/>
-          <a:lstStyle/>
-          <a:p>
-            <a:fld id="{0B973F48-4628-F846-BA33-DDE653D83577}" type="slidenum">
-              <a:rPr lang="en-US" smtClean="0"/>
-              <a:t>‹#›</a:t>
-            </a:fld>
-            <a:endParaRPr lang="en-US"/>
-          </a:p>
-        </p:txBody>
-      </p:sp>
     </p:spTree>
     <p:extLst>
       <p:ext uri="{BB962C8B-B14F-4D97-AF65-F5344CB8AC3E}">
@@ -1189,35 +1131,6 @@
               <a:rPr lang="en-US"/>
               <a:t>Fifth level</a:t>
             </a:r>
-          </a:p>
-        </p:txBody>
-      </p:sp>
-      <p:sp>
-        <p:nvSpPr>
-          <p:cNvPr id="6" name="Slide Number Placeholder 5">
-            <a:extLst>
-              <a:ext uri="{FF2B5EF4-FFF2-40B4-BE49-F238E27FC236}">
-                <a16:creationId xmlns:a16="http://schemas.microsoft.com/office/drawing/2014/main" id="{C4C2FCA7-7A48-5E4F-BC6A-8A3BDBEAC3C1}"/>
-              </a:ext>
-            </a:extLst>
-          </p:cNvPr>
-          <p:cNvSpPr>
-            <a:spLocks noGrp="1"/>
-          </p:cNvSpPr>
-          <p:nvPr>
-            <p:ph type="sldNum" sz="quarter" idx="12"/>
-          </p:nvPr>
-        </p:nvSpPr>
-        <p:spPr/>
-        <p:txBody>
-          <a:bodyPr/>
-          <a:lstStyle/>
-          <a:p>
-            <a:fld id="{0B973F48-4628-F846-BA33-DDE653D83577}" type="slidenum">
-              <a:rPr lang="en-US" smtClean="0"/>
-              <a:t>‹#›</a:t>
-            </a:fld>
-            <a:endParaRPr lang="en-US"/>
           </a:p>
         </p:txBody>
       </p:sp>
@@ -1953,35 +1866,6 @@
           </a:p>
         </p:txBody>
       </p:sp>
-      <p:sp>
-        <p:nvSpPr>
-          <p:cNvPr id="6" name="Slide Number Placeholder 5">
-            <a:extLst>
-              <a:ext uri="{FF2B5EF4-FFF2-40B4-BE49-F238E27FC236}">
-                <a16:creationId xmlns:a16="http://schemas.microsoft.com/office/drawing/2014/main" id="{BBA7E5F7-C396-4941-BBC4-7BEAF927C071}"/>
-              </a:ext>
-            </a:extLst>
-          </p:cNvPr>
-          <p:cNvSpPr>
-            <a:spLocks noGrp="1"/>
-          </p:cNvSpPr>
-          <p:nvPr>
-            <p:ph type="sldNum" sz="quarter" idx="12"/>
-          </p:nvPr>
-        </p:nvSpPr>
-        <p:spPr/>
-        <p:txBody>
-          <a:bodyPr/>
-          <a:lstStyle/>
-          <a:p>
-            <a:fld id="{0B973F48-4628-F846-BA33-DDE653D83577}" type="slidenum">
-              <a:rPr lang="en-US" smtClean="0"/>
-              <a:t>‹#›</a:t>
-            </a:fld>
-            <a:endParaRPr lang="en-US"/>
-          </a:p>
-        </p:txBody>
-      </p:sp>
     </p:spTree>
     <p:extLst>
       <p:ext uri="{BB962C8B-B14F-4D97-AF65-F5344CB8AC3E}">
@@ -2174,35 +2058,6 @@
           </a:p>
         </p:txBody>
       </p:sp>
-      <p:sp>
-        <p:nvSpPr>
-          <p:cNvPr id="6" name="Slide Number Placeholder 5">
-            <a:extLst>
-              <a:ext uri="{FF2B5EF4-FFF2-40B4-BE49-F238E27FC236}">
-                <a16:creationId xmlns:a16="http://schemas.microsoft.com/office/drawing/2014/main" id="{E5EEE93E-C8A1-354A-AF1E-19A5283E305A}"/>
-              </a:ext>
-            </a:extLst>
-          </p:cNvPr>
-          <p:cNvSpPr>
-            <a:spLocks noGrp="1"/>
-          </p:cNvSpPr>
-          <p:nvPr>
-            <p:ph type="sldNum" sz="quarter" idx="12"/>
-          </p:nvPr>
-        </p:nvSpPr>
-        <p:spPr/>
-        <p:txBody>
-          <a:bodyPr/>
-          <a:lstStyle/>
-          <a:p>
-            <a:fld id="{0B973F48-4628-F846-BA33-DDE653D83577}" type="slidenum">
-              <a:rPr lang="en-US" smtClean="0"/>
-              <a:t>‹#›</a:t>
-            </a:fld>
-            <a:endParaRPr lang="en-US"/>
-          </a:p>
-        </p:txBody>
-      </p:sp>
     </p:spTree>
     <p:extLst>
       <p:ext uri="{BB962C8B-B14F-4D97-AF65-F5344CB8AC3E}">
@@ -2382,35 +2237,6 @@
               <a:rPr lang="en-US"/>
               <a:t>Fifth level</a:t>
             </a:r>
-          </a:p>
-        </p:txBody>
-      </p:sp>
-      <p:sp>
-        <p:nvSpPr>
-          <p:cNvPr id="7" name="Slide Number Placeholder 6">
-            <a:extLst>
-              <a:ext uri="{FF2B5EF4-FFF2-40B4-BE49-F238E27FC236}">
-                <a16:creationId xmlns:a16="http://schemas.microsoft.com/office/drawing/2014/main" id="{FB759064-C295-474C-91BC-B8179C14C201}"/>
-              </a:ext>
-            </a:extLst>
-          </p:cNvPr>
-          <p:cNvSpPr>
-            <a:spLocks noGrp="1"/>
-          </p:cNvSpPr>
-          <p:nvPr>
-            <p:ph type="sldNum" sz="quarter" idx="12"/>
-          </p:nvPr>
-        </p:nvSpPr>
-        <p:spPr/>
-        <p:txBody>
-          <a:bodyPr/>
-          <a:lstStyle/>
-          <a:p>
-            <a:fld id="{0B973F48-4628-F846-BA33-DDE653D83577}" type="slidenum">
-              <a:rPr lang="en-US" smtClean="0"/>
-              <a:t>‹#›</a:t>
-            </a:fld>
-            <a:endParaRPr lang="en-US"/>
           </a:p>
         </p:txBody>
       </p:sp>
@@ -2743,35 +2569,6 @@
           </a:p>
         </p:txBody>
       </p:sp>
-      <p:sp>
-        <p:nvSpPr>
-          <p:cNvPr id="9" name="Slide Number Placeholder 8">
-            <a:extLst>
-              <a:ext uri="{FF2B5EF4-FFF2-40B4-BE49-F238E27FC236}">
-                <a16:creationId xmlns:a16="http://schemas.microsoft.com/office/drawing/2014/main" id="{B72AE139-D882-D94E-B377-D84A207665BF}"/>
-              </a:ext>
-            </a:extLst>
-          </p:cNvPr>
-          <p:cNvSpPr>
-            <a:spLocks noGrp="1"/>
-          </p:cNvSpPr>
-          <p:nvPr>
-            <p:ph type="sldNum" sz="quarter" idx="12"/>
-          </p:nvPr>
-        </p:nvSpPr>
-        <p:spPr/>
-        <p:txBody>
-          <a:bodyPr/>
-          <a:lstStyle/>
-          <a:p>
-            <a:fld id="{0B973F48-4628-F846-BA33-DDE653D83577}" type="slidenum">
-              <a:rPr lang="en-US" smtClean="0"/>
-              <a:t>‹#›</a:t>
-            </a:fld>
-            <a:endParaRPr lang="en-US"/>
-          </a:p>
-        </p:txBody>
-      </p:sp>
     </p:spTree>
     <p:extLst>
       <p:ext uri="{BB962C8B-B14F-4D97-AF65-F5344CB8AC3E}">
@@ -2830,35 +2627,6 @@
           </a:p>
         </p:txBody>
       </p:sp>
-      <p:sp>
-        <p:nvSpPr>
-          <p:cNvPr id="5" name="Slide Number Placeholder 4">
-            <a:extLst>
-              <a:ext uri="{FF2B5EF4-FFF2-40B4-BE49-F238E27FC236}">
-                <a16:creationId xmlns:a16="http://schemas.microsoft.com/office/drawing/2014/main" id="{81EC7837-FC7B-6043-8182-02D7718729CA}"/>
-              </a:ext>
-            </a:extLst>
-          </p:cNvPr>
-          <p:cNvSpPr>
-            <a:spLocks noGrp="1"/>
-          </p:cNvSpPr>
-          <p:nvPr>
-            <p:ph type="sldNum" sz="quarter" idx="12"/>
-          </p:nvPr>
-        </p:nvSpPr>
-        <p:spPr/>
-        <p:txBody>
-          <a:bodyPr/>
-          <a:lstStyle/>
-          <a:p>
-            <a:fld id="{0B973F48-4628-F846-BA33-DDE653D83577}" type="slidenum">
-              <a:rPr lang="en-US" smtClean="0"/>
-              <a:t>‹#›</a:t>
-            </a:fld>
-            <a:endParaRPr lang="en-US"/>
-          </a:p>
-        </p:txBody>
-      </p:sp>
     </p:spTree>
     <p:extLst>
       <p:ext uri="{BB962C8B-B14F-4D97-AF65-F5344CB8AC3E}">
@@ -2889,35 +2657,6 @@
           <a:chExt cx="0" cy="0"/>
         </a:xfrm>
       </p:grpSpPr>
-      <p:sp>
-        <p:nvSpPr>
-          <p:cNvPr id="4" name="Slide Number Placeholder 3">
-            <a:extLst>
-              <a:ext uri="{FF2B5EF4-FFF2-40B4-BE49-F238E27FC236}">
-                <a16:creationId xmlns:a16="http://schemas.microsoft.com/office/drawing/2014/main" id="{D575A9DD-FA0A-D64B-B42E-72A4B0E3557A}"/>
-              </a:ext>
-            </a:extLst>
-          </p:cNvPr>
-          <p:cNvSpPr>
-            <a:spLocks noGrp="1"/>
-          </p:cNvSpPr>
-          <p:nvPr>
-            <p:ph type="sldNum" sz="quarter" idx="12"/>
-          </p:nvPr>
-        </p:nvSpPr>
-        <p:spPr/>
-        <p:txBody>
-          <a:bodyPr/>
-          <a:lstStyle/>
-          <a:p>
-            <a:fld id="{0B973F48-4628-F846-BA33-DDE653D83577}" type="slidenum">
-              <a:rPr lang="en-US" smtClean="0"/>
-              <a:t>‹#›</a:t>
-            </a:fld>
-            <a:endParaRPr lang="en-US"/>
-          </a:p>
-        </p:txBody>
-      </p:sp>
     </p:spTree>
     <p:extLst>
       <p:ext uri="{BB962C8B-B14F-4D97-AF65-F5344CB8AC3E}">
@@ -3146,35 +2885,6 @@
           </a:p>
         </p:txBody>
       </p:sp>
-      <p:sp>
-        <p:nvSpPr>
-          <p:cNvPr id="7" name="Slide Number Placeholder 6">
-            <a:extLst>
-              <a:ext uri="{FF2B5EF4-FFF2-40B4-BE49-F238E27FC236}">
-                <a16:creationId xmlns:a16="http://schemas.microsoft.com/office/drawing/2014/main" id="{3BCAFAD0-D61F-3F4F-8E0D-9A64CA7C4640}"/>
-              </a:ext>
-            </a:extLst>
-          </p:cNvPr>
-          <p:cNvSpPr>
-            <a:spLocks noGrp="1"/>
-          </p:cNvSpPr>
-          <p:nvPr>
-            <p:ph type="sldNum" sz="quarter" idx="12"/>
-          </p:nvPr>
-        </p:nvSpPr>
-        <p:spPr/>
-        <p:txBody>
-          <a:bodyPr/>
-          <a:lstStyle/>
-          <a:p>
-            <a:fld id="{0B973F48-4628-F846-BA33-DDE653D83577}" type="slidenum">
-              <a:rPr lang="en-US" smtClean="0"/>
-              <a:t>‹#›</a:t>
-            </a:fld>
-            <a:endParaRPr lang="en-US"/>
-          </a:p>
-        </p:txBody>
-      </p:sp>
     </p:spTree>
     <p:extLst>
       <p:ext uri="{BB962C8B-B14F-4D97-AF65-F5344CB8AC3E}">
@@ -3377,35 +3087,6 @@
               <a:rPr lang="en-US"/>
               <a:t>Edit Master text styles</a:t>
             </a:r>
-          </a:p>
-        </p:txBody>
-      </p:sp>
-      <p:sp>
-        <p:nvSpPr>
-          <p:cNvPr id="7" name="Slide Number Placeholder 6">
-            <a:extLst>
-              <a:ext uri="{FF2B5EF4-FFF2-40B4-BE49-F238E27FC236}">
-                <a16:creationId xmlns:a16="http://schemas.microsoft.com/office/drawing/2014/main" id="{7E12F28C-AB7A-EF4C-84CD-F4B5CE4282E4}"/>
-              </a:ext>
-            </a:extLst>
-          </p:cNvPr>
-          <p:cNvSpPr>
-            <a:spLocks noGrp="1"/>
-          </p:cNvSpPr>
-          <p:nvPr>
-            <p:ph type="sldNum" sz="quarter" idx="12"/>
-          </p:nvPr>
-        </p:nvSpPr>
-        <p:spPr/>
-        <p:txBody>
-          <a:bodyPr/>
-          <a:lstStyle/>
-          <a:p>
-            <a:fld id="{0B973F48-4628-F846-BA33-DDE653D83577}" type="slidenum">
-              <a:rPr lang="en-US" smtClean="0"/>
-              <a:t>‹#›</a:t>
-            </a:fld>
-            <a:endParaRPr lang="en-US"/>
           </a:p>
         </p:txBody>
       </p:sp>
@@ -3551,53 +3232,6 @@
       </p:sp>
       <p:sp>
         <p:nvSpPr>
-          <p:cNvPr id="6" name="Slide Number Placeholder 5">
-            <a:extLst>
-              <a:ext uri="{FF2B5EF4-FFF2-40B4-BE49-F238E27FC236}">
-                <a16:creationId xmlns:a16="http://schemas.microsoft.com/office/drawing/2014/main" id="{7F50DDCB-DB12-4B4D-B2A3-DF7E27851109}"/>
-              </a:ext>
-            </a:extLst>
-          </p:cNvPr>
-          <p:cNvSpPr>
-            <a:spLocks noGrp="1"/>
-          </p:cNvSpPr>
-          <p:nvPr>
-            <p:ph type="sldNum" sz="quarter" idx="4"/>
-          </p:nvPr>
-        </p:nvSpPr>
-        <p:spPr>
-          <a:xfrm>
-            <a:off x="9448800" y="6065837"/>
-            <a:ext cx="2743200" cy="365125"/>
-          </a:xfrm>
-          <a:prstGeom prst="rect">
-            <a:avLst/>
-          </a:prstGeom>
-        </p:spPr>
-        <p:txBody>
-          <a:bodyPr vert="horz" lIns="91440" tIns="45720" rIns="91440" bIns="45720" rtlCol="0" anchor="ctr"/>
-          <a:lstStyle>
-            <a:lvl1pPr algn="r">
-              <a:defRPr sz="1200">
-                <a:solidFill>
-                  <a:schemeClr val="tx1">
-                    <a:tint val="75000"/>
-                  </a:schemeClr>
-                </a:solidFill>
-              </a:defRPr>
-            </a:lvl1pPr>
-          </a:lstStyle>
-          <a:p>
-            <a:fld id="{0B973F48-4628-F846-BA33-DDE653D83577}" type="slidenum">
-              <a:rPr lang="en-US" smtClean="0"/>
-              <a:t>‹#›</a:t>
-            </a:fld>
-            <a:endParaRPr lang="en-US" dirty="0"/>
-          </a:p>
-        </p:txBody>
-      </p:sp>
-      <p:sp>
-        <p:nvSpPr>
           <p:cNvPr id="9" name="Slide Number Placeholder 5">
             <a:extLst>
               <a:ext uri="{FF2B5EF4-FFF2-40B4-BE49-F238E27FC236}">
@@ -4109,7 +3743,7 @@
               <a:defRPr/>
             </a:pPr>
             <a:r>
-              <a:rPr lang="en-US" b="1" dirty="0" err="1">
+              <a:rPr lang="en-US" b="1" dirty="0">
                 <a:cs typeface="Arial" charset="0"/>
               </a:rPr>
               <a:t>rnabio.org</a:t>
@@ -4447,145 +4081,6 @@
       </p:grpSpPr>
       <p:sp>
         <p:nvSpPr>
-          <p:cNvPr id="57" name="Rectangle 56"/>
-          <p:cNvSpPr/>
-          <p:nvPr/>
-        </p:nvSpPr>
-        <p:spPr>
-          <a:xfrm>
-            <a:off x="1524001" y="2514601"/>
-            <a:ext cx="5758249" cy="3898557"/>
-          </a:xfrm>
-          <a:prstGeom prst="rect">
-            <a:avLst/>
-          </a:prstGeom>
-          <a:solidFill>
-            <a:schemeClr val="accent1">
-              <a:alpha val="18000"/>
-            </a:schemeClr>
-          </a:solidFill>
-          <a:ln>
-            <a:noFill/>
-          </a:ln>
-        </p:spPr>
-        <p:style>
-          <a:lnRef idx="1">
-            <a:schemeClr val="accent1"/>
-          </a:lnRef>
-          <a:fillRef idx="3">
-            <a:schemeClr val="accent1"/>
-          </a:fillRef>
-          <a:effectRef idx="2">
-            <a:schemeClr val="accent1"/>
-          </a:effectRef>
-          <a:fontRef idx="minor">
-            <a:schemeClr val="lt1"/>
-          </a:fontRef>
-        </p:style>
-        <p:txBody>
-          <a:bodyPr anchor="ctr"/>
-          <a:lstStyle/>
-          <a:p>
-            <a:pPr algn="ctr">
-              <a:defRPr/>
-            </a:pPr>
-            <a:endParaRPr lang="en-US">
-              <a:solidFill>
-                <a:srgbClr val="FFFFFF"/>
-              </a:solidFill>
-              <a:latin typeface="Calibri" charset="0"/>
-              <a:ea typeface="ＭＳ Ｐゴシック" charset="0"/>
-              <a:cs typeface="Calibri" charset="0"/>
-            </a:endParaRPr>
-          </a:p>
-        </p:txBody>
-      </p:sp>
-      <p:pic>
-        <p:nvPicPr>
-          <p:cNvPr id="10242" name="Picture 4" descr="TGI_logo_V_2color_bevel.tiff"/>
-          <p:cNvPicPr>
-            <a:picLocks noChangeAspect="1"/>
-          </p:cNvPicPr>
-          <p:nvPr/>
-        </p:nvPicPr>
-        <p:blipFill>
-          <a:blip r:embed="rId2">
-            <a:extLst>
-              <a:ext uri="{28A0092B-C50C-407E-A947-70E740481C1C}">
-                <a14:useLocalDpi xmlns:a14="http://schemas.microsoft.com/office/drawing/2010/main" val="0"/>
-              </a:ext>
-            </a:extLst>
-          </a:blip>
-          <a:srcRect l="31865" t="30911" r="32492" b="27831"/>
-          <a:stretch>
-            <a:fillRect/>
-          </a:stretch>
-        </p:blipFill>
-        <p:spPr bwMode="auto">
-          <a:xfrm>
-            <a:off x="8112126" y="3744914"/>
-            <a:ext cx="2181225" cy="1893887"/>
-          </a:xfrm>
-          <a:prstGeom prst="rect">
-            <a:avLst/>
-          </a:prstGeom>
-          <a:noFill/>
-          <a:ln>
-            <a:noFill/>
-          </a:ln>
-          <a:extLst>
-            <a:ext uri="{909E8E84-426E-40dd-AFC4-6F175D3DCCD1}">
-              <a14:hiddenFill xmlns="" xmlns:a14="http://schemas.microsoft.com/office/drawing/2010/main">
-                <a:solidFill>
-                  <a:srgbClr val="FFFFFF"/>
-                </a:solidFill>
-              </a14:hiddenFill>
-            </a:ext>
-            <a:ext uri="{91240B29-F687-4f45-9708-019B960494DF}">
-              <a14:hiddenLine xmlns="" xmlns:a14="http://schemas.microsoft.com/office/drawing/2010/main" w="9525">
-                <a:solidFill>
-                  <a:srgbClr val="000000"/>
-                </a:solidFill>
-                <a:miter lim="800000"/>
-                <a:headEnd/>
-                <a:tailEnd/>
-              </a14:hiddenLine>
-            </a:ext>
-          </a:extLst>
-        </p:spPr>
-      </p:pic>
-      <p:pic>
-        <p:nvPicPr>
-          <p:cNvPr id="2" name="Picture 1" descr="DataCenter.jpg"/>
-          <p:cNvPicPr>
-            <a:picLocks noChangeAspect="1"/>
-          </p:cNvPicPr>
-          <p:nvPr/>
-        </p:nvPicPr>
-        <p:blipFill>
-          <a:blip r:embed="rId3" cstate="print">
-            <a:extLst>
-              <a:ext uri="{28A0092B-C50C-407E-A947-70E740481C1C}">
-                <a14:useLocalDpi xmlns:a14="http://schemas.microsoft.com/office/drawing/2010/main" val="0"/>
-              </a:ext>
-            </a:extLst>
-          </a:blip>
-          <a:stretch>
-            <a:fillRect/>
-          </a:stretch>
-        </p:blipFill>
-        <p:spPr>
-          <a:xfrm>
-            <a:off x="1703513" y="2708921"/>
-            <a:ext cx="5133893" cy="3422595"/>
-          </a:xfrm>
-          <a:prstGeom prst="rect">
-            <a:avLst/>
-          </a:prstGeom>
-        </p:spPr>
-      </p:pic>
-      <p:sp>
-        <p:nvSpPr>
           <p:cNvPr id="7" name="Title 1">
             <a:extLst>
               <a:ext uri="{FF2B5EF4-FFF2-40B4-BE49-F238E27FC236}">
@@ -5001,6 +4496,238 @@
           </a:p>
         </p:txBody>
       </p:sp>
+      <p:grpSp>
+        <p:nvGrpSpPr>
+          <p:cNvPr id="8" name="Group 7">
+            <a:extLst>
+              <a:ext uri="{FF2B5EF4-FFF2-40B4-BE49-F238E27FC236}">
+                <a16:creationId xmlns:a16="http://schemas.microsoft.com/office/drawing/2014/main" id="{ACEF125E-DB11-E141-9E28-7A062CE1D513}"/>
+              </a:ext>
+            </a:extLst>
+          </p:cNvPr>
+          <p:cNvGrpSpPr/>
+          <p:nvPr/>
+        </p:nvGrpSpPr>
+        <p:grpSpPr>
+          <a:xfrm>
+            <a:off x="367863" y="2514601"/>
+            <a:ext cx="11104782" cy="3898557"/>
+            <a:chOff x="367863" y="2514601"/>
+            <a:chExt cx="11104782" cy="3898557"/>
+          </a:xfrm>
+        </p:grpSpPr>
+        <p:pic>
+          <p:nvPicPr>
+            <p:cNvPr id="10" name="Picture 4" descr="TGI_logo_V_2color_bevel.tiff">
+              <a:extLst>
+                <a:ext uri="{FF2B5EF4-FFF2-40B4-BE49-F238E27FC236}">
+                  <a16:creationId xmlns:a16="http://schemas.microsoft.com/office/drawing/2014/main" id="{DA8E7B44-AD0D-E845-94C3-E7DBC6634DD0}"/>
+                </a:ext>
+              </a:extLst>
+            </p:cNvPr>
+            <p:cNvPicPr>
+              <a:picLocks noChangeAspect="1"/>
+            </p:cNvPicPr>
+            <p:nvPr/>
+          </p:nvPicPr>
+          <p:blipFill>
+            <a:blip r:embed="rId2">
+              <a:extLst>
+                <a:ext uri="{28A0092B-C50C-407E-A947-70E740481C1C}">
+                  <a14:useLocalDpi xmlns:a14="http://schemas.microsoft.com/office/drawing/2010/main" val="0"/>
+                </a:ext>
+              </a:extLst>
+            </a:blip>
+            <a:srcRect l="31865" t="30911" r="32492" b="27831"/>
+            <a:stretch>
+              <a:fillRect/>
+            </a:stretch>
+          </p:blipFill>
+          <p:spPr bwMode="auto">
+            <a:xfrm>
+              <a:off x="8916770" y="3326484"/>
+              <a:ext cx="2555875" cy="2219183"/>
+            </a:xfrm>
+            <a:prstGeom prst="rect">
+              <a:avLst/>
+            </a:prstGeom>
+            <a:noFill/>
+            <a:ln>
+              <a:noFill/>
+            </a:ln>
+            <a:extLst>
+              <a:ext uri="{909E8E84-426E-40dd-AFC4-6F175D3DCCD1}">
+                <a14:hiddenFill xmlns="" xmlns:a14="http://schemas.microsoft.com/office/drawing/2010/main">
+                  <a:solidFill>
+                    <a:srgbClr val="FFFFFF"/>
+                  </a:solidFill>
+                </a14:hiddenFill>
+              </a:ext>
+              <a:ext uri="{91240B29-F687-4f45-9708-019B960494DF}">
+                <a14:hiddenLine xmlns="" xmlns:a14="http://schemas.microsoft.com/office/drawing/2010/main" w="9525">
+                  <a:solidFill>
+                    <a:srgbClr val="000000"/>
+                  </a:solidFill>
+                  <a:miter lim="800000"/>
+                  <a:headEnd/>
+                  <a:tailEnd/>
+                </a14:hiddenLine>
+              </a:ext>
+            </a:extLst>
+          </p:spPr>
+        </p:pic>
+        <p:sp>
+          <p:nvSpPr>
+            <p:cNvPr id="11" name="Rectangle 10">
+              <a:extLst>
+                <a:ext uri="{FF2B5EF4-FFF2-40B4-BE49-F238E27FC236}">
+                  <a16:creationId xmlns:a16="http://schemas.microsoft.com/office/drawing/2014/main" id="{F70332EF-222D-7D44-8616-E7C72548EB78}"/>
+                </a:ext>
+              </a:extLst>
+            </p:cNvPr>
+            <p:cNvSpPr/>
+            <p:nvPr/>
+          </p:nvSpPr>
+          <p:spPr>
+            <a:xfrm>
+              <a:off x="367863" y="2514601"/>
+              <a:ext cx="7819697" cy="3898557"/>
+            </a:xfrm>
+            <a:prstGeom prst="rect">
+              <a:avLst/>
+            </a:prstGeom>
+            <a:solidFill>
+              <a:schemeClr val="accent1">
+                <a:alpha val="18000"/>
+              </a:schemeClr>
+            </a:solidFill>
+            <a:ln>
+              <a:noFill/>
+            </a:ln>
+          </p:spPr>
+          <p:style>
+            <a:lnRef idx="1">
+              <a:schemeClr val="accent1"/>
+            </a:lnRef>
+            <a:fillRef idx="3">
+              <a:schemeClr val="accent1"/>
+            </a:fillRef>
+            <a:effectRef idx="2">
+              <a:schemeClr val="accent1"/>
+            </a:effectRef>
+            <a:fontRef idx="minor">
+              <a:schemeClr val="lt1"/>
+            </a:fontRef>
+          </p:style>
+          <p:txBody>
+            <a:bodyPr anchor="ctr"/>
+            <a:lstStyle/>
+            <a:p>
+              <a:pPr algn="ctr">
+                <a:defRPr/>
+              </a:pPr>
+              <a:endParaRPr lang="en-US">
+                <a:solidFill>
+                  <a:srgbClr val="FFFFFF"/>
+                </a:solidFill>
+                <a:latin typeface="Calibri" charset="0"/>
+                <a:ea typeface="ＭＳ Ｐゴシック" charset="0"/>
+                <a:cs typeface="Calibri" charset="0"/>
+              </a:endParaRPr>
+            </a:p>
+          </p:txBody>
+        </p:sp>
+        <p:pic>
+          <p:nvPicPr>
+            <p:cNvPr id="12" name="Picture 11">
+              <a:extLst>
+                <a:ext uri="{FF2B5EF4-FFF2-40B4-BE49-F238E27FC236}">
+                  <a16:creationId xmlns:a16="http://schemas.microsoft.com/office/drawing/2014/main" id="{FD19F584-7149-7648-B2F7-1ECAA6AFB090}"/>
+                </a:ext>
+              </a:extLst>
+            </p:cNvPr>
+            <p:cNvPicPr>
+              <a:picLocks noChangeAspect="1"/>
+            </p:cNvPicPr>
+            <p:nvPr/>
+          </p:nvPicPr>
+          <p:blipFill>
+            <a:blip r:embed="rId3"/>
+            <a:stretch>
+              <a:fillRect/>
+            </a:stretch>
+          </p:blipFill>
+          <p:spPr>
+            <a:xfrm>
+              <a:off x="488540" y="2640653"/>
+              <a:ext cx="3632886" cy="3632886"/>
+            </a:xfrm>
+            <a:prstGeom prst="rect">
+              <a:avLst/>
+            </a:prstGeom>
+          </p:spPr>
+        </p:pic>
+        <p:pic>
+          <p:nvPicPr>
+            <p:cNvPr id="13" name="Picture 1" descr="RNA-Seq-alignment.png">
+              <a:extLst>
+                <a:ext uri="{FF2B5EF4-FFF2-40B4-BE49-F238E27FC236}">
+                  <a16:creationId xmlns:a16="http://schemas.microsoft.com/office/drawing/2014/main" id="{D4E6A922-1701-7342-A390-EADDBC79FD47}"/>
+                </a:ext>
+              </a:extLst>
+            </p:cNvPr>
+            <p:cNvPicPr>
+              <a:picLocks noChangeAspect="1"/>
+            </p:cNvPicPr>
+            <p:nvPr/>
+          </p:nvPicPr>
+          <p:blipFill>
+            <a:blip r:embed="rId4">
+              <a:extLst>
+                <a:ext uri="{28A0092B-C50C-407E-A947-70E740481C1C}">
+                  <a14:useLocalDpi xmlns:a14="http://schemas.microsoft.com/office/drawing/2010/main" val="0"/>
+                </a:ext>
+              </a:extLst>
+            </a:blip>
+            <a:srcRect/>
+            <a:stretch>
+              <a:fillRect/>
+            </a:stretch>
+          </p:blipFill>
+          <p:spPr bwMode="auto">
+            <a:xfrm>
+              <a:off x="4253254" y="2640653"/>
+              <a:ext cx="3797615" cy="3637252"/>
+            </a:xfrm>
+            <a:prstGeom prst="rect">
+              <a:avLst/>
+            </a:prstGeom>
+            <a:noFill/>
+            <a:ln>
+              <a:noFill/>
+            </a:ln>
+            <a:extLst>
+              <a:ext uri="{909E8E84-426E-40dd-AFC4-6F175D3DCCD1}">
+                <a14:hiddenFill xmlns="" xmlns:a14="http://schemas.microsoft.com/office/drawing/2010/main">
+                  <a:solidFill>
+                    <a:srgbClr val="FFFFFF"/>
+                  </a:solidFill>
+                </a14:hiddenFill>
+              </a:ext>
+              <a:ext uri="{91240B29-F687-4f45-9708-019B960494DF}">
+                <a14:hiddenLine xmlns="" xmlns:a14="http://schemas.microsoft.com/office/drawing/2010/main" w="9525">
+                  <a:solidFill>
+                    <a:srgbClr val="000000"/>
+                  </a:solidFill>
+                  <a:miter lim="800000"/>
+                  <a:headEnd/>
+                  <a:tailEnd/>
+                </a14:hiddenLine>
+              </a:ext>
+            </a:extLst>
+          </p:spPr>
+        </p:pic>
+      </p:grpSp>
     </p:spTree>
     <p:extLst>
       <p:ext uri="{BB962C8B-B14F-4D97-AF65-F5344CB8AC3E}">

--- a/assets/lectures/cshl/2019/mini/RNASeq_MiniLecture_02_03_SAM_BAM_BED.pptx
+++ b/assets/lectures/cshl/2019/mini/RNASeq_MiniLecture_02_03_SAM_BAM_BED.pptx
@@ -875,14 +875,14 @@
           </a:ln>
           <a:extLst>
             <a:ext uri="{909E8E84-426E-40dd-AFC4-6F175D3DCCD1}">
-              <a14:hiddenFill xmlns:a14="http://schemas.microsoft.com/office/drawing/2010/main" xmlns="">
+              <a14:hiddenFill xmlns="" xmlns:a14="http://schemas.microsoft.com/office/drawing/2010/main">
                 <a:solidFill>
                   <a:srgbClr val="FFFFFF"/>
                 </a:solidFill>
               </a14:hiddenFill>
             </a:ext>
             <a:ext uri="{91240B29-F687-4f45-9708-019B960494DF}">
-              <a14:hiddenLine xmlns:a14="http://schemas.microsoft.com/office/drawing/2010/main" xmlns="" w="9525">
+              <a14:hiddenLine xmlns="" xmlns:a14="http://schemas.microsoft.com/office/drawing/2010/main" w="9525">
                 <a:solidFill>
                   <a:srgbClr val="000000"/>
                 </a:solidFill>
@@ -1377,14 +1377,14 @@
           </a:ln>
           <a:extLst>
             <a:ext uri="{909E8E84-426E-40dd-AFC4-6F175D3DCCD1}">
-              <a14:hiddenFill xmlns:a14="http://schemas.microsoft.com/office/drawing/2010/main" xmlns="">
+              <a14:hiddenFill xmlns="" xmlns:a14="http://schemas.microsoft.com/office/drawing/2010/main">
                 <a:solidFill>
                   <a:srgbClr val="FFFFFF"/>
                 </a:solidFill>
               </a14:hiddenFill>
             </a:ext>
             <a:ext uri="{91240B29-F687-4f45-9708-019B960494DF}">
-              <a14:hiddenLine xmlns:a14="http://schemas.microsoft.com/office/drawing/2010/main" xmlns="" w="9525">
+              <a14:hiddenLine xmlns="" xmlns:a14="http://schemas.microsoft.com/office/drawing/2010/main" w="9525">
                 <a:solidFill>
                   <a:srgbClr val="000000"/>
                 </a:solidFill>
@@ -3431,10 +3431,10 @@
       </p:sp>
       <p:sp>
         <p:nvSpPr>
-          <p:cNvPr id="11" name="TextBox 10">
+          <p:cNvPr id="8" name="TextBox 7">
             <a:extLst>
               <a:ext uri="{FF2B5EF4-FFF2-40B4-BE49-F238E27FC236}">
-                <a16:creationId xmlns:a16="http://schemas.microsoft.com/office/drawing/2014/main" id="{2CE4FBA7-EA83-4B4B-A7C6-F0F5766917AC}"/>
+                <a16:creationId xmlns:a16="http://schemas.microsoft.com/office/drawing/2014/main" id="{745B3995-BCAD-474A-A886-058747571350}"/>
               </a:ext>
             </a:extLst>
           </p:cNvPr>
@@ -3445,8 +3445,8 @@
         </p:nvSpPr>
         <p:spPr bwMode="auto">
           <a:xfrm>
-            <a:off x="0" y="6430962"/>
-            <a:ext cx="6705600" cy="396875"/>
+            <a:off x="111760" y="6447904"/>
+            <a:ext cx="2521392" cy="369332"/>
           </a:xfrm>
           <a:prstGeom prst="rect">
             <a:avLst/>
@@ -3457,14 +3457,14 @@
           </a:ln>
           <a:extLst>
             <a:ext uri="{909E8E84-426E-40dd-AFC4-6F175D3DCCD1}">
-              <a14:hiddenFill xmlns="" xmlns:a14="http://schemas.microsoft.com/office/drawing/2010/main">
+              <a14:hiddenFill xmlns:a14="http://schemas.microsoft.com/office/drawing/2010/main" xmlns="">
                 <a:solidFill>
                   <a:srgbClr val="FFFFFF"/>
                 </a:solidFill>
               </a14:hiddenFill>
             </a:ext>
             <a:ext uri="{91240B29-F687-4f45-9708-019B960494DF}">
-              <a14:hiddenLine xmlns="" xmlns:a14="http://schemas.microsoft.com/office/drawing/2010/main" w="9525">
+              <a14:hiddenLine xmlns:a14="http://schemas.microsoft.com/office/drawing/2010/main" xmlns="" w="9525">
                 <a:solidFill>
                   <a:srgbClr val="000000"/>
                 </a:solidFill>
@@ -3476,7 +3476,7 @@
           </a:extLst>
         </p:spPr>
         <p:txBody>
-          <a:bodyPr>
+          <a:bodyPr wrap="square">
             <a:spAutoFit/>
           </a:bodyPr>
           <a:lstStyle>
@@ -3592,24 +3592,24 @@
               <a:defRPr/>
             </a:pPr>
             <a:r>
-              <a:rPr lang="en-US" sz="2000" b="1" dirty="0">
+              <a:rPr lang="en-US" sz="1800" b="1" dirty="0">
                 <a:solidFill>
                   <a:schemeClr val="bg1"/>
                 </a:solidFill>
                 <a:latin typeface="Calibri" charset="0"/>
                 <a:cs typeface="Calibri" charset="0"/>
               </a:rPr>
-              <a:t>Module 2</a:t>
+              <a:t>Module 2 </a:t>
             </a:r>
           </a:p>
         </p:txBody>
       </p:sp>
       <p:sp>
         <p:nvSpPr>
-          <p:cNvPr id="12" name="TextBox 11">
+          <p:cNvPr id="13" name="TextBox 12">
             <a:extLst>
               <a:ext uri="{FF2B5EF4-FFF2-40B4-BE49-F238E27FC236}">
-                <a16:creationId xmlns:a16="http://schemas.microsoft.com/office/drawing/2014/main" id="{8EB12434-FD9E-4242-B813-5136B9D05A8A}"/>
+                <a16:creationId xmlns:a16="http://schemas.microsoft.com/office/drawing/2014/main" id="{71A22F2C-02F5-254D-9E23-5D0B71EDB21A}"/>
               </a:ext>
             </a:extLst>
           </p:cNvPr>
@@ -3618,8 +3618,8 @@
         </p:nvSpPr>
         <p:spPr>
           <a:xfrm>
-            <a:off x="9639300" y="6400800"/>
-            <a:ext cx="2362200" cy="461665"/>
+            <a:off x="9721408" y="6447904"/>
+            <a:ext cx="2362200" cy="369332"/>
           </a:xfrm>
           <a:prstGeom prst="rect">
             <a:avLst/>
@@ -3743,13 +3743,65 @@
               <a:defRPr/>
             </a:pPr>
             <a:r>
-              <a:rPr lang="en-US" b="1" dirty="0">
+              <a:rPr lang="en-US" sz="1800" b="1" dirty="0">
+                <a:solidFill>
+                  <a:schemeClr val="bg1"/>
+                </a:solidFill>
                 <a:cs typeface="Arial" charset="0"/>
               </a:rPr>
               <a:t>rnabio.org</a:t>
             </a:r>
-            <a:endParaRPr lang="en-US" dirty="0">
+            <a:endParaRPr lang="en-US" sz="1800" dirty="0">
+              <a:solidFill>
+                <a:schemeClr val="bg1"/>
+              </a:solidFill>
               <a:cs typeface="Arial" charset="0"/>
+            </a:endParaRPr>
+          </a:p>
+        </p:txBody>
+      </p:sp>
+      <p:sp>
+        <p:nvSpPr>
+          <p:cNvPr id="14" name="TextBox 13">
+            <a:extLst>
+              <a:ext uri="{FF2B5EF4-FFF2-40B4-BE49-F238E27FC236}">
+                <a16:creationId xmlns:a16="http://schemas.microsoft.com/office/drawing/2014/main" id="{27D60B14-C760-2E4A-A32D-A1DBD7FC18D7}"/>
+              </a:ext>
+            </a:extLst>
+          </p:cNvPr>
+          <p:cNvSpPr txBox="1"/>
+          <p:nvPr userDrawn="1"/>
+        </p:nvSpPr>
+        <p:spPr>
+          <a:xfrm>
+            <a:off x="5867412" y="6447904"/>
+            <a:ext cx="457176" cy="369332"/>
+          </a:xfrm>
+          <a:prstGeom prst="rect">
+            <a:avLst/>
+          </a:prstGeom>
+          <a:noFill/>
+        </p:spPr>
+        <p:txBody>
+          <a:bodyPr wrap="none" rtlCol="0" anchor="ctr">
+            <a:spAutoFit/>
+          </a:bodyPr>
+          <a:lstStyle/>
+          <a:p>
+            <a:pPr algn="ctr"/>
+            <a:fld id="{0153C3B2-0654-1049-821D-A9450C27E9C9}" type="slidenum">
+              <a:rPr lang="en-US" sz="1800" smtClean="0">
+                <a:solidFill>
+                  <a:schemeClr val="bg1"/>
+                </a:solidFill>
+              </a:rPr>
+              <a:pPr algn="ctr"/>
+              <a:t>‹#›</a:t>
+            </a:fld>
+            <a:endParaRPr lang="en-US" sz="1800" dirty="0">
+              <a:solidFill>
+                <a:schemeClr val="bg1"/>
+              </a:solidFill>
             </a:endParaRPr>
           </a:p>
         </p:txBody>
@@ -4557,14 +4609,14 @@
             </a:ln>
             <a:extLst>
               <a:ext uri="{909E8E84-426E-40dd-AFC4-6F175D3DCCD1}">
-                <a14:hiddenFill xmlns="" xmlns:a14="http://schemas.microsoft.com/office/drawing/2010/main">
+                <a14:hiddenFill xmlns:a14="http://schemas.microsoft.com/office/drawing/2010/main" xmlns="">
                   <a:solidFill>
                     <a:srgbClr val="FFFFFF"/>
                   </a:solidFill>
                 </a14:hiddenFill>
               </a:ext>
               <a:ext uri="{91240B29-F687-4f45-9708-019B960494DF}">
-                <a14:hiddenLine xmlns="" xmlns:a14="http://schemas.microsoft.com/office/drawing/2010/main" w="9525">
+                <a14:hiddenLine xmlns:a14="http://schemas.microsoft.com/office/drawing/2010/main" xmlns="" w="9525">
                   <a:solidFill>
                     <a:srgbClr val="000000"/>
                   </a:solidFill>
@@ -4708,14 +4760,14 @@
             </a:ln>
             <a:extLst>
               <a:ext uri="{909E8E84-426E-40dd-AFC4-6F175D3DCCD1}">
-                <a14:hiddenFill xmlns="" xmlns:a14="http://schemas.microsoft.com/office/drawing/2010/main">
+                <a14:hiddenFill xmlns:a14="http://schemas.microsoft.com/office/drawing/2010/main" xmlns="">
                   <a:solidFill>
                     <a:srgbClr val="FFFFFF"/>
                   </a:solidFill>
                 </a14:hiddenFill>
               </a:ext>
               <a:ext uri="{91240B29-F687-4f45-9708-019B960494DF}">
-                <a14:hiddenLine xmlns="" xmlns:a14="http://schemas.microsoft.com/office/drawing/2010/main" w="9525">
+                <a14:hiddenLine xmlns:a14="http://schemas.microsoft.com/office/drawing/2010/main" xmlns="" w="9525">
                   <a:solidFill>
                     <a:srgbClr val="000000"/>
                   </a:solidFill>
@@ -9566,14 +9618,14 @@
           </a:ln>
           <a:extLst>
             <a:ext uri="{909E8E84-426E-40dd-AFC4-6F175D3DCCD1}">
-              <a14:hiddenFill xmlns="" xmlns:a14="http://schemas.microsoft.com/office/drawing/2010/main">
+              <a14:hiddenFill xmlns:a14="http://schemas.microsoft.com/office/drawing/2010/main" xmlns="">
                 <a:solidFill>
                   <a:srgbClr val="FFFFFF"/>
                 </a:solidFill>
               </a14:hiddenFill>
             </a:ext>
             <a:ext uri="{91240B29-F687-4f45-9708-019B960494DF}">
-              <a14:hiddenLine xmlns="" xmlns:a14="http://schemas.microsoft.com/office/drawing/2010/main" w="9525">
+              <a14:hiddenLine xmlns:a14="http://schemas.microsoft.com/office/drawing/2010/main" xmlns="" w="9525">
                 <a:solidFill>
                   <a:srgbClr val="000000"/>
                 </a:solidFill>
@@ -9607,14 +9659,14 @@
           </a:ln>
           <a:extLst>
             <a:ext uri="{909E8E84-426E-40dd-AFC4-6F175D3DCCD1}">
-              <a14:hiddenFill xmlns="" xmlns:a14="http://schemas.microsoft.com/office/drawing/2010/main">
+              <a14:hiddenFill xmlns:a14="http://schemas.microsoft.com/office/drawing/2010/main" xmlns="">
                 <a:solidFill>
                   <a:srgbClr val="FFFFFF"/>
                 </a:solidFill>
               </a14:hiddenFill>
             </a:ext>
             <a:ext uri="{91240B29-F687-4f45-9708-019B960494DF}">
-              <a14:hiddenLine xmlns="" xmlns:a14="http://schemas.microsoft.com/office/drawing/2010/main" w="9525">
+              <a14:hiddenLine xmlns:a14="http://schemas.microsoft.com/office/drawing/2010/main" xmlns="" w="9525">
                 <a:solidFill>
                   <a:srgbClr val="000000"/>
                 </a:solidFill>
@@ -9768,14 +9820,14 @@
           </a:ln>
           <a:extLst>
             <a:ext uri="{909E8E84-426E-40dd-AFC4-6F175D3DCCD1}">
-              <a14:hiddenFill xmlns="" xmlns:a14="http://schemas.microsoft.com/office/drawing/2010/main">
+              <a14:hiddenFill xmlns:a14="http://schemas.microsoft.com/office/drawing/2010/main" xmlns="">
                 <a:solidFill>
                   <a:srgbClr val="FFFFFF"/>
                 </a:solidFill>
               </a14:hiddenFill>
             </a:ext>
             <a:ext uri="{91240B29-F687-4f45-9708-019B960494DF}">
-              <a14:hiddenLine xmlns="" xmlns:a14="http://schemas.microsoft.com/office/drawing/2010/main" w="9525">
+              <a14:hiddenLine xmlns:a14="http://schemas.microsoft.com/office/drawing/2010/main" xmlns="" w="9525">
                 <a:solidFill>
                   <a:srgbClr val="000000"/>
                 </a:solidFill>
@@ -11147,14 +11199,14 @@
           </a:ln>
           <a:extLst>
             <a:ext uri="{909E8E84-426E-40dd-AFC4-6F175D3DCCD1}">
-              <a14:hiddenFill xmlns="" xmlns:a14="http://schemas.microsoft.com/office/drawing/2010/main">
+              <a14:hiddenFill xmlns:a14="http://schemas.microsoft.com/office/drawing/2010/main" xmlns="">
                 <a:solidFill>
                   <a:srgbClr val="FFFFFF"/>
                 </a:solidFill>
               </a14:hiddenFill>
             </a:ext>
             <a:ext uri="{91240B29-F687-4f45-9708-019B960494DF}">
-              <a14:hiddenLine xmlns="" xmlns:a14="http://schemas.microsoft.com/office/drawing/2010/main" w="9525">
+              <a14:hiddenLine xmlns:a14="http://schemas.microsoft.com/office/drawing/2010/main" xmlns="" w="9525">
                 <a:solidFill>
                   <a:srgbClr val="000000"/>
                 </a:solidFill>
@@ -11442,14 +11494,14 @@
           </a:ln>
           <a:extLst>
             <a:ext uri="{909E8E84-426E-40dd-AFC4-6F175D3DCCD1}">
-              <a14:hiddenFill xmlns="" xmlns:a14="http://schemas.microsoft.com/office/drawing/2010/main">
+              <a14:hiddenFill xmlns:a14="http://schemas.microsoft.com/office/drawing/2010/main" xmlns="">
                 <a:solidFill>
                   <a:srgbClr val="FFFFFF"/>
                 </a:solidFill>
               </a14:hiddenFill>
             </a:ext>
             <a:ext uri="{91240B29-F687-4f45-9708-019B960494DF}">
-              <a14:hiddenLine xmlns="" xmlns:a14="http://schemas.microsoft.com/office/drawing/2010/main" w="9525">
+              <a14:hiddenLine xmlns:a14="http://schemas.microsoft.com/office/drawing/2010/main" xmlns="" w="9525">
                 <a:solidFill>
                   <a:srgbClr val="000000"/>
                 </a:solidFill>
@@ -11815,14 +11867,14 @@
           </a:ln>
           <a:extLst>
             <a:ext uri="{909E8E84-426E-40dd-AFC4-6F175D3DCCD1}">
-              <a14:hiddenFill xmlns="" xmlns:a14="http://schemas.microsoft.com/office/drawing/2010/main">
+              <a14:hiddenFill xmlns:a14="http://schemas.microsoft.com/office/drawing/2010/main" xmlns="">
                 <a:solidFill>
                   <a:srgbClr val="FFFFFF"/>
                 </a:solidFill>
               </a14:hiddenFill>
             </a:ext>
             <a:ext uri="{91240B29-F687-4f45-9708-019B960494DF}">
-              <a14:hiddenLine xmlns="" xmlns:a14="http://schemas.microsoft.com/office/drawing/2010/main" w="9525">
+              <a14:hiddenLine xmlns:a14="http://schemas.microsoft.com/office/drawing/2010/main" xmlns="" w="9525">
                 <a:solidFill>
                   <a:srgbClr val="000000"/>
                 </a:solidFill>
